--- a/Presentations/multiPeriodOptimization_aryan_ritwajeet_jha.pptx
+++ b/Presentations/multiPeriodOptimization_aryan_ritwajeet_jha.pptx
@@ -5,29 +5,34 @@
     <p:sldMasterId id="2147483686" r:id="rId4"/>
   </p:sldMasterIdLst>
   <p:notesMasterIdLst>
-    <p:notesMasterId r:id="rId22"/>
+    <p:notesMasterId r:id="rId27"/>
   </p:notesMasterIdLst>
   <p:handoutMasterIdLst>
-    <p:handoutMasterId r:id="rId23"/>
+    <p:handoutMasterId r:id="rId28"/>
   </p:handoutMasterIdLst>
   <p:sldIdLst>
     <p:sldId id="257" r:id="rId5"/>
-    <p:sldId id="258" r:id="rId6"/>
-    <p:sldId id="282" r:id="rId7"/>
-    <p:sldId id="283" r:id="rId8"/>
-    <p:sldId id="284" r:id="rId9"/>
-    <p:sldId id="285" r:id="rId10"/>
-    <p:sldId id="286" r:id="rId11"/>
-    <p:sldId id="288" r:id="rId12"/>
-    <p:sldId id="289" r:id="rId13"/>
-    <p:sldId id="290" r:id="rId14"/>
-    <p:sldId id="292" r:id="rId15"/>
-    <p:sldId id="291" r:id="rId16"/>
-    <p:sldId id="294" r:id="rId17"/>
-    <p:sldId id="293" r:id="rId18"/>
-    <p:sldId id="295" r:id="rId19"/>
-    <p:sldId id="296" r:id="rId20"/>
-    <p:sldId id="287" r:id="rId21"/>
+    <p:sldId id="297" r:id="rId6"/>
+    <p:sldId id="298" r:id="rId7"/>
+    <p:sldId id="299" r:id="rId8"/>
+    <p:sldId id="301" r:id="rId9"/>
+    <p:sldId id="258" r:id="rId10"/>
+    <p:sldId id="282" r:id="rId11"/>
+    <p:sldId id="283" r:id="rId12"/>
+    <p:sldId id="284" r:id="rId13"/>
+    <p:sldId id="285" r:id="rId14"/>
+    <p:sldId id="286" r:id="rId15"/>
+    <p:sldId id="288" r:id="rId16"/>
+    <p:sldId id="289" r:id="rId17"/>
+    <p:sldId id="290" r:id="rId18"/>
+    <p:sldId id="292" r:id="rId19"/>
+    <p:sldId id="291" r:id="rId20"/>
+    <p:sldId id="294" r:id="rId21"/>
+    <p:sldId id="293" r:id="rId22"/>
+    <p:sldId id="295" r:id="rId23"/>
+    <p:sldId id="296" r:id="rId24"/>
+    <p:sldId id="287" r:id="rId25"/>
+    <p:sldId id="300" r:id="rId26"/>
   </p:sldIdLst>
   <p:sldSz cx="12192000" cy="6858000"/>
   <p:notesSz cx="6858000" cy="9144000"/>
@@ -3244,7 +3249,7 @@
           <a:p>
             <a:fld id="{D542D976-EE9F-4D81-93B4-309048736BC3}" type="datetimeFigureOut">
               <a:rPr lang="en-US" smtClean="0"/>
-              <a:t>5/30/2023</a:t>
+              <a:t>6/4/2023</a:t>
             </a:fld>
             <a:endParaRPr lang="en-US"/>
           </a:p>
@@ -3421,7 +3426,7 @@
           <a:p>
             <a:fld id="{10CB9D09-B8C5-4B94-B5DC-AF4ED464E025}" type="datetimeFigureOut">
               <a:rPr lang="en-US" smtClean="0"/>
-              <a:t>5/30/2023</a:t>
+              <a:t>6/4/2023</a:t>
             </a:fld>
             <a:endParaRPr lang="en-US"/>
           </a:p>
@@ -3854,7 +3859,7 @@
           <a:p>
             <a:fld id="{85CEC689-B63F-4B6D-AF6D-31DA368AC821}" type="slidenum">
               <a:rPr lang="en-US" smtClean="0"/>
-              <a:t>13</a:t>
+              <a:t>17</a:t>
             </a:fld>
             <a:endParaRPr lang="en-US"/>
           </a:p>
@@ -3938,7 +3943,7 @@
           <a:p>
             <a:fld id="{85CEC689-B63F-4B6D-AF6D-31DA368AC821}" type="slidenum">
               <a:rPr lang="en-US" smtClean="0"/>
-              <a:t>14</a:t>
+              <a:t>18</a:t>
             </a:fld>
             <a:endParaRPr lang="en-US"/>
           </a:p>
@@ -4022,7 +4027,7 @@
           <a:p>
             <a:fld id="{85CEC689-B63F-4B6D-AF6D-31DA368AC821}" type="slidenum">
               <a:rPr lang="en-US" smtClean="0"/>
-              <a:t>15</a:t>
+              <a:t>19</a:t>
             </a:fld>
             <a:endParaRPr lang="en-US"/>
           </a:p>
@@ -4106,7 +4111,7 @@
           <a:p>
             <a:fld id="{85CEC689-B63F-4B6D-AF6D-31DA368AC821}" type="slidenum">
               <a:rPr lang="en-US" smtClean="0"/>
-              <a:t>16</a:t>
+              <a:t>20</a:t>
             </a:fld>
             <a:endParaRPr lang="en-US"/>
           </a:p>
@@ -9625,10 +9630,10 @@
       </p:grpSpPr>
       <p:sp>
         <p:nvSpPr>
-          <p:cNvPr id="2" name="Title 1">
+          <p:cNvPr id="3" name="Content Placeholder 2">
             <a:extLst>
               <a:ext uri="{FF2B5EF4-FFF2-40B4-BE49-F238E27FC236}">
-                <a16:creationId xmlns:a16="http://schemas.microsoft.com/office/drawing/2014/main" id="{45DF1785-83CB-4F7A-820B-C600AC43B067}"/>
+                <a16:creationId xmlns:a16="http://schemas.microsoft.com/office/drawing/2014/main" id="{64BE6767-30AA-41AB-8C0B-29F30741AF76}"/>
               </a:ext>
             </a:extLst>
           </p:cNvPr>
@@ -9636,144 +9641,52 @@
             <a:spLocks noGrp="1"/>
           </p:cNvSpPr>
           <p:nvPr>
-            <p:ph type="title"/>
+            <p:ph idx="1"/>
           </p:nvPr>
         </p:nvSpPr>
         <p:spPr>
           <a:xfrm>
-            <a:off x="1064418" y="376654"/>
-            <a:ext cx="10063163" cy="1015584"/>
+            <a:off x="1077686" y="2248664"/>
+            <a:ext cx="10063163" cy="4286531"/>
           </a:xfrm>
-          <a:ln w="38100">
-            <a:solidFill>
-              <a:schemeClr val="bg2">
-                <a:lumMod val="40000"/>
-                <a:lumOff val="60000"/>
-              </a:schemeClr>
-            </a:solidFill>
-          </a:ln>
         </p:spPr>
         <p:txBody>
           <a:bodyPr>
-            <a:normAutofit fontScale="90000"/>
+            <a:normAutofit/>
           </a:bodyPr>
           <a:lstStyle/>
           <a:p>
-            <a:r>
-              <a:rPr lang="en-US" b="0" dirty="0">
-                <a:latin typeface="Times New Roman" panose="02020603050405020304" pitchFamily="18" charset="0"/>
-                <a:cs typeface="Times New Roman" panose="02020603050405020304" pitchFamily="18" charset="0"/>
-              </a:rPr>
-              <a:t>Optimal Multi-Period Dispatch of Distributed Energy Resources in Unbalanced Distribution Feeders</a:t>
+            <a:pPr lvl="1"/>
+            <a:r>
+              <a:rPr lang="en-US" dirty="0"/>
+              <a:t>Traditionally, </a:t>
+            </a:r>
+            <a:r>
+              <a:rPr lang="en-US" i="1" dirty="0" err="1"/>
+              <a:t>DistFlow</a:t>
+            </a:r>
+            <a:r>
+              <a:rPr lang="en-US" i="1" dirty="0"/>
+              <a:t> </a:t>
+            </a:r>
+            <a:r>
+              <a:rPr lang="en-US" dirty="0"/>
+              <a:t>algorithms based on the Branch Flow Model (BFM), which are an exact non-linear formulation of the distribution power flow equations, only work on balanced single-phase equivalent networks.</a:t>
+            </a:r>
+          </a:p>
+          <a:p>
+            <a:pPr lvl="1"/>
+            <a:endParaRPr lang="en-US" dirty="0"/>
+          </a:p>
+          <a:p>
+            <a:pPr lvl="1"/>
+            <a:r>
+              <a:rPr lang="en-US" dirty="0"/>
+              <a:t>But Distribution Networks are inherently unbalanced.</a:t>
             </a:r>
           </a:p>
         </p:txBody>
       </p:sp>
-      <p:graphicFrame>
-        <p:nvGraphicFramePr>
-          <p:cNvPr id="4" name="Diagram 3">
-            <a:extLst>
-              <a:ext uri="{FF2B5EF4-FFF2-40B4-BE49-F238E27FC236}">
-                <a16:creationId xmlns:a16="http://schemas.microsoft.com/office/drawing/2014/main" id="{6E8D8754-8752-D118-4DFD-F18A5E6DEF52}"/>
-              </a:ext>
-            </a:extLst>
-          </p:cNvPr>
-          <p:cNvGraphicFramePr/>
-          <p:nvPr>
-            <p:extLst>
-              <p:ext uri="{D42A27DB-BD31-4B8C-83A1-F6EECF244321}">
-                <p14:modId xmlns:p14="http://schemas.microsoft.com/office/powerpoint/2010/main" val="2816914712"/>
-              </p:ext>
-            </p:extLst>
-          </p:nvPr>
-        </p:nvGraphicFramePr>
-        <p:xfrm>
-          <a:off x="600076" y="1486506"/>
-          <a:ext cx="11371966" cy="5253659"/>
-        </p:xfrm>
-        <a:graphic>
-          <a:graphicData uri="http://schemas.openxmlformats.org/drawingml/2006/diagram">
-            <dgm:relIds xmlns:dgm="http://schemas.openxmlformats.org/drawingml/2006/diagram" xmlns:r="http://schemas.openxmlformats.org/officeDocument/2006/relationships" r:dm="rId2" r:lo="rId3" r:qs="rId4" r:cs="rId5"/>
-          </a:graphicData>
-        </a:graphic>
-      </p:graphicFrame>
-      <p:sp>
-        <p:nvSpPr>
-          <p:cNvPr id="11" name="TextBox 10">
-            <a:extLst>
-              <a:ext uri="{FF2B5EF4-FFF2-40B4-BE49-F238E27FC236}">
-                <a16:creationId xmlns:a16="http://schemas.microsoft.com/office/drawing/2014/main" id="{7C9DD76A-A77D-5721-DDB8-8503776FF432}"/>
-              </a:ext>
-            </a:extLst>
-          </p:cNvPr>
-          <p:cNvSpPr txBox="1"/>
-          <p:nvPr/>
-        </p:nvSpPr>
-        <p:spPr>
-          <a:xfrm>
-            <a:off x="867659" y="1828115"/>
-            <a:ext cx="2640316" cy="523220"/>
-          </a:xfrm>
-          <a:prstGeom prst="rect">
-            <a:avLst/>
-          </a:prstGeom>
-          <a:noFill/>
-          <a:ln>
-            <a:solidFill>
-              <a:schemeClr val="bg2">
-                <a:lumMod val="40000"/>
-                <a:lumOff val="60000"/>
-              </a:schemeClr>
-            </a:solidFill>
-          </a:ln>
-        </p:spPr>
-        <p:txBody>
-          <a:bodyPr wrap="square" rtlCol="0">
-            <a:spAutoFit/>
-          </a:bodyPr>
-          <a:lstStyle/>
-          <a:p>
-            <a:r>
-              <a:rPr lang="en-US" sz="2800" dirty="0">
-                <a:solidFill>
-                  <a:schemeClr val="bg1"/>
-                </a:solidFill>
-              </a:rPr>
-              <a:t>The Process</a:t>
-            </a:r>
-          </a:p>
-        </p:txBody>
-      </p:sp>
-    </p:spTree>
-    <p:extLst>
-      <p:ext uri="{BB962C8B-B14F-4D97-AF65-F5344CB8AC3E}">
-        <p14:creationId xmlns:p14="http://schemas.microsoft.com/office/powerpoint/2010/main" val="4032008920"/>
-      </p:ext>
-    </p:extLst>
-  </p:cSld>
-  <p:clrMapOvr>
-    <a:masterClrMapping/>
-  </p:clrMapOvr>
-</p:sld>
-</file>
-
-<file path=ppt/slides/slide11.xml><?xml version="1.0" encoding="utf-8"?>
-<p:sld xmlns:a="http://schemas.openxmlformats.org/drawingml/2006/main" xmlns:r="http://schemas.openxmlformats.org/officeDocument/2006/relationships" xmlns:p="http://schemas.openxmlformats.org/presentationml/2006/main">
-  <p:cSld>
-    <p:spTree>
-      <p:nvGrpSpPr>
-        <p:cNvPr id="1" name=""/>
-        <p:cNvGrpSpPr/>
-        <p:nvPr/>
-      </p:nvGrpSpPr>
-      <p:grpSpPr>
-        <a:xfrm>
-          <a:off x="0" y="0"/>
-          <a:ext cx="0" cy="0"/>
-          <a:chOff x="0" y="0"/>
-          <a:chExt cx="0" cy="0"/>
-        </a:xfrm>
-      </p:grpSpPr>
       <p:sp>
         <p:nvSpPr>
           <p:cNvPr id="2" name="Title 1">
@@ -9820,240 +9733,10 @@
           </a:p>
         </p:txBody>
       </p:sp>
-      <p:sp>
-        <p:nvSpPr>
-          <p:cNvPr id="11" name="TextBox 10">
-            <a:extLst>
-              <a:ext uri="{FF2B5EF4-FFF2-40B4-BE49-F238E27FC236}">
-                <a16:creationId xmlns:a16="http://schemas.microsoft.com/office/drawing/2014/main" id="{7C9DD76A-A77D-5721-DDB8-8503776FF432}"/>
-              </a:ext>
-            </a:extLst>
-          </p:cNvPr>
-          <p:cNvSpPr txBox="1"/>
-          <p:nvPr/>
-        </p:nvSpPr>
-        <p:spPr>
-          <a:xfrm>
-            <a:off x="867659" y="1828115"/>
-            <a:ext cx="2640316" cy="523220"/>
-          </a:xfrm>
-          <a:prstGeom prst="rect">
-            <a:avLst/>
-          </a:prstGeom>
-          <a:noFill/>
-          <a:ln>
-            <a:solidFill>
-              <a:schemeClr val="bg2">
-                <a:lumMod val="40000"/>
-                <a:lumOff val="60000"/>
-              </a:schemeClr>
-            </a:solidFill>
-          </a:ln>
-        </p:spPr>
-        <p:txBody>
-          <a:bodyPr wrap="square" rtlCol="0">
-            <a:spAutoFit/>
-          </a:bodyPr>
-          <a:lstStyle/>
-          <a:p>
-            <a:r>
-              <a:rPr lang="en-US" sz="2800" dirty="0">
-                <a:solidFill>
-                  <a:schemeClr val="bg1"/>
-                </a:solidFill>
-              </a:rPr>
-              <a:t>The Process</a:t>
-            </a:r>
-          </a:p>
-        </p:txBody>
-      </p:sp>
-      <p:pic>
-        <p:nvPicPr>
-          <p:cNvPr id="5" name="Picture 4">
-            <a:extLst>
-              <a:ext uri="{FF2B5EF4-FFF2-40B4-BE49-F238E27FC236}">
-                <a16:creationId xmlns:a16="http://schemas.microsoft.com/office/drawing/2014/main" id="{0AC97D59-505B-282A-F887-E99C53706F78}"/>
-              </a:ext>
-            </a:extLst>
-          </p:cNvPr>
-          <p:cNvPicPr>
-            <a:picLocks noChangeAspect="1"/>
-          </p:cNvPicPr>
-          <p:nvPr/>
-        </p:nvPicPr>
-        <p:blipFill>
-          <a:blip r:embed="rId2"/>
-          <a:stretch>
-            <a:fillRect/>
-          </a:stretch>
-        </p:blipFill>
-        <p:spPr>
-          <a:xfrm>
-            <a:off x="390057" y="2442940"/>
-            <a:ext cx="6687483" cy="3191320"/>
-          </a:xfrm>
-          <a:prstGeom prst="rect">
-            <a:avLst/>
-          </a:prstGeom>
-          <a:ln>
-            <a:solidFill>
-              <a:schemeClr val="bg2">
-                <a:lumMod val="40000"/>
-                <a:lumOff val="60000"/>
-              </a:schemeClr>
-            </a:solidFill>
-          </a:ln>
-        </p:spPr>
-      </p:pic>
-      <p:sp>
-        <p:nvSpPr>
-          <p:cNvPr id="6" name="TextBox 5">
-            <a:extLst>
-              <a:ext uri="{FF2B5EF4-FFF2-40B4-BE49-F238E27FC236}">
-                <a16:creationId xmlns:a16="http://schemas.microsoft.com/office/drawing/2014/main" id="{72680ED8-9532-1377-C217-167F8DDE1E40}"/>
-              </a:ext>
-            </a:extLst>
-          </p:cNvPr>
-          <p:cNvSpPr txBox="1"/>
-          <p:nvPr/>
-        </p:nvSpPr>
-        <p:spPr>
-          <a:xfrm>
-            <a:off x="390057" y="5743922"/>
-            <a:ext cx="6687484" cy="923330"/>
-          </a:xfrm>
-          <a:prstGeom prst="rect">
-            <a:avLst/>
-          </a:prstGeom>
-          <a:noFill/>
-          <a:ln>
-            <a:solidFill>
-              <a:schemeClr val="bg2">
-                <a:lumMod val="40000"/>
-                <a:lumOff val="60000"/>
-              </a:schemeClr>
-            </a:solidFill>
-          </a:ln>
-        </p:spPr>
-        <p:txBody>
-          <a:bodyPr wrap="square" rtlCol="0">
-            <a:spAutoFit/>
-          </a:bodyPr>
-          <a:lstStyle/>
-          <a:p>
-            <a:r>
-              <a:rPr lang="en-US" dirty="0">
-                <a:solidFill>
-                  <a:schemeClr val="bg1"/>
-                </a:solidFill>
-              </a:rPr>
-              <a:t>Fig. Coupling of SOCP with NLP by fixing real power solutions from SOCP and hence decoupling the NLP to obtain a feasible solution. </a:t>
-            </a:r>
-            <a:r>
-              <a:rPr lang="en-US" b="1" i="1" dirty="0">
-                <a:solidFill>
-                  <a:schemeClr val="bg1"/>
-                </a:solidFill>
-              </a:rPr>
-              <a:t>(What? How?)</a:t>
-            </a:r>
-          </a:p>
-        </p:txBody>
-      </p:sp>
-      <p:pic>
-        <p:nvPicPr>
-          <p:cNvPr id="8" name="Picture 7">
-            <a:extLst>
-              <a:ext uri="{FF2B5EF4-FFF2-40B4-BE49-F238E27FC236}">
-                <a16:creationId xmlns:a16="http://schemas.microsoft.com/office/drawing/2014/main" id="{38759294-2182-23C6-E864-8EDE879C67C8}"/>
-              </a:ext>
-            </a:extLst>
-          </p:cNvPr>
-          <p:cNvPicPr>
-            <a:picLocks noChangeAspect="1"/>
-          </p:cNvPicPr>
-          <p:nvPr/>
-        </p:nvPicPr>
-        <p:blipFill>
-          <a:blip r:embed="rId3"/>
-          <a:stretch>
-            <a:fillRect/>
-          </a:stretch>
-        </p:blipFill>
-        <p:spPr>
-          <a:xfrm>
-            <a:off x="7258515" y="2442940"/>
-            <a:ext cx="4751086" cy="3191320"/>
-          </a:xfrm>
-          <a:prstGeom prst="rect">
-            <a:avLst/>
-          </a:prstGeom>
-          <a:ln>
-            <a:solidFill>
-              <a:schemeClr val="bg2">
-                <a:lumMod val="40000"/>
-                <a:lumOff val="60000"/>
-              </a:schemeClr>
-            </a:solidFill>
-          </a:ln>
-        </p:spPr>
-      </p:pic>
-      <p:sp>
-        <p:nvSpPr>
-          <p:cNvPr id="12" name="TextBox 11">
-            <a:extLst>
-              <a:ext uri="{FF2B5EF4-FFF2-40B4-BE49-F238E27FC236}">
-                <a16:creationId xmlns:a16="http://schemas.microsoft.com/office/drawing/2014/main" id="{635779B3-FFB5-C54A-2480-54ECABAD79A1}"/>
-              </a:ext>
-            </a:extLst>
-          </p:cNvPr>
-          <p:cNvSpPr txBox="1"/>
-          <p:nvPr/>
-        </p:nvSpPr>
-        <p:spPr>
-          <a:xfrm>
-            <a:off x="7258515" y="5743922"/>
-            <a:ext cx="4751086" cy="923330"/>
-          </a:xfrm>
-          <a:prstGeom prst="rect">
-            <a:avLst/>
-          </a:prstGeom>
-          <a:noFill/>
-          <a:ln>
-            <a:solidFill>
-              <a:schemeClr val="bg2">
-                <a:lumMod val="40000"/>
-                <a:lumOff val="60000"/>
-              </a:schemeClr>
-            </a:solidFill>
-          </a:ln>
-        </p:spPr>
-        <p:txBody>
-          <a:bodyPr wrap="square" rtlCol="0">
-            <a:spAutoFit/>
-          </a:bodyPr>
-          <a:lstStyle/>
-          <a:p>
-            <a:r>
-              <a:rPr lang="en-US" dirty="0">
-                <a:solidFill>
-                  <a:schemeClr val="bg1"/>
-                </a:solidFill>
-              </a:rPr>
-              <a:t>Fig. Available reactive power variation range for NLP across multiple time-steps based on the active power trajectory provided by the SOCP.</a:t>
-            </a:r>
-            <a:endParaRPr lang="en-US" b="1" i="1" dirty="0">
-              <a:solidFill>
-                <a:schemeClr val="bg1"/>
-              </a:solidFill>
-            </a:endParaRPr>
-          </a:p>
-        </p:txBody>
-      </p:sp>
     </p:spTree>
     <p:extLst>
       <p:ext uri="{BB962C8B-B14F-4D97-AF65-F5344CB8AC3E}">
-        <p14:creationId xmlns:p14="http://schemas.microsoft.com/office/powerpoint/2010/main" val="60217219"/>
+        <p14:creationId xmlns:p14="http://schemas.microsoft.com/office/powerpoint/2010/main" val="1321834617"/>
       </p:ext>
     </p:extLst>
   </p:cSld>
@@ -10063,2498 +9746,7 @@
 </p:sld>
 </file>
 
-<file path=ppt/slides/slide12.xml><?xml version="1.0" encoding="utf-8"?>
-<p:sld xmlns:a="http://schemas.openxmlformats.org/drawingml/2006/main" xmlns:r="http://schemas.openxmlformats.org/officeDocument/2006/relationships" xmlns:p="http://schemas.openxmlformats.org/presentationml/2006/main">
-  <p:cSld>
-    <p:spTree>
-      <p:nvGrpSpPr>
-        <p:cNvPr id="1" name=""/>
-        <p:cNvGrpSpPr/>
-        <p:nvPr/>
-      </p:nvGrpSpPr>
-      <p:grpSpPr>
-        <a:xfrm>
-          <a:off x="0" y="0"/>
-          <a:ext cx="0" cy="0"/>
-          <a:chOff x="0" y="0"/>
-          <a:chExt cx="0" cy="0"/>
-        </a:xfrm>
-      </p:grpSpPr>
-      <mc:AlternateContent xmlns:mc="http://schemas.openxmlformats.org/markup-compatibility/2006" xmlns:a14="http://schemas.microsoft.com/office/drawing/2010/main">
-        <mc:Choice Requires="a14">
-          <p:sp>
-            <p:nvSpPr>
-              <p:cNvPr id="3" name="Content Placeholder 2">
-                <a:extLst>
-                  <a:ext uri="{FF2B5EF4-FFF2-40B4-BE49-F238E27FC236}">
-                    <a16:creationId xmlns:a16="http://schemas.microsoft.com/office/drawing/2014/main" id="{64BE6767-30AA-41AB-8C0B-29F30741AF76}"/>
-                  </a:ext>
-                </a:extLst>
-              </p:cNvPr>
-              <p:cNvSpPr>
-                <a:spLocks noGrp="1"/>
-              </p:cNvSpPr>
-              <p:nvPr>
-                <p:ph idx="1"/>
-              </p:nvPr>
-            </p:nvSpPr>
-            <p:spPr>
-              <a:xfrm>
-                <a:off x="1077687" y="2248664"/>
-                <a:ext cx="10418988" cy="4286531"/>
-              </a:xfrm>
-              <a:ln>
-                <a:solidFill>
-                  <a:schemeClr val="bg2">
-                    <a:lumMod val="20000"/>
-                    <a:lumOff val="80000"/>
-                  </a:schemeClr>
-                </a:solidFill>
-              </a:ln>
-            </p:spPr>
-            <p:txBody>
-              <a:bodyPr>
-                <a:normAutofit/>
-              </a:bodyPr>
-              <a:lstStyle/>
-              <a:p>
-                <a:pPr marL="182880" lvl="1" indent="0">
-                  <a:buNone/>
-                </a:pPr>
-                <a:r>
-                  <a:rPr lang="en-US" sz="2800" dirty="0"/>
-                  <a:t>Case Study Description</a:t>
-                </a:r>
-              </a:p>
-              <a:p>
-                <a:pPr lvl="1"/>
-                <a:r>
-                  <a:rPr lang="en-US" dirty="0"/>
-                  <a:t>Distributed Storage and Solar PV Units randomly added to </a:t>
-                </a:r>
-                <a14:m>
-                  <m:oMath xmlns:m="http://schemas.openxmlformats.org/officeDocument/2006/math">
-                    <m:r>
-                      <a:rPr lang="en-US" b="0" i="1" smtClean="0">
-                        <a:latin typeface="Cambria Math" panose="02040503050406030204" pitchFamily="18" charset="0"/>
-                      </a:rPr>
-                      <m:t>16</m:t>
-                    </m:r>
-                  </m:oMath>
-                </a14:m>
-                <a:r>
-                  <a:rPr lang="en-US" b="0" dirty="0"/>
-                  <a:t> nodes</a:t>
-                </a:r>
-              </a:p>
-              <a:p>
-                <a:pPr lvl="2"/>
-                <a:r>
-                  <a:rPr lang="en-US" dirty="0"/>
-                  <a:t>They can supply active and reactive power through four quadrant operation.</a:t>
-                </a:r>
-              </a:p>
-              <a:p>
-                <a:pPr lvl="2"/>
-                <a:r>
-                  <a:rPr lang="en-US" dirty="0"/>
-                  <a:t>Each storage unit has capacity </a:t>
-                </a:r>
-                <a14:m>
-                  <m:oMath xmlns:m="http://schemas.openxmlformats.org/officeDocument/2006/math">
-                    <m:r>
-                      <a:rPr lang="en-US" b="0" i="1" smtClean="0">
-                        <a:latin typeface="Cambria Math" panose="02040503050406030204" pitchFamily="18" charset="0"/>
-                      </a:rPr>
-                      <m:t>=40</m:t>
-                    </m:r>
-                    <m:r>
-                      <a:rPr lang="en-US" b="0" i="1" smtClean="0">
-                        <a:latin typeface="Cambria Math" panose="02040503050406030204" pitchFamily="18" charset="0"/>
-                      </a:rPr>
-                      <m:t>𝑘𝑊h</m:t>
-                    </m:r>
-                  </m:oMath>
-                </a14:m>
-                <a:r>
-                  <a:rPr lang="en-US" dirty="0"/>
-                  <a:t> and apparent power rating </a:t>
-                </a:r>
-                <a14:m>
-                  <m:oMath xmlns:m="http://schemas.openxmlformats.org/officeDocument/2006/math">
-                    <m:r>
-                      <a:rPr lang="en-US" b="0" i="1" smtClean="0">
-                        <a:latin typeface="Cambria Math" panose="02040503050406030204" pitchFamily="18" charset="0"/>
-                      </a:rPr>
-                      <m:t>=50</m:t>
-                    </m:r>
-                    <m:r>
-                      <a:rPr lang="en-US" b="0" i="1" smtClean="0">
-                        <a:latin typeface="Cambria Math" panose="02040503050406030204" pitchFamily="18" charset="0"/>
-                      </a:rPr>
-                      <m:t>𝑘𝑉𝐴</m:t>
-                    </m:r>
-                  </m:oMath>
-                </a14:m>
-                <a:endParaRPr lang="en-US" dirty="0"/>
-              </a:p>
-              <a:p>
-                <a:pPr lvl="2"/>
-                <a:r>
-                  <a:rPr lang="en-US" dirty="0"/>
-                  <a:t>Each solar PV unit has a rating </a:t>
-                </a:r>
-                <a14:m>
-                  <m:oMath xmlns:m="http://schemas.openxmlformats.org/officeDocument/2006/math">
-                    <m:r>
-                      <a:rPr lang="en-US" b="0" i="1" smtClean="0">
-                        <a:latin typeface="Cambria Math" panose="02040503050406030204" pitchFamily="18" charset="0"/>
-                      </a:rPr>
-                      <m:t>=100</m:t>
-                    </m:r>
-                    <m:r>
-                      <a:rPr lang="en-US" b="0" i="1" smtClean="0">
-                        <a:latin typeface="Cambria Math" panose="02040503050406030204" pitchFamily="18" charset="0"/>
-                      </a:rPr>
-                      <m:t>𝑘𝑉𝐴</m:t>
-                    </m:r>
-                  </m:oMath>
-                </a14:m>
-                <a:endParaRPr lang="en-US" dirty="0"/>
-              </a:p>
-              <a:p>
-                <a:pPr lvl="1"/>
-                <a:endParaRPr lang="en-US" dirty="0"/>
-              </a:p>
-              <a:p>
-                <a:pPr lvl="1"/>
-                <a:r>
-                  <a:rPr lang="en-US" dirty="0"/>
-                  <a:t>Solar and Load Profile prediction horizon </a:t>
-                </a:r>
-                <a14:m>
-                  <m:oMath xmlns:m="http://schemas.openxmlformats.org/officeDocument/2006/math">
-                    <m:r>
-                      <a:rPr lang="en-US" b="0" i="1" smtClean="0">
-                        <a:latin typeface="Cambria Math" panose="02040503050406030204" pitchFamily="18" charset="0"/>
-                      </a:rPr>
-                      <m:t>30 </m:t>
-                    </m:r>
-                    <m:r>
-                      <a:rPr lang="en-US" b="0" i="1" smtClean="0">
-                        <a:latin typeface="Cambria Math" panose="02040503050406030204" pitchFamily="18" charset="0"/>
-                      </a:rPr>
-                      <m:t>𝑠𝑡𝑒𝑝𝑠</m:t>
-                    </m:r>
-                    <m:r>
-                      <a:rPr lang="en-US" b="0" i="0" smtClean="0">
-                        <a:latin typeface="Cambria Math" panose="02040503050406030204" pitchFamily="18" charset="0"/>
-                      </a:rPr>
-                      <m:t>=30 </m:t>
-                    </m:r>
-                    <m:r>
-                      <a:rPr lang="en-US" b="0" i="1" smtClean="0">
-                        <a:latin typeface="Cambria Math" panose="02040503050406030204" pitchFamily="18" charset="0"/>
-                      </a:rPr>
-                      <m:t>𝑚𝑖𝑛</m:t>
-                    </m:r>
-                    <m:r>
-                      <a:rPr lang="en-US" b="0" i="0" smtClean="0">
-                        <a:latin typeface="Cambria Math" panose="02040503050406030204" pitchFamily="18" charset="0"/>
-                      </a:rPr>
-                      <m:t>.</m:t>
-                    </m:r>
-                  </m:oMath>
-                </a14:m>
-                <a:endParaRPr lang="en-US" dirty="0"/>
-              </a:p>
-              <a:p>
-                <a:pPr lvl="2"/>
-                <a:r>
-                  <a:rPr lang="en-US" dirty="0"/>
-                  <a:t>Each step </a:t>
-                </a:r>
-                <a14:m>
-                  <m:oMath xmlns:m="http://schemas.openxmlformats.org/officeDocument/2006/math">
-                    <m:r>
-                      <a:rPr lang="en-US" b="0" i="1" smtClean="0">
-                        <a:latin typeface="Cambria Math" panose="02040503050406030204" pitchFamily="18" charset="0"/>
-                      </a:rPr>
-                      <m:t>=1 </m:t>
-                    </m:r>
-                    <m:r>
-                      <a:rPr lang="en-US" b="0" i="1" smtClean="0">
-                        <a:latin typeface="Cambria Math" panose="02040503050406030204" pitchFamily="18" charset="0"/>
-                      </a:rPr>
-                      <m:t>𝑚𝑖𝑛</m:t>
-                    </m:r>
-                    <m:r>
-                      <a:rPr lang="en-US" b="0" i="1" smtClean="0">
-                        <a:latin typeface="Cambria Math" panose="02040503050406030204" pitchFamily="18" charset="0"/>
-                      </a:rPr>
-                      <m:t>.</m:t>
-                    </m:r>
-                  </m:oMath>
-                </a14:m>
-                <a:endParaRPr lang="en-US" dirty="0"/>
-              </a:p>
-              <a:p>
-                <a:pPr marL="182880" lvl="1" indent="0">
-                  <a:buNone/>
-                </a:pPr>
-                <a:endParaRPr lang="en-US" dirty="0"/>
-              </a:p>
-              <a:p>
-                <a:pPr marL="182880" lvl="1" indent="0">
-                  <a:buNone/>
-                </a:pPr>
-                <a:endParaRPr lang="en-US" dirty="0"/>
-              </a:p>
-            </p:txBody>
-          </p:sp>
-        </mc:Choice>
-        <mc:Fallback xmlns="">
-          <p:sp>
-            <p:nvSpPr>
-              <p:cNvPr id="3" name="Content Placeholder 2">
-                <a:extLst>
-                  <a:ext uri="{FF2B5EF4-FFF2-40B4-BE49-F238E27FC236}">
-                    <a16:creationId xmlns:a16="http://schemas.microsoft.com/office/drawing/2014/main" id="{64BE6767-30AA-41AB-8C0B-29F30741AF76}"/>
-                  </a:ext>
-                </a:extLst>
-              </p:cNvPr>
-              <p:cNvSpPr>
-                <a:spLocks noGrp="1" noRot="1" noChangeAspect="1" noMove="1" noResize="1" noEditPoints="1" noAdjustHandles="1" noChangeArrowheads="1" noChangeShapeType="1" noTextEdit="1"/>
-              </p:cNvSpPr>
-              <p:nvPr>
-                <p:ph idx="1"/>
-              </p:nvPr>
-            </p:nvSpPr>
-            <p:spPr>
-              <a:xfrm>
-                <a:off x="1077687" y="2248664"/>
-                <a:ext cx="10418988" cy="4286531"/>
-              </a:xfrm>
-              <a:blipFill>
-                <a:blip r:embed="rId2"/>
-                <a:stretch>
-                  <a:fillRect l="-292" t="-3262"/>
-                </a:stretch>
-              </a:blipFill>
-              <a:ln>
-                <a:solidFill>
-                  <a:schemeClr val="bg2">
-                    <a:lumMod val="20000"/>
-                    <a:lumOff val="80000"/>
-                  </a:schemeClr>
-                </a:solidFill>
-              </a:ln>
-            </p:spPr>
-            <p:txBody>
-              <a:bodyPr/>
-              <a:lstStyle/>
-              <a:p>
-                <a:r>
-                  <a:rPr lang="en-US">
-                    <a:noFill/>
-                  </a:rPr>
-                  <a:t> </a:t>
-                </a:r>
-              </a:p>
-            </p:txBody>
-          </p:sp>
-        </mc:Fallback>
-      </mc:AlternateContent>
-      <p:sp>
-        <p:nvSpPr>
-          <p:cNvPr id="2" name="Title 1">
-            <a:extLst>
-              <a:ext uri="{FF2B5EF4-FFF2-40B4-BE49-F238E27FC236}">
-                <a16:creationId xmlns:a16="http://schemas.microsoft.com/office/drawing/2014/main" id="{45DF1785-83CB-4F7A-820B-C600AC43B067}"/>
-              </a:ext>
-            </a:extLst>
-          </p:cNvPr>
-          <p:cNvSpPr>
-            <a:spLocks noGrp="1"/>
-          </p:cNvSpPr>
-          <p:nvPr>
-            <p:ph type="title"/>
-          </p:nvPr>
-        </p:nvSpPr>
-        <p:spPr>
-          <a:xfrm>
-            <a:off x="1064418" y="376654"/>
-            <a:ext cx="10063163" cy="1015584"/>
-          </a:xfrm>
-          <a:ln w="38100">
-            <a:solidFill>
-              <a:schemeClr val="bg2">
-                <a:lumMod val="40000"/>
-                <a:lumOff val="60000"/>
-              </a:schemeClr>
-            </a:solidFill>
-          </a:ln>
-        </p:spPr>
-        <p:txBody>
-          <a:bodyPr>
-            <a:normAutofit fontScale="90000"/>
-          </a:bodyPr>
-          <a:lstStyle/>
-          <a:p>
-            <a:r>
-              <a:rPr lang="en-US" b="0" dirty="0">
-                <a:latin typeface="Times New Roman" panose="02020603050405020304" pitchFamily="18" charset="0"/>
-                <a:cs typeface="Times New Roman" panose="02020603050405020304" pitchFamily="18" charset="0"/>
-              </a:rPr>
-              <a:t>Optimal Multi-Period Dispatch of Distributed Energy Resources in Unbalanced Distribution Feeders</a:t>
-            </a:r>
-          </a:p>
-        </p:txBody>
-      </p:sp>
-    </p:spTree>
-    <p:extLst>
-      <p:ext uri="{BB962C8B-B14F-4D97-AF65-F5344CB8AC3E}">
-        <p14:creationId xmlns:p14="http://schemas.microsoft.com/office/powerpoint/2010/main" val="3721111440"/>
-      </p:ext>
-    </p:extLst>
-  </p:cSld>
-  <p:clrMapOvr>
-    <a:masterClrMapping/>
-  </p:clrMapOvr>
-</p:sld>
-</file>
-
-<file path=ppt/slides/slide13.xml><?xml version="1.0" encoding="utf-8"?>
-<p:sld xmlns:a="http://schemas.openxmlformats.org/drawingml/2006/main" xmlns:r="http://schemas.openxmlformats.org/officeDocument/2006/relationships" xmlns:p="http://schemas.openxmlformats.org/presentationml/2006/main">
-  <p:cSld>
-    <p:spTree>
-      <p:nvGrpSpPr>
-        <p:cNvPr id="1" name=""/>
-        <p:cNvGrpSpPr/>
-        <p:nvPr/>
-      </p:nvGrpSpPr>
-      <p:grpSpPr>
-        <a:xfrm>
-          <a:off x="0" y="0"/>
-          <a:ext cx="0" cy="0"/>
-          <a:chOff x="0" y="0"/>
-          <a:chExt cx="0" cy="0"/>
-        </a:xfrm>
-      </p:grpSpPr>
-      <mc:AlternateContent xmlns:mc="http://schemas.openxmlformats.org/markup-compatibility/2006" xmlns:a14="http://schemas.microsoft.com/office/drawing/2010/main">
-        <mc:Choice Requires="a14">
-          <p:sp>
-            <p:nvSpPr>
-              <p:cNvPr id="3" name="Content Placeholder 2">
-                <a:extLst>
-                  <a:ext uri="{FF2B5EF4-FFF2-40B4-BE49-F238E27FC236}">
-                    <a16:creationId xmlns:a16="http://schemas.microsoft.com/office/drawing/2014/main" id="{64BE6767-30AA-41AB-8C0B-29F30741AF76}"/>
-                  </a:ext>
-                </a:extLst>
-              </p:cNvPr>
-              <p:cNvSpPr>
-                <a:spLocks noGrp="1"/>
-              </p:cNvSpPr>
-              <p:nvPr>
-                <p:ph idx="1"/>
-              </p:nvPr>
-            </p:nvSpPr>
-            <p:spPr>
-              <a:xfrm>
-                <a:off x="1077687" y="2248664"/>
-                <a:ext cx="10418988" cy="4286531"/>
-              </a:xfrm>
-              <a:ln>
-                <a:solidFill>
-                  <a:schemeClr val="bg2">
-                    <a:lumMod val="20000"/>
-                    <a:lumOff val="80000"/>
-                  </a:schemeClr>
-                </a:solidFill>
-              </a:ln>
-            </p:spPr>
-            <p:txBody>
-              <a:bodyPr>
-                <a:normAutofit/>
-              </a:bodyPr>
-              <a:lstStyle/>
-              <a:p>
-                <a:pPr marL="182880" lvl="1" indent="0">
-                  <a:buNone/>
-                </a:pPr>
-                <a:r>
-                  <a:rPr lang="en-US" sz="2800" dirty="0"/>
-                  <a:t>Case Study Description</a:t>
-                </a:r>
-              </a:p>
-              <a:p>
-                <a:pPr lvl="1"/>
-                <a:r>
-                  <a:rPr lang="en-US" dirty="0"/>
-                  <a:t>Three-phase OPF is run in a receding horizon fashion with prediction horizon of </a:t>
-                </a:r>
-                <a14:m>
-                  <m:oMath xmlns:m="http://schemas.openxmlformats.org/officeDocument/2006/math">
-                    <m:r>
-                      <a:rPr lang="en-US" b="0" i="1" smtClean="0">
-                        <a:latin typeface="Cambria Math" panose="02040503050406030204" pitchFamily="18" charset="0"/>
-                      </a:rPr>
-                      <m:t>30</m:t>
-                    </m:r>
-                  </m:oMath>
-                </a14:m>
-                <a:r>
-                  <a:rPr lang="en-US" dirty="0"/>
-                  <a:t> time-steps, for the dispatch of controllable assets of the network to </a:t>
-                </a:r>
-                <a:r>
-                  <a:rPr lang="en-US" b="1" dirty="0"/>
-                  <a:t>minimize network losses.</a:t>
-                </a:r>
-              </a:p>
-              <a:p>
-                <a:pPr lvl="1"/>
-                <a:endParaRPr lang="en-US" b="1" dirty="0"/>
-              </a:p>
-              <a:p>
-                <a:pPr lvl="1"/>
-                <a:r>
-                  <a:rPr lang="en-US" dirty="0"/>
-                  <a:t>Set-points provided by the solutions of the SOCP are used to initialize an NLP to provide a feasible solution.</a:t>
-                </a:r>
-              </a:p>
-              <a:p>
-                <a:pPr lvl="2"/>
-                <a:r>
-                  <a:rPr lang="en-US" dirty="0"/>
-                  <a:t>SOCP modeled in </a:t>
-                </a:r>
-                <a:r>
-                  <a:rPr lang="en-US" dirty="0" err="1">
-                    <a:solidFill>
-                      <a:srgbClr val="C2A1D3"/>
-                    </a:solidFill>
-                  </a:rPr>
-                  <a:t>JuMP</a:t>
-                </a:r>
-                <a:r>
-                  <a:rPr lang="en-US" dirty="0"/>
-                  <a:t>, with </a:t>
-                </a:r>
-                <a:r>
-                  <a:rPr lang="en-US" dirty="0">
-                    <a:solidFill>
-                      <a:srgbClr val="C2A1D3"/>
-                    </a:solidFill>
-                  </a:rPr>
-                  <a:t>Julia</a:t>
-                </a:r>
-                <a:r>
-                  <a:rPr lang="en-US" dirty="0"/>
-                  <a:t> and solved using GUROBI.</a:t>
-                </a:r>
-              </a:p>
-              <a:p>
-                <a:pPr lvl="3"/>
-                <a:r>
-                  <a:rPr lang="en-US" dirty="0"/>
-                  <a:t>Multi-period SOCP has</a:t>
-                </a:r>
-              </a:p>
-              <a:p>
-                <a:pPr lvl="4"/>
-                <a14:m>
-                  <m:oMath xmlns:m="http://schemas.openxmlformats.org/officeDocument/2006/math">
-                    <m:r>
-                      <a:rPr lang="en-US" i="1" dirty="0" smtClean="0">
-                        <a:latin typeface="Cambria Math" panose="02040503050406030204" pitchFamily="18" charset="0"/>
-                      </a:rPr>
-                      <m:t>108</m:t>
-                    </m:r>
-                  </m:oMath>
-                </a14:m>
-                <a:r>
-                  <a:rPr lang="en-US" i="0" dirty="0">
-                    <a:latin typeface="+mj-lt"/>
-                  </a:rPr>
-                  <a:t>k</a:t>
-                </a:r>
-                <a14:m>
-                  <m:oMath xmlns:m="http://schemas.openxmlformats.org/officeDocument/2006/math">
-                    <m:r>
-                      <a:rPr lang="en-US" i="1" dirty="0">
-                        <a:latin typeface="Cambria Math" panose="02040503050406030204" pitchFamily="18" charset="0"/>
-                      </a:rPr>
-                      <m:t> </m:t>
-                    </m:r>
-                  </m:oMath>
-                </a14:m>
-                <a:r>
-                  <a:rPr lang="en-US" dirty="0"/>
-                  <a:t>variables (k as in thousand)</a:t>
-                </a:r>
-              </a:p>
-              <a:p>
-                <a:pPr lvl="4"/>
-                <a14:m>
-                  <m:oMath xmlns:m="http://schemas.openxmlformats.org/officeDocument/2006/math">
-                    <m:r>
-                      <a:rPr lang="en-US" i="1" dirty="0" smtClean="0">
-                        <a:latin typeface="Cambria Math" panose="02040503050406030204" pitchFamily="18" charset="0"/>
-                      </a:rPr>
-                      <m:t>48</m:t>
-                    </m:r>
-                  </m:oMath>
-                </a14:m>
-                <a:r>
-                  <a:rPr lang="en-US" i="0" dirty="0">
-                    <a:latin typeface="+mj-lt"/>
-                  </a:rPr>
-                  <a:t>k</a:t>
-                </a:r>
-                <a:r>
-                  <a:rPr lang="en-US" dirty="0"/>
-                  <a:t> linear constraints</a:t>
-                </a:r>
-              </a:p>
-              <a:p>
-                <a:pPr lvl="4"/>
-                <a14:m>
-                  <m:oMath xmlns:m="http://schemas.openxmlformats.org/officeDocument/2006/math">
-                    <m:r>
-                      <a:rPr lang="en-US" i="1" dirty="0" smtClean="0">
-                        <a:latin typeface="Cambria Math" panose="02040503050406030204" pitchFamily="18" charset="0"/>
-                      </a:rPr>
-                      <m:t>81</m:t>
-                    </m:r>
-                  </m:oMath>
-                </a14:m>
-                <a:r>
-                  <a:rPr lang="en-US" i="0" dirty="0">
-                    <a:latin typeface="+mj-lt"/>
-                  </a:rPr>
-                  <a:t>k</a:t>
-                </a:r>
-                <a:r>
-                  <a:rPr lang="en-US" dirty="0"/>
-                  <a:t> SOC constraints</a:t>
-                </a:r>
-              </a:p>
-              <a:p>
-                <a:pPr marL="182880" lvl="1" indent="0">
-                  <a:buNone/>
-                </a:pPr>
-                <a:endParaRPr lang="en-US" dirty="0"/>
-              </a:p>
-              <a:p>
-                <a:pPr marL="182880" lvl="1" indent="0">
-                  <a:buNone/>
-                </a:pPr>
-                <a:endParaRPr lang="en-US" dirty="0"/>
-              </a:p>
-            </p:txBody>
-          </p:sp>
-        </mc:Choice>
-        <mc:Fallback xmlns="">
-          <p:sp>
-            <p:nvSpPr>
-              <p:cNvPr id="3" name="Content Placeholder 2">
-                <a:extLst>
-                  <a:ext uri="{FF2B5EF4-FFF2-40B4-BE49-F238E27FC236}">
-                    <a16:creationId xmlns:a16="http://schemas.microsoft.com/office/drawing/2014/main" id="{64BE6767-30AA-41AB-8C0B-29F30741AF76}"/>
-                  </a:ext>
-                </a:extLst>
-              </p:cNvPr>
-              <p:cNvSpPr>
-                <a:spLocks noGrp="1" noRot="1" noChangeAspect="1" noMove="1" noResize="1" noEditPoints="1" noAdjustHandles="1" noChangeArrowheads="1" noChangeShapeType="1" noTextEdit="1"/>
-              </p:cNvSpPr>
-              <p:nvPr>
-                <p:ph idx="1"/>
-              </p:nvPr>
-            </p:nvSpPr>
-            <p:spPr>
-              <a:xfrm>
-                <a:off x="1077687" y="2248664"/>
-                <a:ext cx="10418988" cy="4286531"/>
-              </a:xfrm>
-              <a:blipFill>
-                <a:blip r:embed="rId3"/>
-                <a:stretch>
-                  <a:fillRect l="-292" t="-3262" r="-1227"/>
-                </a:stretch>
-              </a:blipFill>
-              <a:ln>
-                <a:solidFill>
-                  <a:schemeClr val="bg2">
-                    <a:lumMod val="20000"/>
-                    <a:lumOff val="80000"/>
-                  </a:schemeClr>
-                </a:solidFill>
-              </a:ln>
-            </p:spPr>
-            <p:txBody>
-              <a:bodyPr/>
-              <a:lstStyle/>
-              <a:p>
-                <a:r>
-                  <a:rPr lang="en-US">
-                    <a:noFill/>
-                  </a:rPr>
-                  <a:t> </a:t>
-                </a:r>
-              </a:p>
-            </p:txBody>
-          </p:sp>
-        </mc:Fallback>
-      </mc:AlternateContent>
-      <p:sp>
-        <p:nvSpPr>
-          <p:cNvPr id="2" name="Title 1">
-            <a:extLst>
-              <a:ext uri="{FF2B5EF4-FFF2-40B4-BE49-F238E27FC236}">
-                <a16:creationId xmlns:a16="http://schemas.microsoft.com/office/drawing/2014/main" id="{45DF1785-83CB-4F7A-820B-C600AC43B067}"/>
-              </a:ext>
-            </a:extLst>
-          </p:cNvPr>
-          <p:cNvSpPr>
-            <a:spLocks noGrp="1"/>
-          </p:cNvSpPr>
-          <p:nvPr>
-            <p:ph type="title"/>
-          </p:nvPr>
-        </p:nvSpPr>
-        <p:spPr>
-          <a:xfrm>
-            <a:off x="1064418" y="376654"/>
-            <a:ext cx="10063163" cy="1015584"/>
-          </a:xfrm>
-          <a:ln w="38100">
-            <a:solidFill>
-              <a:schemeClr val="bg2">
-                <a:lumMod val="40000"/>
-                <a:lumOff val="60000"/>
-              </a:schemeClr>
-            </a:solidFill>
-          </a:ln>
-        </p:spPr>
-        <p:txBody>
-          <a:bodyPr>
-            <a:normAutofit fontScale="90000"/>
-          </a:bodyPr>
-          <a:lstStyle/>
-          <a:p>
-            <a:r>
-              <a:rPr lang="en-US" b="0" dirty="0">
-                <a:latin typeface="Times New Roman" panose="02020603050405020304" pitchFamily="18" charset="0"/>
-                <a:cs typeface="Times New Roman" panose="02020603050405020304" pitchFamily="18" charset="0"/>
-              </a:rPr>
-              <a:t>Optimal Multi-Period Dispatch of Distributed Energy Resources in Unbalanced Distribution Feeders</a:t>
-            </a:r>
-          </a:p>
-        </p:txBody>
-      </p:sp>
-    </p:spTree>
-    <p:extLst>
-      <p:ext uri="{BB962C8B-B14F-4D97-AF65-F5344CB8AC3E}">
-        <p14:creationId xmlns:p14="http://schemas.microsoft.com/office/powerpoint/2010/main" val="3718739487"/>
-      </p:ext>
-    </p:extLst>
-  </p:cSld>
-  <p:clrMapOvr>
-    <a:masterClrMapping/>
-  </p:clrMapOvr>
-</p:sld>
-</file>
-
-<file path=ppt/slides/slide14.xml><?xml version="1.0" encoding="utf-8"?>
-<p:sld xmlns:a="http://schemas.openxmlformats.org/drawingml/2006/main" xmlns:r="http://schemas.openxmlformats.org/officeDocument/2006/relationships" xmlns:p="http://schemas.openxmlformats.org/presentationml/2006/main">
-  <p:cSld>
-    <p:spTree>
-      <p:nvGrpSpPr>
-        <p:cNvPr id="1" name=""/>
-        <p:cNvGrpSpPr/>
-        <p:nvPr/>
-      </p:nvGrpSpPr>
-      <p:grpSpPr>
-        <a:xfrm>
-          <a:off x="0" y="0"/>
-          <a:ext cx="0" cy="0"/>
-          <a:chOff x="0" y="0"/>
-          <a:chExt cx="0" cy="0"/>
-        </a:xfrm>
-      </p:grpSpPr>
-      <mc:AlternateContent xmlns:mc="http://schemas.openxmlformats.org/markup-compatibility/2006" xmlns:a14="http://schemas.microsoft.com/office/drawing/2010/main">
-        <mc:Choice Requires="a14">
-          <p:sp>
-            <p:nvSpPr>
-              <p:cNvPr id="3" name="Content Placeholder 2">
-                <a:extLst>
-                  <a:ext uri="{FF2B5EF4-FFF2-40B4-BE49-F238E27FC236}">
-                    <a16:creationId xmlns:a16="http://schemas.microsoft.com/office/drawing/2014/main" id="{64BE6767-30AA-41AB-8C0B-29F30741AF76}"/>
-                  </a:ext>
-                </a:extLst>
-              </p:cNvPr>
-              <p:cNvSpPr>
-                <a:spLocks noGrp="1"/>
-              </p:cNvSpPr>
-              <p:nvPr>
-                <p:ph idx="1"/>
-              </p:nvPr>
-            </p:nvSpPr>
-            <p:spPr>
-              <a:xfrm>
-                <a:off x="1077687" y="2248664"/>
-                <a:ext cx="10418988" cy="4286531"/>
-              </a:xfrm>
-              <a:ln>
-                <a:solidFill>
-                  <a:schemeClr val="bg2">
-                    <a:lumMod val="20000"/>
-                    <a:lumOff val="80000"/>
-                  </a:schemeClr>
-                </a:solidFill>
-              </a:ln>
-            </p:spPr>
-            <p:txBody>
-              <a:bodyPr>
-                <a:normAutofit/>
-              </a:bodyPr>
-              <a:lstStyle/>
-              <a:p>
-                <a:pPr marL="182880" lvl="1" indent="0">
-                  <a:buNone/>
-                </a:pPr>
-                <a:r>
-                  <a:rPr lang="en-US" sz="2800" dirty="0"/>
-                  <a:t>Case Study Description</a:t>
-                </a:r>
-              </a:p>
-              <a:p>
-                <a:pPr lvl="2"/>
-                <a:r>
-                  <a:rPr lang="en-US" dirty="0"/>
-                  <a:t>NLP also modeled in </a:t>
-                </a:r>
-                <a:r>
-                  <a:rPr lang="en-US" dirty="0" err="1">
-                    <a:solidFill>
-                      <a:srgbClr val="C2A1D3"/>
-                    </a:solidFill>
-                  </a:rPr>
-                  <a:t>JuMP</a:t>
-                </a:r>
-                <a:r>
-                  <a:rPr lang="en-US" dirty="0"/>
-                  <a:t>, but solved using IPOPT </a:t>
-                </a:r>
-                <a:r>
-                  <a:rPr lang="en-US" dirty="0">
-                    <a:hlinkClick r:id="rId3" action="ppaction://hlinksldjump"/>
-                  </a:rPr>
-                  <a:t>[36] </a:t>
-                </a:r>
-                <a:r>
-                  <a:rPr lang="en-US" dirty="0"/>
-                  <a:t>using the HSL_MA86 solver </a:t>
-                </a:r>
-                <a:r>
-                  <a:rPr lang="en-US" dirty="0">
-                    <a:hlinkClick r:id="rId3" action="ppaction://hlinksldjump"/>
-                  </a:rPr>
-                  <a:t>[37]</a:t>
-                </a:r>
-                <a:endParaRPr lang="en-US" dirty="0"/>
-              </a:p>
-              <a:p>
-                <a:pPr lvl="3"/>
-                <a:r>
-                  <a:rPr lang="en-US" dirty="0"/>
-                  <a:t>A single-period of the Multi-period SOCP has</a:t>
-                </a:r>
-              </a:p>
-              <a:p>
-                <a:pPr lvl="4"/>
-                <a14:m>
-                  <m:oMath xmlns:m="http://schemas.openxmlformats.org/officeDocument/2006/math">
-                    <m:r>
-                      <a:rPr lang="en-US" b="0" i="1" dirty="0" smtClean="0">
-                        <a:latin typeface="Cambria Math" panose="02040503050406030204" pitchFamily="18" charset="0"/>
-                      </a:rPr>
-                      <m:t>3.6</m:t>
-                    </m:r>
-                  </m:oMath>
-                </a14:m>
-                <a:r>
-                  <a:rPr lang="en-US" i="0" dirty="0">
-                    <a:latin typeface="+mj-lt"/>
-                  </a:rPr>
-                  <a:t>k</a:t>
-                </a:r>
-                <a14:m>
-                  <m:oMath xmlns:m="http://schemas.openxmlformats.org/officeDocument/2006/math">
-                    <m:r>
-                      <a:rPr lang="en-US" i="1" dirty="0">
-                        <a:latin typeface="Cambria Math" panose="02040503050406030204" pitchFamily="18" charset="0"/>
-                      </a:rPr>
-                      <m:t> </m:t>
-                    </m:r>
-                  </m:oMath>
-                </a14:m>
-                <a:r>
-                  <a:rPr lang="en-US" dirty="0"/>
-                  <a:t>variables </a:t>
-                </a:r>
-              </a:p>
-              <a:p>
-                <a:pPr lvl="4"/>
-                <a14:m>
-                  <m:oMath xmlns:m="http://schemas.openxmlformats.org/officeDocument/2006/math">
-                    <m:r>
-                      <a:rPr lang="en-US" b="0" i="1" dirty="0" smtClean="0">
-                        <a:latin typeface="Cambria Math" panose="02040503050406030204" pitchFamily="18" charset="0"/>
-                      </a:rPr>
-                      <m:t>1.6</m:t>
-                    </m:r>
-                  </m:oMath>
-                </a14:m>
-                <a:r>
-                  <a:rPr lang="en-US" i="0" dirty="0">
-                    <a:latin typeface="+mj-lt"/>
-                  </a:rPr>
-                  <a:t>k</a:t>
-                </a:r>
-                <a:r>
-                  <a:rPr lang="en-US" dirty="0"/>
-                  <a:t> linear constraints</a:t>
-                </a:r>
-              </a:p>
-              <a:p>
-                <a:pPr lvl="4"/>
-                <a14:m>
-                  <m:oMath xmlns:m="http://schemas.openxmlformats.org/officeDocument/2006/math">
-                    <m:r>
-                      <a:rPr lang="en-US" b="0" i="1" dirty="0" smtClean="0">
-                        <a:latin typeface="Cambria Math" panose="02040503050406030204" pitchFamily="18" charset="0"/>
-                      </a:rPr>
-                      <m:t>0.7</m:t>
-                    </m:r>
-                  </m:oMath>
-                </a14:m>
-                <a:r>
-                  <a:rPr lang="en-US" i="0" dirty="0">
-                    <a:latin typeface="+mj-lt"/>
-                  </a:rPr>
-                  <a:t>k</a:t>
-                </a:r>
-                <a:r>
-                  <a:rPr lang="en-US" dirty="0"/>
-                  <a:t> SOC constraints</a:t>
-                </a:r>
-              </a:p>
-              <a:p>
-                <a:pPr lvl="4"/>
-                <a14:m>
-                  <m:oMath xmlns:m="http://schemas.openxmlformats.org/officeDocument/2006/math">
-                    <m:r>
-                      <a:rPr lang="en-US" b="0" i="1" smtClean="0">
-                        <a:latin typeface="Cambria Math" panose="02040503050406030204" pitchFamily="18" charset="0"/>
-                      </a:rPr>
-                      <m:t>2</m:t>
-                    </m:r>
-                  </m:oMath>
-                </a14:m>
-                <a:r>
-                  <a:rPr lang="en-US" dirty="0"/>
-                  <a:t>k non-linear constraints</a:t>
-                </a:r>
-              </a:p>
-              <a:p>
-                <a:pPr marL="182880" lvl="1" indent="0">
-                  <a:buNone/>
-                </a:pPr>
-                <a:endParaRPr lang="en-US" dirty="0"/>
-              </a:p>
-              <a:p>
-                <a:pPr marL="182880" lvl="1" indent="0">
-                  <a:buNone/>
-                </a:pPr>
-                <a:endParaRPr lang="en-US" dirty="0"/>
-              </a:p>
-            </p:txBody>
-          </p:sp>
-        </mc:Choice>
-        <mc:Fallback xmlns="">
-          <p:sp>
-            <p:nvSpPr>
-              <p:cNvPr id="3" name="Content Placeholder 2">
-                <a:extLst>
-                  <a:ext uri="{FF2B5EF4-FFF2-40B4-BE49-F238E27FC236}">
-                    <a16:creationId xmlns:a16="http://schemas.microsoft.com/office/drawing/2014/main" id="{64BE6767-30AA-41AB-8C0B-29F30741AF76}"/>
-                  </a:ext>
-                </a:extLst>
-              </p:cNvPr>
-              <p:cNvSpPr>
-                <a:spLocks noGrp="1" noRot="1" noChangeAspect="1" noMove="1" noResize="1" noEditPoints="1" noAdjustHandles="1" noChangeArrowheads="1" noChangeShapeType="1" noTextEdit="1"/>
-              </p:cNvSpPr>
-              <p:nvPr>
-                <p:ph idx="1"/>
-              </p:nvPr>
-            </p:nvSpPr>
-            <p:spPr>
-              <a:xfrm>
-                <a:off x="1077687" y="2248664"/>
-                <a:ext cx="10418988" cy="4286531"/>
-              </a:xfrm>
-              <a:blipFill>
-                <a:blip r:embed="rId4"/>
-                <a:stretch>
-                  <a:fillRect l="-292" t="-3262"/>
-                </a:stretch>
-              </a:blipFill>
-              <a:ln>
-                <a:solidFill>
-                  <a:schemeClr val="bg2">
-                    <a:lumMod val="20000"/>
-                    <a:lumOff val="80000"/>
-                  </a:schemeClr>
-                </a:solidFill>
-              </a:ln>
-            </p:spPr>
-            <p:txBody>
-              <a:bodyPr/>
-              <a:lstStyle/>
-              <a:p>
-                <a:r>
-                  <a:rPr lang="en-US">
-                    <a:noFill/>
-                  </a:rPr>
-                  <a:t> </a:t>
-                </a:r>
-              </a:p>
-            </p:txBody>
-          </p:sp>
-        </mc:Fallback>
-      </mc:AlternateContent>
-      <p:sp>
-        <p:nvSpPr>
-          <p:cNvPr id="2" name="Title 1">
-            <a:extLst>
-              <a:ext uri="{FF2B5EF4-FFF2-40B4-BE49-F238E27FC236}">
-                <a16:creationId xmlns:a16="http://schemas.microsoft.com/office/drawing/2014/main" id="{45DF1785-83CB-4F7A-820B-C600AC43B067}"/>
-              </a:ext>
-            </a:extLst>
-          </p:cNvPr>
-          <p:cNvSpPr>
-            <a:spLocks noGrp="1"/>
-          </p:cNvSpPr>
-          <p:nvPr>
-            <p:ph type="title"/>
-          </p:nvPr>
-        </p:nvSpPr>
-        <p:spPr>
-          <a:xfrm>
-            <a:off x="1064418" y="376654"/>
-            <a:ext cx="10063163" cy="1015584"/>
-          </a:xfrm>
-          <a:ln w="38100">
-            <a:solidFill>
-              <a:schemeClr val="bg2">
-                <a:lumMod val="40000"/>
-                <a:lumOff val="60000"/>
-              </a:schemeClr>
-            </a:solidFill>
-          </a:ln>
-        </p:spPr>
-        <p:txBody>
-          <a:bodyPr>
-            <a:normAutofit fontScale="90000"/>
-          </a:bodyPr>
-          <a:lstStyle/>
-          <a:p>
-            <a:r>
-              <a:rPr lang="en-US" b="0" dirty="0">
-                <a:latin typeface="Times New Roman" panose="02020603050405020304" pitchFamily="18" charset="0"/>
-                <a:cs typeface="Times New Roman" panose="02020603050405020304" pitchFamily="18" charset="0"/>
-              </a:rPr>
-              <a:t>Optimal Multi-Period Dispatch of Distributed Energy Resources in Unbalanced Distribution Feeders</a:t>
-            </a:r>
-          </a:p>
-        </p:txBody>
-      </p:sp>
-    </p:spTree>
-    <p:extLst>
-      <p:ext uri="{BB962C8B-B14F-4D97-AF65-F5344CB8AC3E}">
-        <p14:creationId xmlns:p14="http://schemas.microsoft.com/office/powerpoint/2010/main" val="585967064"/>
-      </p:ext>
-    </p:extLst>
-  </p:cSld>
-  <p:clrMapOvr>
-    <a:masterClrMapping/>
-  </p:clrMapOvr>
-</p:sld>
-</file>
-
-<file path=ppt/slides/slide15.xml><?xml version="1.0" encoding="utf-8"?>
-<p:sld xmlns:a="http://schemas.openxmlformats.org/drawingml/2006/main" xmlns:r="http://schemas.openxmlformats.org/officeDocument/2006/relationships" xmlns:p="http://schemas.openxmlformats.org/presentationml/2006/main">
-  <p:cSld>
-    <p:spTree>
-      <p:nvGrpSpPr>
-        <p:cNvPr id="1" name=""/>
-        <p:cNvGrpSpPr/>
-        <p:nvPr/>
-      </p:nvGrpSpPr>
-      <p:grpSpPr>
-        <a:xfrm>
-          <a:off x="0" y="0"/>
-          <a:ext cx="0" cy="0"/>
-          <a:chOff x="0" y="0"/>
-          <a:chExt cx="0" cy="0"/>
-        </a:xfrm>
-      </p:grpSpPr>
-      <mc:AlternateContent xmlns:mc="http://schemas.openxmlformats.org/markup-compatibility/2006" xmlns:a14="http://schemas.microsoft.com/office/drawing/2010/main">
-        <mc:Choice Requires="a14">
-          <p:sp>
-            <p:nvSpPr>
-              <p:cNvPr id="3" name="Content Placeholder 2">
-                <a:extLst>
-                  <a:ext uri="{FF2B5EF4-FFF2-40B4-BE49-F238E27FC236}">
-                    <a16:creationId xmlns:a16="http://schemas.microsoft.com/office/drawing/2014/main" id="{64BE6767-30AA-41AB-8C0B-29F30741AF76}"/>
-                  </a:ext>
-                </a:extLst>
-              </p:cNvPr>
-              <p:cNvSpPr>
-                <a:spLocks noGrp="1"/>
-              </p:cNvSpPr>
-              <p:nvPr>
-                <p:ph idx="1"/>
-              </p:nvPr>
-            </p:nvSpPr>
-            <p:spPr>
-              <a:xfrm>
-                <a:off x="1077687" y="2248664"/>
-                <a:ext cx="10418988" cy="4286531"/>
-              </a:xfrm>
-              <a:ln>
-                <a:solidFill>
-                  <a:schemeClr val="bg2">
-                    <a:lumMod val="20000"/>
-                    <a:lumOff val="80000"/>
-                  </a:schemeClr>
-                </a:solidFill>
-              </a:ln>
-            </p:spPr>
-            <p:txBody>
-              <a:bodyPr>
-                <a:normAutofit/>
-              </a:bodyPr>
-              <a:lstStyle/>
-              <a:p>
-                <a:pPr marL="182880" lvl="1" indent="0">
-                  <a:buNone/>
-                </a:pPr>
-                <a:r>
-                  <a:rPr lang="en-US" sz="2800" dirty="0"/>
-                  <a:t>Results</a:t>
-                </a:r>
-              </a:p>
-              <a:p>
-                <a:pPr lvl="2"/>
-                <a14:m>
-                  <m:oMath xmlns:m="http://schemas.openxmlformats.org/officeDocument/2006/math">
-                    <m:r>
-                      <a:rPr lang="en-US" b="0" i="1" smtClean="0">
-                        <a:latin typeface="Cambria Math" panose="02040503050406030204" pitchFamily="18" charset="0"/>
-                      </a:rPr>
-                      <m:t>2</m:t>
-                    </m:r>
-                  </m:oMath>
-                </a14:m>
-                <a:r>
-                  <a:rPr lang="en-US" dirty="0"/>
-                  <a:t> levels for both loads (low and high) and solar PV generation (low and high)</a:t>
-                </a:r>
-              </a:p>
-              <a:p>
-                <a:pPr lvl="2"/>
-                <a:endParaRPr lang="en-US" dirty="0"/>
-              </a:p>
-              <a:p>
-                <a:pPr lvl="2"/>
-                <a:r>
-                  <a:rPr lang="en-US" dirty="0"/>
-                  <a:t>‘High’ implies Base Values for both Loads as well as solar PV</a:t>
-                </a:r>
-              </a:p>
-              <a:p>
-                <a:pPr lvl="2"/>
-                <a:endParaRPr lang="en-US" dirty="0"/>
-              </a:p>
-              <a:p>
-                <a:pPr lvl="2"/>
-                <a:r>
-                  <a:rPr lang="en-US" dirty="0"/>
-                  <a:t>‘Low’ implies </a:t>
-                </a:r>
-                <a14:m>
-                  <m:oMath xmlns:m="http://schemas.openxmlformats.org/officeDocument/2006/math">
-                    <m:r>
-                      <a:rPr lang="en-US" b="0" i="1" smtClean="0">
-                        <a:latin typeface="Cambria Math" panose="02040503050406030204" pitchFamily="18" charset="0"/>
-                      </a:rPr>
-                      <m:t>50%</m:t>
-                    </m:r>
-                  </m:oMath>
-                </a14:m>
-                <a:r>
-                  <a:rPr lang="en-US" dirty="0"/>
-                  <a:t> of the base values in both cases.</a:t>
-                </a:r>
-              </a:p>
-              <a:p>
-                <a:pPr lvl="2"/>
-                <a:endParaRPr lang="en-US" dirty="0"/>
-              </a:p>
-              <a:p>
-                <a:pPr lvl="2"/>
-                <a:r>
-                  <a:rPr lang="en-US" dirty="0"/>
-                  <a:t>Thus </a:t>
-                </a:r>
-                <a14:m>
-                  <m:oMath xmlns:m="http://schemas.openxmlformats.org/officeDocument/2006/math">
-                    <m:r>
-                      <a:rPr lang="en-US" b="0" i="1" smtClean="0">
-                        <a:latin typeface="Cambria Math" panose="02040503050406030204" pitchFamily="18" charset="0"/>
-                      </a:rPr>
-                      <m:t>4</m:t>
-                    </m:r>
-                  </m:oMath>
-                </a14:m>
-                <a:r>
-                  <a:rPr lang="en-US" dirty="0"/>
-                  <a:t> scenarios are modeled:</a:t>
-                </a:r>
-              </a:p>
-              <a:p>
-                <a:pPr lvl="3"/>
-                <a:r>
-                  <a:rPr lang="en-US" dirty="0"/>
-                  <a:t>LL (Low Solar, Low Loads)</a:t>
-                </a:r>
-              </a:p>
-              <a:p>
-                <a:pPr lvl="3"/>
-                <a:r>
-                  <a:rPr lang="en-US" dirty="0"/>
-                  <a:t>LH (Low Solar, High Loads)</a:t>
-                </a:r>
-              </a:p>
-              <a:p>
-                <a:pPr lvl="3"/>
-                <a:r>
-                  <a:rPr lang="en-US" dirty="0"/>
-                  <a:t>HL (High Solar, Low Loads)</a:t>
-                </a:r>
-              </a:p>
-              <a:p>
-                <a:pPr lvl="3"/>
-                <a:r>
-                  <a:rPr lang="en-US" dirty="0"/>
-                  <a:t>HH (High Solar, High Loads)</a:t>
-                </a:r>
-              </a:p>
-              <a:p>
-                <a:pPr marL="182880" lvl="1" indent="0">
-                  <a:buNone/>
-                </a:pPr>
-                <a:endParaRPr lang="en-US" dirty="0"/>
-              </a:p>
-              <a:p>
-                <a:pPr marL="182880" lvl="1" indent="0">
-                  <a:buNone/>
-                </a:pPr>
-                <a:endParaRPr lang="en-US" dirty="0"/>
-              </a:p>
-            </p:txBody>
-          </p:sp>
-        </mc:Choice>
-        <mc:Fallback xmlns="">
-          <p:sp>
-            <p:nvSpPr>
-              <p:cNvPr id="3" name="Content Placeholder 2">
-                <a:extLst>
-                  <a:ext uri="{FF2B5EF4-FFF2-40B4-BE49-F238E27FC236}">
-                    <a16:creationId xmlns:a16="http://schemas.microsoft.com/office/drawing/2014/main" id="{64BE6767-30AA-41AB-8C0B-29F30741AF76}"/>
-                  </a:ext>
-                </a:extLst>
-              </p:cNvPr>
-              <p:cNvSpPr>
-                <a:spLocks noGrp="1" noRot="1" noChangeAspect="1" noMove="1" noResize="1" noEditPoints="1" noAdjustHandles="1" noChangeArrowheads="1" noChangeShapeType="1" noTextEdit="1"/>
-              </p:cNvSpPr>
-              <p:nvPr>
-                <p:ph idx="1"/>
-              </p:nvPr>
-            </p:nvSpPr>
-            <p:spPr>
-              <a:xfrm>
-                <a:off x="1077687" y="2248664"/>
-                <a:ext cx="10418988" cy="4286531"/>
-              </a:xfrm>
-              <a:blipFill>
-                <a:blip r:embed="rId3"/>
-                <a:stretch>
-                  <a:fillRect l="-292" t="-3262"/>
-                </a:stretch>
-              </a:blipFill>
-              <a:ln>
-                <a:solidFill>
-                  <a:schemeClr val="bg2">
-                    <a:lumMod val="20000"/>
-                    <a:lumOff val="80000"/>
-                  </a:schemeClr>
-                </a:solidFill>
-              </a:ln>
-            </p:spPr>
-            <p:txBody>
-              <a:bodyPr/>
-              <a:lstStyle/>
-              <a:p>
-                <a:r>
-                  <a:rPr lang="en-US">
-                    <a:noFill/>
-                  </a:rPr>
-                  <a:t> </a:t>
-                </a:r>
-              </a:p>
-            </p:txBody>
-          </p:sp>
-        </mc:Fallback>
-      </mc:AlternateContent>
-      <p:sp>
-        <p:nvSpPr>
-          <p:cNvPr id="2" name="Title 1">
-            <a:extLst>
-              <a:ext uri="{FF2B5EF4-FFF2-40B4-BE49-F238E27FC236}">
-                <a16:creationId xmlns:a16="http://schemas.microsoft.com/office/drawing/2014/main" id="{45DF1785-83CB-4F7A-820B-C600AC43B067}"/>
-              </a:ext>
-            </a:extLst>
-          </p:cNvPr>
-          <p:cNvSpPr>
-            <a:spLocks noGrp="1"/>
-          </p:cNvSpPr>
-          <p:nvPr>
-            <p:ph type="title"/>
-          </p:nvPr>
-        </p:nvSpPr>
-        <p:spPr>
-          <a:xfrm>
-            <a:off x="1064418" y="376654"/>
-            <a:ext cx="10063163" cy="1015584"/>
-          </a:xfrm>
-          <a:ln w="38100">
-            <a:solidFill>
-              <a:schemeClr val="bg2">
-                <a:lumMod val="40000"/>
-                <a:lumOff val="60000"/>
-              </a:schemeClr>
-            </a:solidFill>
-          </a:ln>
-        </p:spPr>
-        <p:txBody>
-          <a:bodyPr>
-            <a:normAutofit fontScale="90000"/>
-          </a:bodyPr>
-          <a:lstStyle/>
-          <a:p>
-            <a:r>
-              <a:rPr lang="en-US" b="0" dirty="0">
-                <a:latin typeface="Times New Roman" panose="02020603050405020304" pitchFamily="18" charset="0"/>
-                <a:cs typeface="Times New Roman" panose="02020603050405020304" pitchFamily="18" charset="0"/>
-              </a:rPr>
-              <a:t>Optimal Multi-Period Dispatch of Distributed Energy Resources in Unbalanced Distribution Feeders</a:t>
-            </a:r>
-          </a:p>
-        </p:txBody>
-      </p:sp>
-      <p:grpSp>
-        <p:nvGrpSpPr>
-          <p:cNvPr id="7" name="Group 6">
-            <a:extLst>
-              <a:ext uri="{FF2B5EF4-FFF2-40B4-BE49-F238E27FC236}">
-                <a16:creationId xmlns:a16="http://schemas.microsoft.com/office/drawing/2014/main" id="{DD17197B-09A9-8B24-6454-3EFD1F676E9A}"/>
-              </a:ext>
-            </a:extLst>
-          </p:cNvPr>
-          <p:cNvGrpSpPr/>
-          <p:nvPr/>
-        </p:nvGrpSpPr>
-        <p:grpSpPr>
-          <a:xfrm>
-            <a:off x="5643019" y="4514687"/>
-            <a:ext cx="5373188" cy="1522020"/>
-            <a:chOff x="5643019" y="4514687"/>
-            <a:chExt cx="5373188" cy="1522020"/>
-          </a:xfrm>
-        </p:grpSpPr>
-        <p:pic>
-          <p:nvPicPr>
-            <p:cNvPr id="5" name="Picture 4">
-              <a:extLst>
-                <a:ext uri="{FF2B5EF4-FFF2-40B4-BE49-F238E27FC236}">
-                  <a16:creationId xmlns:a16="http://schemas.microsoft.com/office/drawing/2014/main" id="{13496649-7A91-4CEB-A7B8-178A281E3C91}"/>
-                </a:ext>
-              </a:extLst>
-            </p:cNvPr>
-            <p:cNvPicPr>
-              <a:picLocks noChangeAspect="1"/>
-            </p:cNvPicPr>
-            <p:nvPr/>
-          </p:nvPicPr>
-          <p:blipFill>
-            <a:blip r:embed="rId4"/>
-            <a:stretch>
-              <a:fillRect/>
-            </a:stretch>
-          </p:blipFill>
-          <p:spPr>
-            <a:xfrm>
-              <a:off x="5648325" y="4514687"/>
-              <a:ext cx="5367882" cy="976574"/>
-            </a:xfrm>
-            <a:prstGeom prst="rect">
-              <a:avLst/>
-            </a:prstGeom>
-            <a:ln>
-              <a:solidFill>
-                <a:schemeClr val="accent1"/>
-              </a:solidFill>
-            </a:ln>
-          </p:spPr>
-        </p:pic>
-        <p:sp>
-          <p:nvSpPr>
-            <p:cNvPr id="6" name="TextBox 5">
-              <a:extLst>
-                <a:ext uri="{FF2B5EF4-FFF2-40B4-BE49-F238E27FC236}">
-                  <a16:creationId xmlns:a16="http://schemas.microsoft.com/office/drawing/2014/main" id="{43615D0D-CA21-3628-581E-73B090CDF702}"/>
-                </a:ext>
-              </a:extLst>
-            </p:cNvPr>
-            <p:cNvSpPr txBox="1"/>
-            <p:nvPr/>
-          </p:nvSpPr>
-          <p:spPr>
-            <a:xfrm>
-              <a:off x="5643019" y="5667375"/>
-              <a:ext cx="5367882" cy="369332"/>
-            </a:xfrm>
-            <a:prstGeom prst="rect">
-              <a:avLst/>
-            </a:prstGeom>
-            <a:noFill/>
-            <a:ln>
-              <a:solidFill>
-                <a:schemeClr val="accent1"/>
-              </a:solidFill>
-            </a:ln>
-          </p:spPr>
-          <p:txBody>
-            <a:bodyPr wrap="square" rtlCol="0">
-              <a:spAutoFit/>
-            </a:bodyPr>
-            <a:lstStyle/>
-            <a:p>
-              <a:r>
-                <a:rPr lang="en-US" dirty="0">
-                  <a:solidFill>
-                    <a:schemeClr val="bg1"/>
-                  </a:solidFill>
-                </a:rPr>
-                <a:t>Different Solar and Load Cases</a:t>
-              </a:r>
-            </a:p>
-          </p:txBody>
-        </p:sp>
-      </p:grpSp>
-    </p:spTree>
-    <p:extLst>
-      <p:ext uri="{BB962C8B-B14F-4D97-AF65-F5344CB8AC3E}">
-        <p14:creationId xmlns:p14="http://schemas.microsoft.com/office/powerpoint/2010/main" val="3175041386"/>
-      </p:ext>
-    </p:extLst>
-  </p:cSld>
-  <p:clrMapOvr>
-    <a:masterClrMapping/>
-  </p:clrMapOvr>
-</p:sld>
-</file>
-
-<file path=ppt/slides/slide16.xml><?xml version="1.0" encoding="utf-8"?>
-<p:sld xmlns:a="http://schemas.openxmlformats.org/drawingml/2006/main" xmlns:r="http://schemas.openxmlformats.org/officeDocument/2006/relationships" xmlns:p="http://schemas.openxmlformats.org/presentationml/2006/main">
-  <p:cSld>
-    <p:spTree>
-      <p:nvGrpSpPr>
-        <p:cNvPr id="1" name=""/>
-        <p:cNvGrpSpPr/>
-        <p:nvPr/>
-      </p:nvGrpSpPr>
-      <p:grpSpPr>
-        <a:xfrm>
-          <a:off x="0" y="0"/>
-          <a:ext cx="0" cy="0"/>
-          <a:chOff x="0" y="0"/>
-          <a:chExt cx="0" cy="0"/>
-        </a:xfrm>
-      </p:grpSpPr>
-      <mc:AlternateContent xmlns:mc="http://schemas.openxmlformats.org/markup-compatibility/2006" xmlns:a14="http://schemas.microsoft.com/office/drawing/2010/main">
-        <mc:Choice Requires="a14">
-          <p:sp>
-            <p:nvSpPr>
-              <p:cNvPr id="3" name="Content Placeholder 2">
-                <a:extLst>
-                  <a:ext uri="{FF2B5EF4-FFF2-40B4-BE49-F238E27FC236}">
-                    <a16:creationId xmlns:a16="http://schemas.microsoft.com/office/drawing/2014/main" id="{64BE6767-30AA-41AB-8C0B-29F30741AF76}"/>
-                  </a:ext>
-                </a:extLst>
-              </p:cNvPr>
-              <p:cNvSpPr>
-                <a:spLocks noGrp="1"/>
-              </p:cNvSpPr>
-              <p:nvPr>
-                <p:ph idx="1"/>
-              </p:nvPr>
-            </p:nvSpPr>
-            <p:spPr>
-              <a:xfrm>
-                <a:off x="1077687" y="2248664"/>
-                <a:ext cx="6932838" cy="4286531"/>
-              </a:xfrm>
-              <a:ln>
-                <a:solidFill>
-                  <a:schemeClr val="bg2">
-                    <a:lumMod val="20000"/>
-                    <a:lumOff val="80000"/>
-                  </a:schemeClr>
-                </a:solidFill>
-              </a:ln>
-            </p:spPr>
-            <p:txBody>
-              <a:bodyPr>
-                <a:normAutofit/>
-              </a:bodyPr>
-              <a:lstStyle/>
-              <a:p>
-                <a:pPr marL="182880" lvl="1" indent="0">
-                  <a:buNone/>
-                </a:pPr>
-                <a:r>
-                  <a:rPr lang="en-US" sz="2800" dirty="0"/>
-                  <a:t>Results</a:t>
-                </a:r>
-              </a:p>
-              <a:p>
-                <a:pPr lvl="1"/>
-                <a:r>
-                  <a:rPr lang="en-US" dirty="0"/>
-                  <a:t>Optimality gap always below 3% for different solar penetration levels.</a:t>
-                </a:r>
-              </a:p>
-              <a:p>
-                <a:pPr lvl="1"/>
-                <a:r>
-                  <a:rPr lang="en-US" dirty="0"/>
-                  <a:t>Feasible solutions always (</a:t>
-                </a:r>
-                <a14:m>
-                  <m:oMath xmlns:m="http://schemas.openxmlformats.org/officeDocument/2006/math">
-                    <m:r>
-                      <a:rPr lang="en-US" b="0" i="1" smtClean="0">
-                        <a:latin typeface="Cambria Math" panose="02040503050406030204" pitchFamily="18" charset="0"/>
-                      </a:rPr>
-                      <m:t>&lt;1</m:t>
-                    </m:r>
-                    <m:r>
-                      <a:rPr lang="en-US" b="0" i="1" smtClean="0">
-                        <a:latin typeface="Cambria Math" panose="02040503050406030204" pitchFamily="18" charset="0"/>
-                      </a:rPr>
-                      <m:t>𝑒</m:t>
-                    </m:r>
-                    <m:r>
-                      <a:rPr lang="en-US" b="0" i="1" smtClean="0">
-                        <a:latin typeface="Cambria Math" panose="02040503050406030204" pitchFamily="18" charset="0"/>
-                      </a:rPr>
-                      <m:t>−5</m:t>
-                    </m:r>
-                    <m:r>
-                      <a:rPr lang="en-US" b="0" i="1" smtClean="0">
-                        <a:latin typeface="Cambria Math" panose="02040503050406030204" pitchFamily="18" charset="0"/>
-                      </a:rPr>
-                      <m:t>𝑝𝑢</m:t>
-                    </m:r>
-                  </m:oMath>
-                </a14:m>
-                <a:r>
-                  <a:rPr lang="en-US" dirty="0"/>
-                  <a:t> difference).</a:t>
-                </a:r>
-              </a:p>
-              <a:p>
-                <a:pPr lvl="1"/>
-                <a:r>
-                  <a:rPr lang="en-US" dirty="0"/>
-                  <a:t>Solution times </a:t>
-                </a:r>
-                <a14:m>
-                  <m:oMath xmlns:m="http://schemas.openxmlformats.org/officeDocument/2006/math">
-                    <m:r>
-                      <a:rPr lang="en-US" b="0" i="1" smtClean="0">
-                        <a:latin typeface="Cambria Math" panose="02040503050406030204" pitchFamily="18" charset="0"/>
-                      </a:rPr>
-                      <m:t>&lt;45</m:t>
-                    </m:r>
-                    <m:r>
-                      <a:rPr lang="en-US" b="0" i="1" smtClean="0">
-                        <a:latin typeface="Cambria Math" panose="02040503050406030204" pitchFamily="18" charset="0"/>
-                      </a:rPr>
-                      <m:t>𝑠</m:t>
-                    </m:r>
-                  </m:oMath>
-                </a14:m>
-                <a:endParaRPr lang="en-US" dirty="0"/>
-              </a:p>
-              <a:p>
-                <a:pPr lvl="1"/>
-                <a:r>
-                  <a:rPr lang="en-US" dirty="0"/>
-                  <a:t>NLP total time assuming parallelized operation over every single time step.</a:t>
-                </a:r>
-              </a:p>
-              <a:p>
-                <a:pPr marL="182880" lvl="1" indent="0">
-                  <a:buNone/>
-                </a:pPr>
-                <a:endParaRPr lang="en-US" dirty="0"/>
-              </a:p>
-              <a:p>
-                <a:pPr marL="182880" lvl="1" indent="0">
-                  <a:buNone/>
-                </a:pPr>
-                <a:endParaRPr lang="en-US" dirty="0"/>
-              </a:p>
-            </p:txBody>
-          </p:sp>
-        </mc:Choice>
-        <mc:Fallback xmlns="">
-          <p:sp>
-            <p:nvSpPr>
-              <p:cNvPr id="3" name="Content Placeholder 2">
-                <a:extLst>
-                  <a:ext uri="{FF2B5EF4-FFF2-40B4-BE49-F238E27FC236}">
-                    <a16:creationId xmlns:a16="http://schemas.microsoft.com/office/drawing/2014/main" id="{64BE6767-30AA-41AB-8C0B-29F30741AF76}"/>
-                  </a:ext>
-                </a:extLst>
-              </p:cNvPr>
-              <p:cNvSpPr>
-                <a:spLocks noGrp="1" noRot="1" noChangeAspect="1" noMove="1" noResize="1" noEditPoints="1" noAdjustHandles="1" noChangeArrowheads="1" noChangeShapeType="1" noTextEdit="1"/>
-              </p:cNvSpPr>
-              <p:nvPr>
-                <p:ph idx="1"/>
-              </p:nvPr>
-            </p:nvSpPr>
-            <p:spPr>
-              <a:xfrm>
-                <a:off x="1077687" y="2248664"/>
-                <a:ext cx="6932838" cy="4286531"/>
-              </a:xfrm>
-              <a:blipFill>
-                <a:blip r:embed="rId3"/>
-                <a:stretch>
-                  <a:fillRect l="-439" t="-3262"/>
-                </a:stretch>
-              </a:blipFill>
-              <a:ln>
-                <a:solidFill>
-                  <a:schemeClr val="bg2">
-                    <a:lumMod val="20000"/>
-                    <a:lumOff val="80000"/>
-                  </a:schemeClr>
-                </a:solidFill>
-              </a:ln>
-            </p:spPr>
-            <p:txBody>
-              <a:bodyPr/>
-              <a:lstStyle/>
-              <a:p>
-                <a:r>
-                  <a:rPr lang="en-US">
-                    <a:noFill/>
-                  </a:rPr>
-                  <a:t> </a:t>
-                </a:r>
-              </a:p>
-            </p:txBody>
-          </p:sp>
-        </mc:Fallback>
-      </mc:AlternateContent>
-      <p:sp>
-        <p:nvSpPr>
-          <p:cNvPr id="2" name="Title 1">
-            <a:extLst>
-              <a:ext uri="{FF2B5EF4-FFF2-40B4-BE49-F238E27FC236}">
-                <a16:creationId xmlns:a16="http://schemas.microsoft.com/office/drawing/2014/main" id="{45DF1785-83CB-4F7A-820B-C600AC43B067}"/>
-              </a:ext>
-            </a:extLst>
-          </p:cNvPr>
-          <p:cNvSpPr>
-            <a:spLocks noGrp="1"/>
-          </p:cNvSpPr>
-          <p:nvPr>
-            <p:ph type="title"/>
-          </p:nvPr>
-        </p:nvSpPr>
-        <p:spPr>
-          <a:xfrm>
-            <a:off x="1064418" y="376654"/>
-            <a:ext cx="10063163" cy="1015584"/>
-          </a:xfrm>
-          <a:ln w="38100">
-            <a:solidFill>
-              <a:schemeClr val="bg2">
-                <a:lumMod val="40000"/>
-                <a:lumOff val="60000"/>
-              </a:schemeClr>
-            </a:solidFill>
-          </a:ln>
-        </p:spPr>
-        <p:txBody>
-          <a:bodyPr>
-            <a:normAutofit fontScale="90000"/>
-          </a:bodyPr>
-          <a:lstStyle/>
-          <a:p>
-            <a:r>
-              <a:rPr lang="en-US" b="0" dirty="0">
-                <a:latin typeface="Times New Roman" panose="02020603050405020304" pitchFamily="18" charset="0"/>
-                <a:cs typeface="Times New Roman" panose="02020603050405020304" pitchFamily="18" charset="0"/>
-              </a:rPr>
-              <a:t>Optimal Multi-Period Dispatch of Distributed Energy Resources in Unbalanced Distribution Feeders</a:t>
-            </a:r>
-          </a:p>
-        </p:txBody>
-      </p:sp>
-      <p:grpSp>
-        <p:nvGrpSpPr>
-          <p:cNvPr id="9" name="Group 8">
-            <a:extLst>
-              <a:ext uri="{FF2B5EF4-FFF2-40B4-BE49-F238E27FC236}">
-                <a16:creationId xmlns:a16="http://schemas.microsoft.com/office/drawing/2014/main" id="{6D40625B-79B9-1450-D829-09C941F20122}"/>
-              </a:ext>
-            </a:extLst>
-          </p:cNvPr>
-          <p:cNvGrpSpPr/>
-          <p:nvPr/>
-        </p:nvGrpSpPr>
-        <p:grpSpPr>
-          <a:xfrm>
-            <a:off x="8122850" y="2248664"/>
-            <a:ext cx="3954850" cy="2341016"/>
-            <a:chOff x="8122850" y="2248664"/>
-            <a:chExt cx="3954850" cy="2341016"/>
-          </a:xfrm>
-        </p:grpSpPr>
-        <p:pic>
-          <p:nvPicPr>
-            <p:cNvPr id="7" name="Picture 6">
-              <a:extLst>
-                <a:ext uri="{FF2B5EF4-FFF2-40B4-BE49-F238E27FC236}">
-                  <a16:creationId xmlns:a16="http://schemas.microsoft.com/office/drawing/2014/main" id="{FC6E046F-33D8-BF1D-A651-916998315688}"/>
-                </a:ext>
-              </a:extLst>
-            </p:cNvPr>
-            <p:cNvPicPr>
-              <a:picLocks noChangeAspect="1"/>
-            </p:cNvPicPr>
-            <p:nvPr/>
-          </p:nvPicPr>
-          <p:blipFill>
-            <a:blip r:embed="rId4"/>
-            <a:stretch>
-              <a:fillRect/>
-            </a:stretch>
-          </p:blipFill>
-          <p:spPr>
-            <a:xfrm>
-              <a:off x="8122850" y="2248664"/>
-              <a:ext cx="3954850" cy="1486065"/>
-            </a:xfrm>
-            <a:prstGeom prst="rect">
-              <a:avLst/>
-            </a:prstGeom>
-            <a:ln>
-              <a:solidFill>
-                <a:schemeClr val="accent1"/>
-              </a:solidFill>
-            </a:ln>
-          </p:spPr>
-        </p:pic>
-        <p:sp>
-          <p:nvSpPr>
-            <p:cNvPr id="8" name="TextBox 7">
-              <a:extLst>
-                <a:ext uri="{FF2B5EF4-FFF2-40B4-BE49-F238E27FC236}">
-                  <a16:creationId xmlns:a16="http://schemas.microsoft.com/office/drawing/2014/main" id="{3D15F088-A73A-D7DB-7436-5B55324DD9BF}"/>
-                </a:ext>
-              </a:extLst>
-            </p:cNvPr>
-            <p:cNvSpPr txBox="1"/>
-            <p:nvPr/>
-          </p:nvSpPr>
-          <p:spPr>
-            <a:xfrm>
-              <a:off x="8122850" y="3943349"/>
-              <a:ext cx="3954850" cy="646331"/>
-            </a:xfrm>
-            <a:prstGeom prst="rect">
-              <a:avLst/>
-            </a:prstGeom>
-            <a:noFill/>
-            <a:ln>
-              <a:solidFill>
-                <a:schemeClr val="accent1"/>
-              </a:solidFill>
-            </a:ln>
-          </p:spPr>
-          <p:txBody>
-            <a:bodyPr wrap="square" rtlCol="0">
-              <a:spAutoFit/>
-            </a:bodyPr>
-            <a:lstStyle/>
-            <a:p>
-              <a:r>
-                <a:rPr lang="en-US" dirty="0">
-                  <a:solidFill>
-                    <a:schemeClr val="bg1"/>
-                  </a:solidFill>
-                </a:rPr>
-                <a:t>Table: Comparison of the Optimality Gap Values of SOCP and NLP.</a:t>
-              </a:r>
-            </a:p>
-          </p:txBody>
-        </p:sp>
-      </p:grpSp>
-      <p:pic>
-        <p:nvPicPr>
-          <p:cNvPr id="11" name="Picture 10">
-            <a:extLst>
-              <a:ext uri="{FF2B5EF4-FFF2-40B4-BE49-F238E27FC236}">
-                <a16:creationId xmlns:a16="http://schemas.microsoft.com/office/drawing/2014/main" id="{6BCC5B2B-08F9-3951-F0F1-1ABA23337A8D}"/>
-              </a:ext>
-            </a:extLst>
-          </p:cNvPr>
-          <p:cNvPicPr>
-            <a:picLocks noChangeAspect="1"/>
-          </p:cNvPicPr>
-          <p:nvPr/>
-        </p:nvPicPr>
-        <p:blipFill>
-          <a:blip r:embed="rId5"/>
-          <a:stretch>
-            <a:fillRect/>
-          </a:stretch>
-        </p:blipFill>
-        <p:spPr>
-          <a:xfrm>
-            <a:off x="8205238" y="4798300"/>
-            <a:ext cx="3653933" cy="1297700"/>
-          </a:xfrm>
-          <a:prstGeom prst="rect">
-            <a:avLst/>
-          </a:prstGeom>
-          <a:ln>
-            <a:solidFill>
-              <a:schemeClr val="accent1"/>
-            </a:solidFill>
-          </a:ln>
-        </p:spPr>
-      </p:pic>
-    </p:spTree>
-    <p:extLst>
-      <p:ext uri="{BB962C8B-B14F-4D97-AF65-F5344CB8AC3E}">
-        <p14:creationId xmlns:p14="http://schemas.microsoft.com/office/powerpoint/2010/main" val="2665280293"/>
-      </p:ext>
-    </p:extLst>
-  </p:cSld>
-  <p:clrMapOvr>
-    <a:masterClrMapping/>
-  </p:clrMapOvr>
-</p:sld>
-</file>
-
-<file path=ppt/slides/slide17.xml><?xml version="1.0" encoding="utf-8"?>
-<p:sld xmlns:a="http://schemas.openxmlformats.org/drawingml/2006/main" xmlns:r="http://schemas.openxmlformats.org/officeDocument/2006/relationships" xmlns:p="http://schemas.openxmlformats.org/presentationml/2006/main">
-  <p:cSld>
-    <p:spTree>
-      <p:nvGrpSpPr>
-        <p:cNvPr id="1" name=""/>
-        <p:cNvGrpSpPr/>
-        <p:nvPr/>
-      </p:nvGrpSpPr>
-      <p:grpSpPr>
-        <a:xfrm>
-          <a:off x="0" y="0"/>
-          <a:ext cx="0" cy="0"/>
-          <a:chOff x="0" y="0"/>
-          <a:chExt cx="0" cy="0"/>
-        </a:xfrm>
-      </p:grpSpPr>
-      <p:sp>
-        <p:nvSpPr>
-          <p:cNvPr id="2" name="Title 1">
-            <a:extLst>
-              <a:ext uri="{FF2B5EF4-FFF2-40B4-BE49-F238E27FC236}">
-                <a16:creationId xmlns:a16="http://schemas.microsoft.com/office/drawing/2014/main" id="{5F549704-23C4-B094-622E-8880D581DDB1}"/>
-              </a:ext>
-            </a:extLst>
-          </p:cNvPr>
-          <p:cNvSpPr>
-            <a:spLocks noGrp="1"/>
-          </p:cNvSpPr>
-          <p:nvPr>
-            <p:ph type="title"/>
-          </p:nvPr>
-        </p:nvSpPr>
-        <p:spPr/>
-        <p:txBody>
-          <a:bodyPr/>
-          <a:lstStyle/>
-          <a:p>
-            <a:r>
-              <a:rPr lang="en-IN" dirty="0"/>
-              <a:t>References</a:t>
-            </a:r>
-          </a:p>
-        </p:txBody>
-      </p:sp>
-      <p:sp>
-        <p:nvSpPr>
-          <p:cNvPr id="3" name="Content Placeholder 2">
-            <a:extLst>
-              <a:ext uri="{FF2B5EF4-FFF2-40B4-BE49-F238E27FC236}">
-                <a16:creationId xmlns:a16="http://schemas.microsoft.com/office/drawing/2014/main" id="{1E746B68-8B8A-22C0-9957-1D01E835E282}"/>
-              </a:ext>
-            </a:extLst>
-          </p:cNvPr>
-          <p:cNvSpPr>
-            <a:spLocks noGrp="1"/>
-          </p:cNvSpPr>
-          <p:nvPr>
-            <p:ph idx="1"/>
-          </p:nvPr>
-        </p:nvSpPr>
-        <p:spPr/>
-        <p:txBody>
-          <a:bodyPr/>
-          <a:lstStyle/>
-          <a:p>
-            <a:r>
-              <a:rPr lang="en-IN" dirty="0">
-                <a:hlinkClick r:id="rId2"/>
-              </a:rPr>
-              <a:t>[22]</a:t>
-            </a:r>
-            <a:r>
-              <a:rPr lang="en-IN" dirty="0"/>
-              <a:t> Nazir, N., &amp; </a:t>
-            </a:r>
-            <a:r>
-              <a:rPr lang="en-IN" dirty="0" err="1"/>
-              <a:t>Almassalkhi</a:t>
-            </a:r>
-            <a:r>
-              <a:rPr lang="en-IN" dirty="0"/>
-              <a:t>, M. (2018). Receding-Horizon Optimization of Unbalanced Distribution Systems with Time-Scale Separation for Discrete and Continuous Control Devices. 2018 Power Systems Computation Conference (PSCC). IEEE. </a:t>
-            </a:r>
-            <a:r>
-              <a:rPr lang="en-IN" dirty="0" err="1"/>
-              <a:t>doi</a:t>
-            </a:r>
-            <a:r>
-              <a:rPr lang="en-IN" dirty="0"/>
-              <a:t>: 10.23919/PSCC.2018.8442555</a:t>
-            </a:r>
-          </a:p>
-          <a:p>
-            <a:r>
-              <a:rPr lang="en-IN" dirty="0">
-                <a:hlinkClick r:id="rId3"/>
-              </a:rPr>
-              <a:t>[36] </a:t>
-            </a:r>
-            <a:r>
-              <a:rPr lang="en-IN" dirty="0"/>
-              <a:t> </a:t>
-            </a:r>
-            <a:r>
-              <a:rPr lang="en-US" dirty="0" err="1"/>
-              <a:t>Wächter</a:t>
-            </a:r>
-            <a:r>
-              <a:rPr lang="en-US" dirty="0"/>
-              <a:t>, A., &amp; </a:t>
-            </a:r>
-            <a:r>
-              <a:rPr lang="en-US" dirty="0" err="1"/>
-              <a:t>Biegler</a:t>
-            </a:r>
-            <a:r>
-              <a:rPr lang="en-US" dirty="0"/>
-              <a:t>, L. T. (2006). On the implementation of an interior-point filter line-search algorithm for large-scale nonlinear programming. Math. Program., 106(1), 25–57. </a:t>
-            </a:r>
-            <a:r>
-              <a:rPr lang="en-US" dirty="0" err="1"/>
-              <a:t>doi</a:t>
-            </a:r>
-            <a:r>
-              <a:rPr lang="en-US" dirty="0"/>
-              <a:t>: 10.1007/s10107-004-0559-y</a:t>
-            </a:r>
-          </a:p>
-          <a:p>
-            <a:r>
-              <a:rPr lang="en-US" dirty="0">
-                <a:hlinkClick r:id="rId4"/>
-              </a:rPr>
-              <a:t>[37] </a:t>
-            </a:r>
-            <a:r>
-              <a:rPr lang="en-US" dirty="0"/>
-              <a:t>HSL - Home Page. (2023, May 24). Retrieved from https://www.hsl.rl.ac.uk</a:t>
-            </a:r>
-            <a:endParaRPr lang="en-IN" dirty="0"/>
-          </a:p>
-        </p:txBody>
-      </p:sp>
-    </p:spTree>
-    <p:extLst>
-      <p:ext uri="{BB962C8B-B14F-4D97-AF65-F5344CB8AC3E}">
-        <p14:creationId xmlns:p14="http://schemas.microsoft.com/office/powerpoint/2010/main" val="2023634528"/>
-      </p:ext>
-    </p:extLst>
-  </p:cSld>
-  <p:clrMapOvr>
-    <a:masterClrMapping/>
-  </p:clrMapOvr>
-</p:sld>
-</file>
-
-<file path=ppt/slides/slide2.xml><?xml version="1.0" encoding="utf-8"?>
-<p:sld xmlns:a="http://schemas.openxmlformats.org/drawingml/2006/main" xmlns:r="http://schemas.openxmlformats.org/officeDocument/2006/relationships" xmlns:p="http://schemas.openxmlformats.org/presentationml/2006/main">
-  <p:cSld>
-    <p:spTree>
-      <p:nvGrpSpPr>
-        <p:cNvPr id="1" name=""/>
-        <p:cNvGrpSpPr/>
-        <p:nvPr/>
-      </p:nvGrpSpPr>
-      <p:grpSpPr>
-        <a:xfrm>
-          <a:off x="0" y="0"/>
-          <a:ext cx="0" cy="0"/>
-          <a:chOff x="0" y="0"/>
-          <a:chExt cx="0" cy="0"/>
-        </a:xfrm>
-      </p:grpSpPr>
-      <p:sp>
-        <p:nvSpPr>
-          <p:cNvPr id="2" name="Title 1">
-            <a:extLst>
-              <a:ext uri="{FF2B5EF4-FFF2-40B4-BE49-F238E27FC236}">
-                <a16:creationId xmlns:a16="http://schemas.microsoft.com/office/drawing/2014/main" id="{45DF1785-83CB-4F7A-820B-C600AC43B067}"/>
-              </a:ext>
-            </a:extLst>
-          </p:cNvPr>
-          <p:cNvSpPr>
-            <a:spLocks noGrp="1"/>
-          </p:cNvSpPr>
-          <p:nvPr>
-            <p:ph type="title"/>
-          </p:nvPr>
-        </p:nvSpPr>
-        <p:spPr>
-          <a:xfrm>
-            <a:off x="1064418" y="2811816"/>
-            <a:ext cx="10063163" cy="1015584"/>
-          </a:xfrm>
-          <a:ln w="38100">
-            <a:solidFill>
-              <a:schemeClr val="bg2">
-                <a:lumMod val="40000"/>
-                <a:lumOff val="60000"/>
-              </a:schemeClr>
-            </a:solidFill>
-          </a:ln>
-        </p:spPr>
-        <p:txBody>
-          <a:bodyPr>
-            <a:normAutofit fontScale="90000"/>
-          </a:bodyPr>
-          <a:lstStyle/>
-          <a:p>
-            <a:pPr algn="ctr"/>
-            <a:r>
-              <a:rPr lang="en-US" b="0" dirty="0">
-                <a:latin typeface="Times New Roman" panose="02020603050405020304" pitchFamily="18" charset="0"/>
-                <a:cs typeface="Times New Roman" panose="02020603050405020304" pitchFamily="18" charset="0"/>
-              </a:rPr>
-              <a:t>Optimal Multi-Period Dispatch of Distributed Energy Resources in Unbalanced Distribution Feeders</a:t>
-            </a:r>
-          </a:p>
-        </p:txBody>
-      </p:sp>
-      <p:sp>
-        <p:nvSpPr>
-          <p:cNvPr id="5" name="TextBox 4">
-            <a:extLst>
-              <a:ext uri="{FF2B5EF4-FFF2-40B4-BE49-F238E27FC236}">
-                <a16:creationId xmlns:a16="http://schemas.microsoft.com/office/drawing/2014/main" id="{CF0FD868-0A00-0958-9612-D576320029A2}"/>
-              </a:ext>
-            </a:extLst>
-          </p:cNvPr>
-          <p:cNvSpPr txBox="1"/>
-          <p:nvPr/>
-        </p:nvSpPr>
-        <p:spPr>
-          <a:xfrm>
-            <a:off x="1064418" y="3827400"/>
-            <a:ext cx="10063163" cy="369332"/>
-          </a:xfrm>
-          <a:prstGeom prst="rect">
-            <a:avLst/>
-          </a:prstGeom>
-          <a:noFill/>
-          <a:ln w="38100">
-            <a:solidFill>
-              <a:schemeClr val="bg2">
-                <a:lumMod val="40000"/>
-                <a:lumOff val="60000"/>
-              </a:schemeClr>
-            </a:solidFill>
-          </a:ln>
-        </p:spPr>
-        <p:txBody>
-          <a:bodyPr wrap="square" rtlCol="0">
-            <a:spAutoFit/>
-          </a:bodyPr>
-          <a:lstStyle/>
-          <a:p>
-            <a:pPr algn="ctr"/>
-            <a:r>
-              <a:rPr lang="en-IN" dirty="0">
-                <a:solidFill>
-                  <a:schemeClr val="bg1"/>
-                </a:solidFill>
-                <a:latin typeface="Times New Roman" panose="02020603050405020304" pitchFamily="18" charset="0"/>
-                <a:cs typeface="Times New Roman" panose="02020603050405020304" pitchFamily="18" charset="0"/>
-              </a:rPr>
-              <a:t>Nawaf Nazir, Pavan </a:t>
-            </a:r>
-            <a:r>
-              <a:rPr lang="en-IN" dirty="0" err="1">
-                <a:solidFill>
-                  <a:schemeClr val="bg1"/>
-                </a:solidFill>
-                <a:latin typeface="Times New Roman" panose="02020603050405020304" pitchFamily="18" charset="0"/>
-                <a:cs typeface="Times New Roman" panose="02020603050405020304" pitchFamily="18" charset="0"/>
-              </a:rPr>
-              <a:t>Racherla</a:t>
-            </a:r>
-            <a:r>
-              <a:rPr lang="en-IN" dirty="0">
-                <a:solidFill>
-                  <a:schemeClr val="bg1"/>
-                </a:solidFill>
-                <a:latin typeface="Times New Roman" panose="02020603050405020304" pitchFamily="18" charset="0"/>
-                <a:cs typeface="Times New Roman" panose="02020603050405020304" pitchFamily="18" charset="0"/>
-              </a:rPr>
-              <a:t> and Mads </a:t>
-            </a:r>
-            <a:r>
-              <a:rPr lang="en-IN" dirty="0" err="1">
-                <a:solidFill>
-                  <a:schemeClr val="bg1"/>
-                </a:solidFill>
-                <a:latin typeface="Times New Roman" panose="02020603050405020304" pitchFamily="18" charset="0"/>
-                <a:cs typeface="Times New Roman" panose="02020603050405020304" pitchFamily="18" charset="0"/>
-              </a:rPr>
-              <a:t>Almassalkhi</a:t>
-            </a:r>
-            <a:r>
-              <a:rPr lang="en-IN" dirty="0">
-                <a:solidFill>
-                  <a:schemeClr val="bg1"/>
-                </a:solidFill>
-              </a:rPr>
-              <a:t> </a:t>
-            </a:r>
-          </a:p>
-        </p:txBody>
-      </p:sp>
-      <p:sp>
-        <p:nvSpPr>
-          <p:cNvPr id="6" name="TextBox 5">
-            <a:extLst>
-              <a:ext uri="{FF2B5EF4-FFF2-40B4-BE49-F238E27FC236}">
-                <a16:creationId xmlns:a16="http://schemas.microsoft.com/office/drawing/2014/main" id="{FB333CAB-5ADD-D86F-AF45-EAB2EED3D45B}"/>
-              </a:ext>
-            </a:extLst>
-          </p:cNvPr>
-          <p:cNvSpPr txBox="1"/>
-          <p:nvPr/>
-        </p:nvSpPr>
-        <p:spPr>
-          <a:xfrm>
-            <a:off x="1064418" y="1851097"/>
-            <a:ext cx="10063163" cy="369332"/>
-          </a:xfrm>
-          <a:prstGeom prst="rect">
-            <a:avLst/>
-          </a:prstGeom>
-          <a:noFill/>
-          <a:ln w="38100">
-            <a:solidFill>
-              <a:schemeClr val="bg2">
-                <a:lumMod val="40000"/>
-                <a:lumOff val="60000"/>
-              </a:schemeClr>
-            </a:solidFill>
-          </a:ln>
-        </p:spPr>
-        <p:txBody>
-          <a:bodyPr wrap="square" rtlCol="0">
-            <a:spAutoFit/>
-          </a:bodyPr>
-          <a:lstStyle/>
-          <a:p>
-            <a:r>
-              <a:rPr lang="en-IN" dirty="0">
-                <a:solidFill>
-                  <a:schemeClr val="bg1"/>
-                </a:solidFill>
-                <a:latin typeface="Times New Roman" panose="02020603050405020304" pitchFamily="18" charset="0"/>
-                <a:cs typeface="Times New Roman" panose="02020603050405020304" pitchFamily="18" charset="0"/>
-              </a:rPr>
-              <a:t>IEEE TRANSACTIONS IN POWER SYSTEMS (2020)</a:t>
-            </a:r>
-            <a:endParaRPr lang="en-IN" dirty="0">
-              <a:solidFill>
-                <a:schemeClr val="bg1"/>
-              </a:solidFill>
-            </a:endParaRPr>
-          </a:p>
-        </p:txBody>
-      </p:sp>
-      <p:sp>
-        <p:nvSpPr>
-          <p:cNvPr id="3" name="TextBox 2">
-            <a:extLst>
-              <a:ext uri="{FF2B5EF4-FFF2-40B4-BE49-F238E27FC236}">
-                <a16:creationId xmlns:a16="http://schemas.microsoft.com/office/drawing/2014/main" id="{54CE4A4E-4F0A-4A57-07B2-2D7E8CBED98A}"/>
-              </a:ext>
-            </a:extLst>
-          </p:cNvPr>
-          <p:cNvSpPr txBox="1"/>
-          <p:nvPr/>
-        </p:nvSpPr>
-        <p:spPr>
-          <a:xfrm>
-            <a:off x="1885950" y="5212316"/>
-            <a:ext cx="2371725" cy="923330"/>
-          </a:xfrm>
-          <a:prstGeom prst="rect">
-            <a:avLst/>
-          </a:prstGeom>
-          <a:noFill/>
-          <a:ln>
-            <a:solidFill>
-              <a:schemeClr val="bg2">
-                <a:lumMod val="20000"/>
-                <a:lumOff val="80000"/>
-              </a:schemeClr>
-            </a:solidFill>
-          </a:ln>
-        </p:spPr>
-        <p:txBody>
-          <a:bodyPr wrap="square" rtlCol="0">
-            <a:spAutoFit/>
-          </a:bodyPr>
-          <a:lstStyle/>
-          <a:p>
-            <a:r>
-              <a:rPr lang="en-US" dirty="0">
-                <a:solidFill>
-                  <a:schemeClr val="bg1"/>
-                </a:solidFill>
-              </a:rPr>
-              <a:t>Currently at PNNL</a:t>
-            </a:r>
-            <a:br>
-              <a:rPr lang="en-US" dirty="0">
-                <a:solidFill>
-                  <a:schemeClr val="bg1"/>
-                </a:solidFill>
-              </a:rPr>
-            </a:br>
-            <a:r>
-              <a:rPr lang="en-US" dirty="0">
-                <a:solidFill>
-                  <a:schemeClr val="bg1"/>
-                </a:solidFill>
-              </a:rPr>
-              <a:t>PhD at University of Vermont (UVM)</a:t>
-            </a:r>
-          </a:p>
-        </p:txBody>
-      </p:sp>
-      <p:sp>
-        <p:nvSpPr>
-          <p:cNvPr id="4" name="TextBox 3">
-            <a:extLst>
-              <a:ext uri="{FF2B5EF4-FFF2-40B4-BE49-F238E27FC236}">
-                <a16:creationId xmlns:a16="http://schemas.microsoft.com/office/drawing/2014/main" id="{887F690A-7D87-BB6B-CC58-AEFD5893A9B5}"/>
-              </a:ext>
-            </a:extLst>
-          </p:cNvPr>
-          <p:cNvSpPr txBox="1"/>
-          <p:nvPr/>
-        </p:nvSpPr>
-        <p:spPr>
-          <a:xfrm>
-            <a:off x="4910136" y="5193266"/>
-            <a:ext cx="2371725" cy="646331"/>
-          </a:xfrm>
-          <a:prstGeom prst="rect">
-            <a:avLst/>
-          </a:prstGeom>
-          <a:noFill/>
-          <a:ln>
-            <a:solidFill>
-              <a:schemeClr val="bg2">
-                <a:lumMod val="20000"/>
-                <a:lumOff val="80000"/>
-              </a:schemeClr>
-            </a:solidFill>
-          </a:ln>
-        </p:spPr>
-        <p:txBody>
-          <a:bodyPr wrap="square" rtlCol="0">
-            <a:spAutoFit/>
-          </a:bodyPr>
-          <a:lstStyle/>
-          <a:p>
-            <a:r>
-              <a:rPr lang="en-US" dirty="0">
-                <a:solidFill>
-                  <a:schemeClr val="bg1"/>
-                </a:solidFill>
-              </a:rPr>
-              <a:t>Currently Asst. Prof. at UVM</a:t>
-            </a:r>
-          </a:p>
-        </p:txBody>
-      </p:sp>
-      <p:sp>
-        <p:nvSpPr>
-          <p:cNvPr id="7" name="TextBox 6">
-            <a:extLst>
-              <a:ext uri="{FF2B5EF4-FFF2-40B4-BE49-F238E27FC236}">
-                <a16:creationId xmlns:a16="http://schemas.microsoft.com/office/drawing/2014/main" id="{A2DED524-45D5-DC85-C0DA-028FBD970E1F}"/>
-              </a:ext>
-            </a:extLst>
-          </p:cNvPr>
-          <p:cNvSpPr txBox="1"/>
-          <p:nvPr/>
-        </p:nvSpPr>
-        <p:spPr>
-          <a:xfrm>
-            <a:off x="8210550" y="5193265"/>
-            <a:ext cx="2371725" cy="646331"/>
-          </a:xfrm>
-          <a:prstGeom prst="rect">
-            <a:avLst/>
-          </a:prstGeom>
-          <a:noFill/>
-          <a:ln>
-            <a:solidFill>
-              <a:schemeClr val="bg2">
-                <a:lumMod val="20000"/>
-                <a:lumOff val="80000"/>
-              </a:schemeClr>
-            </a:solidFill>
-          </a:ln>
-        </p:spPr>
-        <p:txBody>
-          <a:bodyPr wrap="square" rtlCol="0">
-            <a:spAutoFit/>
-          </a:bodyPr>
-          <a:lstStyle/>
-          <a:p>
-            <a:r>
-              <a:rPr lang="en-US" dirty="0">
-                <a:solidFill>
-                  <a:schemeClr val="bg1"/>
-                </a:solidFill>
-              </a:rPr>
-              <a:t>Currently Assoc. Prof. at UVM</a:t>
-            </a:r>
-          </a:p>
-        </p:txBody>
-      </p:sp>
-      <p:cxnSp>
-        <p:nvCxnSpPr>
-          <p:cNvPr id="9" name="Straight Arrow Connector 8">
-            <a:extLst>
-              <a:ext uri="{FF2B5EF4-FFF2-40B4-BE49-F238E27FC236}">
-                <a16:creationId xmlns:a16="http://schemas.microsoft.com/office/drawing/2014/main" id="{09E2C2EA-CA0F-7418-6264-E0C918F10F77}"/>
-              </a:ext>
-            </a:extLst>
-          </p:cNvPr>
-          <p:cNvCxnSpPr/>
-          <p:nvPr/>
-        </p:nvCxnSpPr>
-        <p:spPr>
-          <a:xfrm flipH="1">
-            <a:off x="2743200" y="4105275"/>
-            <a:ext cx="1304925" cy="1107041"/>
-          </a:xfrm>
-          <a:prstGeom prst="straightConnector1">
-            <a:avLst/>
-          </a:prstGeom>
-          <a:ln w="3175">
-            <a:solidFill>
-              <a:schemeClr val="bg1">
-                <a:lumMod val="75000"/>
-              </a:schemeClr>
-            </a:solidFill>
-            <a:tailEnd type="triangle"/>
-          </a:ln>
-        </p:spPr>
-        <p:style>
-          <a:lnRef idx="1">
-            <a:schemeClr val="accent1"/>
-          </a:lnRef>
-          <a:fillRef idx="0">
-            <a:schemeClr val="accent1"/>
-          </a:fillRef>
-          <a:effectRef idx="0">
-            <a:schemeClr val="accent1"/>
-          </a:effectRef>
-          <a:fontRef idx="minor">
-            <a:schemeClr val="tx1"/>
-          </a:fontRef>
-        </p:style>
-      </p:cxnSp>
-      <p:cxnSp>
-        <p:nvCxnSpPr>
-          <p:cNvPr id="11" name="Straight Arrow Connector 10">
-            <a:extLst>
-              <a:ext uri="{FF2B5EF4-FFF2-40B4-BE49-F238E27FC236}">
-                <a16:creationId xmlns:a16="http://schemas.microsoft.com/office/drawing/2014/main" id="{028B3E19-B169-BEA8-941F-EF06AA784A19}"/>
-              </a:ext>
-            </a:extLst>
-          </p:cNvPr>
-          <p:cNvCxnSpPr/>
-          <p:nvPr/>
-        </p:nvCxnSpPr>
-        <p:spPr>
-          <a:xfrm>
-            <a:off x="5629275" y="4105275"/>
-            <a:ext cx="133350" cy="1087990"/>
-          </a:xfrm>
-          <a:prstGeom prst="straightConnector1">
-            <a:avLst/>
-          </a:prstGeom>
-          <a:ln w="3175">
-            <a:solidFill>
-              <a:schemeClr val="bg1">
-                <a:lumMod val="75000"/>
-              </a:schemeClr>
-            </a:solidFill>
-            <a:tailEnd type="triangle"/>
-          </a:ln>
-        </p:spPr>
-        <p:style>
-          <a:lnRef idx="1">
-            <a:schemeClr val="accent1"/>
-          </a:lnRef>
-          <a:fillRef idx="0">
-            <a:schemeClr val="accent1"/>
-          </a:fillRef>
-          <a:effectRef idx="0">
-            <a:schemeClr val="accent1"/>
-          </a:effectRef>
-          <a:fontRef idx="minor">
-            <a:schemeClr val="tx1"/>
-          </a:fontRef>
-        </p:style>
-      </p:cxnSp>
-      <p:cxnSp>
-        <p:nvCxnSpPr>
-          <p:cNvPr id="13" name="Straight Arrow Connector 12">
-            <a:extLst>
-              <a:ext uri="{FF2B5EF4-FFF2-40B4-BE49-F238E27FC236}">
-                <a16:creationId xmlns:a16="http://schemas.microsoft.com/office/drawing/2014/main" id="{DE6DC399-63BA-2B63-5D63-22924541F2D2}"/>
-              </a:ext>
-            </a:extLst>
-          </p:cNvPr>
-          <p:cNvCxnSpPr/>
-          <p:nvPr/>
-        </p:nvCxnSpPr>
-        <p:spPr>
-          <a:xfrm>
-            <a:off x="7696200" y="4105275"/>
-            <a:ext cx="1238250" cy="1087990"/>
-          </a:xfrm>
-          <a:prstGeom prst="straightConnector1">
-            <a:avLst/>
-          </a:prstGeom>
-          <a:ln w="3175">
-            <a:solidFill>
-              <a:schemeClr val="bg1">
-                <a:lumMod val="75000"/>
-              </a:schemeClr>
-            </a:solidFill>
-            <a:tailEnd type="triangle"/>
-          </a:ln>
-        </p:spPr>
-        <p:style>
-          <a:lnRef idx="1">
-            <a:schemeClr val="accent1"/>
-          </a:lnRef>
-          <a:fillRef idx="0">
-            <a:schemeClr val="accent1"/>
-          </a:fillRef>
-          <a:effectRef idx="0">
-            <a:schemeClr val="accent1"/>
-          </a:effectRef>
-          <a:fontRef idx="minor">
-            <a:schemeClr val="tx1"/>
-          </a:fontRef>
-        </p:style>
-      </p:cxnSp>
-    </p:spTree>
-    <p:extLst>
-      <p:ext uri="{BB962C8B-B14F-4D97-AF65-F5344CB8AC3E}">
-        <p14:creationId xmlns:p14="http://schemas.microsoft.com/office/powerpoint/2010/main" val="2215898345"/>
-      </p:ext>
-    </p:extLst>
-  </p:cSld>
-  <p:clrMapOvr>
-    <a:masterClrMapping/>
-  </p:clrMapOvr>
-</p:sld>
-</file>
-
-<file path=ppt/slides/slide3.xml><?xml version="1.0" encoding="utf-8"?>
+<file path=ppt/slides/slide11.xml><?xml version="1.0" encoding="utf-8"?>
 <p:sld xmlns:a="http://schemas.openxmlformats.org/drawingml/2006/main" xmlns:r="http://schemas.openxmlformats.org/officeDocument/2006/relationships" xmlns:p="http://schemas.openxmlformats.org/presentationml/2006/main">
   <p:cSld>
     <p:spTree>
@@ -12599,86 +9791,57 @@
           </a:bodyPr>
           <a:lstStyle/>
           <a:p>
+            <a:pPr lvl="1"/>
             <a:r>
               <a:rPr lang="en-US" dirty="0"/>
-              <a:t>Distribution System</a:t>
-            </a:r>
-          </a:p>
-          <a:p>
-            <a:pPr lvl="1">
-              <a:buFont typeface="Wingdings" panose="05000000000000000000" pitchFamily="2" charset="2"/>
-              <a:buChar char="Ø"/>
+              <a:t>In </a:t>
+            </a:r>
+            <a:r>
+              <a:rPr lang="en-US" dirty="0">
+                <a:solidFill>
+                  <a:schemeClr val="accent1">
+                    <a:lumMod val="40000"/>
+                    <a:lumOff val="60000"/>
+                  </a:schemeClr>
+                </a:solidFill>
+                <a:hlinkClick r:id="rId2" action="ppaction://hlinksldjump">
+                  <a:extLst>
+                    <a:ext uri="{A12FA001-AC4F-418D-AE19-62706E023703}">
+                      <ahyp:hlinkClr xmlns:ahyp="http://schemas.microsoft.com/office/drawing/2018/hyperlinkcolor" val="tx"/>
+                    </a:ext>
+                  </a:extLst>
+                </a:hlinkClick>
+              </a:rPr>
+              <a:t>[22] </a:t>
+            </a:r>
+            <a:r>
+              <a:rPr lang="en-US" dirty="0"/>
+              <a:t>by the same authors, they have developed a three-phase convex SOCP relaxation of the multi-period OPF problem, and provided sufficient conditions which ensure the avoidance of simultaneous charging and discharging.</a:t>
+            </a:r>
+          </a:p>
+          <a:p>
+            <a:pPr lvl="1"/>
+            <a:endParaRPr lang="en-US" dirty="0"/>
+          </a:p>
+          <a:p>
+            <a:pPr lvl="1"/>
+            <a:r>
+              <a:rPr lang="en-US" dirty="0"/>
+              <a:t>In this paper, they extend the work by developing a Multi-Period SOCP-NLP algorithm that provides a </a:t>
+            </a:r>
+            <a:r>
+              <a:rPr lang="en-US" i="1" dirty="0"/>
+              <a:t>near </a:t>
+            </a:r>
+            <a:r>
+              <a:rPr lang="en-US" dirty="0"/>
+              <a:t>optimal and guaranteed feasible solution.</a:t>
+            </a:r>
+          </a:p>
+          <a:p>
+            <a:pPr marL="182880" lvl="1" indent="0">
+              <a:buNone/>
             </a:pPr>
-            <a:r>
-              <a:rPr lang="en-US" dirty="0"/>
-              <a:t>Unbalanced</a:t>
-            </a:r>
-          </a:p>
-          <a:p>
-            <a:pPr lvl="1">
-              <a:buFont typeface="Wingdings" panose="05000000000000000000" pitchFamily="2" charset="2"/>
-              <a:buChar char="Ø"/>
-            </a:pPr>
-            <a:r>
-              <a:rPr lang="en-US" dirty="0"/>
-              <a:t>Inverter-Interfaced</a:t>
-            </a:r>
-          </a:p>
-          <a:p>
-            <a:pPr lvl="1">
-              <a:buFont typeface="Wingdings" panose="05000000000000000000" pitchFamily="2" charset="2"/>
-              <a:buChar char="Ø"/>
-            </a:pPr>
-            <a:r>
-              <a:rPr lang="en-US" dirty="0"/>
-              <a:t>Significant Solar Penetration</a:t>
-            </a:r>
-          </a:p>
-          <a:p>
-            <a:pPr lvl="1">
-              <a:buFont typeface="Wingdings" panose="05000000000000000000" pitchFamily="2" charset="2"/>
-              <a:buChar char="Ø"/>
-            </a:pPr>
-            <a:endParaRPr lang="en-US" dirty="0"/>
-          </a:p>
-          <a:p>
-            <a:r>
-              <a:rPr lang="en-US" dirty="0"/>
-              <a:t>Three-Phase Unbalanced</a:t>
-            </a:r>
-          </a:p>
-          <a:p>
-            <a:pPr lvl="1">
-              <a:buFont typeface="Wingdings" panose="05000000000000000000" pitchFamily="2" charset="2"/>
-              <a:buChar char="Ø"/>
-            </a:pPr>
-            <a:r>
-              <a:rPr lang="en-US" dirty="0"/>
-              <a:t>Non-Convex Loss-minimization problem</a:t>
-            </a:r>
-          </a:p>
-          <a:p>
-            <a:pPr lvl="1">
-              <a:buFont typeface="Wingdings" panose="05000000000000000000" pitchFamily="2" charset="2"/>
-              <a:buChar char="Ø"/>
-            </a:pPr>
-            <a:r>
-              <a:rPr lang="en-US" dirty="0"/>
-              <a:t>Formulated as a Convex Second Order Conic Program  (SOCP) for arriving at an initial solution for Non-Linear Program (NLP)</a:t>
-            </a:r>
-          </a:p>
-          <a:p>
-            <a:pPr lvl="1">
-              <a:buFont typeface="Wingdings" panose="05000000000000000000" pitchFamily="2" charset="2"/>
-              <a:buChar char="Ø"/>
-            </a:pPr>
-            <a:r>
-              <a:rPr lang="en-US" dirty="0"/>
-              <a:t>NLP run to ensure physically realizable solution</a:t>
-            </a:r>
-          </a:p>
-          <a:p>
-            <a:pPr lvl="1"/>
             <a:endParaRPr lang="en-US" dirty="0"/>
           </a:p>
         </p:txBody>
@@ -12732,7 +9895,7 @@
     </p:spTree>
     <p:extLst>
       <p:ext uri="{BB962C8B-B14F-4D97-AF65-F5344CB8AC3E}">
-        <p14:creationId xmlns:p14="http://schemas.microsoft.com/office/powerpoint/2010/main" val="1311344680"/>
+        <p14:creationId xmlns:p14="http://schemas.microsoft.com/office/powerpoint/2010/main" val="1097106583"/>
       </p:ext>
     </p:extLst>
   </p:cSld>
@@ -12742,7 +9905,7 @@
 </p:sld>
 </file>
 
-<file path=ppt/slides/slide4.xml><?xml version="1.0" encoding="utf-8"?>
+<file path=ppt/slides/slide12.xml><?xml version="1.0" encoding="utf-8"?>
 <p:sld xmlns:a="http://schemas.openxmlformats.org/drawingml/2006/main" xmlns:r="http://schemas.openxmlformats.org/officeDocument/2006/relationships" xmlns:p="http://schemas.openxmlformats.org/presentationml/2006/main">
   <p:cSld>
     <p:spTree>
@@ -12787,12 +9950,24 @@
           </a:bodyPr>
           <a:lstStyle/>
           <a:p>
+            <a:pPr lvl="1"/>
             <a:r>
               <a:rPr lang="en-US" dirty="0"/>
-              <a:t>Conditions derived to ensure that batteries do NOT simultaneously charge and discharge. </a:t>
-            </a:r>
-            <a:r>
-              <a:rPr lang="en-US" b="1" i="1" dirty="0">
+              <a:t>The optimized solutions from the relaxed SOCP model, are used to initialize a Non-Linear Program (NLP) of the actual AC Power Flow, to obtain a physically realizable solution.</a:t>
+            </a:r>
+          </a:p>
+          <a:p>
+            <a:pPr lvl="1"/>
+            <a:endParaRPr lang="en-US" dirty="0"/>
+          </a:p>
+          <a:p>
+            <a:pPr lvl="1"/>
+            <a:r>
+              <a:rPr lang="en-US" dirty="0"/>
+              <a:t>Real-Power Solutions that form the energy trajectory and are obtained from the SOCP, are fixed in the NLP, </a:t>
+            </a:r>
+            <a:r>
+              <a:rPr lang="en-US" dirty="0">
                 <a:solidFill>
                   <a:schemeClr val="accent1">
                     <a:lumMod val="40000"/>
@@ -12800,16 +9975,48 @@
                   </a:schemeClr>
                 </a:solidFill>
               </a:rPr>
-              <a:t>(Is that a big problem?)</a:t>
-            </a:r>
-          </a:p>
-          <a:p>
+              <a:t>leading to a decoupling of the different time-steps</a:t>
+            </a:r>
+            <a:r>
+              <a:rPr lang="en-US" dirty="0"/>
+              <a:t>. </a:t>
+            </a:r>
+            <a:r>
+              <a:rPr lang="en-US" b="1" i="1" dirty="0"/>
+              <a:t>(What? How?)</a:t>
+            </a:r>
+          </a:p>
+          <a:p>
+            <a:pPr lvl="1"/>
             <a:endParaRPr lang="en-US" dirty="0"/>
           </a:p>
           <a:p>
+            <a:pPr lvl="1"/>
+            <a:r>
+              <a:rPr lang="en-US" dirty="0">
+                <a:solidFill>
+                  <a:schemeClr val="accent1">
+                    <a:lumMod val="40000"/>
+                    <a:lumOff val="60000"/>
+                  </a:schemeClr>
+                </a:solidFill>
+              </a:rPr>
+              <a:t>As a result, the NLP solves for each time-step separately (possibly in-parallel), leading to a scalable framework. </a:t>
+            </a:r>
+            <a:r>
+              <a:rPr lang="en-US" b="1" i="1" dirty="0"/>
+              <a:t>(What?)</a:t>
+            </a:r>
+          </a:p>
+          <a:p>
+            <a:pPr lvl="1"/>
+            <a:endParaRPr lang="en-US" b="1" i="1" dirty="0"/>
+          </a:p>
+          <a:p>
+            <a:pPr lvl="1"/>
             <a:r>
               <a:rPr lang="en-US" dirty="0"/>
-              <a:t>Tested with </a:t>
+              <a:t>Validation is performed using </a:t>
             </a:r>
             <a:r>
               <a:rPr lang="en-US" dirty="0" err="1"/>
@@ -12817,41 +10024,13 @@
             </a:r>
             <a:r>
               <a:rPr lang="en-US" dirty="0"/>
-              <a:t>-D for IEEE 13 and IEEE 123.</a:t>
-            </a:r>
-          </a:p>
-          <a:p>
-            <a:pPr lvl="1">
-              <a:buFont typeface="Wingdings" panose="05000000000000000000" pitchFamily="2" charset="2"/>
-              <a:buChar char="Ø"/>
+              <a:t>-D.</a:t>
+            </a:r>
+          </a:p>
+          <a:p>
+            <a:pPr marL="182880" lvl="1" indent="0">
+              <a:buNone/>
             </a:pPr>
-            <a:r>
-              <a:rPr lang="en-US" dirty="0"/>
-              <a:t>AC feasibility of the solutions ensured</a:t>
-            </a:r>
-          </a:p>
-          <a:p>
-            <a:pPr lvl="1">
-              <a:buFont typeface="Wingdings" panose="05000000000000000000" pitchFamily="2" charset="2"/>
-              <a:buChar char="Ø"/>
-            </a:pPr>
-            <a:r>
-              <a:rPr lang="en-US" dirty="0"/>
-              <a:t>Near-optimal performance</a:t>
-            </a:r>
-          </a:p>
-          <a:p>
-            <a:pPr lvl="1">
-              <a:buFont typeface="Wingdings" panose="05000000000000000000" pitchFamily="2" charset="2"/>
-              <a:buChar char="Ø"/>
-            </a:pPr>
-            <a:r>
-              <a:rPr lang="en-US" dirty="0"/>
-              <a:t>Solution time &lt; 1 min.</a:t>
-            </a:r>
-          </a:p>
-          <a:p>
-            <a:pPr lvl="1"/>
             <a:endParaRPr lang="en-US" dirty="0"/>
           </a:p>
         </p:txBody>
@@ -12905,711 +10084,6 @@
     </p:spTree>
     <p:extLst>
       <p:ext uri="{BB962C8B-B14F-4D97-AF65-F5344CB8AC3E}">
-        <p14:creationId xmlns:p14="http://schemas.microsoft.com/office/powerpoint/2010/main" val="364621248"/>
-      </p:ext>
-    </p:extLst>
-  </p:cSld>
-  <p:clrMapOvr>
-    <a:masterClrMapping/>
-  </p:clrMapOvr>
-</p:sld>
-</file>
-
-<file path=ppt/slides/slide5.xml><?xml version="1.0" encoding="utf-8"?>
-<p:sld xmlns:a="http://schemas.openxmlformats.org/drawingml/2006/main" xmlns:r="http://schemas.openxmlformats.org/officeDocument/2006/relationships" xmlns:p="http://schemas.openxmlformats.org/presentationml/2006/main">
-  <p:cSld>
-    <p:spTree>
-      <p:nvGrpSpPr>
-        <p:cNvPr id="1" name=""/>
-        <p:cNvGrpSpPr/>
-        <p:nvPr/>
-      </p:nvGrpSpPr>
-      <p:grpSpPr>
-        <a:xfrm>
-          <a:off x="0" y="0"/>
-          <a:ext cx="0" cy="0"/>
-          <a:chOff x="0" y="0"/>
-          <a:chExt cx="0" cy="0"/>
-        </a:xfrm>
-      </p:grpSpPr>
-      <p:sp>
-        <p:nvSpPr>
-          <p:cNvPr id="3" name="Content Placeholder 2">
-            <a:extLst>
-              <a:ext uri="{FF2B5EF4-FFF2-40B4-BE49-F238E27FC236}">
-                <a16:creationId xmlns:a16="http://schemas.microsoft.com/office/drawing/2014/main" id="{64BE6767-30AA-41AB-8C0B-29F30741AF76}"/>
-              </a:ext>
-            </a:extLst>
-          </p:cNvPr>
-          <p:cNvSpPr>
-            <a:spLocks noGrp="1"/>
-          </p:cNvSpPr>
-          <p:nvPr>
-            <p:ph idx="1"/>
-          </p:nvPr>
-        </p:nvSpPr>
-        <p:spPr>
-          <a:xfrm>
-            <a:off x="1077686" y="2248665"/>
-            <a:ext cx="10063163" cy="3256786"/>
-          </a:xfrm>
-        </p:spPr>
-        <p:txBody>
-          <a:bodyPr>
-            <a:normAutofit/>
-          </a:bodyPr>
-          <a:lstStyle/>
-          <a:p>
-            <a:r>
-              <a:rPr lang="en-US" dirty="0" err="1"/>
-              <a:t>ConEd</a:t>
-            </a:r>
-            <a:r>
-              <a:rPr lang="en-US" baseline="30000" dirty="0"/>
-              <a:t>*</a:t>
-            </a:r>
-            <a:r>
-              <a:rPr lang="en-US" dirty="0"/>
-              <a:t> of NY moving towards Distributed System Platforms (DSPs)</a:t>
-            </a:r>
-          </a:p>
-          <a:p>
-            <a:endParaRPr lang="en-US" dirty="0"/>
-          </a:p>
-          <a:p>
-            <a:r>
-              <a:rPr lang="en-US" dirty="0"/>
-              <a:t>These DSPs allow for DERs to be factored into Optimization schemes for Power Generation</a:t>
-            </a:r>
-          </a:p>
-          <a:p>
-            <a:endParaRPr lang="en-US" dirty="0"/>
-          </a:p>
-          <a:p>
-            <a:r>
-              <a:rPr lang="en-US" dirty="0"/>
-              <a:t>DERs can be Optimized to function as Virtual Batteries (VBs)</a:t>
-            </a:r>
-          </a:p>
-          <a:p>
-            <a:pPr lvl="1">
-              <a:buFont typeface="Wingdings" panose="05000000000000000000" pitchFamily="2" charset="2"/>
-              <a:buChar char="Ø"/>
-            </a:pPr>
-            <a:r>
-              <a:rPr lang="en-US" dirty="0"/>
-              <a:t>provide energy services at different </a:t>
-            </a:r>
-            <a:r>
-              <a:rPr lang="en-US" dirty="0" err="1"/>
-              <a:t>spatio</a:t>
-            </a:r>
-            <a:r>
-              <a:rPr lang="en-US" dirty="0"/>
-              <a:t>-temporal scales.</a:t>
-            </a:r>
-          </a:p>
-          <a:p>
-            <a:pPr lvl="1"/>
-            <a:endParaRPr lang="en-US" dirty="0"/>
-          </a:p>
-        </p:txBody>
-      </p:sp>
-      <p:sp>
-        <p:nvSpPr>
-          <p:cNvPr id="2" name="Title 1">
-            <a:extLst>
-              <a:ext uri="{FF2B5EF4-FFF2-40B4-BE49-F238E27FC236}">
-                <a16:creationId xmlns:a16="http://schemas.microsoft.com/office/drawing/2014/main" id="{45DF1785-83CB-4F7A-820B-C600AC43B067}"/>
-              </a:ext>
-            </a:extLst>
-          </p:cNvPr>
-          <p:cNvSpPr>
-            <a:spLocks noGrp="1"/>
-          </p:cNvSpPr>
-          <p:nvPr>
-            <p:ph type="title"/>
-          </p:nvPr>
-        </p:nvSpPr>
-        <p:spPr>
-          <a:xfrm>
-            <a:off x="1064418" y="376654"/>
-            <a:ext cx="10063163" cy="1015584"/>
-          </a:xfrm>
-          <a:ln w="38100">
-            <a:solidFill>
-              <a:schemeClr val="bg2">
-                <a:lumMod val="40000"/>
-                <a:lumOff val="60000"/>
-              </a:schemeClr>
-            </a:solidFill>
-          </a:ln>
-        </p:spPr>
-        <p:txBody>
-          <a:bodyPr>
-            <a:normAutofit fontScale="90000"/>
-          </a:bodyPr>
-          <a:lstStyle/>
-          <a:p>
-            <a:r>
-              <a:rPr lang="en-US" b="0" dirty="0">
-                <a:latin typeface="Times New Roman" panose="02020603050405020304" pitchFamily="18" charset="0"/>
-                <a:cs typeface="Times New Roman" panose="02020603050405020304" pitchFamily="18" charset="0"/>
-              </a:rPr>
-              <a:t>Optimal Multi-Period Dispatch of Distributed Energy Resources in Unbalanced Distribution Feeders</a:t>
-            </a:r>
-          </a:p>
-        </p:txBody>
-      </p:sp>
-      <p:sp>
-        <p:nvSpPr>
-          <p:cNvPr id="4" name="TextBox 3">
-            <a:extLst>
-              <a:ext uri="{FF2B5EF4-FFF2-40B4-BE49-F238E27FC236}">
-                <a16:creationId xmlns:a16="http://schemas.microsoft.com/office/drawing/2014/main" id="{8EFEBC6E-AF86-6BC5-4CB0-6803F1624DA1}"/>
-              </a:ext>
-            </a:extLst>
-          </p:cNvPr>
-          <p:cNvSpPr txBox="1"/>
-          <p:nvPr/>
-        </p:nvSpPr>
-        <p:spPr>
-          <a:xfrm>
-            <a:off x="1238250" y="5505451"/>
-            <a:ext cx="3838575" cy="1200329"/>
-          </a:xfrm>
-          <a:prstGeom prst="rect">
-            <a:avLst/>
-          </a:prstGeom>
-          <a:noFill/>
-          <a:ln>
-            <a:solidFill>
-              <a:schemeClr val="bg2">
-                <a:lumMod val="40000"/>
-                <a:lumOff val="60000"/>
-              </a:schemeClr>
-            </a:solidFill>
-          </a:ln>
-        </p:spPr>
-        <p:txBody>
-          <a:bodyPr wrap="square" rtlCol="0">
-            <a:spAutoFit/>
-          </a:bodyPr>
-          <a:lstStyle/>
-          <a:p>
-            <a:r>
-              <a:rPr lang="en-US" dirty="0">
-                <a:solidFill>
-                  <a:schemeClr val="bg1"/>
-                </a:solidFill>
-              </a:rPr>
-              <a:t>* Consolidated Edison, electric utility in NY and NOT </a:t>
-            </a:r>
-            <a:r>
-              <a:rPr lang="en-US" dirty="0" err="1">
-                <a:solidFill>
-                  <a:schemeClr val="bg1"/>
-                </a:solidFill>
-              </a:rPr>
-              <a:t>ComEd</a:t>
-            </a:r>
-            <a:r>
-              <a:rPr lang="en-US" dirty="0">
-                <a:solidFill>
-                  <a:schemeClr val="bg1"/>
-                </a:solidFill>
-              </a:rPr>
-              <a:t>, Commonwealth Edison, electric utility in IL</a:t>
-            </a:r>
-          </a:p>
-        </p:txBody>
-      </p:sp>
-    </p:spTree>
-    <p:extLst>
-      <p:ext uri="{BB962C8B-B14F-4D97-AF65-F5344CB8AC3E}">
-        <p14:creationId xmlns:p14="http://schemas.microsoft.com/office/powerpoint/2010/main" val="497868237"/>
-      </p:ext>
-    </p:extLst>
-  </p:cSld>
-  <p:clrMapOvr>
-    <a:masterClrMapping/>
-  </p:clrMapOvr>
-</p:sld>
-</file>
-
-<file path=ppt/slides/slide6.xml><?xml version="1.0" encoding="utf-8"?>
-<p:sld xmlns:a="http://schemas.openxmlformats.org/drawingml/2006/main" xmlns:r="http://schemas.openxmlformats.org/officeDocument/2006/relationships" xmlns:p="http://schemas.openxmlformats.org/presentationml/2006/main">
-  <p:cSld>
-    <p:spTree>
-      <p:nvGrpSpPr>
-        <p:cNvPr id="1" name=""/>
-        <p:cNvGrpSpPr/>
-        <p:nvPr/>
-      </p:nvGrpSpPr>
-      <p:grpSpPr>
-        <a:xfrm>
-          <a:off x="0" y="0"/>
-          <a:ext cx="0" cy="0"/>
-          <a:chOff x="0" y="0"/>
-          <a:chExt cx="0" cy="0"/>
-        </a:xfrm>
-      </p:grpSpPr>
-      <p:sp>
-        <p:nvSpPr>
-          <p:cNvPr id="3" name="Content Placeholder 2">
-            <a:extLst>
-              <a:ext uri="{FF2B5EF4-FFF2-40B4-BE49-F238E27FC236}">
-                <a16:creationId xmlns:a16="http://schemas.microsoft.com/office/drawing/2014/main" id="{64BE6767-30AA-41AB-8C0B-29F30741AF76}"/>
-              </a:ext>
-            </a:extLst>
-          </p:cNvPr>
-          <p:cNvSpPr>
-            <a:spLocks noGrp="1"/>
-          </p:cNvSpPr>
-          <p:nvPr>
-            <p:ph idx="1"/>
-          </p:nvPr>
-        </p:nvSpPr>
-        <p:spPr>
-          <a:xfrm>
-            <a:off x="1077686" y="2248664"/>
-            <a:ext cx="10063163" cy="4286531"/>
-          </a:xfrm>
-        </p:spPr>
-        <p:txBody>
-          <a:bodyPr>
-            <a:normAutofit/>
-          </a:bodyPr>
-          <a:lstStyle/>
-          <a:p>
-            <a:pPr lvl="1"/>
-            <a:r>
-              <a:rPr lang="en-US" dirty="0"/>
-              <a:t>Traditionally, </a:t>
-            </a:r>
-            <a:r>
-              <a:rPr lang="en-US" i="1" dirty="0" err="1"/>
-              <a:t>DistFlow</a:t>
-            </a:r>
-            <a:r>
-              <a:rPr lang="en-US" i="1" dirty="0"/>
-              <a:t> </a:t>
-            </a:r>
-            <a:r>
-              <a:rPr lang="en-US" dirty="0"/>
-              <a:t>algorithms based on the Branch Flow Model (BFM), which are an exact non-linear formulation of the distribution power flow equations, only work on balanced single-phase equivalent networks.</a:t>
-            </a:r>
-          </a:p>
-          <a:p>
-            <a:pPr lvl="1"/>
-            <a:endParaRPr lang="en-US" dirty="0"/>
-          </a:p>
-          <a:p>
-            <a:pPr lvl="1"/>
-            <a:r>
-              <a:rPr lang="en-US" dirty="0"/>
-              <a:t>But Distribution Networks are inherently unbalanced.</a:t>
-            </a:r>
-          </a:p>
-        </p:txBody>
-      </p:sp>
-      <p:sp>
-        <p:nvSpPr>
-          <p:cNvPr id="2" name="Title 1">
-            <a:extLst>
-              <a:ext uri="{FF2B5EF4-FFF2-40B4-BE49-F238E27FC236}">
-                <a16:creationId xmlns:a16="http://schemas.microsoft.com/office/drawing/2014/main" id="{45DF1785-83CB-4F7A-820B-C600AC43B067}"/>
-              </a:ext>
-            </a:extLst>
-          </p:cNvPr>
-          <p:cNvSpPr>
-            <a:spLocks noGrp="1"/>
-          </p:cNvSpPr>
-          <p:nvPr>
-            <p:ph type="title"/>
-          </p:nvPr>
-        </p:nvSpPr>
-        <p:spPr>
-          <a:xfrm>
-            <a:off x="1064418" y="376654"/>
-            <a:ext cx="10063163" cy="1015584"/>
-          </a:xfrm>
-          <a:ln w="38100">
-            <a:solidFill>
-              <a:schemeClr val="bg2">
-                <a:lumMod val="40000"/>
-                <a:lumOff val="60000"/>
-              </a:schemeClr>
-            </a:solidFill>
-          </a:ln>
-        </p:spPr>
-        <p:txBody>
-          <a:bodyPr>
-            <a:normAutofit fontScale="90000"/>
-          </a:bodyPr>
-          <a:lstStyle/>
-          <a:p>
-            <a:r>
-              <a:rPr lang="en-US" b="0" dirty="0">
-                <a:latin typeface="Times New Roman" panose="02020603050405020304" pitchFamily="18" charset="0"/>
-                <a:cs typeface="Times New Roman" panose="02020603050405020304" pitchFamily="18" charset="0"/>
-              </a:rPr>
-              <a:t>Optimal Multi-Period Dispatch of Distributed Energy Resources in Unbalanced Distribution Feeders</a:t>
-            </a:r>
-          </a:p>
-        </p:txBody>
-      </p:sp>
-    </p:spTree>
-    <p:extLst>
-      <p:ext uri="{BB962C8B-B14F-4D97-AF65-F5344CB8AC3E}">
-        <p14:creationId xmlns:p14="http://schemas.microsoft.com/office/powerpoint/2010/main" val="1321834617"/>
-      </p:ext>
-    </p:extLst>
-  </p:cSld>
-  <p:clrMapOvr>
-    <a:masterClrMapping/>
-  </p:clrMapOvr>
-</p:sld>
-</file>
-
-<file path=ppt/slides/slide7.xml><?xml version="1.0" encoding="utf-8"?>
-<p:sld xmlns:a="http://schemas.openxmlformats.org/drawingml/2006/main" xmlns:r="http://schemas.openxmlformats.org/officeDocument/2006/relationships" xmlns:p="http://schemas.openxmlformats.org/presentationml/2006/main">
-  <p:cSld>
-    <p:spTree>
-      <p:nvGrpSpPr>
-        <p:cNvPr id="1" name=""/>
-        <p:cNvGrpSpPr/>
-        <p:nvPr/>
-      </p:nvGrpSpPr>
-      <p:grpSpPr>
-        <a:xfrm>
-          <a:off x="0" y="0"/>
-          <a:ext cx="0" cy="0"/>
-          <a:chOff x="0" y="0"/>
-          <a:chExt cx="0" cy="0"/>
-        </a:xfrm>
-      </p:grpSpPr>
-      <p:sp>
-        <p:nvSpPr>
-          <p:cNvPr id="3" name="Content Placeholder 2">
-            <a:extLst>
-              <a:ext uri="{FF2B5EF4-FFF2-40B4-BE49-F238E27FC236}">
-                <a16:creationId xmlns:a16="http://schemas.microsoft.com/office/drawing/2014/main" id="{64BE6767-30AA-41AB-8C0B-29F30741AF76}"/>
-              </a:ext>
-            </a:extLst>
-          </p:cNvPr>
-          <p:cNvSpPr>
-            <a:spLocks noGrp="1"/>
-          </p:cNvSpPr>
-          <p:nvPr>
-            <p:ph idx="1"/>
-          </p:nvPr>
-        </p:nvSpPr>
-        <p:spPr>
-          <a:xfrm>
-            <a:off x="1077686" y="2248664"/>
-            <a:ext cx="10063163" cy="4286531"/>
-          </a:xfrm>
-        </p:spPr>
-        <p:txBody>
-          <a:bodyPr>
-            <a:normAutofit/>
-          </a:bodyPr>
-          <a:lstStyle/>
-          <a:p>
-            <a:pPr lvl="1"/>
-            <a:r>
-              <a:rPr lang="en-US" dirty="0"/>
-              <a:t>In </a:t>
-            </a:r>
-            <a:r>
-              <a:rPr lang="en-US" dirty="0">
-                <a:solidFill>
-                  <a:schemeClr val="accent1">
-                    <a:lumMod val="40000"/>
-                    <a:lumOff val="60000"/>
-                  </a:schemeClr>
-                </a:solidFill>
-                <a:hlinkClick r:id="rId2" action="ppaction://hlinksldjump">
-                  <a:extLst>
-                    <a:ext uri="{A12FA001-AC4F-418D-AE19-62706E023703}">
-                      <ahyp:hlinkClr xmlns:ahyp="http://schemas.microsoft.com/office/drawing/2018/hyperlinkcolor" val="tx"/>
-                    </a:ext>
-                  </a:extLst>
-                </a:hlinkClick>
-              </a:rPr>
-              <a:t>[22] </a:t>
-            </a:r>
-            <a:r>
-              <a:rPr lang="en-US" dirty="0"/>
-              <a:t>by the same authors, they have developed a three-phase convex SOCP relaxation of the multi-period OPF problem, and provided sufficient conditions which ensure the avoidance of simultaneous charging and discharging.</a:t>
-            </a:r>
-          </a:p>
-          <a:p>
-            <a:pPr lvl="1"/>
-            <a:endParaRPr lang="en-US" dirty="0"/>
-          </a:p>
-          <a:p>
-            <a:pPr lvl="1"/>
-            <a:r>
-              <a:rPr lang="en-US" dirty="0"/>
-              <a:t>In this paper, they extend the work by developing a Multi-Period SOCP-NLP algorithm that provides a </a:t>
-            </a:r>
-            <a:r>
-              <a:rPr lang="en-US" i="1" dirty="0"/>
-              <a:t>near </a:t>
-            </a:r>
-            <a:r>
-              <a:rPr lang="en-US" dirty="0"/>
-              <a:t>optimal and guaranteed feasible solution.</a:t>
-            </a:r>
-          </a:p>
-          <a:p>
-            <a:pPr marL="182880" lvl="1" indent="0">
-              <a:buNone/>
-            </a:pPr>
-            <a:endParaRPr lang="en-US" dirty="0"/>
-          </a:p>
-        </p:txBody>
-      </p:sp>
-      <p:sp>
-        <p:nvSpPr>
-          <p:cNvPr id="2" name="Title 1">
-            <a:extLst>
-              <a:ext uri="{FF2B5EF4-FFF2-40B4-BE49-F238E27FC236}">
-                <a16:creationId xmlns:a16="http://schemas.microsoft.com/office/drawing/2014/main" id="{45DF1785-83CB-4F7A-820B-C600AC43B067}"/>
-              </a:ext>
-            </a:extLst>
-          </p:cNvPr>
-          <p:cNvSpPr>
-            <a:spLocks noGrp="1"/>
-          </p:cNvSpPr>
-          <p:nvPr>
-            <p:ph type="title"/>
-          </p:nvPr>
-        </p:nvSpPr>
-        <p:spPr>
-          <a:xfrm>
-            <a:off x="1064418" y="376654"/>
-            <a:ext cx="10063163" cy="1015584"/>
-          </a:xfrm>
-          <a:ln w="38100">
-            <a:solidFill>
-              <a:schemeClr val="bg2">
-                <a:lumMod val="40000"/>
-                <a:lumOff val="60000"/>
-              </a:schemeClr>
-            </a:solidFill>
-          </a:ln>
-        </p:spPr>
-        <p:txBody>
-          <a:bodyPr>
-            <a:normAutofit fontScale="90000"/>
-          </a:bodyPr>
-          <a:lstStyle/>
-          <a:p>
-            <a:r>
-              <a:rPr lang="en-US" b="0" dirty="0">
-                <a:latin typeface="Times New Roman" panose="02020603050405020304" pitchFamily="18" charset="0"/>
-                <a:cs typeface="Times New Roman" panose="02020603050405020304" pitchFamily="18" charset="0"/>
-              </a:rPr>
-              <a:t>Optimal Multi-Period Dispatch of Distributed Energy Resources in Unbalanced Distribution Feeders</a:t>
-            </a:r>
-          </a:p>
-        </p:txBody>
-      </p:sp>
-    </p:spTree>
-    <p:extLst>
-      <p:ext uri="{BB962C8B-B14F-4D97-AF65-F5344CB8AC3E}">
-        <p14:creationId xmlns:p14="http://schemas.microsoft.com/office/powerpoint/2010/main" val="1097106583"/>
-      </p:ext>
-    </p:extLst>
-  </p:cSld>
-  <p:clrMapOvr>
-    <a:masterClrMapping/>
-  </p:clrMapOvr>
-</p:sld>
-</file>
-
-<file path=ppt/slides/slide8.xml><?xml version="1.0" encoding="utf-8"?>
-<p:sld xmlns:a="http://schemas.openxmlformats.org/drawingml/2006/main" xmlns:r="http://schemas.openxmlformats.org/officeDocument/2006/relationships" xmlns:p="http://schemas.openxmlformats.org/presentationml/2006/main">
-  <p:cSld>
-    <p:spTree>
-      <p:nvGrpSpPr>
-        <p:cNvPr id="1" name=""/>
-        <p:cNvGrpSpPr/>
-        <p:nvPr/>
-      </p:nvGrpSpPr>
-      <p:grpSpPr>
-        <a:xfrm>
-          <a:off x="0" y="0"/>
-          <a:ext cx="0" cy="0"/>
-          <a:chOff x="0" y="0"/>
-          <a:chExt cx="0" cy="0"/>
-        </a:xfrm>
-      </p:grpSpPr>
-      <p:sp>
-        <p:nvSpPr>
-          <p:cNvPr id="3" name="Content Placeholder 2">
-            <a:extLst>
-              <a:ext uri="{FF2B5EF4-FFF2-40B4-BE49-F238E27FC236}">
-                <a16:creationId xmlns:a16="http://schemas.microsoft.com/office/drawing/2014/main" id="{64BE6767-30AA-41AB-8C0B-29F30741AF76}"/>
-              </a:ext>
-            </a:extLst>
-          </p:cNvPr>
-          <p:cNvSpPr>
-            <a:spLocks noGrp="1"/>
-          </p:cNvSpPr>
-          <p:nvPr>
-            <p:ph idx="1"/>
-          </p:nvPr>
-        </p:nvSpPr>
-        <p:spPr>
-          <a:xfrm>
-            <a:off x="1077686" y="2248664"/>
-            <a:ext cx="10063163" cy="4286531"/>
-          </a:xfrm>
-        </p:spPr>
-        <p:txBody>
-          <a:bodyPr>
-            <a:normAutofit/>
-          </a:bodyPr>
-          <a:lstStyle/>
-          <a:p>
-            <a:pPr lvl="1"/>
-            <a:r>
-              <a:rPr lang="en-US" dirty="0"/>
-              <a:t>The optimized solutions from the relaxed SOCP model, are used to initialize a Non-Linear Program (NLP) of the actual AC Power Flow, to obtain a physically realizable solution.</a:t>
-            </a:r>
-          </a:p>
-          <a:p>
-            <a:pPr lvl="1"/>
-            <a:endParaRPr lang="en-US" dirty="0"/>
-          </a:p>
-          <a:p>
-            <a:pPr lvl="1"/>
-            <a:r>
-              <a:rPr lang="en-US" dirty="0"/>
-              <a:t>Real-Power Solutions that form the energy trajectory and are obtained from the SOCP, are fixed in the NLP, </a:t>
-            </a:r>
-            <a:r>
-              <a:rPr lang="en-US" dirty="0">
-                <a:solidFill>
-                  <a:schemeClr val="accent1">
-                    <a:lumMod val="40000"/>
-                    <a:lumOff val="60000"/>
-                  </a:schemeClr>
-                </a:solidFill>
-              </a:rPr>
-              <a:t>leading to a decoupling of the different time-steps</a:t>
-            </a:r>
-            <a:r>
-              <a:rPr lang="en-US" dirty="0"/>
-              <a:t>. </a:t>
-            </a:r>
-            <a:r>
-              <a:rPr lang="en-US" b="1" i="1" dirty="0"/>
-              <a:t>(What? How?)</a:t>
-            </a:r>
-          </a:p>
-          <a:p>
-            <a:pPr lvl="1"/>
-            <a:endParaRPr lang="en-US" dirty="0"/>
-          </a:p>
-          <a:p>
-            <a:pPr lvl="1"/>
-            <a:r>
-              <a:rPr lang="en-US" dirty="0">
-                <a:solidFill>
-                  <a:schemeClr val="accent1">
-                    <a:lumMod val="40000"/>
-                    <a:lumOff val="60000"/>
-                  </a:schemeClr>
-                </a:solidFill>
-              </a:rPr>
-              <a:t>As a result, the NLP solves for each time-step separately (possibly in-parallel), leading to a scalable framework. </a:t>
-            </a:r>
-            <a:r>
-              <a:rPr lang="en-US" b="1" i="1" dirty="0"/>
-              <a:t>(What?)</a:t>
-            </a:r>
-          </a:p>
-          <a:p>
-            <a:pPr lvl="1"/>
-            <a:endParaRPr lang="en-US" b="1" i="1" dirty="0"/>
-          </a:p>
-          <a:p>
-            <a:pPr lvl="1"/>
-            <a:r>
-              <a:rPr lang="en-US" dirty="0"/>
-              <a:t>Validation is performed using </a:t>
-            </a:r>
-            <a:r>
-              <a:rPr lang="en-US" dirty="0" err="1"/>
-              <a:t>GridLab</a:t>
-            </a:r>
-            <a:r>
-              <a:rPr lang="en-US" dirty="0"/>
-              <a:t>-D.</a:t>
-            </a:r>
-          </a:p>
-          <a:p>
-            <a:pPr marL="182880" lvl="1" indent="0">
-              <a:buNone/>
-            </a:pPr>
-            <a:endParaRPr lang="en-US" dirty="0"/>
-          </a:p>
-        </p:txBody>
-      </p:sp>
-      <p:sp>
-        <p:nvSpPr>
-          <p:cNvPr id="2" name="Title 1">
-            <a:extLst>
-              <a:ext uri="{FF2B5EF4-FFF2-40B4-BE49-F238E27FC236}">
-                <a16:creationId xmlns:a16="http://schemas.microsoft.com/office/drawing/2014/main" id="{45DF1785-83CB-4F7A-820B-C600AC43B067}"/>
-              </a:ext>
-            </a:extLst>
-          </p:cNvPr>
-          <p:cNvSpPr>
-            <a:spLocks noGrp="1"/>
-          </p:cNvSpPr>
-          <p:nvPr>
-            <p:ph type="title"/>
-          </p:nvPr>
-        </p:nvSpPr>
-        <p:spPr>
-          <a:xfrm>
-            <a:off x="1064418" y="376654"/>
-            <a:ext cx="10063163" cy="1015584"/>
-          </a:xfrm>
-          <a:ln w="38100">
-            <a:solidFill>
-              <a:schemeClr val="bg2">
-                <a:lumMod val="40000"/>
-                <a:lumOff val="60000"/>
-              </a:schemeClr>
-            </a:solidFill>
-          </a:ln>
-        </p:spPr>
-        <p:txBody>
-          <a:bodyPr>
-            <a:normAutofit fontScale="90000"/>
-          </a:bodyPr>
-          <a:lstStyle/>
-          <a:p>
-            <a:r>
-              <a:rPr lang="en-US" b="0" dirty="0">
-                <a:latin typeface="Times New Roman" panose="02020603050405020304" pitchFamily="18" charset="0"/>
-                <a:cs typeface="Times New Roman" panose="02020603050405020304" pitchFamily="18" charset="0"/>
-              </a:rPr>
-              <a:t>Optimal Multi-Period Dispatch of Distributed Energy Resources in Unbalanced Distribution Feeders</a:t>
-            </a:r>
-          </a:p>
-        </p:txBody>
-      </p:sp>
-    </p:spTree>
-    <p:extLst>
-      <p:ext uri="{BB962C8B-B14F-4D97-AF65-F5344CB8AC3E}">
         <p14:creationId xmlns:p14="http://schemas.microsoft.com/office/powerpoint/2010/main" val="4063236158"/>
       </p:ext>
     </p:extLst>
@@ -13620,7 +10094,7 @@
 </p:sld>
 </file>
 
-<file path=ppt/slides/slide9.xml><?xml version="1.0" encoding="utf-8"?>
+<file path=ppt/slides/slide13.xml><?xml version="1.0" encoding="utf-8"?>
 <p:sld xmlns:a="http://schemas.openxmlformats.org/drawingml/2006/main" xmlns:r="http://schemas.openxmlformats.org/officeDocument/2006/relationships" xmlns:p="http://schemas.openxmlformats.org/presentationml/2006/main">
   <p:cSld>
     <p:spTree>
@@ -14315,6 +10789,4653 @@
     <p:extLst>
       <p:ext uri="{BB962C8B-B14F-4D97-AF65-F5344CB8AC3E}">
         <p14:creationId xmlns:p14="http://schemas.microsoft.com/office/powerpoint/2010/main" val="2516270243"/>
+      </p:ext>
+    </p:extLst>
+  </p:cSld>
+  <p:clrMapOvr>
+    <a:masterClrMapping/>
+  </p:clrMapOvr>
+</p:sld>
+</file>
+
+<file path=ppt/slides/slide14.xml><?xml version="1.0" encoding="utf-8"?>
+<p:sld xmlns:a="http://schemas.openxmlformats.org/drawingml/2006/main" xmlns:r="http://schemas.openxmlformats.org/officeDocument/2006/relationships" xmlns:p="http://schemas.openxmlformats.org/presentationml/2006/main">
+  <p:cSld>
+    <p:spTree>
+      <p:nvGrpSpPr>
+        <p:cNvPr id="1" name=""/>
+        <p:cNvGrpSpPr/>
+        <p:nvPr/>
+      </p:nvGrpSpPr>
+      <p:grpSpPr>
+        <a:xfrm>
+          <a:off x="0" y="0"/>
+          <a:ext cx="0" cy="0"/>
+          <a:chOff x="0" y="0"/>
+          <a:chExt cx="0" cy="0"/>
+        </a:xfrm>
+      </p:grpSpPr>
+      <p:sp>
+        <p:nvSpPr>
+          <p:cNvPr id="2" name="Title 1">
+            <a:extLst>
+              <a:ext uri="{FF2B5EF4-FFF2-40B4-BE49-F238E27FC236}">
+                <a16:creationId xmlns:a16="http://schemas.microsoft.com/office/drawing/2014/main" id="{45DF1785-83CB-4F7A-820B-C600AC43B067}"/>
+              </a:ext>
+            </a:extLst>
+          </p:cNvPr>
+          <p:cNvSpPr>
+            <a:spLocks noGrp="1"/>
+          </p:cNvSpPr>
+          <p:nvPr>
+            <p:ph type="title"/>
+          </p:nvPr>
+        </p:nvSpPr>
+        <p:spPr>
+          <a:xfrm>
+            <a:off x="1064418" y="376654"/>
+            <a:ext cx="10063163" cy="1015584"/>
+          </a:xfrm>
+          <a:ln w="38100">
+            <a:solidFill>
+              <a:schemeClr val="bg2">
+                <a:lumMod val="40000"/>
+                <a:lumOff val="60000"/>
+              </a:schemeClr>
+            </a:solidFill>
+          </a:ln>
+        </p:spPr>
+        <p:txBody>
+          <a:bodyPr>
+            <a:normAutofit fontScale="90000"/>
+          </a:bodyPr>
+          <a:lstStyle/>
+          <a:p>
+            <a:r>
+              <a:rPr lang="en-US" b="0" dirty="0">
+                <a:latin typeface="Times New Roman" panose="02020603050405020304" pitchFamily="18" charset="0"/>
+                <a:cs typeface="Times New Roman" panose="02020603050405020304" pitchFamily="18" charset="0"/>
+              </a:rPr>
+              <a:t>Optimal Multi-Period Dispatch of Distributed Energy Resources in Unbalanced Distribution Feeders</a:t>
+            </a:r>
+          </a:p>
+        </p:txBody>
+      </p:sp>
+      <p:graphicFrame>
+        <p:nvGraphicFramePr>
+          <p:cNvPr id="4" name="Diagram 3">
+            <a:extLst>
+              <a:ext uri="{FF2B5EF4-FFF2-40B4-BE49-F238E27FC236}">
+                <a16:creationId xmlns:a16="http://schemas.microsoft.com/office/drawing/2014/main" id="{6E8D8754-8752-D118-4DFD-F18A5E6DEF52}"/>
+              </a:ext>
+            </a:extLst>
+          </p:cNvPr>
+          <p:cNvGraphicFramePr/>
+          <p:nvPr>
+            <p:extLst>
+              <p:ext uri="{D42A27DB-BD31-4B8C-83A1-F6EECF244321}">
+                <p14:modId xmlns:p14="http://schemas.microsoft.com/office/powerpoint/2010/main" val="2816914712"/>
+              </p:ext>
+            </p:extLst>
+          </p:nvPr>
+        </p:nvGraphicFramePr>
+        <p:xfrm>
+          <a:off x="600076" y="1486506"/>
+          <a:ext cx="11371966" cy="5253659"/>
+        </p:xfrm>
+        <a:graphic>
+          <a:graphicData uri="http://schemas.openxmlformats.org/drawingml/2006/diagram">
+            <dgm:relIds xmlns:dgm="http://schemas.openxmlformats.org/drawingml/2006/diagram" xmlns:r="http://schemas.openxmlformats.org/officeDocument/2006/relationships" r:dm="rId2" r:lo="rId3" r:qs="rId4" r:cs="rId5"/>
+          </a:graphicData>
+        </a:graphic>
+      </p:graphicFrame>
+      <p:sp>
+        <p:nvSpPr>
+          <p:cNvPr id="11" name="TextBox 10">
+            <a:extLst>
+              <a:ext uri="{FF2B5EF4-FFF2-40B4-BE49-F238E27FC236}">
+                <a16:creationId xmlns:a16="http://schemas.microsoft.com/office/drawing/2014/main" id="{7C9DD76A-A77D-5721-DDB8-8503776FF432}"/>
+              </a:ext>
+            </a:extLst>
+          </p:cNvPr>
+          <p:cNvSpPr txBox="1"/>
+          <p:nvPr/>
+        </p:nvSpPr>
+        <p:spPr>
+          <a:xfrm>
+            <a:off x="867659" y="1828115"/>
+            <a:ext cx="2640316" cy="523220"/>
+          </a:xfrm>
+          <a:prstGeom prst="rect">
+            <a:avLst/>
+          </a:prstGeom>
+          <a:noFill/>
+          <a:ln>
+            <a:solidFill>
+              <a:schemeClr val="bg2">
+                <a:lumMod val="40000"/>
+                <a:lumOff val="60000"/>
+              </a:schemeClr>
+            </a:solidFill>
+          </a:ln>
+        </p:spPr>
+        <p:txBody>
+          <a:bodyPr wrap="square" rtlCol="0">
+            <a:spAutoFit/>
+          </a:bodyPr>
+          <a:lstStyle/>
+          <a:p>
+            <a:r>
+              <a:rPr lang="en-US" sz="2800" dirty="0">
+                <a:solidFill>
+                  <a:schemeClr val="bg1"/>
+                </a:solidFill>
+              </a:rPr>
+              <a:t>The Process</a:t>
+            </a:r>
+          </a:p>
+        </p:txBody>
+      </p:sp>
+    </p:spTree>
+    <p:extLst>
+      <p:ext uri="{BB962C8B-B14F-4D97-AF65-F5344CB8AC3E}">
+        <p14:creationId xmlns:p14="http://schemas.microsoft.com/office/powerpoint/2010/main" val="4032008920"/>
+      </p:ext>
+    </p:extLst>
+  </p:cSld>
+  <p:clrMapOvr>
+    <a:masterClrMapping/>
+  </p:clrMapOvr>
+</p:sld>
+</file>
+
+<file path=ppt/slides/slide15.xml><?xml version="1.0" encoding="utf-8"?>
+<p:sld xmlns:a="http://schemas.openxmlformats.org/drawingml/2006/main" xmlns:r="http://schemas.openxmlformats.org/officeDocument/2006/relationships" xmlns:p="http://schemas.openxmlformats.org/presentationml/2006/main">
+  <p:cSld>
+    <p:spTree>
+      <p:nvGrpSpPr>
+        <p:cNvPr id="1" name=""/>
+        <p:cNvGrpSpPr/>
+        <p:nvPr/>
+      </p:nvGrpSpPr>
+      <p:grpSpPr>
+        <a:xfrm>
+          <a:off x="0" y="0"/>
+          <a:ext cx="0" cy="0"/>
+          <a:chOff x="0" y="0"/>
+          <a:chExt cx="0" cy="0"/>
+        </a:xfrm>
+      </p:grpSpPr>
+      <p:sp>
+        <p:nvSpPr>
+          <p:cNvPr id="2" name="Title 1">
+            <a:extLst>
+              <a:ext uri="{FF2B5EF4-FFF2-40B4-BE49-F238E27FC236}">
+                <a16:creationId xmlns:a16="http://schemas.microsoft.com/office/drawing/2014/main" id="{45DF1785-83CB-4F7A-820B-C600AC43B067}"/>
+              </a:ext>
+            </a:extLst>
+          </p:cNvPr>
+          <p:cNvSpPr>
+            <a:spLocks noGrp="1"/>
+          </p:cNvSpPr>
+          <p:nvPr>
+            <p:ph type="title"/>
+          </p:nvPr>
+        </p:nvSpPr>
+        <p:spPr>
+          <a:xfrm>
+            <a:off x="1064418" y="376654"/>
+            <a:ext cx="10063163" cy="1015584"/>
+          </a:xfrm>
+          <a:ln w="38100">
+            <a:solidFill>
+              <a:schemeClr val="bg2">
+                <a:lumMod val="40000"/>
+                <a:lumOff val="60000"/>
+              </a:schemeClr>
+            </a:solidFill>
+          </a:ln>
+        </p:spPr>
+        <p:txBody>
+          <a:bodyPr>
+            <a:normAutofit fontScale="90000"/>
+          </a:bodyPr>
+          <a:lstStyle/>
+          <a:p>
+            <a:r>
+              <a:rPr lang="en-US" b="0" dirty="0">
+                <a:latin typeface="Times New Roman" panose="02020603050405020304" pitchFamily="18" charset="0"/>
+                <a:cs typeface="Times New Roman" panose="02020603050405020304" pitchFamily="18" charset="0"/>
+              </a:rPr>
+              <a:t>Optimal Multi-Period Dispatch of Distributed Energy Resources in Unbalanced Distribution Feeders</a:t>
+            </a:r>
+          </a:p>
+        </p:txBody>
+      </p:sp>
+      <p:sp>
+        <p:nvSpPr>
+          <p:cNvPr id="11" name="TextBox 10">
+            <a:extLst>
+              <a:ext uri="{FF2B5EF4-FFF2-40B4-BE49-F238E27FC236}">
+                <a16:creationId xmlns:a16="http://schemas.microsoft.com/office/drawing/2014/main" id="{7C9DD76A-A77D-5721-DDB8-8503776FF432}"/>
+              </a:ext>
+            </a:extLst>
+          </p:cNvPr>
+          <p:cNvSpPr txBox="1"/>
+          <p:nvPr/>
+        </p:nvSpPr>
+        <p:spPr>
+          <a:xfrm>
+            <a:off x="867659" y="1828115"/>
+            <a:ext cx="2640316" cy="523220"/>
+          </a:xfrm>
+          <a:prstGeom prst="rect">
+            <a:avLst/>
+          </a:prstGeom>
+          <a:noFill/>
+          <a:ln>
+            <a:solidFill>
+              <a:schemeClr val="bg2">
+                <a:lumMod val="40000"/>
+                <a:lumOff val="60000"/>
+              </a:schemeClr>
+            </a:solidFill>
+          </a:ln>
+        </p:spPr>
+        <p:txBody>
+          <a:bodyPr wrap="square" rtlCol="0">
+            <a:spAutoFit/>
+          </a:bodyPr>
+          <a:lstStyle/>
+          <a:p>
+            <a:r>
+              <a:rPr lang="en-US" sz="2800" dirty="0">
+                <a:solidFill>
+                  <a:schemeClr val="bg1"/>
+                </a:solidFill>
+              </a:rPr>
+              <a:t>The Process</a:t>
+            </a:r>
+          </a:p>
+        </p:txBody>
+      </p:sp>
+      <p:pic>
+        <p:nvPicPr>
+          <p:cNvPr id="5" name="Picture 4">
+            <a:extLst>
+              <a:ext uri="{FF2B5EF4-FFF2-40B4-BE49-F238E27FC236}">
+                <a16:creationId xmlns:a16="http://schemas.microsoft.com/office/drawing/2014/main" id="{0AC97D59-505B-282A-F887-E99C53706F78}"/>
+              </a:ext>
+            </a:extLst>
+          </p:cNvPr>
+          <p:cNvPicPr>
+            <a:picLocks noChangeAspect="1"/>
+          </p:cNvPicPr>
+          <p:nvPr/>
+        </p:nvPicPr>
+        <p:blipFill>
+          <a:blip r:embed="rId2"/>
+          <a:stretch>
+            <a:fillRect/>
+          </a:stretch>
+        </p:blipFill>
+        <p:spPr>
+          <a:xfrm>
+            <a:off x="390057" y="2442940"/>
+            <a:ext cx="6687483" cy="3191320"/>
+          </a:xfrm>
+          <a:prstGeom prst="rect">
+            <a:avLst/>
+          </a:prstGeom>
+          <a:ln>
+            <a:solidFill>
+              <a:schemeClr val="bg2">
+                <a:lumMod val="40000"/>
+                <a:lumOff val="60000"/>
+              </a:schemeClr>
+            </a:solidFill>
+          </a:ln>
+        </p:spPr>
+      </p:pic>
+      <p:sp>
+        <p:nvSpPr>
+          <p:cNvPr id="6" name="TextBox 5">
+            <a:extLst>
+              <a:ext uri="{FF2B5EF4-FFF2-40B4-BE49-F238E27FC236}">
+                <a16:creationId xmlns:a16="http://schemas.microsoft.com/office/drawing/2014/main" id="{72680ED8-9532-1377-C217-167F8DDE1E40}"/>
+              </a:ext>
+            </a:extLst>
+          </p:cNvPr>
+          <p:cNvSpPr txBox="1"/>
+          <p:nvPr/>
+        </p:nvSpPr>
+        <p:spPr>
+          <a:xfrm>
+            <a:off x="390057" y="5743922"/>
+            <a:ext cx="6687484" cy="923330"/>
+          </a:xfrm>
+          <a:prstGeom prst="rect">
+            <a:avLst/>
+          </a:prstGeom>
+          <a:noFill/>
+          <a:ln>
+            <a:solidFill>
+              <a:schemeClr val="bg2">
+                <a:lumMod val="40000"/>
+                <a:lumOff val="60000"/>
+              </a:schemeClr>
+            </a:solidFill>
+          </a:ln>
+        </p:spPr>
+        <p:txBody>
+          <a:bodyPr wrap="square" rtlCol="0">
+            <a:spAutoFit/>
+          </a:bodyPr>
+          <a:lstStyle/>
+          <a:p>
+            <a:r>
+              <a:rPr lang="en-US" dirty="0">
+                <a:solidFill>
+                  <a:schemeClr val="bg1"/>
+                </a:solidFill>
+              </a:rPr>
+              <a:t>Fig. Coupling of SOCP with NLP by fixing real power solutions from SOCP and hence decoupling the NLP to obtain a feasible solution. </a:t>
+            </a:r>
+            <a:r>
+              <a:rPr lang="en-US" b="1" i="1" dirty="0">
+                <a:solidFill>
+                  <a:schemeClr val="bg1"/>
+                </a:solidFill>
+              </a:rPr>
+              <a:t>(What? How?)</a:t>
+            </a:r>
+          </a:p>
+        </p:txBody>
+      </p:sp>
+      <p:pic>
+        <p:nvPicPr>
+          <p:cNvPr id="8" name="Picture 7">
+            <a:extLst>
+              <a:ext uri="{FF2B5EF4-FFF2-40B4-BE49-F238E27FC236}">
+                <a16:creationId xmlns:a16="http://schemas.microsoft.com/office/drawing/2014/main" id="{38759294-2182-23C6-E864-8EDE879C67C8}"/>
+              </a:ext>
+            </a:extLst>
+          </p:cNvPr>
+          <p:cNvPicPr>
+            <a:picLocks noChangeAspect="1"/>
+          </p:cNvPicPr>
+          <p:nvPr/>
+        </p:nvPicPr>
+        <p:blipFill>
+          <a:blip r:embed="rId3"/>
+          <a:stretch>
+            <a:fillRect/>
+          </a:stretch>
+        </p:blipFill>
+        <p:spPr>
+          <a:xfrm>
+            <a:off x="7258515" y="2442940"/>
+            <a:ext cx="4751086" cy="3191320"/>
+          </a:xfrm>
+          <a:prstGeom prst="rect">
+            <a:avLst/>
+          </a:prstGeom>
+          <a:ln>
+            <a:solidFill>
+              <a:schemeClr val="bg2">
+                <a:lumMod val="40000"/>
+                <a:lumOff val="60000"/>
+              </a:schemeClr>
+            </a:solidFill>
+          </a:ln>
+        </p:spPr>
+      </p:pic>
+      <p:sp>
+        <p:nvSpPr>
+          <p:cNvPr id="12" name="TextBox 11">
+            <a:extLst>
+              <a:ext uri="{FF2B5EF4-FFF2-40B4-BE49-F238E27FC236}">
+                <a16:creationId xmlns:a16="http://schemas.microsoft.com/office/drawing/2014/main" id="{635779B3-FFB5-C54A-2480-54ECABAD79A1}"/>
+              </a:ext>
+            </a:extLst>
+          </p:cNvPr>
+          <p:cNvSpPr txBox="1"/>
+          <p:nvPr/>
+        </p:nvSpPr>
+        <p:spPr>
+          <a:xfrm>
+            <a:off x="7258515" y="5743922"/>
+            <a:ext cx="4751086" cy="923330"/>
+          </a:xfrm>
+          <a:prstGeom prst="rect">
+            <a:avLst/>
+          </a:prstGeom>
+          <a:noFill/>
+          <a:ln>
+            <a:solidFill>
+              <a:schemeClr val="bg2">
+                <a:lumMod val="40000"/>
+                <a:lumOff val="60000"/>
+              </a:schemeClr>
+            </a:solidFill>
+          </a:ln>
+        </p:spPr>
+        <p:txBody>
+          <a:bodyPr wrap="square" rtlCol="0">
+            <a:spAutoFit/>
+          </a:bodyPr>
+          <a:lstStyle/>
+          <a:p>
+            <a:r>
+              <a:rPr lang="en-US" dirty="0">
+                <a:solidFill>
+                  <a:schemeClr val="bg1"/>
+                </a:solidFill>
+              </a:rPr>
+              <a:t>Fig. Available reactive power variation range for NLP across multiple time-steps based on the active power trajectory provided by the SOCP.</a:t>
+            </a:r>
+            <a:endParaRPr lang="en-US" b="1" i="1" dirty="0">
+              <a:solidFill>
+                <a:schemeClr val="bg1"/>
+              </a:solidFill>
+            </a:endParaRPr>
+          </a:p>
+        </p:txBody>
+      </p:sp>
+    </p:spTree>
+    <p:extLst>
+      <p:ext uri="{BB962C8B-B14F-4D97-AF65-F5344CB8AC3E}">
+        <p14:creationId xmlns:p14="http://schemas.microsoft.com/office/powerpoint/2010/main" val="60217219"/>
+      </p:ext>
+    </p:extLst>
+  </p:cSld>
+  <p:clrMapOvr>
+    <a:masterClrMapping/>
+  </p:clrMapOvr>
+</p:sld>
+</file>
+
+<file path=ppt/slides/slide16.xml><?xml version="1.0" encoding="utf-8"?>
+<p:sld xmlns:a="http://schemas.openxmlformats.org/drawingml/2006/main" xmlns:r="http://schemas.openxmlformats.org/officeDocument/2006/relationships" xmlns:p="http://schemas.openxmlformats.org/presentationml/2006/main">
+  <p:cSld>
+    <p:spTree>
+      <p:nvGrpSpPr>
+        <p:cNvPr id="1" name=""/>
+        <p:cNvGrpSpPr/>
+        <p:nvPr/>
+      </p:nvGrpSpPr>
+      <p:grpSpPr>
+        <a:xfrm>
+          <a:off x="0" y="0"/>
+          <a:ext cx="0" cy="0"/>
+          <a:chOff x="0" y="0"/>
+          <a:chExt cx="0" cy="0"/>
+        </a:xfrm>
+      </p:grpSpPr>
+      <mc:AlternateContent xmlns:mc="http://schemas.openxmlformats.org/markup-compatibility/2006" xmlns:a14="http://schemas.microsoft.com/office/drawing/2010/main">
+        <mc:Choice Requires="a14">
+          <p:sp>
+            <p:nvSpPr>
+              <p:cNvPr id="3" name="Content Placeholder 2">
+                <a:extLst>
+                  <a:ext uri="{FF2B5EF4-FFF2-40B4-BE49-F238E27FC236}">
+                    <a16:creationId xmlns:a16="http://schemas.microsoft.com/office/drawing/2014/main" id="{64BE6767-30AA-41AB-8C0B-29F30741AF76}"/>
+                  </a:ext>
+                </a:extLst>
+              </p:cNvPr>
+              <p:cNvSpPr>
+                <a:spLocks noGrp="1"/>
+              </p:cNvSpPr>
+              <p:nvPr>
+                <p:ph idx="1"/>
+              </p:nvPr>
+            </p:nvSpPr>
+            <p:spPr>
+              <a:xfrm>
+                <a:off x="1077687" y="2248664"/>
+                <a:ext cx="10418988" cy="4286531"/>
+              </a:xfrm>
+              <a:ln>
+                <a:solidFill>
+                  <a:schemeClr val="bg2">
+                    <a:lumMod val="20000"/>
+                    <a:lumOff val="80000"/>
+                  </a:schemeClr>
+                </a:solidFill>
+              </a:ln>
+            </p:spPr>
+            <p:txBody>
+              <a:bodyPr>
+                <a:normAutofit/>
+              </a:bodyPr>
+              <a:lstStyle/>
+              <a:p>
+                <a:pPr marL="182880" lvl="1" indent="0">
+                  <a:buNone/>
+                </a:pPr>
+                <a:r>
+                  <a:rPr lang="en-US" sz="2800" dirty="0"/>
+                  <a:t>Case Study Description</a:t>
+                </a:r>
+              </a:p>
+              <a:p>
+                <a:pPr lvl="1"/>
+                <a:r>
+                  <a:rPr lang="en-US" dirty="0"/>
+                  <a:t>Distributed Storage and Solar PV Units randomly added to </a:t>
+                </a:r>
+                <a14:m>
+                  <m:oMath xmlns:m="http://schemas.openxmlformats.org/officeDocument/2006/math">
+                    <m:r>
+                      <a:rPr lang="en-US" b="0" i="1" smtClean="0">
+                        <a:latin typeface="Cambria Math" panose="02040503050406030204" pitchFamily="18" charset="0"/>
+                      </a:rPr>
+                      <m:t>16</m:t>
+                    </m:r>
+                  </m:oMath>
+                </a14:m>
+                <a:r>
+                  <a:rPr lang="en-US" b="0" dirty="0"/>
+                  <a:t> nodes</a:t>
+                </a:r>
+              </a:p>
+              <a:p>
+                <a:pPr lvl="2"/>
+                <a:r>
+                  <a:rPr lang="en-US" dirty="0"/>
+                  <a:t>They can supply active and reactive power through four quadrant operation.</a:t>
+                </a:r>
+              </a:p>
+              <a:p>
+                <a:pPr lvl="2"/>
+                <a:r>
+                  <a:rPr lang="en-US" dirty="0"/>
+                  <a:t>Each storage unit has capacity </a:t>
+                </a:r>
+                <a14:m>
+                  <m:oMath xmlns:m="http://schemas.openxmlformats.org/officeDocument/2006/math">
+                    <m:r>
+                      <a:rPr lang="en-US" b="0" i="1" smtClean="0">
+                        <a:latin typeface="Cambria Math" panose="02040503050406030204" pitchFamily="18" charset="0"/>
+                      </a:rPr>
+                      <m:t>=40</m:t>
+                    </m:r>
+                    <m:r>
+                      <a:rPr lang="en-US" b="0" i="1" smtClean="0">
+                        <a:latin typeface="Cambria Math" panose="02040503050406030204" pitchFamily="18" charset="0"/>
+                      </a:rPr>
+                      <m:t>𝑘𝑊h</m:t>
+                    </m:r>
+                  </m:oMath>
+                </a14:m>
+                <a:r>
+                  <a:rPr lang="en-US" dirty="0"/>
+                  <a:t> and apparent power rating </a:t>
+                </a:r>
+                <a14:m>
+                  <m:oMath xmlns:m="http://schemas.openxmlformats.org/officeDocument/2006/math">
+                    <m:r>
+                      <a:rPr lang="en-US" b="0" i="1" smtClean="0">
+                        <a:latin typeface="Cambria Math" panose="02040503050406030204" pitchFamily="18" charset="0"/>
+                      </a:rPr>
+                      <m:t>=50</m:t>
+                    </m:r>
+                    <m:r>
+                      <a:rPr lang="en-US" b="0" i="1" smtClean="0">
+                        <a:latin typeface="Cambria Math" panose="02040503050406030204" pitchFamily="18" charset="0"/>
+                      </a:rPr>
+                      <m:t>𝑘𝑉𝐴</m:t>
+                    </m:r>
+                  </m:oMath>
+                </a14:m>
+                <a:endParaRPr lang="en-US" dirty="0"/>
+              </a:p>
+              <a:p>
+                <a:pPr lvl="2"/>
+                <a:r>
+                  <a:rPr lang="en-US" dirty="0"/>
+                  <a:t>Each solar PV unit has a rating </a:t>
+                </a:r>
+                <a14:m>
+                  <m:oMath xmlns:m="http://schemas.openxmlformats.org/officeDocument/2006/math">
+                    <m:r>
+                      <a:rPr lang="en-US" b="0" i="1" smtClean="0">
+                        <a:latin typeface="Cambria Math" panose="02040503050406030204" pitchFamily="18" charset="0"/>
+                      </a:rPr>
+                      <m:t>=100</m:t>
+                    </m:r>
+                    <m:r>
+                      <a:rPr lang="en-US" b="0" i="1" smtClean="0">
+                        <a:latin typeface="Cambria Math" panose="02040503050406030204" pitchFamily="18" charset="0"/>
+                      </a:rPr>
+                      <m:t>𝑘𝑉𝐴</m:t>
+                    </m:r>
+                  </m:oMath>
+                </a14:m>
+                <a:endParaRPr lang="en-US" dirty="0"/>
+              </a:p>
+              <a:p>
+                <a:pPr lvl="1"/>
+                <a:endParaRPr lang="en-US" dirty="0"/>
+              </a:p>
+              <a:p>
+                <a:pPr lvl="1"/>
+                <a:r>
+                  <a:rPr lang="en-US" dirty="0"/>
+                  <a:t>Solar and Load Profile prediction horizon </a:t>
+                </a:r>
+                <a14:m>
+                  <m:oMath xmlns:m="http://schemas.openxmlformats.org/officeDocument/2006/math">
+                    <m:r>
+                      <a:rPr lang="en-US" b="0" i="1" smtClean="0">
+                        <a:latin typeface="Cambria Math" panose="02040503050406030204" pitchFamily="18" charset="0"/>
+                      </a:rPr>
+                      <m:t>30 </m:t>
+                    </m:r>
+                    <m:r>
+                      <a:rPr lang="en-US" b="0" i="1" smtClean="0">
+                        <a:latin typeface="Cambria Math" panose="02040503050406030204" pitchFamily="18" charset="0"/>
+                      </a:rPr>
+                      <m:t>𝑠𝑡𝑒𝑝𝑠</m:t>
+                    </m:r>
+                    <m:r>
+                      <a:rPr lang="en-US" b="0" i="0" smtClean="0">
+                        <a:latin typeface="Cambria Math" panose="02040503050406030204" pitchFamily="18" charset="0"/>
+                      </a:rPr>
+                      <m:t>=30 </m:t>
+                    </m:r>
+                    <m:r>
+                      <a:rPr lang="en-US" b="0" i="1" smtClean="0">
+                        <a:latin typeface="Cambria Math" panose="02040503050406030204" pitchFamily="18" charset="0"/>
+                      </a:rPr>
+                      <m:t>𝑚𝑖𝑛</m:t>
+                    </m:r>
+                    <m:r>
+                      <a:rPr lang="en-US" b="0" i="0" smtClean="0">
+                        <a:latin typeface="Cambria Math" panose="02040503050406030204" pitchFamily="18" charset="0"/>
+                      </a:rPr>
+                      <m:t>.</m:t>
+                    </m:r>
+                  </m:oMath>
+                </a14:m>
+                <a:endParaRPr lang="en-US" dirty="0"/>
+              </a:p>
+              <a:p>
+                <a:pPr lvl="2"/>
+                <a:r>
+                  <a:rPr lang="en-US" dirty="0"/>
+                  <a:t>Each step </a:t>
+                </a:r>
+                <a14:m>
+                  <m:oMath xmlns:m="http://schemas.openxmlformats.org/officeDocument/2006/math">
+                    <m:r>
+                      <a:rPr lang="en-US" b="0" i="1" smtClean="0">
+                        <a:latin typeface="Cambria Math" panose="02040503050406030204" pitchFamily="18" charset="0"/>
+                      </a:rPr>
+                      <m:t>=1 </m:t>
+                    </m:r>
+                    <m:r>
+                      <a:rPr lang="en-US" b="0" i="1" smtClean="0">
+                        <a:latin typeface="Cambria Math" panose="02040503050406030204" pitchFamily="18" charset="0"/>
+                      </a:rPr>
+                      <m:t>𝑚𝑖𝑛</m:t>
+                    </m:r>
+                    <m:r>
+                      <a:rPr lang="en-US" b="0" i="1" smtClean="0">
+                        <a:latin typeface="Cambria Math" panose="02040503050406030204" pitchFamily="18" charset="0"/>
+                      </a:rPr>
+                      <m:t>.</m:t>
+                    </m:r>
+                  </m:oMath>
+                </a14:m>
+                <a:endParaRPr lang="en-US" dirty="0"/>
+              </a:p>
+              <a:p>
+                <a:pPr marL="182880" lvl="1" indent="0">
+                  <a:buNone/>
+                </a:pPr>
+                <a:endParaRPr lang="en-US" dirty="0"/>
+              </a:p>
+              <a:p>
+                <a:pPr marL="182880" lvl="1" indent="0">
+                  <a:buNone/>
+                </a:pPr>
+                <a:endParaRPr lang="en-US" dirty="0"/>
+              </a:p>
+            </p:txBody>
+          </p:sp>
+        </mc:Choice>
+        <mc:Fallback xmlns="">
+          <p:sp>
+            <p:nvSpPr>
+              <p:cNvPr id="3" name="Content Placeholder 2">
+                <a:extLst>
+                  <a:ext uri="{FF2B5EF4-FFF2-40B4-BE49-F238E27FC236}">
+                    <a16:creationId xmlns:a16="http://schemas.microsoft.com/office/drawing/2014/main" id="{64BE6767-30AA-41AB-8C0B-29F30741AF76}"/>
+                  </a:ext>
+                </a:extLst>
+              </p:cNvPr>
+              <p:cNvSpPr>
+                <a:spLocks noGrp="1" noRot="1" noChangeAspect="1" noMove="1" noResize="1" noEditPoints="1" noAdjustHandles="1" noChangeArrowheads="1" noChangeShapeType="1" noTextEdit="1"/>
+              </p:cNvSpPr>
+              <p:nvPr>
+                <p:ph idx="1"/>
+              </p:nvPr>
+            </p:nvSpPr>
+            <p:spPr>
+              <a:xfrm>
+                <a:off x="1077687" y="2248664"/>
+                <a:ext cx="10418988" cy="4286531"/>
+              </a:xfrm>
+              <a:blipFill>
+                <a:blip r:embed="rId2"/>
+                <a:stretch>
+                  <a:fillRect l="-292" t="-3262"/>
+                </a:stretch>
+              </a:blipFill>
+              <a:ln>
+                <a:solidFill>
+                  <a:schemeClr val="bg2">
+                    <a:lumMod val="20000"/>
+                    <a:lumOff val="80000"/>
+                  </a:schemeClr>
+                </a:solidFill>
+              </a:ln>
+            </p:spPr>
+            <p:txBody>
+              <a:bodyPr/>
+              <a:lstStyle/>
+              <a:p>
+                <a:r>
+                  <a:rPr lang="en-US">
+                    <a:noFill/>
+                  </a:rPr>
+                  <a:t> </a:t>
+                </a:r>
+              </a:p>
+            </p:txBody>
+          </p:sp>
+        </mc:Fallback>
+      </mc:AlternateContent>
+      <p:sp>
+        <p:nvSpPr>
+          <p:cNvPr id="2" name="Title 1">
+            <a:extLst>
+              <a:ext uri="{FF2B5EF4-FFF2-40B4-BE49-F238E27FC236}">
+                <a16:creationId xmlns:a16="http://schemas.microsoft.com/office/drawing/2014/main" id="{45DF1785-83CB-4F7A-820B-C600AC43B067}"/>
+              </a:ext>
+            </a:extLst>
+          </p:cNvPr>
+          <p:cNvSpPr>
+            <a:spLocks noGrp="1"/>
+          </p:cNvSpPr>
+          <p:nvPr>
+            <p:ph type="title"/>
+          </p:nvPr>
+        </p:nvSpPr>
+        <p:spPr>
+          <a:xfrm>
+            <a:off x="1064418" y="376654"/>
+            <a:ext cx="10063163" cy="1015584"/>
+          </a:xfrm>
+          <a:ln w="38100">
+            <a:solidFill>
+              <a:schemeClr val="bg2">
+                <a:lumMod val="40000"/>
+                <a:lumOff val="60000"/>
+              </a:schemeClr>
+            </a:solidFill>
+          </a:ln>
+        </p:spPr>
+        <p:txBody>
+          <a:bodyPr>
+            <a:normAutofit fontScale="90000"/>
+          </a:bodyPr>
+          <a:lstStyle/>
+          <a:p>
+            <a:r>
+              <a:rPr lang="en-US" b="0" dirty="0">
+                <a:latin typeface="Times New Roman" panose="02020603050405020304" pitchFamily="18" charset="0"/>
+                <a:cs typeface="Times New Roman" panose="02020603050405020304" pitchFamily="18" charset="0"/>
+              </a:rPr>
+              <a:t>Optimal Multi-Period Dispatch of Distributed Energy Resources in Unbalanced Distribution Feeders</a:t>
+            </a:r>
+          </a:p>
+        </p:txBody>
+      </p:sp>
+    </p:spTree>
+    <p:extLst>
+      <p:ext uri="{BB962C8B-B14F-4D97-AF65-F5344CB8AC3E}">
+        <p14:creationId xmlns:p14="http://schemas.microsoft.com/office/powerpoint/2010/main" val="3721111440"/>
+      </p:ext>
+    </p:extLst>
+  </p:cSld>
+  <p:clrMapOvr>
+    <a:masterClrMapping/>
+  </p:clrMapOvr>
+</p:sld>
+</file>
+
+<file path=ppt/slides/slide17.xml><?xml version="1.0" encoding="utf-8"?>
+<p:sld xmlns:a="http://schemas.openxmlformats.org/drawingml/2006/main" xmlns:r="http://schemas.openxmlformats.org/officeDocument/2006/relationships" xmlns:p="http://schemas.openxmlformats.org/presentationml/2006/main">
+  <p:cSld>
+    <p:spTree>
+      <p:nvGrpSpPr>
+        <p:cNvPr id="1" name=""/>
+        <p:cNvGrpSpPr/>
+        <p:nvPr/>
+      </p:nvGrpSpPr>
+      <p:grpSpPr>
+        <a:xfrm>
+          <a:off x="0" y="0"/>
+          <a:ext cx="0" cy="0"/>
+          <a:chOff x="0" y="0"/>
+          <a:chExt cx="0" cy="0"/>
+        </a:xfrm>
+      </p:grpSpPr>
+      <mc:AlternateContent xmlns:mc="http://schemas.openxmlformats.org/markup-compatibility/2006" xmlns:a14="http://schemas.microsoft.com/office/drawing/2010/main">
+        <mc:Choice Requires="a14">
+          <p:sp>
+            <p:nvSpPr>
+              <p:cNvPr id="3" name="Content Placeholder 2">
+                <a:extLst>
+                  <a:ext uri="{FF2B5EF4-FFF2-40B4-BE49-F238E27FC236}">
+                    <a16:creationId xmlns:a16="http://schemas.microsoft.com/office/drawing/2014/main" id="{64BE6767-30AA-41AB-8C0B-29F30741AF76}"/>
+                  </a:ext>
+                </a:extLst>
+              </p:cNvPr>
+              <p:cNvSpPr>
+                <a:spLocks noGrp="1"/>
+              </p:cNvSpPr>
+              <p:nvPr>
+                <p:ph idx="1"/>
+              </p:nvPr>
+            </p:nvSpPr>
+            <p:spPr>
+              <a:xfrm>
+                <a:off x="1077687" y="2248664"/>
+                <a:ext cx="10418988" cy="4286531"/>
+              </a:xfrm>
+              <a:ln>
+                <a:solidFill>
+                  <a:schemeClr val="bg2">
+                    <a:lumMod val="20000"/>
+                    <a:lumOff val="80000"/>
+                  </a:schemeClr>
+                </a:solidFill>
+              </a:ln>
+            </p:spPr>
+            <p:txBody>
+              <a:bodyPr>
+                <a:normAutofit/>
+              </a:bodyPr>
+              <a:lstStyle/>
+              <a:p>
+                <a:pPr marL="182880" lvl="1" indent="0">
+                  <a:buNone/>
+                </a:pPr>
+                <a:r>
+                  <a:rPr lang="en-US" sz="2800" dirty="0"/>
+                  <a:t>Case Study Description</a:t>
+                </a:r>
+              </a:p>
+              <a:p>
+                <a:pPr lvl="1"/>
+                <a:r>
+                  <a:rPr lang="en-US" dirty="0"/>
+                  <a:t>Three-phase OPF is run in a receding horizon fashion with prediction horizon of </a:t>
+                </a:r>
+                <a14:m>
+                  <m:oMath xmlns:m="http://schemas.openxmlformats.org/officeDocument/2006/math">
+                    <m:r>
+                      <a:rPr lang="en-US" b="0" i="1" smtClean="0">
+                        <a:latin typeface="Cambria Math" panose="02040503050406030204" pitchFamily="18" charset="0"/>
+                      </a:rPr>
+                      <m:t>30</m:t>
+                    </m:r>
+                  </m:oMath>
+                </a14:m>
+                <a:r>
+                  <a:rPr lang="en-US" dirty="0"/>
+                  <a:t> time-steps, for the dispatch of controllable assets of the network to </a:t>
+                </a:r>
+                <a:r>
+                  <a:rPr lang="en-US" b="1" dirty="0"/>
+                  <a:t>minimize network losses.</a:t>
+                </a:r>
+              </a:p>
+              <a:p>
+                <a:pPr lvl="1"/>
+                <a:endParaRPr lang="en-US" b="1" dirty="0"/>
+              </a:p>
+              <a:p>
+                <a:pPr lvl="1"/>
+                <a:r>
+                  <a:rPr lang="en-US" dirty="0"/>
+                  <a:t>Set-points provided by the solutions of the SOCP are used to initialize an NLP to provide a feasible solution.</a:t>
+                </a:r>
+              </a:p>
+              <a:p>
+                <a:pPr lvl="2"/>
+                <a:r>
+                  <a:rPr lang="en-US" dirty="0"/>
+                  <a:t>SOCP modeled in </a:t>
+                </a:r>
+                <a:r>
+                  <a:rPr lang="en-US" dirty="0" err="1">
+                    <a:solidFill>
+                      <a:srgbClr val="C2A1D3"/>
+                    </a:solidFill>
+                  </a:rPr>
+                  <a:t>JuMP</a:t>
+                </a:r>
+                <a:r>
+                  <a:rPr lang="en-US" dirty="0"/>
+                  <a:t>, with </a:t>
+                </a:r>
+                <a:r>
+                  <a:rPr lang="en-US" dirty="0">
+                    <a:solidFill>
+                      <a:srgbClr val="C2A1D3"/>
+                    </a:solidFill>
+                  </a:rPr>
+                  <a:t>Julia</a:t>
+                </a:r>
+                <a:r>
+                  <a:rPr lang="en-US" dirty="0"/>
+                  <a:t> and solved using GUROBI.</a:t>
+                </a:r>
+              </a:p>
+              <a:p>
+                <a:pPr lvl="3"/>
+                <a:r>
+                  <a:rPr lang="en-US" dirty="0"/>
+                  <a:t>Multi-period SOCP has</a:t>
+                </a:r>
+              </a:p>
+              <a:p>
+                <a:pPr lvl="4"/>
+                <a14:m>
+                  <m:oMath xmlns:m="http://schemas.openxmlformats.org/officeDocument/2006/math">
+                    <m:r>
+                      <a:rPr lang="en-US" i="1" dirty="0" smtClean="0">
+                        <a:latin typeface="Cambria Math" panose="02040503050406030204" pitchFamily="18" charset="0"/>
+                      </a:rPr>
+                      <m:t>108</m:t>
+                    </m:r>
+                  </m:oMath>
+                </a14:m>
+                <a:r>
+                  <a:rPr lang="en-US" i="0" dirty="0">
+                    <a:latin typeface="+mj-lt"/>
+                  </a:rPr>
+                  <a:t>k</a:t>
+                </a:r>
+                <a14:m>
+                  <m:oMath xmlns:m="http://schemas.openxmlformats.org/officeDocument/2006/math">
+                    <m:r>
+                      <a:rPr lang="en-US" i="1" dirty="0">
+                        <a:latin typeface="Cambria Math" panose="02040503050406030204" pitchFamily="18" charset="0"/>
+                      </a:rPr>
+                      <m:t> </m:t>
+                    </m:r>
+                  </m:oMath>
+                </a14:m>
+                <a:r>
+                  <a:rPr lang="en-US" dirty="0"/>
+                  <a:t>variables (k as in thousand)</a:t>
+                </a:r>
+              </a:p>
+              <a:p>
+                <a:pPr lvl="4"/>
+                <a14:m>
+                  <m:oMath xmlns:m="http://schemas.openxmlformats.org/officeDocument/2006/math">
+                    <m:r>
+                      <a:rPr lang="en-US" i="1" dirty="0" smtClean="0">
+                        <a:latin typeface="Cambria Math" panose="02040503050406030204" pitchFamily="18" charset="0"/>
+                      </a:rPr>
+                      <m:t>48</m:t>
+                    </m:r>
+                  </m:oMath>
+                </a14:m>
+                <a:r>
+                  <a:rPr lang="en-US" i="0" dirty="0">
+                    <a:latin typeface="+mj-lt"/>
+                  </a:rPr>
+                  <a:t>k</a:t>
+                </a:r>
+                <a:r>
+                  <a:rPr lang="en-US" dirty="0"/>
+                  <a:t> linear constraints</a:t>
+                </a:r>
+              </a:p>
+              <a:p>
+                <a:pPr lvl="4"/>
+                <a14:m>
+                  <m:oMath xmlns:m="http://schemas.openxmlformats.org/officeDocument/2006/math">
+                    <m:r>
+                      <a:rPr lang="en-US" i="1" dirty="0" smtClean="0">
+                        <a:latin typeface="Cambria Math" panose="02040503050406030204" pitchFamily="18" charset="0"/>
+                      </a:rPr>
+                      <m:t>81</m:t>
+                    </m:r>
+                  </m:oMath>
+                </a14:m>
+                <a:r>
+                  <a:rPr lang="en-US" i="0" dirty="0">
+                    <a:latin typeface="+mj-lt"/>
+                  </a:rPr>
+                  <a:t>k</a:t>
+                </a:r>
+                <a:r>
+                  <a:rPr lang="en-US" dirty="0"/>
+                  <a:t> SOC constraints</a:t>
+                </a:r>
+              </a:p>
+              <a:p>
+                <a:pPr marL="182880" lvl="1" indent="0">
+                  <a:buNone/>
+                </a:pPr>
+                <a:endParaRPr lang="en-US" dirty="0"/>
+              </a:p>
+              <a:p>
+                <a:pPr marL="182880" lvl="1" indent="0">
+                  <a:buNone/>
+                </a:pPr>
+                <a:endParaRPr lang="en-US" dirty="0"/>
+              </a:p>
+            </p:txBody>
+          </p:sp>
+        </mc:Choice>
+        <mc:Fallback xmlns="">
+          <p:sp>
+            <p:nvSpPr>
+              <p:cNvPr id="3" name="Content Placeholder 2">
+                <a:extLst>
+                  <a:ext uri="{FF2B5EF4-FFF2-40B4-BE49-F238E27FC236}">
+                    <a16:creationId xmlns:a16="http://schemas.microsoft.com/office/drawing/2014/main" id="{64BE6767-30AA-41AB-8C0B-29F30741AF76}"/>
+                  </a:ext>
+                </a:extLst>
+              </p:cNvPr>
+              <p:cNvSpPr>
+                <a:spLocks noGrp="1" noRot="1" noChangeAspect="1" noMove="1" noResize="1" noEditPoints="1" noAdjustHandles="1" noChangeArrowheads="1" noChangeShapeType="1" noTextEdit="1"/>
+              </p:cNvSpPr>
+              <p:nvPr>
+                <p:ph idx="1"/>
+              </p:nvPr>
+            </p:nvSpPr>
+            <p:spPr>
+              <a:xfrm>
+                <a:off x="1077687" y="2248664"/>
+                <a:ext cx="10418988" cy="4286531"/>
+              </a:xfrm>
+              <a:blipFill>
+                <a:blip r:embed="rId3"/>
+                <a:stretch>
+                  <a:fillRect l="-292" t="-3262" r="-1227"/>
+                </a:stretch>
+              </a:blipFill>
+              <a:ln>
+                <a:solidFill>
+                  <a:schemeClr val="bg2">
+                    <a:lumMod val="20000"/>
+                    <a:lumOff val="80000"/>
+                  </a:schemeClr>
+                </a:solidFill>
+              </a:ln>
+            </p:spPr>
+            <p:txBody>
+              <a:bodyPr/>
+              <a:lstStyle/>
+              <a:p>
+                <a:r>
+                  <a:rPr lang="en-US">
+                    <a:noFill/>
+                  </a:rPr>
+                  <a:t> </a:t>
+                </a:r>
+              </a:p>
+            </p:txBody>
+          </p:sp>
+        </mc:Fallback>
+      </mc:AlternateContent>
+      <p:sp>
+        <p:nvSpPr>
+          <p:cNvPr id="2" name="Title 1">
+            <a:extLst>
+              <a:ext uri="{FF2B5EF4-FFF2-40B4-BE49-F238E27FC236}">
+                <a16:creationId xmlns:a16="http://schemas.microsoft.com/office/drawing/2014/main" id="{45DF1785-83CB-4F7A-820B-C600AC43B067}"/>
+              </a:ext>
+            </a:extLst>
+          </p:cNvPr>
+          <p:cNvSpPr>
+            <a:spLocks noGrp="1"/>
+          </p:cNvSpPr>
+          <p:nvPr>
+            <p:ph type="title"/>
+          </p:nvPr>
+        </p:nvSpPr>
+        <p:spPr>
+          <a:xfrm>
+            <a:off x="1064418" y="376654"/>
+            <a:ext cx="10063163" cy="1015584"/>
+          </a:xfrm>
+          <a:ln w="38100">
+            <a:solidFill>
+              <a:schemeClr val="bg2">
+                <a:lumMod val="40000"/>
+                <a:lumOff val="60000"/>
+              </a:schemeClr>
+            </a:solidFill>
+          </a:ln>
+        </p:spPr>
+        <p:txBody>
+          <a:bodyPr>
+            <a:normAutofit fontScale="90000"/>
+          </a:bodyPr>
+          <a:lstStyle/>
+          <a:p>
+            <a:r>
+              <a:rPr lang="en-US" b="0" dirty="0">
+                <a:latin typeface="Times New Roman" panose="02020603050405020304" pitchFamily="18" charset="0"/>
+                <a:cs typeface="Times New Roman" panose="02020603050405020304" pitchFamily="18" charset="0"/>
+              </a:rPr>
+              <a:t>Optimal Multi-Period Dispatch of Distributed Energy Resources in Unbalanced Distribution Feeders</a:t>
+            </a:r>
+          </a:p>
+        </p:txBody>
+      </p:sp>
+    </p:spTree>
+    <p:extLst>
+      <p:ext uri="{BB962C8B-B14F-4D97-AF65-F5344CB8AC3E}">
+        <p14:creationId xmlns:p14="http://schemas.microsoft.com/office/powerpoint/2010/main" val="3718739487"/>
+      </p:ext>
+    </p:extLst>
+  </p:cSld>
+  <p:clrMapOvr>
+    <a:masterClrMapping/>
+  </p:clrMapOvr>
+</p:sld>
+</file>
+
+<file path=ppt/slides/slide18.xml><?xml version="1.0" encoding="utf-8"?>
+<p:sld xmlns:a="http://schemas.openxmlformats.org/drawingml/2006/main" xmlns:r="http://schemas.openxmlformats.org/officeDocument/2006/relationships" xmlns:p="http://schemas.openxmlformats.org/presentationml/2006/main">
+  <p:cSld>
+    <p:spTree>
+      <p:nvGrpSpPr>
+        <p:cNvPr id="1" name=""/>
+        <p:cNvGrpSpPr/>
+        <p:nvPr/>
+      </p:nvGrpSpPr>
+      <p:grpSpPr>
+        <a:xfrm>
+          <a:off x="0" y="0"/>
+          <a:ext cx="0" cy="0"/>
+          <a:chOff x="0" y="0"/>
+          <a:chExt cx="0" cy="0"/>
+        </a:xfrm>
+      </p:grpSpPr>
+      <mc:AlternateContent xmlns:mc="http://schemas.openxmlformats.org/markup-compatibility/2006" xmlns:a14="http://schemas.microsoft.com/office/drawing/2010/main">
+        <mc:Choice Requires="a14">
+          <p:sp>
+            <p:nvSpPr>
+              <p:cNvPr id="3" name="Content Placeholder 2">
+                <a:extLst>
+                  <a:ext uri="{FF2B5EF4-FFF2-40B4-BE49-F238E27FC236}">
+                    <a16:creationId xmlns:a16="http://schemas.microsoft.com/office/drawing/2014/main" id="{64BE6767-30AA-41AB-8C0B-29F30741AF76}"/>
+                  </a:ext>
+                </a:extLst>
+              </p:cNvPr>
+              <p:cNvSpPr>
+                <a:spLocks noGrp="1"/>
+              </p:cNvSpPr>
+              <p:nvPr>
+                <p:ph idx="1"/>
+              </p:nvPr>
+            </p:nvSpPr>
+            <p:spPr>
+              <a:xfrm>
+                <a:off x="1077687" y="2248664"/>
+                <a:ext cx="10418988" cy="4286531"/>
+              </a:xfrm>
+              <a:ln>
+                <a:solidFill>
+                  <a:schemeClr val="bg2">
+                    <a:lumMod val="20000"/>
+                    <a:lumOff val="80000"/>
+                  </a:schemeClr>
+                </a:solidFill>
+              </a:ln>
+            </p:spPr>
+            <p:txBody>
+              <a:bodyPr>
+                <a:normAutofit/>
+              </a:bodyPr>
+              <a:lstStyle/>
+              <a:p>
+                <a:pPr marL="182880" lvl="1" indent="0">
+                  <a:buNone/>
+                </a:pPr>
+                <a:r>
+                  <a:rPr lang="en-US" sz="2800" dirty="0"/>
+                  <a:t>Case Study Description</a:t>
+                </a:r>
+              </a:p>
+              <a:p>
+                <a:pPr lvl="2"/>
+                <a:r>
+                  <a:rPr lang="en-US" dirty="0"/>
+                  <a:t>NLP also modeled in </a:t>
+                </a:r>
+                <a:r>
+                  <a:rPr lang="en-US" dirty="0" err="1">
+                    <a:solidFill>
+                      <a:srgbClr val="C2A1D3"/>
+                    </a:solidFill>
+                  </a:rPr>
+                  <a:t>JuMP</a:t>
+                </a:r>
+                <a:r>
+                  <a:rPr lang="en-US" dirty="0"/>
+                  <a:t>, but solved using IPOPT </a:t>
+                </a:r>
+                <a:r>
+                  <a:rPr lang="en-US" dirty="0">
+                    <a:hlinkClick r:id="rId3" action="ppaction://hlinksldjump"/>
+                  </a:rPr>
+                  <a:t>[36] </a:t>
+                </a:r>
+                <a:r>
+                  <a:rPr lang="en-US" dirty="0"/>
+                  <a:t>using the HSL_MA86 solver </a:t>
+                </a:r>
+                <a:r>
+                  <a:rPr lang="en-US" dirty="0">
+                    <a:hlinkClick r:id="rId3" action="ppaction://hlinksldjump"/>
+                  </a:rPr>
+                  <a:t>[37]</a:t>
+                </a:r>
+                <a:endParaRPr lang="en-US" dirty="0"/>
+              </a:p>
+              <a:p>
+                <a:pPr lvl="3"/>
+                <a:r>
+                  <a:rPr lang="en-US" dirty="0"/>
+                  <a:t>A single-period of the Multi-period SOCP has</a:t>
+                </a:r>
+              </a:p>
+              <a:p>
+                <a:pPr lvl="4"/>
+                <a14:m>
+                  <m:oMath xmlns:m="http://schemas.openxmlformats.org/officeDocument/2006/math">
+                    <m:r>
+                      <a:rPr lang="en-US" b="0" i="1" dirty="0" smtClean="0">
+                        <a:latin typeface="Cambria Math" panose="02040503050406030204" pitchFamily="18" charset="0"/>
+                      </a:rPr>
+                      <m:t>3.6</m:t>
+                    </m:r>
+                  </m:oMath>
+                </a14:m>
+                <a:r>
+                  <a:rPr lang="en-US" i="0" dirty="0">
+                    <a:latin typeface="+mj-lt"/>
+                  </a:rPr>
+                  <a:t>k</a:t>
+                </a:r>
+                <a14:m>
+                  <m:oMath xmlns:m="http://schemas.openxmlformats.org/officeDocument/2006/math">
+                    <m:r>
+                      <a:rPr lang="en-US" i="1" dirty="0">
+                        <a:latin typeface="Cambria Math" panose="02040503050406030204" pitchFamily="18" charset="0"/>
+                      </a:rPr>
+                      <m:t> </m:t>
+                    </m:r>
+                  </m:oMath>
+                </a14:m>
+                <a:r>
+                  <a:rPr lang="en-US" dirty="0"/>
+                  <a:t>variables </a:t>
+                </a:r>
+              </a:p>
+              <a:p>
+                <a:pPr lvl="4"/>
+                <a14:m>
+                  <m:oMath xmlns:m="http://schemas.openxmlformats.org/officeDocument/2006/math">
+                    <m:r>
+                      <a:rPr lang="en-US" b="0" i="1" dirty="0" smtClean="0">
+                        <a:latin typeface="Cambria Math" panose="02040503050406030204" pitchFamily="18" charset="0"/>
+                      </a:rPr>
+                      <m:t>1.6</m:t>
+                    </m:r>
+                  </m:oMath>
+                </a14:m>
+                <a:r>
+                  <a:rPr lang="en-US" i="0" dirty="0">
+                    <a:latin typeface="+mj-lt"/>
+                  </a:rPr>
+                  <a:t>k</a:t>
+                </a:r>
+                <a:r>
+                  <a:rPr lang="en-US" dirty="0"/>
+                  <a:t> linear constraints</a:t>
+                </a:r>
+              </a:p>
+              <a:p>
+                <a:pPr lvl="4"/>
+                <a14:m>
+                  <m:oMath xmlns:m="http://schemas.openxmlformats.org/officeDocument/2006/math">
+                    <m:r>
+                      <a:rPr lang="en-US" b="0" i="1" dirty="0" smtClean="0">
+                        <a:latin typeface="Cambria Math" panose="02040503050406030204" pitchFamily="18" charset="0"/>
+                      </a:rPr>
+                      <m:t>0.7</m:t>
+                    </m:r>
+                  </m:oMath>
+                </a14:m>
+                <a:r>
+                  <a:rPr lang="en-US" i="0" dirty="0">
+                    <a:latin typeface="+mj-lt"/>
+                  </a:rPr>
+                  <a:t>k</a:t>
+                </a:r>
+                <a:r>
+                  <a:rPr lang="en-US" dirty="0"/>
+                  <a:t> SOC constraints</a:t>
+                </a:r>
+              </a:p>
+              <a:p>
+                <a:pPr lvl="4"/>
+                <a14:m>
+                  <m:oMath xmlns:m="http://schemas.openxmlformats.org/officeDocument/2006/math">
+                    <m:r>
+                      <a:rPr lang="en-US" b="0" i="1" smtClean="0">
+                        <a:latin typeface="Cambria Math" panose="02040503050406030204" pitchFamily="18" charset="0"/>
+                      </a:rPr>
+                      <m:t>2</m:t>
+                    </m:r>
+                  </m:oMath>
+                </a14:m>
+                <a:r>
+                  <a:rPr lang="en-US" dirty="0"/>
+                  <a:t>k non-linear constraints</a:t>
+                </a:r>
+              </a:p>
+              <a:p>
+                <a:pPr marL="182880" lvl="1" indent="0">
+                  <a:buNone/>
+                </a:pPr>
+                <a:endParaRPr lang="en-US" dirty="0"/>
+              </a:p>
+              <a:p>
+                <a:pPr marL="182880" lvl="1" indent="0">
+                  <a:buNone/>
+                </a:pPr>
+                <a:endParaRPr lang="en-US" dirty="0"/>
+              </a:p>
+            </p:txBody>
+          </p:sp>
+        </mc:Choice>
+        <mc:Fallback xmlns="">
+          <p:sp>
+            <p:nvSpPr>
+              <p:cNvPr id="3" name="Content Placeholder 2">
+                <a:extLst>
+                  <a:ext uri="{FF2B5EF4-FFF2-40B4-BE49-F238E27FC236}">
+                    <a16:creationId xmlns:a16="http://schemas.microsoft.com/office/drawing/2014/main" id="{64BE6767-30AA-41AB-8C0B-29F30741AF76}"/>
+                  </a:ext>
+                </a:extLst>
+              </p:cNvPr>
+              <p:cNvSpPr>
+                <a:spLocks noGrp="1" noRot="1" noChangeAspect="1" noMove="1" noResize="1" noEditPoints="1" noAdjustHandles="1" noChangeArrowheads="1" noChangeShapeType="1" noTextEdit="1"/>
+              </p:cNvSpPr>
+              <p:nvPr>
+                <p:ph idx="1"/>
+              </p:nvPr>
+            </p:nvSpPr>
+            <p:spPr>
+              <a:xfrm>
+                <a:off x="1077687" y="2248664"/>
+                <a:ext cx="10418988" cy="4286531"/>
+              </a:xfrm>
+              <a:blipFill>
+                <a:blip r:embed="rId4"/>
+                <a:stretch>
+                  <a:fillRect l="-292" t="-3262"/>
+                </a:stretch>
+              </a:blipFill>
+              <a:ln>
+                <a:solidFill>
+                  <a:schemeClr val="bg2">
+                    <a:lumMod val="20000"/>
+                    <a:lumOff val="80000"/>
+                  </a:schemeClr>
+                </a:solidFill>
+              </a:ln>
+            </p:spPr>
+            <p:txBody>
+              <a:bodyPr/>
+              <a:lstStyle/>
+              <a:p>
+                <a:r>
+                  <a:rPr lang="en-US">
+                    <a:noFill/>
+                  </a:rPr>
+                  <a:t> </a:t>
+                </a:r>
+              </a:p>
+            </p:txBody>
+          </p:sp>
+        </mc:Fallback>
+      </mc:AlternateContent>
+      <p:sp>
+        <p:nvSpPr>
+          <p:cNvPr id="2" name="Title 1">
+            <a:extLst>
+              <a:ext uri="{FF2B5EF4-FFF2-40B4-BE49-F238E27FC236}">
+                <a16:creationId xmlns:a16="http://schemas.microsoft.com/office/drawing/2014/main" id="{45DF1785-83CB-4F7A-820B-C600AC43B067}"/>
+              </a:ext>
+            </a:extLst>
+          </p:cNvPr>
+          <p:cNvSpPr>
+            <a:spLocks noGrp="1"/>
+          </p:cNvSpPr>
+          <p:nvPr>
+            <p:ph type="title"/>
+          </p:nvPr>
+        </p:nvSpPr>
+        <p:spPr>
+          <a:xfrm>
+            <a:off x="1064418" y="376654"/>
+            <a:ext cx="10063163" cy="1015584"/>
+          </a:xfrm>
+          <a:ln w="38100">
+            <a:solidFill>
+              <a:schemeClr val="bg2">
+                <a:lumMod val="40000"/>
+                <a:lumOff val="60000"/>
+              </a:schemeClr>
+            </a:solidFill>
+          </a:ln>
+        </p:spPr>
+        <p:txBody>
+          <a:bodyPr>
+            <a:normAutofit fontScale="90000"/>
+          </a:bodyPr>
+          <a:lstStyle/>
+          <a:p>
+            <a:r>
+              <a:rPr lang="en-US" b="0" dirty="0">
+                <a:latin typeface="Times New Roman" panose="02020603050405020304" pitchFamily="18" charset="0"/>
+                <a:cs typeface="Times New Roman" panose="02020603050405020304" pitchFamily="18" charset="0"/>
+              </a:rPr>
+              <a:t>Optimal Multi-Period Dispatch of Distributed Energy Resources in Unbalanced Distribution Feeders</a:t>
+            </a:r>
+          </a:p>
+        </p:txBody>
+      </p:sp>
+    </p:spTree>
+    <p:extLst>
+      <p:ext uri="{BB962C8B-B14F-4D97-AF65-F5344CB8AC3E}">
+        <p14:creationId xmlns:p14="http://schemas.microsoft.com/office/powerpoint/2010/main" val="585967064"/>
+      </p:ext>
+    </p:extLst>
+  </p:cSld>
+  <p:clrMapOvr>
+    <a:masterClrMapping/>
+  </p:clrMapOvr>
+</p:sld>
+</file>
+
+<file path=ppt/slides/slide19.xml><?xml version="1.0" encoding="utf-8"?>
+<p:sld xmlns:a="http://schemas.openxmlformats.org/drawingml/2006/main" xmlns:r="http://schemas.openxmlformats.org/officeDocument/2006/relationships" xmlns:p="http://schemas.openxmlformats.org/presentationml/2006/main">
+  <p:cSld>
+    <p:spTree>
+      <p:nvGrpSpPr>
+        <p:cNvPr id="1" name=""/>
+        <p:cNvGrpSpPr/>
+        <p:nvPr/>
+      </p:nvGrpSpPr>
+      <p:grpSpPr>
+        <a:xfrm>
+          <a:off x="0" y="0"/>
+          <a:ext cx="0" cy="0"/>
+          <a:chOff x="0" y="0"/>
+          <a:chExt cx="0" cy="0"/>
+        </a:xfrm>
+      </p:grpSpPr>
+      <mc:AlternateContent xmlns:mc="http://schemas.openxmlformats.org/markup-compatibility/2006" xmlns:a14="http://schemas.microsoft.com/office/drawing/2010/main">
+        <mc:Choice Requires="a14">
+          <p:sp>
+            <p:nvSpPr>
+              <p:cNvPr id="3" name="Content Placeholder 2">
+                <a:extLst>
+                  <a:ext uri="{FF2B5EF4-FFF2-40B4-BE49-F238E27FC236}">
+                    <a16:creationId xmlns:a16="http://schemas.microsoft.com/office/drawing/2014/main" id="{64BE6767-30AA-41AB-8C0B-29F30741AF76}"/>
+                  </a:ext>
+                </a:extLst>
+              </p:cNvPr>
+              <p:cNvSpPr>
+                <a:spLocks noGrp="1"/>
+              </p:cNvSpPr>
+              <p:nvPr>
+                <p:ph idx="1"/>
+              </p:nvPr>
+            </p:nvSpPr>
+            <p:spPr>
+              <a:xfrm>
+                <a:off x="1077687" y="2248664"/>
+                <a:ext cx="10418988" cy="4286531"/>
+              </a:xfrm>
+              <a:ln>
+                <a:solidFill>
+                  <a:schemeClr val="bg2">
+                    <a:lumMod val="20000"/>
+                    <a:lumOff val="80000"/>
+                  </a:schemeClr>
+                </a:solidFill>
+              </a:ln>
+            </p:spPr>
+            <p:txBody>
+              <a:bodyPr>
+                <a:normAutofit/>
+              </a:bodyPr>
+              <a:lstStyle/>
+              <a:p>
+                <a:pPr marL="182880" lvl="1" indent="0">
+                  <a:buNone/>
+                </a:pPr>
+                <a:r>
+                  <a:rPr lang="en-US" sz="2800" dirty="0"/>
+                  <a:t>Results</a:t>
+                </a:r>
+              </a:p>
+              <a:p>
+                <a:pPr lvl="2"/>
+                <a14:m>
+                  <m:oMath xmlns:m="http://schemas.openxmlformats.org/officeDocument/2006/math">
+                    <m:r>
+                      <a:rPr lang="en-US" b="0" i="1" smtClean="0">
+                        <a:latin typeface="Cambria Math" panose="02040503050406030204" pitchFamily="18" charset="0"/>
+                      </a:rPr>
+                      <m:t>2</m:t>
+                    </m:r>
+                  </m:oMath>
+                </a14:m>
+                <a:r>
+                  <a:rPr lang="en-US" dirty="0"/>
+                  <a:t> levels for both loads (low and high) and solar PV generation (low and high)</a:t>
+                </a:r>
+              </a:p>
+              <a:p>
+                <a:pPr lvl="2"/>
+                <a:endParaRPr lang="en-US" dirty="0"/>
+              </a:p>
+              <a:p>
+                <a:pPr lvl="2"/>
+                <a:r>
+                  <a:rPr lang="en-US" dirty="0"/>
+                  <a:t>‘High’ implies Base Values for both Loads as well as solar PV</a:t>
+                </a:r>
+              </a:p>
+              <a:p>
+                <a:pPr lvl="2"/>
+                <a:endParaRPr lang="en-US" dirty="0"/>
+              </a:p>
+              <a:p>
+                <a:pPr lvl="2"/>
+                <a:r>
+                  <a:rPr lang="en-US" dirty="0"/>
+                  <a:t>‘Low’ implies </a:t>
+                </a:r>
+                <a14:m>
+                  <m:oMath xmlns:m="http://schemas.openxmlformats.org/officeDocument/2006/math">
+                    <m:r>
+                      <a:rPr lang="en-US" b="0" i="1" smtClean="0">
+                        <a:latin typeface="Cambria Math" panose="02040503050406030204" pitchFamily="18" charset="0"/>
+                      </a:rPr>
+                      <m:t>50%</m:t>
+                    </m:r>
+                  </m:oMath>
+                </a14:m>
+                <a:r>
+                  <a:rPr lang="en-US" dirty="0"/>
+                  <a:t> of the base values in both cases.</a:t>
+                </a:r>
+              </a:p>
+              <a:p>
+                <a:pPr lvl="2"/>
+                <a:endParaRPr lang="en-US" dirty="0"/>
+              </a:p>
+              <a:p>
+                <a:pPr lvl="2"/>
+                <a:r>
+                  <a:rPr lang="en-US" dirty="0"/>
+                  <a:t>Thus </a:t>
+                </a:r>
+                <a14:m>
+                  <m:oMath xmlns:m="http://schemas.openxmlformats.org/officeDocument/2006/math">
+                    <m:r>
+                      <a:rPr lang="en-US" b="0" i="1" smtClean="0">
+                        <a:latin typeface="Cambria Math" panose="02040503050406030204" pitchFamily="18" charset="0"/>
+                      </a:rPr>
+                      <m:t>4</m:t>
+                    </m:r>
+                  </m:oMath>
+                </a14:m>
+                <a:r>
+                  <a:rPr lang="en-US" dirty="0"/>
+                  <a:t> scenarios are modeled:</a:t>
+                </a:r>
+              </a:p>
+              <a:p>
+                <a:pPr lvl="3"/>
+                <a:r>
+                  <a:rPr lang="en-US" dirty="0"/>
+                  <a:t>LL (Low Solar, Low Loads)</a:t>
+                </a:r>
+              </a:p>
+              <a:p>
+                <a:pPr lvl="3"/>
+                <a:r>
+                  <a:rPr lang="en-US" dirty="0"/>
+                  <a:t>LH (Low Solar, High Loads)</a:t>
+                </a:r>
+              </a:p>
+              <a:p>
+                <a:pPr lvl="3"/>
+                <a:r>
+                  <a:rPr lang="en-US" dirty="0"/>
+                  <a:t>HL (High Solar, Low Loads)</a:t>
+                </a:r>
+              </a:p>
+              <a:p>
+                <a:pPr lvl="3"/>
+                <a:r>
+                  <a:rPr lang="en-US" dirty="0"/>
+                  <a:t>HH (High Solar, High Loads)</a:t>
+                </a:r>
+              </a:p>
+              <a:p>
+                <a:pPr marL="182880" lvl="1" indent="0">
+                  <a:buNone/>
+                </a:pPr>
+                <a:endParaRPr lang="en-US" dirty="0"/>
+              </a:p>
+              <a:p>
+                <a:pPr marL="182880" lvl="1" indent="0">
+                  <a:buNone/>
+                </a:pPr>
+                <a:endParaRPr lang="en-US" dirty="0"/>
+              </a:p>
+            </p:txBody>
+          </p:sp>
+        </mc:Choice>
+        <mc:Fallback xmlns="">
+          <p:sp>
+            <p:nvSpPr>
+              <p:cNvPr id="3" name="Content Placeholder 2">
+                <a:extLst>
+                  <a:ext uri="{FF2B5EF4-FFF2-40B4-BE49-F238E27FC236}">
+                    <a16:creationId xmlns:a16="http://schemas.microsoft.com/office/drawing/2014/main" id="{64BE6767-30AA-41AB-8C0B-29F30741AF76}"/>
+                  </a:ext>
+                </a:extLst>
+              </p:cNvPr>
+              <p:cNvSpPr>
+                <a:spLocks noGrp="1" noRot="1" noChangeAspect="1" noMove="1" noResize="1" noEditPoints="1" noAdjustHandles="1" noChangeArrowheads="1" noChangeShapeType="1" noTextEdit="1"/>
+              </p:cNvSpPr>
+              <p:nvPr>
+                <p:ph idx="1"/>
+              </p:nvPr>
+            </p:nvSpPr>
+            <p:spPr>
+              <a:xfrm>
+                <a:off x="1077687" y="2248664"/>
+                <a:ext cx="10418988" cy="4286531"/>
+              </a:xfrm>
+              <a:blipFill>
+                <a:blip r:embed="rId3"/>
+                <a:stretch>
+                  <a:fillRect l="-292" t="-3262"/>
+                </a:stretch>
+              </a:blipFill>
+              <a:ln>
+                <a:solidFill>
+                  <a:schemeClr val="bg2">
+                    <a:lumMod val="20000"/>
+                    <a:lumOff val="80000"/>
+                  </a:schemeClr>
+                </a:solidFill>
+              </a:ln>
+            </p:spPr>
+            <p:txBody>
+              <a:bodyPr/>
+              <a:lstStyle/>
+              <a:p>
+                <a:r>
+                  <a:rPr lang="en-US">
+                    <a:noFill/>
+                  </a:rPr>
+                  <a:t> </a:t>
+                </a:r>
+              </a:p>
+            </p:txBody>
+          </p:sp>
+        </mc:Fallback>
+      </mc:AlternateContent>
+      <p:sp>
+        <p:nvSpPr>
+          <p:cNvPr id="2" name="Title 1">
+            <a:extLst>
+              <a:ext uri="{FF2B5EF4-FFF2-40B4-BE49-F238E27FC236}">
+                <a16:creationId xmlns:a16="http://schemas.microsoft.com/office/drawing/2014/main" id="{45DF1785-83CB-4F7A-820B-C600AC43B067}"/>
+              </a:ext>
+            </a:extLst>
+          </p:cNvPr>
+          <p:cNvSpPr>
+            <a:spLocks noGrp="1"/>
+          </p:cNvSpPr>
+          <p:nvPr>
+            <p:ph type="title"/>
+          </p:nvPr>
+        </p:nvSpPr>
+        <p:spPr>
+          <a:xfrm>
+            <a:off x="1064418" y="376654"/>
+            <a:ext cx="10063163" cy="1015584"/>
+          </a:xfrm>
+          <a:ln w="38100">
+            <a:solidFill>
+              <a:schemeClr val="bg2">
+                <a:lumMod val="40000"/>
+                <a:lumOff val="60000"/>
+              </a:schemeClr>
+            </a:solidFill>
+          </a:ln>
+        </p:spPr>
+        <p:txBody>
+          <a:bodyPr>
+            <a:normAutofit fontScale="90000"/>
+          </a:bodyPr>
+          <a:lstStyle/>
+          <a:p>
+            <a:r>
+              <a:rPr lang="en-US" b="0" dirty="0">
+                <a:latin typeface="Times New Roman" panose="02020603050405020304" pitchFamily="18" charset="0"/>
+                <a:cs typeface="Times New Roman" panose="02020603050405020304" pitchFamily="18" charset="0"/>
+              </a:rPr>
+              <a:t>Optimal Multi-Period Dispatch of Distributed Energy Resources in Unbalanced Distribution Feeders</a:t>
+            </a:r>
+          </a:p>
+        </p:txBody>
+      </p:sp>
+      <p:grpSp>
+        <p:nvGrpSpPr>
+          <p:cNvPr id="7" name="Group 6">
+            <a:extLst>
+              <a:ext uri="{FF2B5EF4-FFF2-40B4-BE49-F238E27FC236}">
+                <a16:creationId xmlns:a16="http://schemas.microsoft.com/office/drawing/2014/main" id="{DD17197B-09A9-8B24-6454-3EFD1F676E9A}"/>
+              </a:ext>
+            </a:extLst>
+          </p:cNvPr>
+          <p:cNvGrpSpPr/>
+          <p:nvPr/>
+        </p:nvGrpSpPr>
+        <p:grpSpPr>
+          <a:xfrm>
+            <a:off x="5643019" y="4514687"/>
+            <a:ext cx="5373188" cy="1522020"/>
+            <a:chOff x="5643019" y="4514687"/>
+            <a:chExt cx="5373188" cy="1522020"/>
+          </a:xfrm>
+        </p:grpSpPr>
+        <p:pic>
+          <p:nvPicPr>
+            <p:cNvPr id="5" name="Picture 4">
+              <a:extLst>
+                <a:ext uri="{FF2B5EF4-FFF2-40B4-BE49-F238E27FC236}">
+                  <a16:creationId xmlns:a16="http://schemas.microsoft.com/office/drawing/2014/main" id="{13496649-7A91-4CEB-A7B8-178A281E3C91}"/>
+                </a:ext>
+              </a:extLst>
+            </p:cNvPr>
+            <p:cNvPicPr>
+              <a:picLocks noChangeAspect="1"/>
+            </p:cNvPicPr>
+            <p:nvPr/>
+          </p:nvPicPr>
+          <p:blipFill>
+            <a:blip r:embed="rId4"/>
+            <a:stretch>
+              <a:fillRect/>
+            </a:stretch>
+          </p:blipFill>
+          <p:spPr>
+            <a:xfrm>
+              <a:off x="5648325" y="4514687"/>
+              <a:ext cx="5367882" cy="976574"/>
+            </a:xfrm>
+            <a:prstGeom prst="rect">
+              <a:avLst/>
+            </a:prstGeom>
+            <a:ln>
+              <a:solidFill>
+                <a:schemeClr val="accent1"/>
+              </a:solidFill>
+            </a:ln>
+          </p:spPr>
+        </p:pic>
+        <p:sp>
+          <p:nvSpPr>
+            <p:cNvPr id="6" name="TextBox 5">
+              <a:extLst>
+                <a:ext uri="{FF2B5EF4-FFF2-40B4-BE49-F238E27FC236}">
+                  <a16:creationId xmlns:a16="http://schemas.microsoft.com/office/drawing/2014/main" id="{43615D0D-CA21-3628-581E-73B090CDF702}"/>
+                </a:ext>
+              </a:extLst>
+            </p:cNvPr>
+            <p:cNvSpPr txBox="1"/>
+            <p:nvPr/>
+          </p:nvSpPr>
+          <p:spPr>
+            <a:xfrm>
+              <a:off x="5643019" y="5667375"/>
+              <a:ext cx="5367882" cy="369332"/>
+            </a:xfrm>
+            <a:prstGeom prst="rect">
+              <a:avLst/>
+            </a:prstGeom>
+            <a:noFill/>
+            <a:ln>
+              <a:solidFill>
+                <a:schemeClr val="accent1"/>
+              </a:solidFill>
+            </a:ln>
+          </p:spPr>
+          <p:txBody>
+            <a:bodyPr wrap="square" rtlCol="0">
+              <a:spAutoFit/>
+            </a:bodyPr>
+            <a:lstStyle/>
+            <a:p>
+              <a:r>
+                <a:rPr lang="en-US" dirty="0">
+                  <a:solidFill>
+                    <a:schemeClr val="bg1"/>
+                  </a:solidFill>
+                </a:rPr>
+                <a:t>Different Solar and Load Cases</a:t>
+              </a:r>
+            </a:p>
+          </p:txBody>
+        </p:sp>
+      </p:grpSp>
+    </p:spTree>
+    <p:extLst>
+      <p:ext uri="{BB962C8B-B14F-4D97-AF65-F5344CB8AC3E}">
+        <p14:creationId xmlns:p14="http://schemas.microsoft.com/office/powerpoint/2010/main" val="3175041386"/>
+      </p:ext>
+    </p:extLst>
+  </p:cSld>
+  <p:clrMapOvr>
+    <a:masterClrMapping/>
+  </p:clrMapOvr>
+</p:sld>
+</file>
+
+<file path=ppt/slides/slide2.xml><?xml version="1.0" encoding="utf-8"?>
+<p:sld xmlns:a="http://schemas.openxmlformats.org/drawingml/2006/main" xmlns:r="http://schemas.openxmlformats.org/officeDocument/2006/relationships" xmlns:p="http://schemas.openxmlformats.org/presentationml/2006/main">
+  <p:cSld>
+    <p:spTree>
+      <p:nvGrpSpPr>
+        <p:cNvPr id="1" name=""/>
+        <p:cNvGrpSpPr/>
+        <p:nvPr/>
+      </p:nvGrpSpPr>
+      <p:grpSpPr>
+        <a:xfrm>
+          <a:off x="0" y="0"/>
+          <a:ext cx="0" cy="0"/>
+          <a:chOff x="0" y="0"/>
+          <a:chExt cx="0" cy="0"/>
+        </a:xfrm>
+      </p:grpSpPr>
+      <p:sp>
+        <p:nvSpPr>
+          <p:cNvPr id="2" name="Title 1">
+            <a:extLst>
+              <a:ext uri="{FF2B5EF4-FFF2-40B4-BE49-F238E27FC236}">
+                <a16:creationId xmlns:a16="http://schemas.microsoft.com/office/drawing/2014/main" id="{45DF1785-83CB-4F7A-820B-C600AC43B067}"/>
+              </a:ext>
+            </a:extLst>
+          </p:cNvPr>
+          <p:cNvSpPr>
+            <a:spLocks noGrp="1"/>
+          </p:cNvSpPr>
+          <p:nvPr>
+            <p:ph type="title"/>
+          </p:nvPr>
+        </p:nvSpPr>
+        <p:spPr>
+          <a:xfrm>
+            <a:off x="1064418" y="2628900"/>
+            <a:ext cx="10063163" cy="1198500"/>
+          </a:xfrm>
+          <a:ln w="38100">
+            <a:solidFill>
+              <a:schemeClr val="accent3"/>
+            </a:solidFill>
+          </a:ln>
+        </p:spPr>
+        <p:txBody>
+          <a:bodyPr>
+            <a:noAutofit/>
+          </a:bodyPr>
+          <a:lstStyle/>
+          <a:p>
+            <a:pPr algn="ctr"/>
+            <a:r>
+              <a:rPr lang="en-US" sz="2800" b="0" dirty="0">
+                <a:latin typeface="Times New Roman" panose="02020603050405020304" pitchFamily="18" charset="0"/>
+                <a:cs typeface="Times New Roman" panose="02020603050405020304" pitchFamily="18" charset="0"/>
+              </a:rPr>
+              <a:t>Receding-Horizon Optimization of Unbalanced Distribution Systems with Time-Scale Separation for Discrete and Continuous Control Devices</a:t>
+            </a:r>
+          </a:p>
+        </p:txBody>
+      </p:sp>
+      <p:sp>
+        <p:nvSpPr>
+          <p:cNvPr id="5" name="TextBox 4">
+            <a:extLst>
+              <a:ext uri="{FF2B5EF4-FFF2-40B4-BE49-F238E27FC236}">
+                <a16:creationId xmlns:a16="http://schemas.microsoft.com/office/drawing/2014/main" id="{CF0FD868-0A00-0958-9612-D576320029A2}"/>
+              </a:ext>
+            </a:extLst>
+          </p:cNvPr>
+          <p:cNvSpPr txBox="1"/>
+          <p:nvPr/>
+        </p:nvSpPr>
+        <p:spPr>
+          <a:xfrm>
+            <a:off x="1064418" y="3827400"/>
+            <a:ext cx="10063163" cy="369332"/>
+          </a:xfrm>
+          <a:prstGeom prst="rect">
+            <a:avLst/>
+          </a:prstGeom>
+          <a:noFill/>
+          <a:ln w="38100">
+            <a:solidFill>
+              <a:schemeClr val="accent3"/>
+            </a:solidFill>
+          </a:ln>
+        </p:spPr>
+        <p:txBody>
+          <a:bodyPr wrap="square" rtlCol="0">
+            <a:spAutoFit/>
+          </a:bodyPr>
+          <a:lstStyle/>
+          <a:p>
+            <a:pPr algn="ctr"/>
+            <a:r>
+              <a:rPr lang="en-IN" dirty="0">
+                <a:solidFill>
+                  <a:schemeClr val="bg1"/>
+                </a:solidFill>
+                <a:latin typeface="Times New Roman" panose="02020603050405020304" pitchFamily="18" charset="0"/>
+                <a:cs typeface="Times New Roman" panose="02020603050405020304" pitchFamily="18" charset="0"/>
+              </a:rPr>
+              <a:t>Nawaf Nazir and Mads </a:t>
+            </a:r>
+            <a:r>
+              <a:rPr lang="en-IN" dirty="0" err="1">
+                <a:solidFill>
+                  <a:schemeClr val="bg1"/>
+                </a:solidFill>
+                <a:latin typeface="Times New Roman" panose="02020603050405020304" pitchFamily="18" charset="0"/>
+                <a:cs typeface="Times New Roman" panose="02020603050405020304" pitchFamily="18" charset="0"/>
+              </a:rPr>
+              <a:t>Almassalkhi</a:t>
+            </a:r>
+            <a:r>
+              <a:rPr lang="en-IN" dirty="0">
+                <a:solidFill>
+                  <a:schemeClr val="bg1"/>
+                </a:solidFill>
+              </a:rPr>
+              <a:t> </a:t>
+            </a:r>
+          </a:p>
+        </p:txBody>
+      </p:sp>
+      <p:sp>
+        <p:nvSpPr>
+          <p:cNvPr id="6" name="TextBox 5">
+            <a:extLst>
+              <a:ext uri="{FF2B5EF4-FFF2-40B4-BE49-F238E27FC236}">
+                <a16:creationId xmlns:a16="http://schemas.microsoft.com/office/drawing/2014/main" id="{FB333CAB-5ADD-D86F-AF45-EAB2EED3D45B}"/>
+              </a:ext>
+            </a:extLst>
+          </p:cNvPr>
+          <p:cNvSpPr txBox="1"/>
+          <p:nvPr/>
+        </p:nvSpPr>
+        <p:spPr>
+          <a:xfrm>
+            <a:off x="1064418" y="1851097"/>
+            <a:ext cx="10063163" cy="369332"/>
+          </a:xfrm>
+          <a:prstGeom prst="rect">
+            <a:avLst/>
+          </a:prstGeom>
+          <a:noFill/>
+          <a:ln w="38100">
+            <a:solidFill>
+              <a:schemeClr val="accent3"/>
+            </a:solidFill>
+          </a:ln>
+        </p:spPr>
+        <p:txBody>
+          <a:bodyPr wrap="square" rtlCol="0">
+            <a:spAutoFit/>
+          </a:bodyPr>
+          <a:lstStyle/>
+          <a:p>
+            <a:r>
+              <a:rPr lang="en-IN" dirty="0">
+                <a:solidFill>
+                  <a:schemeClr val="bg1"/>
+                </a:solidFill>
+                <a:latin typeface="Times New Roman" panose="02020603050405020304" pitchFamily="18" charset="0"/>
+                <a:cs typeface="Times New Roman" panose="02020603050405020304" pitchFamily="18" charset="0"/>
+              </a:rPr>
+              <a:t>Power System Computation Conference (2018)</a:t>
+            </a:r>
+            <a:endParaRPr lang="en-IN" dirty="0">
+              <a:solidFill>
+                <a:schemeClr val="bg1"/>
+              </a:solidFill>
+            </a:endParaRPr>
+          </a:p>
+        </p:txBody>
+      </p:sp>
+      <p:sp>
+        <p:nvSpPr>
+          <p:cNvPr id="3" name="TextBox 2">
+            <a:extLst>
+              <a:ext uri="{FF2B5EF4-FFF2-40B4-BE49-F238E27FC236}">
+                <a16:creationId xmlns:a16="http://schemas.microsoft.com/office/drawing/2014/main" id="{54CE4A4E-4F0A-4A57-07B2-2D7E8CBED98A}"/>
+              </a:ext>
+            </a:extLst>
+          </p:cNvPr>
+          <p:cNvSpPr txBox="1"/>
+          <p:nvPr/>
+        </p:nvSpPr>
+        <p:spPr>
+          <a:xfrm>
+            <a:off x="1885950" y="5212316"/>
+            <a:ext cx="2371725" cy="1200329"/>
+          </a:xfrm>
+          <a:prstGeom prst="rect">
+            <a:avLst/>
+          </a:prstGeom>
+          <a:noFill/>
+          <a:ln>
+            <a:solidFill>
+              <a:schemeClr val="bg2">
+                <a:lumMod val="20000"/>
+                <a:lumOff val="80000"/>
+              </a:schemeClr>
+            </a:solidFill>
+          </a:ln>
+        </p:spPr>
+        <p:txBody>
+          <a:bodyPr wrap="square" rtlCol="0">
+            <a:spAutoFit/>
+          </a:bodyPr>
+          <a:lstStyle/>
+          <a:p>
+            <a:r>
+              <a:rPr lang="en-US" dirty="0">
+                <a:solidFill>
+                  <a:schemeClr val="bg1"/>
+                </a:solidFill>
+              </a:rPr>
+              <a:t>Currently at PNNL</a:t>
+            </a:r>
+            <a:br>
+              <a:rPr lang="en-US" dirty="0">
+                <a:solidFill>
+                  <a:schemeClr val="bg1"/>
+                </a:solidFill>
+              </a:rPr>
+            </a:br>
+            <a:r>
+              <a:rPr lang="en-US" dirty="0">
+                <a:solidFill>
+                  <a:schemeClr val="bg1"/>
+                </a:solidFill>
+              </a:rPr>
+              <a:t>Then: PhD at University of Vermont (UVM)</a:t>
+            </a:r>
+          </a:p>
+        </p:txBody>
+      </p:sp>
+      <p:sp>
+        <p:nvSpPr>
+          <p:cNvPr id="7" name="TextBox 6">
+            <a:extLst>
+              <a:ext uri="{FF2B5EF4-FFF2-40B4-BE49-F238E27FC236}">
+                <a16:creationId xmlns:a16="http://schemas.microsoft.com/office/drawing/2014/main" id="{A2DED524-45D5-DC85-C0DA-028FBD970E1F}"/>
+              </a:ext>
+            </a:extLst>
+          </p:cNvPr>
+          <p:cNvSpPr txBox="1"/>
+          <p:nvPr/>
+        </p:nvSpPr>
+        <p:spPr>
+          <a:xfrm>
+            <a:off x="8210550" y="5193265"/>
+            <a:ext cx="2371725" cy="646331"/>
+          </a:xfrm>
+          <a:prstGeom prst="rect">
+            <a:avLst/>
+          </a:prstGeom>
+          <a:noFill/>
+          <a:ln>
+            <a:solidFill>
+              <a:schemeClr val="bg2">
+                <a:lumMod val="20000"/>
+                <a:lumOff val="80000"/>
+              </a:schemeClr>
+            </a:solidFill>
+          </a:ln>
+        </p:spPr>
+        <p:txBody>
+          <a:bodyPr wrap="square" rtlCol="0">
+            <a:spAutoFit/>
+          </a:bodyPr>
+          <a:lstStyle/>
+          <a:p>
+            <a:r>
+              <a:rPr lang="en-US" dirty="0">
+                <a:solidFill>
+                  <a:schemeClr val="bg1"/>
+                </a:solidFill>
+              </a:rPr>
+              <a:t>Currently Assoc. Prof. at UVM</a:t>
+            </a:r>
+          </a:p>
+        </p:txBody>
+      </p:sp>
+      <p:cxnSp>
+        <p:nvCxnSpPr>
+          <p:cNvPr id="9" name="Straight Arrow Connector 8">
+            <a:extLst>
+              <a:ext uri="{FF2B5EF4-FFF2-40B4-BE49-F238E27FC236}">
+                <a16:creationId xmlns:a16="http://schemas.microsoft.com/office/drawing/2014/main" id="{09E2C2EA-CA0F-7418-6264-E0C918F10F77}"/>
+              </a:ext>
+            </a:extLst>
+          </p:cNvPr>
+          <p:cNvCxnSpPr/>
+          <p:nvPr/>
+        </p:nvCxnSpPr>
+        <p:spPr>
+          <a:xfrm flipH="1">
+            <a:off x="2743200" y="4105275"/>
+            <a:ext cx="1304925" cy="1107041"/>
+          </a:xfrm>
+          <a:prstGeom prst="straightConnector1">
+            <a:avLst/>
+          </a:prstGeom>
+          <a:ln w="3175">
+            <a:solidFill>
+              <a:schemeClr val="bg1">
+                <a:lumMod val="75000"/>
+              </a:schemeClr>
+            </a:solidFill>
+            <a:tailEnd type="triangle"/>
+          </a:ln>
+        </p:spPr>
+        <p:style>
+          <a:lnRef idx="1">
+            <a:schemeClr val="accent1"/>
+          </a:lnRef>
+          <a:fillRef idx="0">
+            <a:schemeClr val="accent1"/>
+          </a:fillRef>
+          <a:effectRef idx="0">
+            <a:schemeClr val="accent1"/>
+          </a:effectRef>
+          <a:fontRef idx="minor">
+            <a:schemeClr val="tx1"/>
+          </a:fontRef>
+        </p:style>
+      </p:cxnSp>
+      <p:cxnSp>
+        <p:nvCxnSpPr>
+          <p:cNvPr id="13" name="Straight Arrow Connector 12">
+            <a:extLst>
+              <a:ext uri="{FF2B5EF4-FFF2-40B4-BE49-F238E27FC236}">
+                <a16:creationId xmlns:a16="http://schemas.microsoft.com/office/drawing/2014/main" id="{DE6DC399-63BA-2B63-5D63-22924541F2D2}"/>
+              </a:ext>
+            </a:extLst>
+          </p:cNvPr>
+          <p:cNvCxnSpPr/>
+          <p:nvPr/>
+        </p:nvCxnSpPr>
+        <p:spPr>
+          <a:xfrm>
+            <a:off x="7696200" y="4105275"/>
+            <a:ext cx="1238250" cy="1087990"/>
+          </a:xfrm>
+          <a:prstGeom prst="straightConnector1">
+            <a:avLst/>
+          </a:prstGeom>
+          <a:ln w="3175">
+            <a:solidFill>
+              <a:schemeClr val="bg1">
+                <a:lumMod val="75000"/>
+              </a:schemeClr>
+            </a:solidFill>
+            <a:tailEnd type="triangle"/>
+          </a:ln>
+        </p:spPr>
+        <p:style>
+          <a:lnRef idx="1">
+            <a:schemeClr val="accent1"/>
+          </a:lnRef>
+          <a:fillRef idx="0">
+            <a:schemeClr val="accent1"/>
+          </a:fillRef>
+          <a:effectRef idx="0">
+            <a:schemeClr val="accent1"/>
+          </a:effectRef>
+          <a:fontRef idx="minor">
+            <a:schemeClr val="tx1"/>
+          </a:fontRef>
+        </p:style>
+      </p:cxnSp>
+    </p:spTree>
+    <p:extLst>
+      <p:ext uri="{BB962C8B-B14F-4D97-AF65-F5344CB8AC3E}">
+        <p14:creationId xmlns:p14="http://schemas.microsoft.com/office/powerpoint/2010/main" val="1593768973"/>
+      </p:ext>
+    </p:extLst>
+  </p:cSld>
+  <p:clrMapOvr>
+    <a:masterClrMapping/>
+  </p:clrMapOvr>
+</p:sld>
+</file>
+
+<file path=ppt/slides/slide20.xml><?xml version="1.0" encoding="utf-8"?>
+<p:sld xmlns:a="http://schemas.openxmlformats.org/drawingml/2006/main" xmlns:r="http://schemas.openxmlformats.org/officeDocument/2006/relationships" xmlns:p="http://schemas.openxmlformats.org/presentationml/2006/main">
+  <p:cSld>
+    <p:spTree>
+      <p:nvGrpSpPr>
+        <p:cNvPr id="1" name=""/>
+        <p:cNvGrpSpPr/>
+        <p:nvPr/>
+      </p:nvGrpSpPr>
+      <p:grpSpPr>
+        <a:xfrm>
+          <a:off x="0" y="0"/>
+          <a:ext cx="0" cy="0"/>
+          <a:chOff x="0" y="0"/>
+          <a:chExt cx="0" cy="0"/>
+        </a:xfrm>
+      </p:grpSpPr>
+      <mc:AlternateContent xmlns:mc="http://schemas.openxmlformats.org/markup-compatibility/2006" xmlns:a14="http://schemas.microsoft.com/office/drawing/2010/main">
+        <mc:Choice Requires="a14">
+          <p:sp>
+            <p:nvSpPr>
+              <p:cNvPr id="3" name="Content Placeholder 2">
+                <a:extLst>
+                  <a:ext uri="{FF2B5EF4-FFF2-40B4-BE49-F238E27FC236}">
+                    <a16:creationId xmlns:a16="http://schemas.microsoft.com/office/drawing/2014/main" id="{64BE6767-30AA-41AB-8C0B-29F30741AF76}"/>
+                  </a:ext>
+                </a:extLst>
+              </p:cNvPr>
+              <p:cNvSpPr>
+                <a:spLocks noGrp="1"/>
+              </p:cNvSpPr>
+              <p:nvPr>
+                <p:ph idx="1"/>
+              </p:nvPr>
+            </p:nvSpPr>
+            <p:spPr>
+              <a:xfrm>
+                <a:off x="1077687" y="2248664"/>
+                <a:ext cx="6932838" cy="4286531"/>
+              </a:xfrm>
+              <a:ln>
+                <a:solidFill>
+                  <a:schemeClr val="bg2">
+                    <a:lumMod val="20000"/>
+                    <a:lumOff val="80000"/>
+                  </a:schemeClr>
+                </a:solidFill>
+              </a:ln>
+            </p:spPr>
+            <p:txBody>
+              <a:bodyPr>
+                <a:normAutofit/>
+              </a:bodyPr>
+              <a:lstStyle/>
+              <a:p>
+                <a:pPr marL="182880" lvl="1" indent="0">
+                  <a:buNone/>
+                </a:pPr>
+                <a:r>
+                  <a:rPr lang="en-US" sz="2800" dirty="0"/>
+                  <a:t>Results</a:t>
+                </a:r>
+              </a:p>
+              <a:p>
+                <a:pPr lvl="1"/>
+                <a:r>
+                  <a:rPr lang="en-US" dirty="0"/>
+                  <a:t>Optimality gap always below 3% for different solar penetration levels.</a:t>
+                </a:r>
+              </a:p>
+              <a:p>
+                <a:pPr lvl="1"/>
+                <a:r>
+                  <a:rPr lang="en-US" dirty="0"/>
+                  <a:t>Feasible solutions always (</a:t>
+                </a:r>
+                <a14:m>
+                  <m:oMath xmlns:m="http://schemas.openxmlformats.org/officeDocument/2006/math">
+                    <m:r>
+                      <a:rPr lang="en-US" b="0" i="1" smtClean="0">
+                        <a:latin typeface="Cambria Math" panose="02040503050406030204" pitchFamily="18" charset="0"/>
+                      </a:rPr>
+                      <m:t>&lt;1</m:t>
+                    </m:r>
+                    <m:r>
+                      <a:rPr lang="en-US" b="0" i="1" smtClean="0">
+                        <a:latin typeface="Cambria Math" panose="02040503050406030204" pitchFamily="18" charset="0"/>
+                      </a:rPr>
+                      <m:t>𝑒</m:t>
+                    </m:r>
+                    <m:r>
+                      <a:rPr lang="en-US" b="0" i="1" smtClean="0">
+                        <a:latin typeface="Cambria Math" panose="02040503050406030204" pitchFamily="18" charset="0"/>
+                      </a:rPr>
+                      <m:t>−5</m:t>
+                    </m:r>
+                    <m:r>
+                      <a:rPr lang="en-US" b="0" i="1" smtClean="0">
+                        <a:latin typeface="Cambria Math" panose="02040503050406030204" pitchFamily="18" charset="0"/>
+                      </a:rPr>
+                      <m:t>𝑝𝑢</m:t>
+                    </m:r>
+                  </m:oMath>
+                </a14:m>
+                <a:r>
+                  <a:rPr lang="en-US" dirty="0"/>
+                  <a:t> difference).</a:t>
+                </a:r>
+              </a:p>
+              <a:p>
+                <a:pPr lvl="1"/>
+                <a:r>
+                  <a:rPr lang="en-US" dirty="0"/>
+                  <a:t>Solution times </a:t>
+                </a:r>
+                <a14:m>
+                  <m:oMath xmlns:m="http://schemas.openxmlformats.org/officeDocument/2006/math">
+                    <m:r>
+                      <a:rPr lang="en-US" b="0" i="1" smtClean="0">
+                        <a:latin typeface="Cambria Math" panose="02040503050406030204" pitchFamily="18" charset="0"/>
+                      </a:rPr>
+                      <m:t>&lt;45</m:t>
+                    </m:r>
+                    <m:r>
+                      <a:rPr lang="en-US" b="0" i="1" smtClean="0">
+                        <a:latin typeface="Cambria Math" panose="02040503050406030204" pitchFamily="18" charset="0"/>
+                      </a:rPr>
+                      <m:t>𝑠</m:t>
+                    </m:r>
+                  </m:oMath>
+                </a14:m>
+                <a:endParaRPr lang="en-US" dirty="0"/>
+              </a:p>
+              <a:p>
+                <a:pPr lvl="1"/>
+                <a:r>
+                  <a:rPr lang="en-US" dirty="0"/>
+                  <a:t>NLP total time assuming parallelized operation over every single time step.</a:t>
+                </a:r>
+              </a:p>
+              <a:p>
+                <a:pPr marL="182880" lvl="1" indent="0">
+                  <a:buNone/>
+                </a:pPr>
+                <a:endParaRPr lang="en-US" dirty="0"/>
+              </a:p>
+              <a:p>
+                <a:pPr marL="182880" lvl="1" indent="0">
+                  <a:buNone/>
+                </a:pPr>
+                <a:endParaRPr lang="en-US" dirty="0"/>
+              </a:p>
+            </p:txBody>
+          </p:sp>
+        </mc:Choice>
+        <mc:Fallback xmlns="">
+          <p:sp>
+            <p:nvSpPr>
+              <p:cNvPr id="3" name="Content Placeholder 2">
+                <a:extLst>
+                  <a:ext uri="{FF2B5EF4-FFF2-40B4-BE49-F238E27FC236}">
+                    <a16:creationId xmlns:a16="http://schemas.microsoft.com/office/drawing/2014/main" id="{64BE6767-30AA-41AB-8C0B-29F30741AF76}"/>
+                  </a:ext>
+                </a:extLst>
+              </p:cNvPr>
+              <p:cNvSpPr>
+                <a:spLocks noGrp="1" noRot="1" noChangeAspect="1" noMove="1" noResize="1" noEditPoints="1" noAdjustHandles="1" noChangeArrowheads="1" noChangeShapeType="1" noTextEdit="1"/>
+              </p:cNvSpPr>
+              <p:nvPr>
+                <p:ph idx="1"/>
+              </p:nvPr>
+            </p:nvSpPr>
+            <p:spPr>
+              <a:xfrm>
+                <a:off x="1077687" y="2248664"/>
+                <a:ext cx="6932838" cy="4286531"/>
+              </a:xfrm>
+              <a:blipFill>
+                <a:blip r:embed="rId3"/>
+                <a:stretch>
+                  <a:fillRect l="-439" t="-3262"/>
+                </a:stretch>
+              </a:blipFill>
+              <a:ln>
+                <a:solidFill>
+                  <a:schemeClr val="bg2">
+                    <a:lumMod val="20000"/>
+                    <a:lumOff val="80000"/>
+                  </a:schemeClr>
+                </a:solidFill>
+              </a:ln>
+            </p:spPr>
+            <p:txBody>
+              <a:bodyPr/>
+              <a:lstStyle/>
+              <a:p>
+                <a:r>
+                  <a:rPr lang="en-US">
+                    <a:noFill/>
+                  </a:rPr>
+                  <a:t> </a:t>
+                </a:r>
+              </a:p>
+            </p:txBody>
+          </p:sp>
+        </mc:Fallback>
+      </mc:AlternateContent>
+      <p:sp>
+        <p:nvSpPr>
+          <p:cNvPr id="2" name="Title 1">
+            <a:extLst>
+              <a:ext uri="{FF2B5EF4-FFF2-40B4-BE49-F238E27FC236}">
+                <a16:creationId xmlns:a16="http://schemas.microsoft.com/office/drawing/2014/main" id="{45DF1785-83CB-4F7A-820B-C600AC43B067}"/>
+              </a:ext>
+            </a:extLst>
+          </p:cNvPr>
+          <p:cNvSpPr>
+            <a:spLocks noGrp="1"/>
+          </p:cNvSpPr>
+          <p:nvPr>
+            <p:ph type="title"/>
+          </p:nvPr>
+        </p:nvSpPr>
+        <p:spPr>
+          <a:xfrm>
+            <a:off x="1064418" y="376654"/>
+            <a:ext cx="10063163" cy="1015584"/>
+          </a:xfrm>
+          <a:ln w="38100">
+            <a:solidFill>
+              <a:schemeClr val="bg2">
+                <a:lumMod val="40000"/>
+                <a:lumOff val="60000"/>
+              </a:schemeClr>
+            </a:solidFill>
+          </a:ln>
+        </p:spPr>
+        <p:txBody>
+          <a:bodyPr>
+            <a:normAutofit fontScale="90000"/>
+          </a:bodyPr>
+          <a:lstStyle/>
+          <a:p>
+            <a:r>
+              <a:rPr lang="en-US" b="0" dirty="0">
+                <a:latin typeface="Times New Roman" panose="02020603050405020304" pitchFamily="18" charset="0"/>
+                <a:cs typeface="Times New Roman" panose="02020603050405020304" pitchFamily="18" charset="0"/>
+              </a:rPr>
+              <a:t>Optimal Multi-Period Dispatch of Distributed Energy Resources in Unbalanced Distribution Feeders</a:t>
+            </a:r>
+          </a:p>
+        </p:txBody>
+      </p:sp>
+      <p:grpSp>
+        <p:nvGrpSpPr>
+          <p:cNvPr id="9" name="Group 8">
+            <a:extLst>
+              <a:ext uri="{FF2B5EF4-FFF2-40B4-BE49-F238E27FC236}">
+                <a16:creationId xmlns:a16="http://schemas.microsoft.com/office/drawing/2014/main" id="{6D40625B-79B9-1450-D829-09C941F20122}"/>
+              </a:ext>
+            </a:extLst>
+          </p:cNvPr>
+          <p:cNvGrpSpPr/>
+          <p:nvPr/>
+        </p:nvGrpSpPr>
+        <p:grpSpPr>
+          <a:xfrm>
+            <a:off x="8122850" y="2248664"/>
+            <a:ext cx="3954850" cy="2341016"/>
+            <a:chOff x="8122850" y="2248664"/>
+            <a:chExt cx="3954850" cy="2341016"/>
+          </a:xfrm>
+        </p:grpSpPr>
+        <p:pic>
+          <p:nvPicPr>
+            <p:cNvPr id="7" name="Picture 6">
+              <a:extLst>
+                <a:ext uri="{FF2B5EF4-FFF2-40B4-BE49-F238E27FC236}">
+                  <a16:creationId xmlns:a16="http://schemas.microsoft.com/office/drawing/2014/main" id="{FC6E046F-33D8-BF1D-A651-916998315688}"/>
+                </a:ext>
+              </a:extLst>
+            </p:cNvPr>
+            <p:cNvPicPr>
+              <a:picLocks noChangeAspect="1"/>
+            </p:cNvPicPr>
+            <p:nvPr/>
+          </p:nvPicPr>
+          <p:blipFill>
+            <a:blip r:embed="rId4"/>
+            <a:stretch>
+              <a:fillRect/>
+            </a:stretch>
+          </p:blipFill>
+          <p:spPr>
+            <a:xfrm>
+              <a:off x="8122850" y="2248664"/>
+              <a:ext cx="3954850" cy="1486065"/>
+            </a:xfrm>
+            <a:prstGeom prst="rect">
+              <a:avLst/>
+            </a:prstGeom>
+            <a:ln>
+              <a:solidFill>
+                <a:schemeClr val="accent1"/>
+              </a:solidFill>
+            </a:ln>
+          </p:spPr>
+        </p:pic>
+        <p:sp>
+          <p:nvSpPr>
+            <p:cNvPr id="8" name="TextBox 7">
+              <a:extLst>
+                <a:ext uri="{FF2B5EF4-FFF2-40B4-BE49-F238E27FC236}">
+                  <a16:creationId xmlns:a16="http://schemas.microsoft.com/office/drawing/2014/main" id="{3D15F088-A73A-D7DB-7436-5B55324DD9BF}"/>
+                </a:ext>
+              </a:extLst>
+            </p:cNvPr>
+            <p:cNvSpPr txBox="1"/>
+            <p:nvPr/>
+          </p:nvSpPr>
+          <p:spPr>
+            <a:xfrm>
+              <a:off x="8122850" y="3943349"/>
+              <a:ext cx="3954850" cy="646331"/>
+            </a:xfrm>
+            <a:prstGeom prst="rect">
+              <a:avLst/>
+            </a:prstGeom>
+            <a:noFill/>
+            <a:ln>
+              <a:solidFill>
+                <a:schemeClr val="accent1"/>
+              </a:solidFill>
+            </a:ln>
+          </p:spPr>
+          <p:txBody>
+            <a:bodyPr wrap="square" rtlCol="0">
+              <a:spAutoFit/>
+            </a:bodyPr>
+            <a:lstStyle/>
+            <a:p>
+              <a:r>
+                <a:rPr lang="en-US" dirty="0">
+                  <a:solidFill>
+                    <a:schemeClr val="bg1"/>
+                  </a:solidFill>
+                </a:rPr>
+                <a:t>Table: Comparison of the Optimality Gap Values of SOCP and NLP.</a:t>
+              </a:r>
+            </a:p>
+          </p:txBody>
+        </p:sp>
+      </p:grpSp>
+      <p:pic>
+        <p:nvPicPr>
+          <p:cNvPr id="11" name="Picture 10">
+            <a:extLst>
+              <a:ext uri="{FF2B5EF4-FFF2-40B4-BE49-F238E27FC236}">
+                <a16:creationId xmlns:a16="http://schemas.microsoft.com/office/drawing/2014/main" id="{6BCC5B2B-08F9-3951-F0F1-1ABA23337A8D}"/>
+              </a:ext>
+            </a:extLst>
+          </p:cNvPr>
+          <p:cNvPicPr>
+            <a:picLocks noChangeAspect="1"/>
+          </p:cNvPicPr>
+          <p:nvPr/>
+        </p:nvPicPr>
+        <p:blipFill>
+          <a:blip r:embed="rId5"/>
+          <a:stretch>
+            <a:fillRect/>
+          </a:stretch>
+        </p:blipFill>
+        <p:spPr>
+          <a:xfrm>
+            <a:off x="8205238" y="4798300"/>
+            <a:ext cx="3653933" cy="1297700"/>
+          </a:xfrm>
+          <a:prstGeom prst="rect">
+            <a:avLst/>
+          </a:prstGeom>
+          <a:ln>
+            <a:solidFill>
+              <a:schemeClr val="accent1"/>
+            </a:solidFill>
+          </a:ln>
+        </p:spPr>
+      </p:pic>
+    </p:spTree>
+    <p:extLst>
+      <p:ext uri="{BB962C8B-B14F-4D97-AF65-F5344CB8AC3E}">
+        <p14:creationId xmlns:p14="http://schemas.microsoft.com/office/powerpoint/2010/main" val="2665280293"/>
+      </p:ext>
+    </p:extLst>
+  </p:cSld>
+  <p:clrMapOvr>
+    <a:masterClrMapping/>
+  </p:clrMapOvr>
+</p:sld>
+</file>
+
+<file path=ppt/slides/slide21.xml><?xml version="1.0" encoding="utf-8"?>
+<p:sld xmlns:a="http://schemas.openxmlformats.org/drawingml/2006/main" xmlns:r="http://schemas.openxmlformats.org/officeDocument/2006/relationships" xmlns:p="http://schemas.openxmlformats.org/presentationml/2006/main">
+  <p:cSld>
+    <p:spTree>
+      <p:nvGrpSpPr>
+        <p:cNvPr id="1" name=""/>
+        <p:cNvGrpSpPr/>
+        <p:nvPr/>
+      </p:nvGrpSpPr>
+      <p:grpSpPr>
+        <a:xfrm>
+          <a:off x="0" y="0"/>
+          <a:ext cx="0" cy="0"/>
+          <a:chOff x="0" y="0"/>
+          <a:chExt cx="0" cy="0"/>
+        </a:xfrm>
+      </p:grpSpPr>
+      <p:sp>
+        <p:nvSpPr>
+          <p:cNvPr id="2" name="Title 1">
+            <a:extLst>
+              <a:ext uri="{FF2B5EF4-FFF2-40B4-BE49-F238E27FC236}">
+                <a16:creationId xmlns:a16="http://schemas.microsoft.com/office/drawing/2014/main" id="{5F549704-23C4-B094-622E-8880D581DDB1}"/>
+              </a:ext>
+            </a:extLst>
+          </p:cNvPr>
+          <p:cNvSpPr>
+            <a:spLocks noGrp="1"/>
+          </p:cNvSpPr>
+          <p:nvPr>
+            <p:ph type="title"/>
+          </p:nvPr>
+        </p:nvSpPr>
+        <p:spPr/>
+        <p:txBody>
+          <a:bodyPr/>
+          <a:lstStyle/>
+          <a:p>
+            <a:r>
+              <a:rPr lang="en-IN" dirty="0"/>
+              <a:t>References</a:t>
+            </a:r>
+          </a:p>
+        </p:txBody>
+      </p:sp>
+      <p:sp>
+        <p:nvSpPr>
+          <p:cNvPr id="3" name="Content Placeholder 2">
+            <a:extLst>
+              <a:ext uri="{FF2B5EF4-FFF2-40B4-BE49-F238E27FC236}">
+                <a16:creationId xmlns:a16="http://schemas.microsoft.com/office/drawing/2014/main" id="{1E746B68-8B8A-22C0-9957-1D01E835E282}"/>
+              </a:ext>
+            </a:extLst>
+          </p:cNvPr>
+          <p:cNvSpPr>
+            <a:spLocks noGrp="1"/>
+          </p:cNvSpPr>
+          <p:nvPr>
+            <p:ph idx="1"/>
+          </p:nvPr>
+        </p:nvSpPr>
+        <p:spPr/>
+        <p:txBody>
+          <a:bodyPr/>
+          <a:lstStyle/>
+          <a:p>
+            <a:r>
+              <a:rPr lang="en-IN" dirty="0">
+                <a:hlinkClick r:id="rId2"/>
+              </a:rPr>
+              <a:t>[22]</a:t>
+            </a:r>
+            <a:r>
+              <a:rPr lang="en-IN" dirty="0"/>
+              <a:t> Nazir, N., &amp; </a:t>
+            </a:r>
+            <a:r>
+              <a:rPr lang="en-IN" dirty="0" err="1"/>
+              <a:t>Almassalkhi</a:t>
+            </a:r>
+            <a:r>
+              <a:rPr lang="en-IN" dirty="0"/>
+              <a:t>, M. (2018). Receding-Horizon Optimization of Unbalanced Distribution Systems with Time-Scale Separation for Discrete and Continuous Control Devices. 2018 Power Systems Computation Conference (PSCC). IEEE. </a:t>
+            </a:r>
+            <a:r>
+              <a:rPr lang="en-IN" dirty="0" err="1"/>
+              <a:t>doi</a:t>
+            </a:r>
+            <a:r>
+              <a:rPr lang="en-IN" dirty="0"/>
+              <a:t>: 10.23919/PSCC.2018.8442555</a:t>
+            </a:r>
+          </a:p>
+          <a:p>
+            <a:r>
+              <a:rPr lang="en-IN" dirty="0">
+                <a:hlinkClick r:id="rId3"/>
+              </a:rPr>
+              <a:t>[36] </a:t>
+            </a:r>
+            <a:r>
+              <a:rPr lang="en-IN" dirty="0"/>
+              <a:t> </a:t>
+            </a:r>
+            <a:r>
+              <a:rPr lang="en-US" dirty="0" err="1"/>
+              <a:t>Wächter</a:t>
+            </a:r>
+            <a:r>
+              <a:rPr lang="en-US" dirty="0"/>
+              <a:t>, A., &amp; </a:t>
+            </a:r>
+            <a:r>
+              <a:rPr lang="en-US" dirty="0" err="1"/>
+              <a:t>Biegler</a:t>
+            </a:r>
+            <a:r>
+              <a:rPr lang="en-US" dirty="0"/>
+              <a:t>, L. T. (2006). On the implementation of an interior-point filter line-search algorithm for large-scale nonlinear programming. Math. Program., 106(1), 25–57. </a:t>
+            </a:r>
+            <a:r>
+              <a:rPr lang="en-US" dirty="0" err="1"/>
+              <a:t>doi</a:t>
+            </a:r>
+            <a:r>
+              <a:rPr lang="en-US" dirty="0"/>
+              <a:t>: 10.1007/s10107-004-0559-y</a:t>
+            </a:r>
+          </a:p>
+          <a:p>
+            <a:r>
+              <a:rPr lang="en-US" dirty="0">
+                <a:hlinkClick r:id="rId4"/>
+              </a:rPr>
+              <a:t>[37] </a:t>
+            </a:r>
+            <a:r>
+              <a:rPr lang="en-US" dirty="0"/>
+              <a:t>HSL - Home Page. (2023, May 24). Retrieved from </a:t>
+            </a:r>
+            <a:r>
+              <a:rPr lang="en-US" dirty="0">
+                <a:hlinkClick r:id="rId5"/>
+              </a:rPr>
+              <a:t>https://www.hsl.rl.ac.uk</a:t>
+            </a:r>
+            <a:endParaRPr lang="en-US" dirty="0"/>
+          </a:p>
+          <a:p>
+            <a:r>
+              <a:rPr lang="en-US" dirty="0">
+                <a:hlinkClick r:id="rId6" action="ppaction://hlinkfile"/>
+              </a:rPr>
+              <a:t>[16b]</a:t>
+            </a:r>
+            <a:r>
+              <a:rPr lang="en-US" dirty="0"/>
+              <a:t> </a:t>
+            </a:r>
+            <a:r>
+              <a:rPr lang="en-US" dirty="0" err="1"/>
+              <a:t>Briglia</a:t>
+            </a:r>
+            <a:r>
+              <a:rPr lang="en-US" dirty="0"/>
+              <a:t>, E., </a:t>
+            </a:r>
+            <a:r>
+              <a:rPr lang="en-US" dirty="0" err="1"/>
+              <a:t>Alaggia</a:t>
+            </a:r>
+            <a:r>
+              <a:rPr lang="en-US" dirty="0"/>
+              <a:t>, S., &amp; Paganini, F. (2017). Distribution network management based on optimal power flow: Integration of discrete decision variables. 2017 51st Annual Conference on Information Sciences and Systems (CISS). IEEE. </a:t>
+            </a:r>
+            <a:r>
+              <a:rPr lang="en-US" dirty="0" err="1"/>
+              <a:t>doi</a:t>
+            </a:r>
+            <a:r>
+              <a:rPr lang="en-US" dirty="0"/>
+              <a:t>: 10.1109/CISS.2017.7926079</a:t>
+            </a:r>
+            <a:endParaRPr lang="en-IN" dirty="0"/>
+          </a:p>
+        </p:txBody>
+      </p:sp>
+    </p:spTree>
+    <p:extLst>
+      <p:ext uri="{BB962C8B-B14F-4D97-AF65-F5344CB8AC3E}">
+        <p14:creationId xmlns:p14="http://schemas.microsoft.com/office/powerpoint/2010/main" val="2023634528"/>
+      </p:ext>
+    </p:extLst>
+  </p:cSld>
+  <p:clrMapOvr>
+    <a:masterClrMapping/>
+  </p:clrMapOvr>
+</p:sld>
+</file>
+
+<file path=ppt/slides/slide22.xml><?xml version="1.0" encoding="utf-8"?>
+<p:sld xmlns:a="http://schemas.openxmlformats.org/drawingml/2006/main" xmlns:r="http://schemas.openxmlformats.org/officeDocument/2006/relationships" xmlns:p="http://schemas.openxmlformats.org/presentationml/2006/main">
+  <p:cSld>
+    <p:spTree>
+      <p:nvGrpSpPr>
+        <p:cNvPr id="1" name=""/>
+        <p:cNvGrpSpPr/>
+        <p:nvPr/>
+      </p:nvGrpSpPr>
+      <p:grpSpPr>
+        <a:xfrm>
+          <a:off x="0" y="0"/>
+          <a:ext cx="0" cy="0"/>
+          <a:chOff x="0" y="0"/>
+          <a:chExt cx="0" cy="0"/>
+        </a:xfrm>
+      </p:grpSpPr>
+      <p:sp>
+        <p:nvSpPr>
+          <p:cNvPr id="2" name="Title 1">
+            <a:extLst>
+              <a:ext uri="{FF2B5EF4-FFF2-40B4-BE49-F238E27FC236}">
+                <a16:creationId xmlns:a16="http://schemas.microsoft.com/office/drawing/2014/main" id="{5F549704-23C4-B094-622E-8880D581DDB1}"/>
+              </a:ext>
+            </a:extLst>
+          </p:cNvPr>
+          <p:cNvSpPr>
+            <a:spLocks noGrp="1"/>
+          </p:cNvSpPr>
+          <p:nvPr>
+            <p:ph type="title"/>
+          </p:nvPr>
+        </p:nvSpPr>
+        <p:spPr/>
+        <p:txBody>
+          <a:bodyPr/>
+          <a:lstStyle/>
+          <a:p>
+            <a:r>
+              <a:rPr lang="en-IN" dirty="0"/>
+              <a:t>References</a:t>
+            </a:r>
+          </a:p>
+        </p:txBody>
+      </p:sp>
+      <p:sp>
+        <p:nvSpPr>
+          <p:cNvPr id="3" name="Content Placeholder 2">
+            <a:extLst>
+              <a:ext uri="{FF2B5EF4-FFF2-40B4-BE49-F238E27FC236}">
+                <a16:creationId xmlns:a16="http://schemas.microsoft.com/office/drawing/2014/main" id="{1E746B68-8B8A-22C0-9957-1D01E835E282}"/>
+              </a:ext>
+            </a:extLst>
+          </p:cNvPr>
+          <p:cNvSpPr>
+            <a:spLocks noGrp="1"/>
+          </p:cNvSpPr>
+          <p:nvPr>
+            <p:ph idx="1"/>
+          </p:nvPr>
+        </p:nvSpPr>
+        <p:spPr/>
+        <p:txBody>
+          <a:bodyPr/>
+          <a:lstStyle/>
+          <a:p>
+            <a:endParaRPr lang="en-IN" dirty="0"/>
+          </a:p>
+        </p:txBody>
+      </p:sp>
+    </p:spTree>
+    <p:extLst>
+      <p:ext uri="{BB962C8B-B14F-4D97-AF65-F5344CB8AC3E}">
+        <p14:creationId xmlns:p14="http://schemas.microsoft.com/office/powerpoint/2010/main" val="229957225"/>
+      </p:ext>
+    </p:extLst>
+  </p:cSld>
+  <p:clrMapOvr>
+    <a:masterClrMapping/>
+  </p:clrMapOvr>
+</p:sld>
+</file>
+
+<file path=ppt/slides/slide3.xml><?xml version="1.0" encoding="utf-8"?>
+<p:sld xmlns:a="http://schemas.openxmlformats.org/drawingml/2006/main" xmlns:r="http://schemas.openxmlformats.org/officeDocument/2006/relationships" xmlns:p="http://schemas.openxmlformats.org/presentationml/2006/main">
+  <p:cSld>
+    <p:spTree>
+      <p:nvGrpSpPr>
+        <p:cNvPr id="1" name=""/>
+        <p:cNvGrpSpPr/>
+        <p:nvPr/>
+      </p:nvGrpSpPr>
+      <p:grpSpPr>
+        <a:xfrm>
+          <a:off x="0" y="0"/>
+          <a:ext cx="0" cy="0"/>
+          <a:chOff x="0" y="0"/>
+          <a:chExt cx="0" cy="0"/>
+        </a:xfrm>
+      </p:grpSpPr>
+      <p:sp>
+        <p:nvSpPr>
+          <p:cNvPr id="2" name="Title 1">
+            <a:extLst>
+              <a:ext uri="{FF2B5EF4-FFF2-40B4-BE49-F238E27FC236}">
+                <a16:creationId xmlns:a16="http://schemas.microsoft.com/office/drawing/2014/main" id="{45DF1785-83CB-4F7A-820B-C600AC43B067}"/>
+              </a:ext>
+            </a:extLst>
+          </p:cNvPr>
+          <p:cNvSpPr>
+            <a:spLocks noGrp="1"/>
+          </p:cNvSpPr>
+          <p:nvPr>
+            <p:ph type="title"/>
+          </p:nvPr>
+        </p:nvSpPr>
+        <p:spPr>
+          <a:xfrm>
+            <a:off x="1064418" y="295275"/>
+            <a:ext cx="10063163" cy="1198500"/>
+          </a:xfrm>
+          <a:ln w="38100">
+            <a:solidFill>
+              <a:schemeClr val="accent3"/>
+            </a:solidFill>
+          </a:ln>
+        </p:spPr>
+        <p:txBody>
+          <a:bodyPr>
+            <a:noAutofit/>
+          </a:bodyPr>
+          <a:lstStyle/>
+          <a:p>
+            <a:pPr algn="ctr"/>
+            <a:r>
+              <a:rPr lang="en-US" sz="2800" b="0" dirty="0">
+                <a:latin typeface="Times New Roman" panose="02020603050405020304" pitchFamily="18" charset="0"/>
+                <a:cs typeface="Times New Roman" panose="02020603050405020304" pitchFamily="18" charset="0"/>
+              </a:rPr>
+              <a:t>Receding-Horizon Optimization of Unbalanced Distribution Systems with Time-Scale Separation for Discrete and Continuous Control Devices</a:t>
+            </a:r>
+          </a:p>
+        </p:txBody>
+      </p:sp>
+      <p:sp>
+        <p:nvSpPr>
+          <p:cNvPr id="4" name="Content Placeholder 2">
+            <a:extLst>
+              <a:ext uri="{FF2B5EF4-FFF2-40B4-BE49-F238E27FC236}">
+                <a16:creationId xmlns:a16="http://schemas.microsoft.com/office/drawing/2014/main" id="{D5B1AC77-B126-AD1C-0477-647E13017E62}"/>
+              </a:ext>
+            </a:extLst>
+          </p:cNvPr>
+          <p:cNvSpPr>
+            <a:spLocks noGrp="1"/>
+          </p:cNvSpPr>
+          <p:nvPr>
+            <p:ph idx="1"/>
+          </p:nvPr>
+        </p:nvSpPr>
+        <p:spPr>
+          <a:xfrm>
+            <a:off x="1077686" y="2248664"/>
+            <a:ext cx="10063163" cy="4286531"/>
+          </a:xfrm>
+          <a:ln>
+            <a:solidFill>
+              <a:schemeClr val="accent3"/>
+            </a:solidFill>
+          </a:ln>
+        </p:spPr>
+        <p:txBody>
+          <a:bodyPr>
+            <a:normAutofit/>
+          </a:bodyPr>
+          <a:lstStyle/>
+          <a:p>
+            <a:r>
+              <a:rPr lang="en-US" dirty="0"/>
+              <a:t>Distribution System</a:t>
+            </a:r>
+          </a:p>
+          <a:p>
+            <a:pPr lvl="1">
+              <a:buClr>
+                <a:schemeClr val="accent3"/>
+              </a:buClr>
+              <a:buSzPct val="50000"/>
+              <a:buFont typeface="Wingdings" panose="05000000000000000000" pitchFamily="2" charset="2"/>
+              <a:buChar char="Ø"/>
+            </a:pPr>
+            <a:r>
+              <a:rPr lang="en-US" dirty="0"/>
+              <a:t>Unbalanced</a:t>
+            </a:r>
+          </a:p>
+          <a:p>
+            <a:pPr lvl="1">
+              <a:buClr>
+                <a:schemeClr val="accent3"/>
+              </a:buClr>
+              <a:buSzPct val="50000"/>
+              <a:buFont typeface="Wingdings" panose="05000000000000000000" pitchFamily="2" charset="2"/>
+              <a:buChar char="Ø"/>
+            </a:pPr>
+            <a:r>
+              <a:rPr lang="en-US" dirty="0"/>
+              <a:t>Mechanical Assets?</a:t>
+            </a:r>
+          </a:p>
+          <a:p>
+            <a:pPr lvl="1">
+              <a:buClr>
+                <a:schemeClr val="accent3"/>
+              </a:buClr>
+              <a:buSzPct val="50000"/>
+              <a:buFont typeface="Wingdings" panose="05000000000000000000" pitchFamily="2" charset="2"/>
+              <a:buChar char="Ø"/>
+            </a:pPr>
+            <a:r>
+              <a:rPr lang="en-US" dirty="0"/>
+              <a:t>Significant Solar Penetration</a:t>
+            </a:r>
+          </a:p>
+          <a:p>
+            <a:pPr lvl="1">
+              <a:buFont typeface="Wingdings" panose="05000000000000000000" pitchFamily="2" charset="2"/>
+              <a:buChar char="Ø"/>
+            </a:pPr>
+            <a:endParaRPr lang="en-US" dirty="0"/>
+          </a:p>
+          <a:p>
+            <a:r>
+              <a:rPr lang="en-US" dirty="0"/>
+              <a:t>Two Different Optimization Time-Scales</a:t>
+            </a:r>
+          </a:p>
+          <a:p>
+            <a:pPr lvl="1">
+              <a:buClr>
+                <a:schemeClr val="accent3"/>
+              </a:buClr>
+              <a:buSzPct val="50000"/>
+              <a:buFont typeface="Wingdings" panose="05000000000000000000" pitchFamily="2" charset="2"/>
+              <a:buChar char="Ø"/>
+            </a:pPr>
+            <a:r>
+              <a:rPr lang="en-US" dirty="0"/>
+              <a:t>A slow time-scale for dispatching discrete mechanical assets using Mixed-Integer Program (MIP)</a:t>
+            </a:r>
+          </a:p>
+          <a:p>
+            <a:pPr lvl="1">
+              <a:buClr>
+                <a:schemeClr val="accent3"/>
+              </a:buClr>
+              <a:buSzPct val="50000"/>
+              <a:buFont typeface="Wingdings" panose="05000000000000000000" pitchFamily="2" charset="2"/>
+              <a:buChar char="Ø"/>
+            </a:pPr>
+            <a:r>
+              <a:rPr lang="en-US" dirty="0"/>
+              <a:t>A fast time-scale for continuously monitoring DERs using SOCP.</a:t>
+            </a:r>
+          </a:p>
+          <a:p>
+            <a:pPr lvl="1">
+              <a:buFont typeface="Wingdings" panose="05000000000000000000" pitchFamily="2" charset="2"/>
+              <a:buChar char="Ø"/>
+            </a:pPr>
+            <a:endParaRPr lang="en-US" dirty="0"/>
+          </a:p>
+          <a:p>
+            <a:pPr lvl="1"/>
+            <a:endParaRPr lang="en-US" dirty="0"/>
+          </a:p>
+        </p:txBody>
+      </p:sp>
+    </p:spTree>
+    <p:extLst>
+      <p:ext uri="{BB962C8B-B14F-4D97-AF65-F5344CB8AC3E}">
+        <p14:creationId xmlns:p14="http://schemas.microsoft.com/office/powerpoint/2010/main" val="1297708922"/>
+      </p:ext>
+    </p:extLst>
+  </p:cSld>
+  <p:clrMapOvr>
+    <a:masterClrMapping/>
+  </p:clrMapOvr>
+</p:sld>
+</file>
+
+<file path=ppt/slides/slide4.xml><?xml version="1.0" encoding="utf-8"?>
+<p:sld xmlns:a="http://schemas.openxmlformats.org/drawingml/2006/main" xmlns:r="http://schemas.openxmlformats.org/officeDocument/2006/relationships" xmlns:p="http://schemas.openxmlformats.org/presentationml/2006/main">
+  <p:cSld>
+    <p:spTree>
+      <p:nvGrpSpPr>
+        <p:cNvPr id="1" name=""/>
+        <p:cNvGrpSpPr/>
+        <p:nvPr/>
+      </p:nvGrpSpPr>
+      <p:grpSpPr>
+        <a:xfrm>
+          <a:off x="0" y="0"/>
+          <a:ext cx="0" cy="0"/>
+          <a:chOff x="0" y="0"/>
+          <a:chExt cx="0" cy="0"/>
+        </a:xfrm>
+      </p:grpSpPr>
+      <p:sp>
+        <p:nvSpPr>
+          <p:cNvPr id="2" name="Title 1">
+            <a:extLst>
+              <a:ext uri="{FF2B5EF4-FFF2-40B4-BE49-F238E27FC236}">
+                <a16:creationId xmlns:a16="http://schemas.microsoft.com/office/drawing/2014/main" id="{45DF1785-83CB-4F7A-820B-C600AC43B067}"/>
+              </a:ext>
+            </a:extLst>
+          </p:cNvPr>
+          <p:cNvSpPr>
+            <a:spLocks noGrp="1"/>
+          </p:cNvSpPr>
+          <p:nvPr>
+            <p:ph type="title"/>
+          </p:nvPr>
+        </p:nvSpPr>
+        <p:spPr>
+          <a:xfrm>
+            <a:off x="1064418" y="295275"/>
+            <a:ext cx="10063163" cy="1198500"/>
+          </a:xfrm>
+          <a:ln w="38100">
+            <a:solidFill>
+              <a:schemeClr val="accent3"/>
+            </a:solidFill>
+          </a:ln>
+        </p:spPr>
+        <p:txBody>
+          <a:bodyPr>
+            <a:noAutofit/>
+          </a:bodyPr>
+          <a:lstStyle/>
+          <a:p>
+            <a:pPr algn="ctr"/>
+            <a:r>
+              <a:rPr lang="en-US" sz="2800" b="0" dirty="0">
+                <a:latin typeface="Times New Roman" panose="02020603050405020304" pitchFamily="18" charset="0"/>
+                <a:cs typeface="Times New Roman" panose="02020603050405020304" pitchFamily="18" charset="0"/>
+              </a:rPr>
+              <a:t>Receding-Horizon Optimization of Unbalanced Distribution Systems with Time-Scale Separation for Discrete and Continuous Control Devices</a:t>
+            </a:r>
+          </a:p>
+        </p:txBody>
+      </p:sp>
+      <p:sp>
+        <p:nvSpPr>
+          <p:cNvPr id="4" name="Content Placeholder 2">
+            <a:extLst>
+              <a:ext uri="{FF2B5EF4-FFF2-40B4-BE49-F238E27FC236}">
+                <a16:creationId xmlns:a16="http://schemas.microsoft.com/office/drawing/2014/main" id="{D5B1AC77-B126-AD1C-0477-647E13017E62}"/>
+              </a:ext>
+            </a:extLst>
+          </p:cNvPr>
+          <p:cNvSpPr>
+            <a:spLocks noGrp="1"/>
+          </p:cNvSpPr>
+          <p:nvPr>
+            <p:ph idx="1"/>
+          </p:nvPr>
+        </p:nvSpPr>
+        <p:spPr>
+          <a:xfrm>
+            <a:off x="1077686" y="2248664"/>
+            <a:ext cx="10063163" cy="4286531"/>
+          </a:xfrm>
+          <a:ln>
+            <a:solidFill>
+              <a:schemeClr val="accent3"/>
+            </a:solidFill>
+          </a:ln>
+        </p:spPr>
+        <p:txBody>
+          <a:bodyPr>
+            <a:normAutofit lnSpcReduction="10000"/>
+          </a:bodyPr>
+          <a:lstStyle/>
+          <a:p>
+            <a:pPr marL="0" indent="0">
+              <a:buNone/>
+            </a:pPr>
+            <a:r>
+              <a:rPr lang="en-US" dirty="0"/>
+              <a:t>Two Different Optimization Time-Scales</a:t>
+            </a:r>
+          </a:p>
+          <a:p>
+            <a:pPr marL="0" indent="0">
+              <a:buNone/>
+            </a:pPr>
+            <a:endParaRPr lang="en-US" dirty="0"/>
+          </a:p>
+          <a:p>
+            <a:pPr lvl="1">
+              <a:buClr>
+                <a:schemeClr val="accent3"/>
+              </a:buClr>
+              <a:buSzPct val="50000"/>
+              <a:buFont typeface="Wingdings" panose="05000000000000000000" pitchFamily="2" charset="2"/>
+              <a:buChar char="Ø"/>
+            </a:pPr>
+            <a:r>
+              <a:rPr lang="en-US" dirty="0"/>
+              <a:t>Different Types of discrete and continuous operated devices. </a:t>
+            </a:r>
+          </a:p>
+          <a:p>
+            <a:pPr lvl="2">
+              <a:buClr>
+                <a:schemeClr val="accent3"/>
+              </a:buClr>
+              <a:buSzPct val="50000"/>
+              <a:buFont typeface="Wingdings" panose="05000000000000000000" pitchFamily="2" charset="2"/>
+              <a:buChar char="Ø"/>
+            </a:pPr>
+            <a:r>
+              <a:rPr lang="en-US" dirty="0"/>
+              <a:t>E.g. Capacitor/Reactor Banks, Line Regulators (On/Off), Load-Tap-Changing (LTC) Transformers</a:t>
+            </a:r>
+          </a:p>
+          <a:p>
+            <a:pPr lvl="2">
+              <a:buClr>
+                <a:schemeClr val="accent3"/>
+              </a:buClr>
+              <a:buSzPct val="50000"/>
+              <a:buFont typeface="Wingdings" panose="05000000000000000000" pitchFamily="2" charset="2"/>
+              <a:buChar char="Ø"/>
+            </a:pPr>
+            <a:r>
+              <a:rPr lang="en-US" dirty="0"/>
+              <a:t>Discrete states of these devices render the problem NP-hard. </a:t>
+            </a:r>
+            <a:r>
+              <a:rPr lang="en-US" b="1" i="1" dirty="0"/>
+              <a:t>(So, they were NOT NP-hard anyway?)</a:t>
+            </a:r>
+          </a:p>
+          <a:p>
+            <a:pPr lvl="2">
+              <a:buClr>
+                <a:schemeClr val="accent3"/>
+              </a:buClr>
+              <a:buSzPct val="50000"/>
+              <a:buFont typeface="Wingdings" panose="05000000000000000000" pitchFamily="2" charset="2"/>
+              <a:buChar char="Ø"/>
+            </a:pPr>
+            <a:r>
+              <a:rPr lang="en-US" dirty="0"/>
+              <a:t>McCormick relaxation and linearization techniques have been used to incorporate these devices into the OPF problem for a BALANCED network. [16b]</a:t>
+            </a:r>
+          </a:p>
+          <a:p>
+            <a:pPr lvl="1">
+              <a:buClr>
+                <a:schemeClr val="accent3"/>
+              </a:buClr>
+              <a:buSzPct val="50000"/>
+              <a:buFont typeface="Wingdings" panose="05000000000000000000" pitchFamily="2" charset="2"/>
+              <a:buChar char="Ø"/>
+            </a:pPr>
+            <a:endParaRPr lang="en-US" dirty="0"/>
+          </a:p>
+          <a:p>
+            <a:pPr lvl="1">
+              <a:buClr>
+                <a:schemeClr val="accent3"/>
+              </a:buClr>
+              <a:buSzPct val="50000"/>
+              <a:buFont typeface="Wingdings" panose="05000000000000000000" pitchFamily="2" charset="2"/>
+              <a:buChar char="Ø"/>
+            </a:pPr>
+            <a:r>
+              <a:rPr lang="en-US" dirty="0"/>
+              <a:t>This necessitates the use of separate optimization loops to coordinate them.</a:t>
+            </a:r>
+          </a:p>
+          <a:p>
+            <a:pPr lvl="1">
+              <a:buClr>
+                <a:schemeClr val="accent3"/>
+              </a:buClr>
+              <a:buSzPct val="50000"/>
+              <a:buFont typeface="Wingdings" panose="05000000000000000000" pitchFamily="2" charset="2"/>
+              <a:buChar char="Ø"/>
+            </a:pPr>
+            <a:endParaRPr lang="en-US" dirty="0"/>
+          </a:p>
+          <a:p>
+            <a:pPr lvl="1">
+              <a:buClr>
+                <a:schemeClr val="accent3"/>
+              </a:buClr>
+              <a:buSzPct val="50000"/>
+              <a:buFont typeface="Wingdings" panose="05000000000000000000" pitchFamily="2" charset="2"/>
+              <a:buChar char="Ø"/>
+            </a:pPr>
+            <a:r>
+              <a:rPr lang="en-US" dirty="0"/>
+              <a:t>Mechanical assets also have operational constraints on tap changes per hour to limit wear and tear, which necessitates separation.</a:t>
+            </a:r>
+          </a:p>
+          <a:p>
+            <a:pPr lvl="1">
+              <a:buFont typeface="Wingdings" panose="05000000000000000000" pitchFamily="2" charset="2"/>
+              <a:buChar char="Ø"/>
+            </a:pPr>
+            <a:endParaRPr lang="en-US" dirty="0"/>
+          </a:p>
+          <a:p>
+            <a:pPr lvl="1"/>
+            <a:endParaRPr lang="en-US" dirty="0"/>
+          </a:p>
+        </p:txBody>
+      </p:sp>
+    </p:spTree>
+    <p:extLst>
+      <p:ext uri="{BB962C8B-B14F-4D97-AF65-F5344CB8AC3E}">
+        <p14:creationId xmlns:p14="http://schemas.microsoft.com/office/powerpoint/2010/main" val="1787426885"/>
+      </p:ext>
+    </p:extLst>
+  </p:cSld>
+  <p:clrMapOvr>
+    <a:masterClrMapping/>
+  </p:clrMapOvr>
+</p:sld>
+</file>
+
+<file path=ppt/slides/slide5.xml><?xml version="1.0" encoding="utf-8"?>
+<p:sld xmlns:a="http://schemas.openxmlformats.org/drawingml/2006/main" xmlns:r="http://schemas.openxmlformats.org/officeDocument/2006/relationships" xmlns:p="http://schemas.openxmlformats.org/presentationml/2006/main">
+  <p:cSld>
+    <p:spTree>
+      <p:nvGrpSpPr>
+        <p:cNvPr id="1" name=""/>
+        <p:cNvGrpSpPr/>
+        <p:nvPr/>
+      </p:nvGrpSpPr>
+      <p:grpSpPr>
+        <a:xfrm>
+          <a:off x="0" y="0"/>
+          <a:ext cx="0" cy="0"/>
+          <a:chOff x="0" y="0"/>
+          <a:chExt cx="0" cy="0"/>
+        </a:xfrm>
+      </p:grpSpPr>
+      <p:sp>
+        <p:nvSpPr>
+          <p:cNvPr id="2" name="Title 1">
+            <a:extLst>
+              <a:ext uri="{FF2B5EF4-FFF2-40B4-BE49-F238E27FC236}">
+                <a16:creationId xmlns:a16="http://schemas.microsoft.com/office/drawing/2014/main" id="{45DF1785-83CB-4F7A-820B-C600AC43B067}"/>
+              </a:ext>
+            </a:extLst>
+          </p:cNvPr>
+          <p:cNvSpPr>
+            <a:spLocks noGrp="1"/>
+          </p:cNvSpPr>
+          <p:nvPr>
+            <p:ph type="title"/>
+          </p:nvPr>
+        </p:nvSpPr>
+        <p:spPr>
+          <a:xfrm>
+            <a:off x="1064418" y="295275"/>
+            <a:ext cx="10063163" cy="1198500"/>
+          </a:xfrm>
+          <a:ln w="38100">
+            <a:solidFill>
+              <a:schemeClr val="accent3"/>
+            </a:solidFill>
+          </a:ln>
+        </p:spPr>
+        <p:txBody>
+          <a:bodyPr>
+            <a:noAutofit/>
+          </a:bodyPr>
+          <a:lstStyle/>
+          <a:p>
+            <a:pPr algn="ctr"/>
+            <a:r>
+              <a:rPr lang="en-US" sz="2800" b="0" dirty="0">
+                <a:latin typeface="Times New Roman" panose="02020603050405020304" pitchFamily="18" charset="0"/>
+                <a:cs typeface="Times New Roman" panose="02020603050405020304" pitchFamily="18" charset="0"/>
+              </a:rPr>
+              <a:t>Receding-Horizon Optimization of Unbalanced Distribution Systems with Time-Scale Separation for Discrete and Continuous Control Devices</a:t>
+            </a:r>
+          </a:p>
+        </p:txBody>
+      </p:sp>
+      <p:sp>
+        <p:nvSpPr>
+          <p:cNvPr id="4" name="Content Placeholder 2">
+            <a:extLst>
+              <a:ext uri="{FF2B5EF4-FFF2-40B4-BE49-F238E27FC236}">
+                <a16:creationId xmlns:a16="http://schemas.microsoft.com/office/drawing/2014/main" id="{D5B1AC77-B126-AD1C-0477-647E13017E62}"/>
+              </a:ext>
+            </a:extLst>
+          </p:cNvPr>
+          <p:cNvSpPr>
+            <a:spLocks noGrp="1"/>
+          </p:cNvSpPr>
+          <p:nvPr>
+            <p:ph idx="1"/>
+          </p:nvPr>
+        </p:nvSpPr>
+        <p:spPr>
+          <a:xfrm>
+            <a:off x="1077686" y="2248664"/>
+            <a:ext cx="10063163" cy="4286531"/>
+          </a:xfrm>
+          <a:ln>
+            <a:solidFill>
+              <a:schemeClr val="accent3"/>
+            </a:solidFill>
+          </a:ln>
+        </p:spPr>
+        <p:txBody>
+          <a:bodyPr>
+            <a:normAutofit/>
+          </a:bodyPr>
+          <a:lstStyle/>
+          <a:p>
+            <a:pPr marL="0" indent="0">
+              <a:buNone/>
+            </a:pPr>
+            <a:r>
+              <a:rPr lang="en-US" dirty="0"/>
+              <a:t>Novel hierarchical OPF scheme for separation of the slow-mechanical (discrete control scheme) and fast power-electronic (continuous control scheme) on two different time-scales.</a:t>
+            </a:r>
+          </a:p>
+          <a:p>
+            <a:pPr marL="0" indent="0">
+              <a:buNone/>
+            </a:pPr>
+            <a:endParaRPr lang="en-US" dirty="0"/>
+          </a:p>
+          <a:p>
+            <a:pPr marL="0" indent="0">
+              <a:buNone/>
+            </a:pPr>
+            <a:r>
+              <a:rPr lang="en-US" dirty="0"/>
+              <a:t>Service Transformer Layers (STL) elements dispatched optimally using Multi-Period three-phase SOCP convex relaxation techniques applied to radial distribution networks for fast corrective control.</a:t>
+            </a:r>
+          </a:p>
+          <a:p>
+            <a:pPr marL="0" indent="0">
+              <a:buNone/>
+            </a:pPr>
+            <a:endParaRPr lang="en-US" dirty="0"/>
+          </a:p>
+          <a:p>
+            <a:pPr marL="0" indent="0">
+              <a:buNone/>
+            </a:pPr>
+            <a:r>
+              <a:rPr lang="en-US" dirty="0"/>
+              <a:t>Simultaneous charging and discharging of batteries in a convex model of 3-phase system is also analyzed and conditions are provided under which this can be avoided.	 </a:t>
+            </a:r>
+          </a:p>
+          <a:p>
+            <a:pPr lvl="1"/>
+            <a:endParaRPr lang="en-US" dirty="0"/>
+          </a:p>
+        </p:txBody>
+      </p:sp>
+    </p:spTree>
+    <p:extLst>
+      <p:ext uri="{BB962C8B-B14F-4D97-AF65-F5344CB8AC3E}">
+        <p14:creationId xmlns:p14="http://schemas.microsoft.com/office/powerpoint/2010/main" val="868431069"/>
+      </p:ext>
+    </p:extLst>
+  </p:cSld>
+  <p:clrMapOvr>
+    <a:masterClrMapping/>
+  </p:clrMapOvr>
+</p:sld>
+</file>
+
+<file path=ppt/slides/slide6.xml><?xml version="1.0" encoding="utf-8"?>
+<p:sld xmlns:a="http://schemas.openxmlformats.org/drawingml/2006/main" xmlns:r="http://schemas.openxmlformats.org/officeDocument/2006/relationships" xmlns:p="http://schemas.openxmlformats.org/presentationml/2006/main">
+  <p:cSld>
+    <p:spTree>
+      <p:nvGrpSpPr>
+        <p:cNvPr id="1" name=""/>
+        <p:cNvGrpSpPr/>
+        <p:nvPr/>
+      </p:nvGrpSpPr>
+      <p:grpSpPr>
+        <a:xfrm>
+          <a:off x="0" y="0"/>
+          <a:ext cx="0" cy="0"/>
+          <a:chOff x="0" y="0"/>
+          <a:chExt cx="0" cy="0"/>
+        </a:xfrm>
+      </p:grpSpPr>
+      <p:sp>
+        <p:nvSpPr>
+          <p:cNvPr id="2" name="Title 1">
+            <a:extLst>
+              <a:ext uri="{FF2B5EF4-FFF2-40B4-BE49-F238E27FC236}">
+                <a16:creationId xmlns:a16="http://schemas.microsoft.com/office/drawing/2014/main" id="{45DF1785-83CB-4F7A-820B-C600AC43B067}"/>
+              </a:ext>
+            </a:extLst>
+          </p:cNvPr>
+          <p:cNvSpPr>
+            <a:spLocks noGrp="1"/>
+          </p:cNvSpPr>
+          <p:nvPr>
+            <p:ph type="title"/>
+          </p:nvPr>
+        </p:nvSpPr>
+        <p:spPr>
+          <a:xfrm>
+            <a:off x="1064418" y="2811816"/>
+            <a:ext cx="10063163" cy="1015584"/>
+          </a:xfrm>
+          <a:ln w="38100">
+            <a:solidFill>
+              <a:schemeClr val="bg2">
+                <a:lumMod val="40000"/>
+                <a:lumOff val="60000"/>
+              </a:schemeClr>
+            </a:solidFill>
+          </a:ln>
+        </p:spPr>
+        <p:txBody>
+          <a:bodyPr>
+            <a:normAutofit fontScale="90000"/>
+          </a:bodyPr>
+          <a:lstStyle/>
+          <a:p>
+            <a:pPr algn="ctr"/>
+            <a:r>
+              <a:rPr lang="en-US" b="0" dirty="0">
+                <a:latin typeface="Times New Roman" panose="02020603050405020304" pitchFamily="18" charset="0"/>
+                <a:cs typeface="Times New Roman" panose="02020603050405020304" pitchFamily="18" charset="0"/>
+              </a:rPr>
+              <a:t>Optimal Multi-Period Dispatch of Distributed Energy Resources in Unbalanced Distribution Feeders</a:t>
+            </a:r>
+          </a:p>
+        </p:txBody>
+      </p:sp>
+      <p:sp>
+        <p:nvSpPr>
+          <p:cNvPr id="5" name="TextBox 4">
+            <a:extLst>
+              <a:ext uri="{FF2B5EF4-FFF2-40B4-BE49-F238E27FC236}">
+                <a16:creationId xmlns:a16="http://schemas.microsoft.com/office/drawing/2014/main" id="{CF0FD868-0A00-0958-9612-D576320029A2}"/>
+              </a:ext>
+            </a:extLst>
+          </p:cNvPr>
+          <p:cNvSpPr txBox="1"/>
+          <p:nvPr/>
+        </p:nvSpPr>
+        <p:spPr>
+          <a:xfrm>
+            <a:off x="1064418" y="3827400"/>
+            <a:ext cx="10063163" cy="369332"/>
+          </a:xfrm>
+          <a:prstGeom prst="rect">
+            <a:avLst/>
+          </a:prstGeom>
+          <a:noFill/>
+          <a:ln w="38100">
+            <a:solidFill>
+              <a:schemeClr val="bg2">
+                <a:lumMod val="40000"/>
+                <a:lumOff val="60000"/>
+              </a:schemeClr>
+            </a:solidFill>
+          </a:ln>
+        </p:spPr>
+        <p:txBody>
+          <a:bodyPr wrap="square" rtlCol="0">
+            <a:spAutoFit/>
+          </a:bodyPr>
+          <a:lstStyle/>
+          <a:p>
+            <a:pPr algn="ctr"/>
+            <a:r>
+              <a:rPr lang="en-IN" dirty="0">
+                <a:solidFill>
+                  <a:schemeClr val="bg1"/>
+                </a:solidFill>
+                <a:latin typeface="Times New Roman" panose="02020603050405020304" pitchFamily="18" charset="0"/>
+                <a:cs typeface="Times New Roman" panose="02020603050405020304" pitchFamily="18" charset="0"/>
+              </a:rPr>
+              <a:t>Nawaf Nazir, Pavan </a:t>
+            </a:r>
+            <a:r>
+              <a:rPr lang="en-IN" dirty="0" err="1">
+                <a:solidFill>
+                  <a:schemeClr val="bg1"/>
+                </a:solidFill>
+                <a:latin typeface="Times New Roman" panose="02020603050405020304" pitchFamily="18" charset="0"/>
+                <a:cs typeface="Times New Roman" panose="02020603050405020304" pitchFamily="18" charset="0"/>
+              </a:rPr>
+              <a:t>Racherla</a:t>
+            </a:r>
+            <a:r>
+              <a:rPr lang="en-IN" dirty="0">
+                <a:solidFill>
+                  <a:schemeClr val="bg1"/>
+                </a:solidFill>
+                <a:latin typeface="Times New Roman" panose="02020603050405020304" pitchFamily="18" charset="0"/>
+                <a:cs typeface="Times New Roman" panose="02020603050405020304" pitchFamily="18" charset="0"/>
+              </a:rPr>
+              <a:t> and Mads </a:t>
+            </a:r>
+            <a:r>
+              <a:rPr lang="en-IN" dirty="0" err="1">
+                <a:solidFill>
+                  <a:schemeClr val="bg1"/>
+                </a:solidFill>
+                <a:latin typeface="Times New Roman" panose="02020603050405020304" pitchFamily="18" charset="0"/>
+                <a:cs typeface="Times New Roman" panose="02020603050405020304" pitchFamily="18" charset="0"/>
+              </a:rPr>
+              <a:t>Almassalkhi</a:t>
+            </a:r>
+            <a:r>
+              <a:rPr lang="en-IN" dirty="0">
+                <a:solidFill>
+                  <a:schemeClr val="bg1"/>
+                </a:solidFill>
+              </a:rPr>
+              <a:t> </a:t>
+            </a:r>
+          </a:p>
+        </p:txBody>
+      </p:sp>
+      <p:sp>
+        <p:nvSpPr>
+          <p:cNvPr id="6" name="TextBox 5">
+            <a:extLst>
+              <a:ext uri="{FF2B5EF4-FFF2-40B4-BE49-F238E27FC236}">
+                <a16:creationId xmlns:a16="http://schemas.microsoft.com/office/drawing/2014/main" id="{FB333CAB-5ADD-D86F-AF45-EAB2EED3D45B}"/>
+              </a:ext>
+            </a:extLst>
+          </p:cNvPr>
+          <p:cNvSpPr txBox="1"/>
+          <p:nvPr/>
+        </p:nvSpPr>
+        <p:spPr>
+          <a:xfrm>
+            <a:off x="1064418" y="1851097"/>
+            <a:ext cx="10063163" cy="369332"/>
+          </a:xfrm>
+          <a:prstGeom prst="rect">
+            <a:avLst/>
+          </a:prstGeom>
+          <a:noFill/>
+          <a:ln w="38100">
+            <a:solidFill>
+              <a:schemeClr val="bg2">
+                <a:lumMod val="40000"/>
+                <a:lumOff val="60000"/>
+              </a:schemeClr>
+            </a:solidFill>
+          </a:ln>
+        </p:spPr>
+        <p:txBody>
+          <a:bodyPr wrap="square" rtlCol="0">
+            <a:spAutoFit/>
+          </a:bodyPr>
+          <a:lstStyle/>
+          <a:p>
+            <a:r>
+              <a:rPr lang="en-IN" dirty="0">
+                <a:solidFill>
+                  <a:schemeClr val="bg1"/>
+                </a:solidFill>
+                <a:latin typeface="Times New Roman" panose="02020603050405020304" pitchFamily="18" charset="0"/>
+                <a:cs typeface="Times New Roman" panose="02020603050405020304" pitchFamily="18" charset="0"/>
+              </a:rPr>
+              <a:t>IEEE TRANSACTIONS IN POWER SYSTEMS (2020)</a:t>
+            </a:r>
+            <a:endParaRPr lang="en-IN" dirty="0">
+              <a:solidFill>
+                <a:schemeClr val="bg1"/>
+              </a:solidFill>
+            </a:endParaRPr>
+          </a:p>
+        </p:txBody>
+      </p:sp>
+      <p:sp>
+        <p:nvSpPr>
+          <p:cNvPr id="3" name="TextBox 2">
+            <a:extLst>
+              <a:ext uri="{FF2B5EF4-FFF2-40B4-BE49-F238E27FC236}">
+                <a16:creationId xmlns:a16="http://schemas.microsoft.com/office/drawing/2014/main" id="{54CE4A4E-4F0A-4A57-07B2-2D7E8CBED98A}"/>
+              </a:ext>
+            </a:extLst>
+          </p:cNvPr>
+          <p:cNvSpPr txBox="1"/>
+          <p:nvPr/>
+        </p:nvSpPr>
+        <p:spPr>
+          <a:xfrm>
+            <a:off x="1885950" y="5212316"/>
+            <a:ext cx="2371725" cy="923330"/>
+          </a:xfrm>
+          <a:prstGeom prst="rect">
+            <a:avLst/>
+          </a:prstGeom>
+          <a:noFill/>
+          <a:ln>
+            <a:solidFill>
+              <a:schemeClr val="bg2">
+                <a:lumMod val="20000"/>
+                <a:lumOff val="80000"/>
+              </a:schemeClr>
+            </a:solidFill>
+          </a:ln>
+        </p:spPr>
+        <p:txBody>
+          <a:bodyPr wrap="square" rtlCol="0">
+            <a:spAutoFit/>
+          </a:bodyPr>
+          <a:lstStyle/>
+          <a:p>
+            <a:r>
+              <a:rPr lang="en-US" dirty="0">
+                <a:solidFill>
+                  <a:schemeClr val="bg1"/>
+                </a:solidFill>
+              </a:rPr>
+              <a:t>Currently at PNNL</a:t>
+            </a:r>
+            <a:br>
+              <a:rPr lang="en-US" dirty="0">
+                <a:solidFill>
+                  <a:schemeClr val="bg1"/>
+                </a:solidFill>
+              </a:rPr>
+            </a:br>
+            <a:r>
+              <a:rPr lang="en-US" dirty="0">
+                <a:solidFill>
+                  <a:schemeClr val="bg1"/>
+                </a:solidFill>
+              </a:rPr>
+              <a:t>PhD at University of Vermont (UVM)</a:t>
+            </a:r>
+          </a:p>
+        </p:txBody>
+      </p:sp>
+      <p:sp>
+        <p:nvSpPr>
+          <p:cNvPr id="4" name="TextBox 3">
+            <a:extLst>
+              <a:ext uri="{FF2B5EF4-FFF2-40B4-BE49-F238E27FC236}">
+                <a16:creationId xmlns:a16="http://schemas.microsoft.com/office/drawing/2014/main" id="{887F690A-7D87-BB6B-CC58-AEFD5893A9B5}"/>
+              </a:ext>
+            </a:extLst>
+          </p:cNvPr>
+          <p:cNvSpPr txBox="1"/>
+          <p:nvPr/>
+        </p:nvSpPr>
+        <p:spPr>
+          <a:xfrm>
+            <a:off x="4910136" y="5193266"/>
+            <a:ext cx="2371725" cy="646331"/>
+          </a:xfrm>
+          <a:prstGeom prst="rect">
+            <a:avLst/>
+          </a:prstGeom>
+          <a:noFill/>
+          <a:ln>
+            <a:solidFill>
+              <a:schemeClr val="bg2">
+                <a:lumMod val="20000"/>
+                <a:lumOff val="80000"/>
+              </a:schemeClr>
+            </a:solidFill>
+          </a:ln>
+        </p:spPr>
+        <p:txBody>
+          <a:bodyPr wrap="square" rtlCol="0">
+            <a:spAutoFit/>
+          </a:bodyPr>
+          <a:lstStyle/>
+          <a:p>
+            <a:r>
+              <a:rPr lang="en-US" dirty="0">
+                <a:solidFill>
+                  <a:schemeClr val="bg1"/>
+                </a:solidFill>
+              </a:rPr>
+              <a:t>Currently Asst. Prof. at UVM</a:t>
+            </a:r>
+          </a:p>
+        </p:txBody>
+      </p:sp>
+      <p:sp>
+        <p:nvSpPr>
+          <p:cNvPr id="7" name="TextBox 6">
+            <a:extLst>
+              <a:ext uri="{FF2B5EF4-FFF2-40B4-BE49-F238E27FC236}">
+                <a16:creationId xmlns:a16="http://schemas.microsoft.com/office/drawing/2014/main" id="{A2DED524-45D5-DC85-C0DA-028FBD970E1F}"/>
+              </a:ext>
+            </a:extLst>
+          </p:cNvPr>
+          <p:cNvSpPr txBox="1"/>
+          <p:nvPr/>
+        </p:nvSpPr>
+        <p:spPr>
+          <a:xfrm>
+            <a:off x="8210550" y="5193265"/>
+            <a:ext cx="2371725" cy="646331"/>
+          </a:xfrm>
+          <a:prstGeom prst="rect">
+            <a:avLst/>
+          </a:prstGeom>
+          <a:noFill/>
+          <a:ln>
+            <a:solidFill>
+              <a:schemeClr val="bg2">
+                <a:lumMod val="20000"/>
+                <a:lumOff val="80000"/>
+              </a:schemeClr>
+            </a:solidFill>
+          </a:ln>
+        </p:spPr>
+        <p:txBody>
+          <a:bodyPr wrap="square" rtlCol="0">
+            <a:spAutoFit/>
+          </a:bodyPr>
+          <a:lstStyle/>
+          <a:p>
+            <a:r>
+              <a:rPr lang="en-US" dirty="0">
+                <a:solidFill>
+                  <a:schemeClr val="bg1"/>
+                </a:solidFill>
+              </a:rPr>
+              <a:t>Currently Assoc. Prof. at UVM</a:t>
+            </a:r>
+          </a:p>
+        </p:txBody>
+      </p:sp>
+      <p:cxnSp>
+        <p:nvCxnSpPr>
+          <p:cNvPr id="9" name="Straight Arrow Connector 8">
+            <a:extLst>
+              <a:ext uri="{FF2B5EF4-FFF2-40B4-BE49-F238E27FC236}">
+                <a16:creationId xmlns:a16="http://schemas.microsoft.com/office/drawing/2014/main" id="{09E2C2EA-CA0F-7418-6264-E0C918F10F77}"/>
+              </a:ext>
+            </a:extLst>
+          </p:cNvPr>
+          <p:cNvCxnSpPr/>
+          <p:nvPr/>
+        </p:nvCxnSpPr>
+        <p:spPr>
+          <a:xfrm flipH="1">
+            <a:off x="2743200" y="4105275"/>
+            <a:ext cx="1304925" cy="1107041"/>
+          </a:xfrm>
+          <a:prstGeom prst="straightConnector1">
+            <a:avLst/>
+          </a:prstGeom>
+          <a:ln w="3175">
+            <a:solidFill>
+              <a:schemeClr val="bg1">
+                <a:lumMod val="75000"/>
+              </a:schemeClr>
+            </a:solidFill>
+            <a:tailEnd type="triangle"/>
+          </a:ln>
+        </p:spPr>
+        <p:style>
+          <a:lnRef idx="1">
+            <a:schemeClr val="accent1"/>
+          </a:lnRef>
+          <a:fillRef idx="0">
+            <a:schemeClr val="accent1"/>
+          </a:fillRef>
+          <a:effectRef idx="0">
+            <a:schemeClr val="accent1"/>
+          </a:effectRef>
+          <a:fontRef idx="minor">
+            <a:schemeClr val="tx1"/>
+          </a:fontRef>
+        </p:style>
+      </p:cxnSp>
+      <p:cxnSp>
+        <p:nvCxnSpPr>
+          <p:cNvPr id="11" name="Straight Arrow Connector 10">
+            <a:extLst>
+              <a:ext uri="{FF2B5EF4-FFF2-40B4-BE49-F238E27FC236}">
+                <a16:creationId xmlns:a16="http://schemas.microsoft.com/office/drawing/2014/main" id="{028B3E19-B169-BEA8-941F-EF06AA784A19}"/>
+              </a:ext>
+            </a:extLst>
+          </p:cNvPr>
+          <p:cNvCxnSpPr/>
+          <p:nvPr/>
+        </p:nvCxnSpPr>
+        <p:spPr>
+          <a:xfrm>
+            <a:off x="5629275" y="4105275"/>
+            <a:ext cx="133350" cy="1087990"/>
+          </a:xfrm>
+          <a:prstGeom prst="straightConnector1">
+            <a:avLst/>
+          </a:prstGeom>
+          <a:ln w="3175">
+            <a:solidFill>
+              <a:schemeClr val="bg1">
+                <a:lumMod val="75000"/>
+              </a:schemeClr>
+            </a:solidFill>
+            <a:tailEnd type="triangle"/>
+          </a:ln>
+        </p:spPr>
+        <p:style>
+          <a:lnRef idx="1">
+            <a:schemeClr val="accent1"/>
+          </a:lnRef>
+          <a:fillRef idx="0">
+            <a:schemeClr val="accent1"/>
+          </a:fillRef>
+          <a:effectRef idx="0">
+            <a:schemeClr val="accent1"/>
+          </a:effectRef>
+          <a:fontRef idx="minor">
+            <a:schemeClr val="tx1"/>
+          </a:fontRef>
+        </p:style>
+      </p:cxnSp>
+      <p:cxnSp>
+        <p:nvCxnSpPr>
+          <p:cNvPr id="13" name="Straight Arrow Connector 12">
+            <a:extLst>
+              <a:ext uri="{FF2B5EF4-FFF2-40B4-BE49-F238E27FC236}">
+                <a16:creationId xmlns:a16="http://schemas.microsoft.com/office/drawing/2014/main" id="{DE6DC399-63BA-2B63-5D63-22924541F2D2}"/>
+              </a:ext>
+            </a:extLst>
+          </p:cNvPr>
+          <p:cNvCxnSpPr/>
+          <p:nvPr/>
+        </p:nvCxnSpPr>
+        <p:spPr>
+          <a:xfrm>
+            <a:off x="7696200" y="4105275"/>
+            <a:ext cx="1238250" cy="1087990"/>
+          </a:xfrm>
+          <a:prstGeom prst="straightConnector1">
+            <a:avLst/>
+          </a:prstGeom>
+          <a:ln w="3175">
+            <a:solidFill>
+              <a:schemeClr val="bg1">
+                <a:lumMod val="75000"/>
+              </a:schemeClr>
+            </a:solidFill>
+            <a:tailEnd type="triangle"/>
+          </a:ln>
+        </p:spPr>
+        <p:style>
+          <a:lnRef idx="1">
+            <a:schemeClr val="accent1"/>
+          </a:lnRef>
+          <a:fillRef idx="0">
+            <a:schemeClr val="accent1"/>
+          </a:fillRef>
+          <a:effectRef idx="0">
+            <a:schemeClr val="accent1"/>
+          </a:effectRef>
+          <a:fontRef idx="minor">
+            <a:schemeClr val="tx1"/>
+          </a:fontRef>
+        </p:style>
+      </p:cxnSp>
+    </p:spTree>
+    <p:extLst>
+      <p:ext uri="{BB962C8B-B14F-4D97-AF65-F5344CB8AC3E}">
+        <p14:creationId xmlns:p14="http://schemas.microsoft.com/office/powerpoint/2010/main" val="2215898345"/>
+      </p:ext>
+    </p:extLst>
+  </p:cSld>
+  <p:clrMapOvr>
+    <a:masterClrMapping/>
+  </p:clrMapOvr>
+</p:sld>
+</file>
+
+<file path=ppt/slides/slide7.xml><?xml version="1.0" encoding="utf-8"?>
+<p:sld xmlns:a="http://schemas.openxmlformats.org/drawingml/2006/main" xmlns:r="http://schemas.openxmlformats.org/officeDocument/2006/relationships" xmlns:p="http://schemas.openxmlformats.org/presentationml/2006/main">
+  <p:cSld>
+    <p:spTree>
+      <p:nvGrpSpPr>
+        <p:cNvPr id="1" name=""/>
+        <p:cNvGrpSpPr/>
+        <p:nvPr/>
+      </p:nvGrpSpPr>
+      <p:grpSpPr>
+        <a:xfrm>
+          <a:off x="0" y="0"/>
+          <a:ext cx="0" cy="0"/>
+          <a:chOff x="0" y="0"/>
+          <a:chExt cx="0" cy="0"/>
+        </a:xfrm>
+      </p:grpSpPr>
+      <p:sp>
+        <p:nvSpPr>
+          <p:cNvPr id="3" name="Content Placeholder 2">
+            <a:extLst>
+              <a:ext uri="{FF2B5EF4-FFF2-40B4-BE49-F238E27FC236}">
+                <a16:creationId xmlns:a16="http://schemas.microsoft.com/office/drawing/2014/main" id="{64BE6767-30AA-41AB-8C0B-29F30741AF76}"/>
+              </a:ext>
+            </a:extLst>
+          </p:cNvPr>
+          <p:cNvSpPr>
+            <a:spLocks noGrp="1"/>
+          </p:cNvSpPr>
+          <p:nvPr>
+            <p:ph idx="1"/>
+          </p:nvPr>
+        </p:nvSpPr>
+        <p:spPr>
+          <a:xfrm>
+            <a:off x="1077686" y="2248664"/>
+            <a:ext cx="10063163" cy="4286531"/>
+          </a:xfrm>
+        </p:spPr>
+        <p:txBody>
+          <a:bodyPr>
+            <a:normAutofit/>
+          </a:bodyPr>
+          <a:lstStyle/>
+          <a:p>
+            <a:r>
+              <a:rPr lang="en-US" dirty="0"/>
+              <a:t>Distribution System</a:t>
+            </a:r>
+          </a:p>
+          <a:p>
+            <a:pPr lvl="1">
+              <a:buFont typeface="Wingdings" panose="05000000000000000000" pitchFamily="2" charset="2"/>
+              <a:buChar char="Ø"/>
+            </a:pPr>
+            <a:r>
+              <a:rPr lang="en-US" dirty="0"/>
+              <a:t>Unbalanced</a:t>
+            </a:r>
+          </a:p>
+          <a:p>
+            <a:pPr lvl="1">
+              <a:buFont typeface="Wingdings" panose="05000000000000000000" pitchFamily="2" charset="2"/>
+              <a:buChar char="Ø"/>
+            </a:pPr>
+            <a:r>
+              <a:rPr lang="en-US" dirty="0"/>
+              <a:t>Inverter-Interfaced</a:t>
+            </a:r>
+          </a:p>
+          <a:p>
+            <a:pPr lvl="1">
+              <a:buFont typeface="Wingdings" panose="05000000000000000000" pitchFamily="2" charset="2"/>
+              <a:buChar char="Ø"/>
+            </a:pPr>
+            <a:r>
+              <a:rPr lang="en-US" dirty="0"/>
+              <a:t>Significant Solar Penetration</a:t>
+            </a:r>
+          </a:p>
+          <a:p>
+            <a:pPr lvl="1">
+              <a:buFont typeface="Wingdings" panose="05000000000000000000" pitchFamily="2" charset="2"/>
+              <a:buChar char="Ø"/>
+            </a:pPr>
+            <a:endParaRPr lang="en-US" dirty="0"/>
+          </a:p>
+          <a:p>
+            <a:r>
+              <a:rPr lang="en-US" dirty="0"/>
+              <a:t>Three-Phase Unbalanced</a:t>
+            </a:r>
+          </a:p>
+          <a:p>
+            <a:pPr lvl="1">
+              <a:buFont typeface="Wingdings" panose="05000000000000000000" pitchFamily="2" charset="2"/>
+              <a:buChar char="Ø"/>
+            </a:pPr>
+            <a:r>
+              <a:rPr lang="en-US" dirty="0"/>
+              <a:t>Non-Convex Loss-minimization problem</a:t>
+            </a:r>
+          </a:p>
+          <a:p>
+            <a:pPr lvl="1">
+              <a:buFont typeface="Wingdings" panose="05000000000000000000" pitchFamily="2" charset="2"/>
+              <a:buChar char="Ø"/>
+            </a:pPr>
+            <a:r>
+              <a:rPr lang="en-US" dirty="0"/>
+              <a:t>Formulated as a Convex Second Order Conic Program  (SOCP) for arriving at an initial solution for Non-Linear Program (NLP)</a:t>
+            </a:r>
+          </a:p>
+          <a:p>
+            <a:pPr lvl="1">
+              <a:buFont typeface="Wingdings" panose="05000000000000000000" pitchFamily="2" charset="2"/>
+              <a:buChar char="Ø"/>
+            </a:pPr>
+            <a:r>
+              <a:rPr lang="en-US" dirty="0"/>
+              <a:t>NLP run to ensure physically realizable solution</a:t>
+            </a:r>
+          </a:p>
+          <a:p>
+            <a:pPr lvl="1"/>
+            <a:endParaRPr lang="en-US" dirty="0"/>
+          </a:p>
+        </p:txBody>
+      </p:sp>
+      <p:sp>
+        <p:nvSpPr>
+          <p:cNvPr id="2" name="Title 1">
+            <a:extLst>
+              <a:ext uri="{FF2B5EF4-FFF2-40B4-BE49-F238E27FC236}">
+                <a16:creationId xmlns:a16="http://schemas.microsoft.com/office/drawing/2014/main" id="{45DF1785-83CB-4F7A-820B-C600AC43B067}"/>
+              </a:ext>
+            </a:extLst>
+          </p:cNvPr>
+          <p:cNvSpPr>
+            <a:spLocks noGrp="1"/>
+          </p:cNvSpPr>
+          <p:nvPr>
+            <p:ph type="title"/>
+          </p:nvPr>
+        </p:nvSpPr>
+        <p:spPr>
+          <a:xfrm>
+            <a:off x="1064418" y="376654"/>
+            <a:ext cx="10063163" cy="1015584"/>
+          </a:xfrm>
+          <a:ln w="38100">
+            <a:solidFill>
+              <a:schemeClr val="bg2">
+                <a:lumMod val="40000"/>
+                <a:lumOff val="60000"/>
+              </a:schemeClr>
+            </a:solidFill>
+          </a:ln>
+        </p:spPr>
+        <p:txBody>
+          <a:bodyPr>
+            <a:normAutofit fontScale="90000"/>
+          </a:bodyPr>
+          <a:lstStyle/>
+          <a:p>
+            <a:r>
+              <a:rPr lang="en-US" b="0" dirty="0">
+                <a:latin typeface="Times New Roman" panose="02020603050405020304" pitchFamily="18" charset="0"/>
+                <a:cs typeface="Times New Roman" panose="02020603050405020304" pitchFamily="18" charset="0"/>
+              </a:rPr>
+              <a:t>Optimal Multi-Period Dispatch of Distributed Energy Resources in Unbalanced Distribution Feeders</a:t>
+            </a:r>
+          </a:p>
+        </p:txBody>
+      </p:sp>
+    </p:spTree>
+    <p:extLst>
+      <p:ext uri="{BB962C8B-B14F-4D97-AF65-F5344CB8AC3E}">
+        <p14:creationId xmlns:p14="http://schemas.microsoft.com/office/powerpoint/2010/main" val="1311344680"/>
+      </p:ext>
+    </p:extLst>
+  </p:cSld>
+  <p:clrMapOvr>
+    <a:masterClrMapping/>
+  </p:clrMapOvr>
+</p:sld>
+</file>
+
+<file path=ppt/slides/slide8.xml><?xml version="1.0" encoding="utf-8"?>
+<p:sld xmlns:a="http://schemas.openxmlformats.org/drawingml/2006/main" xmlns:r="http://schemas.openxmlformats.org/officeDocument/2006/relationships" xmlns:p="http://schemas.openxmlformats.org/presentationml/2006/main">
+  <p:cSld>
+    <p:spTree>
+      <p:nvGrpSpPr>
+        <p:cNvPr id="1" name=""/>
+        <p:cNvGrpSpPr/>
+        <p:nvPr/>
+      </p:nvGrpSpPr>
+      <p:grpSpPr>
+        <a:xfrm>
+          <a:off x="0" y="0"/>
+          <a:ext cx="0" cy="0"/>
+          <a:chOff x="0" y="0"/>
+          <a:chExt cx="0" cy="0"/>
+        </a:xfrm>
+      </p:grpSpPr>
+      <p:sp>
+        <p:nvSpPr>
+          <p:cNvPr id="3" name="Content Placeholder 2">
+            <a:extLst>
+              <a:ext uri="{FF2B5EF4-FFF2-40B4-BE49-F238E27FC236}">
+                <a16:creationId xmlns:a16="http://schemas.microsoft.com/office/drawing/2014/main" id="{64BE6767-30AA-41AB-8C0B-29F30741AF76}"/>
+              </a:ext>
+            </a:extLst>
+          </p:cNvPr>
+          <p:cNvSpPr>
+            <a:spLocks noGrp="1"/>
+          </p:cNvSpPr>
+          <p:nvPr>
+            <p:ph idx="1"/>
+          </p:nvPr>
+        </p:nvSpPr>
+        <p:spPr>
+          <a:xfrm>
+            <a:off x="1077686" y="2248664"/>
+            <a:ext cx="10063163" cy="4286531"/>
+          </a:xfrm>
+        </p:spPr>
+        <p:txBody>
+          <a:bodyPr>
+            <a:normAutofit/>
+          </a:bodyPr>
+          <a:lstStyle/>
+          <a:p>
+            <a:r>
+              <a:rPr lang="en-US" dirty="0"/>
+              <a:t>Conditions derived to ensure that batteries do NOT simultaneously charge and discharge. </a:t>
+            </a:r>
+            <a:r>
+              <a:rPr lang="en-US" b="1" i="1" dirty="0">
+                <a:solidFill>
+                  <a:schemeClr val="accent1">
+                    <a:lumMod val="40000"/>
+                    <a:lumOff val="60000"/>
+                  </a:schemeClr>
+                </a:solidFill>
+              </a:rPr>
+              <a:t>(Is that a big problem?)</a:t>
+            </a:r>
+          </a:p>
+          <a:p>
+            <a:endParaRPr lang="en-US" dirty="0"/>
+          </a:p>
+          <a:p>
+            <a:r>
+              <a:rPr lang="en-US" dirty="0"/>
+              <a:t>Tested with </a:t>
+            </a:r>
+            <a:r>
+              <a:rPr lang="en-US" dirty="0" err="1"/>
+              <a:t>GridLab</a:t>
+            </a:r>
+            <a:r>
+              <a:rPr lang="en-US" dirty="0"/>
+              <a:t>-D for IEEE 13 and IEEE 123.</a:t>
+            </a:r>
+          </a:p>
+          <a:p>
+            <a:pPr lvl="1">
+              <a:buFont typeface="Wingdings" panose="05000000000000000000" pitchFamily="2" charset="2"/>
+              <a:buChar char="Ø"/>
+            </a:pPr>
+            <a:r>
+              <a:rPr lang="en-US" dirty="0"/>
+              <a:t>AC feasibility of the solutions ensured</a:t>
+            </a:r>
+          </a:p>
+          <a:p>
+            <a:pPr lvl="1">
+              <a:buFont typeface="Wingdings" panose="05000000000000000000" pitchFamily="2" charset="2"/>
+              <a:buChar char="Ø"/>
+            </a:pPr>
+            <a:r>
+              <a:rPr lang="en-US" dirty="0"/>
+              <a:t>Near-optimal performance</a:t>
+            </a:r>
+          </a:p>
+          <a:p>
+            <a:pPr lvl="1">
+              <a:buFont typeface="Wingdings" panose="05000000000000000000" pitchFamily="2" charset="2"/>
+              <a:buChar char="Ø"/>
+            </a:pPr>
+            <a:r>
+              <a:rPr lang="en-US" dirty="0"/>
+              <a:t>Solution time &lt; 1 min.</a:t>
+            </a:r>
+          </a:p>
+          <a:p>
+            <a:pPr lvl="1"/>
+            <a:endParaRPr lang="en-US" dirty="0"/>
+          </a:p>
+        </p:txBody>
+      </p:sp>
+      <p:sp>
+        <p:nvSpPr>
+          <p:cNvPr id="2" name="Title 1">
+            <a:extLst>
+              <a:ext uri="{FF2B5EF4-FFF2-40B4-BE49-F238E27FC236}">
+                <a16:creationId xmlns:a16="http://schemas.microsoft.com/office/drawing/2014/main" id="{45DF1785-83CB-4F7A-820B-C600AC43B067}"/>
+              </a:ext>
+            </a:extLst>
+          </p:cNvPr>
+          <p:cNvSpPr>
+            <a:spLocks noGrp="1"/>
+          </p:cNvSpPr>
+          <p:nvPr>
+            <p:ph type="title"/>
+          </p:nvPr>
+        </p:nvSpPr>
+        <p:spPr>
+          <a:xfrm>
+            <a:off x="1064418" y="376654"/>
+            <a:ext cx="10063163" cy="1015584"/>
+          </a:xfrm>
+          <a:ln w="38100">
+            <a:solidFill>
+              <a:schemeClr val="bg2">
+                <a:lumMod val="40000"/>
+                <a:lumOff val="60000"/>
+              </a:schemeClr>
+            </a:solidFill>
+          </a:ln>
+        </p:spPr>
+        <p:txBody>
+          <a:bodyPr>
+            <a:normAutofit fontScale="90000"/>
+          </a:bodyPr>
+          <a:lstStyle/>
+          <a:p>
+            <a:r>
+              <a:rPr lang="en-US" b="0" dirty="0">
+                <a:latin typeface="Times New Roman" panose="02020603050405020304" pitchFamily="18" charset="0"/>
+                <a:cs typeface="Times New Roman" panose="02020603050405020304" pitchFamily="18" charset="0"/>
+              </a:rPr>
+              <a:t>Optimal Multi-Period Dispatch of Distributed Energy Resources in Unbalanced Distribution Feeders</a:t>
+            </a:r>
+          </a:p>
+        </p:txBody>
+      </p:sp>
+    </p:spTree>
+    <p:extLst>
+      <p:ext uri="{BB962C8B-B14F-4D97-AF65-F5344CB8AC3E}">
+        <p14:creationId xmlns:p14="http://schemas.microsoft.com/office/powerpoint/2010/main" val="364621248"/>
+      </p:ext>
+    </p:extLst>
+  </p:cSld>
+  <p:clrMapOvr>
+    <a:masterClrMapping/>
+  </p:clrMapOvr>
+</p:sld>
+</file>
+
+<file path=ppt/slides/slide9.xml><?xml version="1.0" encoding="utf-8"?>
+<p:sld xmlns:a="http://schemas.openxmlformats.org/drawingml/2006/main" xmlns:r="http://schemas.openxmlformats.org/officeDocument/2006/relationships" xmlns:p="http://schemas.openxmlformats.org/presentationml/2006/main">
+  <p:cSld>
+    <p:spTree>
+      <p:nvGrpSpPr>
+        <p:cNvPr id="1" name=""/>
+        <p:cNvGrpSpPr/>
+        <p:nvPr/>
+      </p:nvGrpSpPr>
+      <p:grpSpPr>
+        <a:xfrm>
+          <a:off x="0" y="0"/>
+          <a:ext cx="0" cy="0"/>
+          <a:chOff x="0" y="0"/>
+          <a:chExt cx="0" cy="0"/>
+        </a:xfrm>
+      </p:grpSpPr>
+      <p:sp>
+        <p:nvSpPr>
+          <p:cNvPr id="3" name="Content Placeholder 2">
+            <a:extLst>
+              <a:ext uri="{FF2B5EF4-FFF2-40B4-BE49-F238E27FC236}">
+                <a16:creationId xmlns:a16="http://schemas.microsoft.com/office/drawing/2014/main" id="{64BE6767-30AA-41AB-8C0B-29F30741AF76}"/>
+              </a:ext>
+            </a:extLst>
+          </p:cNvPr>
+          <p:cNvSpPr>
+            <a:spLocks noGrp="1"/>
+          </p:cNvSpPr>
+          <p:nvPr>
+            <p:ph idx="1"/>
+          </p:nvPr>
+        </p:nvSpPr>
+        <p:spPr>
+          <a:xfrm>
+            <a:off x="1077686" y="2248665"/>
+            <a:ext cx="10063163" cy="3256786"/>
+          </a:xfrm>
+        </p:spPr>
+        <p:txBody>
+          <a:bodyPr>
+            <a:normAutofit/>
+          </a:bodyPr>
+          <a:lstStyle/>
+          <a:p>
+            <a:r>
+              <a:rPr lang="en-US" dirty="0" err="1"/>
+              <a:t>ConEd</a:t>
+            </a:r>
+            <a:r>
+              <a:rPr lang="en-US" baseline="30000" dirty="0"/>
+              <a:t>*</a:t>
+            </a:r>
+            <a:r>
+              <a:rPr lang="en-US" dirty="0"/>
+              <a:t> of NY moving towards Distributed System Platforms (DSPs)</a:t>
+            </a:r>
+          </a:p>
+          <a:p>
+            <a:endParaRPr lang="en-US" dirty="0"/>
+          </a:p>
+          <a:p>
+            <a:r>
+              <a:rPr lang="en-US" dirty="0"/>
+              <a:t>These DSPs allow for DERs to be factored into Optimization schemes for Power Generation</a:t>
+            </a:r>
+          </a:p>
+          <a:p>
+            <a:endParaRPr lang="en-US" dirty="0"/>
+          </a:p>
+          <a:p>
+            <a:r>
+              <a:rPr lang="en-US" dirty="0"/>
+              <a:t>DERs can be Optimized to function as Virtual Batteries (VBs)</a:t>
+            </a:r>
+          </a:p>
+          <a:p>
+            <a:pPr lvl="1">
+              <a:buFont typeface="Wingdings" panose="05000000000000000000" pitchFamily="2" charset="2"/>
+              <a:buChar char="Ø"/>
+            </a:pPr>
+            <a:r>
+              <a:rPr lang="en-US" dirty="0"/>
+              <a:t>provide energy services at different </a:t>
+            </a:r>
+            <a:r>
+              <a:rPr lang="en-US" dirty="0" err="1"/>
+              <a:t>spatio</a:t>
+            </a:r>
+            <a:r>
+              <a:rPr lang="en-US" dirty="0"/>
+              <a:t>-temporal scales.</a:t>
+            </a:r>
+          </a:p>
+          <a:p>
+            <a:pPr lvl="1"/>
+            <a:endParaRPr lang="en-US" dirty="0"/>
+          </a:p>
+        </p:txBody>
+      </p:sp>
+      <p:sp>
+        <p:nvSpPr>
+          <p:cNvPr id="2" name="Title 1">
+            <a:extLst>
+              <a:ext uri="{FF2B5EF4-FFF2-40B4-BE49-F238E27FC236}">
+                <a16:creationId xmlns:a16="http://schemas.microsoft.com/office/drawing/2014/main" id="{45DF1785-83CB-4F7A-820B-C600AC43B067}"/>
+              </a:ext>
+            </a:extLst>
+          </p:cNvPr>
+          <p:cNvSpPr>
+            <a:spLocks noGrp="1"/>
+          </p:cNvSpPr>
+          <p:nvPr>
+            <p:ph type="title"/>
+          </p:nvPr>
+        </p:nvSpPr>
+        <p:spPr>
+          <a:xfrm>
+            <a:off x="1064418" y="376654"/>
+            <a:ext cx="10063163" cy="1015584"/>
+          </a:xfrm>
+          <a:ln w="38100">
+            <a:solidFill>
+              <a:schemeClr val="bg2">
+                <a:lumMod val="40000"/>
+                <a:lumOff val="60000"/>
+              </a:schemeClr>
+            </a:solidFill>
+          </a:ln>
+        </p:spPr>
+        <p:txBody>
+          <a:bodyPr>
+            <a:normAutofit fontScale="90000"/>
+          </a:bodyPr>
+          <a:lstStyle/>
+          <a:p>
+            <a:r>
+              <a:rPr lang="en-US" b="0" dirty="0">
+                <a:latin typeface="Times New Roman" panose="02020603050405020304" pitchFamily="18" charset="0"/>
+                <a:cs typeface="Times New Roman" panose="02020603050405020304" pitchFamily="18" charset="0"/>
+              </a:rPr>
+              <a:t>Optimal Multi-Period Dispatch of Distributed Energy Resources in Unbalanced Distribution Feeders</a:t>
+            </a:r>
+          </a:p>
+        </p:txBody>
+      </p:sp>
+      <p:sp>
+        <p:nvSpPr>
+          <p:cNvPr id="4" name="TextBox 3">
+            <a:extLst>
+              <a:ext uri="{FF2B5EF4-FFF2-40B4-BE49-F238E27FC236}">
+                <a16:creationId xmlns:a16="http://schemas.microsoft.com/office/drawing/2014/main" id="{8EFEBC6E-AF86-6BC5-4CB0-6803F1624DA1}"/>
+              </a:ext>
+            </a:extLst>
+          </p:cNvPr>
+          <p:cNvSpPr txBox="1"/>
+          <p:nvPr/>
+        </p:nvSpPr>
+        <p:spPr>
+          <a:xfrm>
+            <a:off x="1238250" y="5505451"/>
+            <a:ext cx="3838575" cy="1200329"/>
+          </a:xfrm>
+          <a:prstGeom prst="rect">
+            <a:avLst/>
+          </a:prstGeom>
+          <a:noFill/>
+          <a:ln>
+            <a:solidFill>
+              <a:schemeClr val="bg2">
+                <a:lumMod val="40000"/>
+                <a:lumOff val="60000"/>
+              </a:schemeClr>
+            </a:solidFill>
+          </a:ln>
+        </p:spPr>
+        <p:txBody>
+          <a:bodyPr wrap="square" rtlCol="0">
+            <a:spAutoFit/>
+          </a:bodyPr>
+          <a:lstStyle/>
+          <a:p>
+            <a:r>
+              <a:rPr lang="en-US" dirty="0">
+                <a:solidFill>
+                  <a:schemeClr val="bg1"/>
+                </a:solidFill>
+              </a:rPr>
+              <a:t>* Consolidated Edison, electric utility in NY and NOT </a:t>
+            </a:r>
+            <a:r>
+              <a:rPr lang="en-US" dirty="0" err="1">
+                <a:solidFill>
+                  <a:schemeClr val="bg1"/>
+                </a:solidFill>
+              </a:rPr>
+              <a:t>ComEd</a:t>
+            </a:r>
+            <a:r>
+              <a:rPr lang="en-US" dirty="0">
+                <a:solidFill>
+                  <a:schemeClr val="bg1"/>
+                </a:solidFill>
+              </a:rPr>
+              <a:t>, Commonwealth Edison, electric utility in IL</a:t>
+            </a:r>
+          </a:p>
+        </p:txBody>
+      </p:sp>
+    </p:spTree>
+    <p:extLst>
+      <p:ext uri="{BB962C8B-B14F-4D97-AF65-F5344CB8AC3E}">
+        <p14:creationId xmlns:p14="http://schemas.microsoft.com/office/powerpoint/2010/main" val="497868237"/>
       </p:ext>
     </p:extLst>
   </p:cSld>
@@ -15116,20 +16237,20 @@
 </file>
 
 <file path=customXml/item1.xml><?xml version="1.0" encoding="utf-8"?>
-<p:properties xmlns:p="http://schemas.microsoft.com/office/2006/metadata/properties" xmlns:xsi="http://www.w3.org/2001/XMLSchema-instance" xmlns:pc="http://schemas.microsoft.com/office/infopath/2007/PartnerControls">
-  <documentManagement>
-    <_activity xmlns="07b86a79-a0e0-4fae-97d8-d960552457a2" xsi:nil="true"/>
-  </documentManagement>
-</p:properties>
-</file>
-
-<file path=customXml/item2.xml><?xml version="1.0" encoding="utf-8"?>
 <?mso-contentType ?>
 <FormTemplates xmlns="http://schemas.microsoft.com/sharepoint/v3/contenttype/forms">
   <Display>DocumentLibraryForm</Display>
   <Edit>DocumentLibraryForm</Edit>
   <New>DocumentLibraryForm</New>
 </FormTemplates>
+</file>
+
+<file path=customXml/item2.xml><?xml version="1.0" encoding="utf-8"?>
+<p:properties xmlns:p="http://schemas.microsoft.com/office/2006/metadata/properties" xmlns:xsi="http://www.w3.org/2001/XMLSchema-instance" xmlns:pc="http://schemas.microsoft.com/office/infopath/2007/PartnerControls">
+  <documentManagement>
+    <_activity xmlns="07b86a79-a0e0-4fae-97d8-d960552457a2" xsi:nil="true"/>
+  </documentManagement>
+</p:properties>
 </file>
 
 <file path=customXml/item3.xml><?xml version="1.0" encoding="utf-8"?>
@@ -15322,6 +16443,14 @@
 </file>
 
 <file path=customXml/itemProps1.xml><?xml version="1.0" encoding="utf-8"?>
+<ds:datastoreItem xmlns:ds="http://schemas.openxmlformats.org/officeDocument/2006/customXml" ds:itemID="{7EFD9054-912F-4B88-91C1-59322474C238}">
+  <ds:schemaRefs>
+    <ds:schemaRef ds:uri="http://schemas.microsoft.com/sharepoint/v3/contenttype/forms"/>
+  </ds:schemaRefs>
+</ds:datastoreItem>
+</file>
+
+<file path=customXml/itemProps2.xml><?xml version="1.0" encoding="utf-8"?>
 <ds:datastoreItem xmlns:ds="http://schemas.openxmlformats.org/officeDocument/2006/customXml" ds:itemID="{5F4FE37C-59E4-4EF4-8795-42EF570B5A85}">
   <ds:schemaRefs>
     <ds:schemaRef ds:uri="http://schemas.microsoft.com/office/2006/documentManagement/types"/>
@@ -15334,14 +16463,6 @@
     <ds:schemaRef ds:uri="40f16175-07f6-4179-a7d3-44240c48c007"/>
     <ds:schemaRef ds:uri="http://www.w3.org/XML/1998/namespace"/>
     <ds:schemaRef ds:uri="http://purl.org/dc/terms/"/>
-  </ds:schemaRefs>
-</ds:datastoreItem>
-</file>
-
-<file path=customXml/itemProps2.xml><?xml version="1.0" encoding="utf-8"?>
-<ds:datastoreItem xmlns:ds="http://schemas.openxmlformats.org/officeDocument/2006/customXml" ds:itemID="{7EFD9054-912F-4B88-91C1-59322474C238}">
-  <ds:schemaRefs>
-    <ds:schemaRef ds:uri="http://schemas.microsoft.com/sharepoint/v3/contenttype/forms"/>
   </ds:schemaRefs>
 </ds:datastoreItem>
 </file>

--- a/Presentations/multiPeriodOptimization_aryan_ritwajeet_jha.pptx
+++ b/Presentations/multiPeriodOptimization_aryan_ritwajeet_jha.pptx
@@ -5,10 +5,10 @@
     <p:sldMasterId id="2147483686" r:id="rId4"/>
   </p:sldMasterIdLst>
   <p:notesMasterIdLst>
-    <p:notesMasterId r:id="rId27"/>
+    <p:notesMasterId r:id="rId28"/>
   </p:notesMasterIdLst>
   <p:handoutMasterIdLst>
-    <p:handoutMasterId r:id="rId28"/>
+    <p:handoutMasterId r:id="rId29"/>
   </p:handoutMasterIdLst>
   <p:sldIdLst>
     <p:sldId id="257" r:id="rId5"/>
@@ -16,23 +16,24 @@
     <p:sldId id="298" r:id="rId7"/>
     <p:sldId id="299" r:id="rId8"/>
     <p:sldId id="301" r:id="rId9"/>
-    <p:sldId id="258" r:id="rId10"/>
-    <p:sldId id="282" r:id="rId11"/>
-    <p:sldId id="283" r:id="rId12"/>
-    <p:sldId id="284" r:id="rId13"/>
-    <p:sldId id="285" r:id="rId14"/>
-    <p:sldId id="286" r:id="rId15"/>
-    <p:sldId id="288" r:id="rId16"/>
-    <p:sldId id="289" r:id="rId17"/>
-    <p:sldId id="290" r:id="rId18"/>
-    <p:sldId id="292" r:id="rId19"/>
-    <p:sldId id="291" r:id="rId20"/>
-    <p:sldId id="294" r:id="rId21"/>
-    <p:sldId id="293" r:id="rId22"/>
-    <p:sldId id="295" r:id="rId23"/>
-    <p:sldId id="296" r:id="rId24"/>
-    <p:sldId id="287" r:id="rId25"/>
-    <p:sldId id="300" r:id="rId26"/>
+    <p:sldId id="302" r:id="rId10"/>
+    <p:sldId id="258" r:id="rId11"/>
+    <p:sldId id="282" r:id="rId12"/>
+    <p:sldId id="283" r:id="rId13"/>
+    <p:sldId id="284" r:id="rId14"/>
+    <p:sldId id="285" r:id="rId15"/>
+    <p:sldId id="286" r:id="rId16"/>
+    <p:sldId id="288" r:id="rId17"/>
+    <p:sldId id="289" r:id="rId18"/>
+    <p:sldId id="290" r:id="rId19"/>
+    <p:sldId id="292" r:id="rId20"/>
+    <p:sldId id="291" r:id="rId21"/>
+    <p:sldId id="294" r:id="rId22"/>
+    <p:sldId id="293" r:id="rId23"/>
+    <p:sldId id="295" r:id="rId24"/>
+    <p:sldId id="296" r:id="rId25"/>
+    <p:sldId id="287" r:id="rId26"/>
+    <p:sldId id="300" r:id="rId27"/>
   </p:sldIdLst>
   <p:sldSz cx="12192000" cy="6858000"/>
   <p:notesSz cx="6858000" cy="9144000"/>
@@ -3859,7 +3860,7 @@
           <a:p>
             <a:fld id="{85CEC689-B63F-4B6D-AF6D-31DA368AC821}" type="slidenum">
               <a:rPr lang="en-US" smtClean="0"/>
-              <a:t>17</a:t>
+              <a:t>18</a:t>
             </a:fld>
             <a:endParaRPr lang="en-US"/>
           </a:p>
@@ -3943,7 +3944,7 @@
           <a:p>
             <a:fld id="{85CEC689-B63F-4B6D-AF6D-31DA368AC821}" type="slidenum">
               <a:rPr lang="en-US" smtClean="0"/>
-              <a:t>18</a:t>
+              <a:t>19</a:t>
             </a:fld>
             <a:endParaRPr lang="en-US"/>
           </a:p>
@@ -4027,7 +4028,7 @@
           <a:p>
             <a:fld id="{85CEC689-B63F-4B6D-AF6D-31DA368AC821}" type="slidenum">
               <a:rPr lang="en-US" smtClean="0"/>
-              <a:t>19</a:t>
+              <a:t>20</a:t>
             </a:fld>
             <a:endParaRPr lang="en-US"/>
           </a:p>
@@ -4111,7 +4112,7 @@
           <a:p>
             <a:fld id="{85CEC689-B63F-4B6D-AF6D-31DA368AC821}" type="slidenum">
               <a:rPr lang="en-US" smtClean="0"/>
-              <a:t>20</a:t>
+              <a:t>21</a:t>
             </a:fld>
             <a:endParaRPr lang="en-US"/>
           </a:p>
@@ -9646,8 +9647,8 @@
         </p:nvSpPr>
         <p:spPr>
           <a:xfrm>
-            <a:off x="1077686" y="2248664"/>
-            <a:ext cx="10063163" cy="4286531"/>
+            <a:off x="1077686" y="2248665"/>
+            <a:ext cx="10063163" cy="3256786"/>
           </a:xfrm>
         </p:spPr>
         <p:txBody>
@@ -9656,34 +9657,58 @@
           </a:bodyPr>
           <a:lstStyle/>
           <a:p>
-            <a:pPr lvl="1"/>
+            <a:r>
+              <a:rPr lang="en-US" dirty="0" err="1"/>
+              <a:t>ConEd</a:t>
+            </a:r>
+            <a:r>
+              <a:rPr lang="en-US" baseline="30000" dirty="0"/>
+              <a:t>*</a:t>
+            </a:r>
             <a:r>
               <a:rPr lang="en-US" dirty="0"/>
-              <a:t>Traditionally, </a:t>
-            </a:r>
-            <a:r>
-              <a:rPr lang="en-US" i="1" dirty="0" err="1"/>
-              <a:t>DistFlow</a:t>
-            </a:r>
-            <a:r>
-              <a:rPr lang="en-US" i="1" dirty="0"/>
-              <a:t> </a:t>
-            </a:r>
+              <a:t> of NY moving towards Distributed System Platforms (DSPs)</a:t>
+            </a:r>
+          </a:p>
+          <a:p>
+            <a:endParaRPr lang="en-US" dirty="0"/>
+          </a:p>
+          <a:p>
             <a:r>
               <a:rPr lang="en-US" dirty="0"/>
-              <a:t>algorithms based on the Branch Flow Model (BFM), which are an exact non-linear formulation of the distribution power flow equations, only work on balanced single-phase equivalent networks.</a:t>
+              <a:t>These DSPs allow for DERs to be factored into Optimization schemes for Power Generation</a:t>
+            </a:r>
+          </a:p>
+          <a:p>
+            <a:endParaRPr lang="en-US" dirty="0"/>
+          </a:p>
+          <a:p>
+            <a:r>
+              <a:rPr lang="en-US" dirty="0"/>
+              <a:t>DERs can be Optimized to function as Virtual Batteries (VBs)</a:t>
+            </a:r>
+          </a:p>
+          <a:p>
+            <a:pPr lvl="1">
+              <a:buFont typeface="Wingdings" panose="05000000000000000000" pitchFamily="2" charset="2"/>
+              <a:buChar char="Ø"/>
+            </a:pPr>
+            <a:r>
+              <a:rPr lang="en-US" dirty="0"/>
+              <a:t>provide energy services at different </a:t>
+            </a:r>
+            <a:r>
+              <a:rPr lang="en-US" dirty="0" err="1"/>
+              <a:t>spatio</a:t>
+            </a:r>
+            <a:r>
+              <a:rPr lang="en-US" dirty="0"/>
+              <a:t>-temporal scales.</a:t>
             </a:r>
           </a:p>
           <a:p>
             <a:pPr lvl="1"/>
             <a:endParaRPr lang="en-US" dirty="0"/>
-          </a:p>
-          <a:p>
-            <a:pPr lvl="1"/>
-            <a:r>
-              <a:rPr lang="en-US" dirty="0"/>
-              <a:t>But Distribution Networks are inherently unbalanced.</a:t>
-            </a:r>
           </a:p>
         </p:txBody>
       </p:sp>
@@ -9733,10 +9758,73 @@
           </a:p>
         </p:txBody>
       </p:sp>
+      <p:sp>
+        <p:nvSpPr>
+          <p:cNvPr id="4" name="TextBox 3">
+            <a:extLst>
+              <a:ext uri="{FF2B5EF4-FFF2-40B4-BE49-F238E27FC236}">
+                <a16:creationId xmlns:a16="http://schemas.microsoft.com/office/drawing/2014/main" id="{8EFEBC6E-AF86-6BC5-4CB0-6803F1624DA1}"/>
+              </a:ext>
+            </a:extLst>
+          </p:cNvPr>
+          <p:cNvSpPr txBox="1"/>
+          <p:nvPr/>
+        </p:nvSpPr>
+        <p:spPr>
+          <a:xfrm>
+            <a:off x="1238250" y="5505451"/>
+            <a:ext cx="3838575" cy="1200329"/>
+          </a:xfrm>
+          <a:prstGeom prst="rect">
+            <a:avLst/>
+          </a:prstGeom>
+          <a:noFill/>
+          <a:ln>
+            <a:solidFill>
+              <a:schemeClr val="bg2">
+                <a:lumMod val="40000"/>
+                <a:lumOff val="60000"/>
+              </a:schemeClr>
+            </a:solidFill>
+          </a:ln>
+        </p:spPr>
+        <p:txBody>
+          <a:bodyPr wrap="square" rtlCol="0">
+            <a:spAutoFit/>
+          </a:bodyPr>
+          <a:lstStyle/>
+          <a:p>
+            <a:r>
+              <a:rPr lang="en-US" dirty="0">
+                <a:solidFill>
+                  <a:schemeClr val="bg1"/>
+                </a:solidFill>
+              </a:rPr>
+              <a:t>* Consolidated Edison, electric utility in NY and NOT </a:t>
+            </a:r>
+            <a:r>
+              <a:rPr lang="en-US" dirty="0" err="1">
+                <a:solidFill>
+                  <a:schemeClr val="bg1"/>
+                </a:solidFill>
+              </a:rPr>
+              <a:t>ComEd</a:t>
+            </a:r>
+            <a:r>
+              <a:rPr lang="en-US" dirty="0">
+                <a:solidFill>
+                  <a:schemeClr val="bg1"/>
+                </a:solidFill>
+              </a:rPr>
+              <a:t>, Commonwealth Edison, electric utility in IL</a:t>
+            </a:r>
+          </a:p>
+        </p:txBody>
+      </p:sp>
     </p:spTree>
     <p:extLst>
       <p:ext uri="{BB962C8B-B14F-4D97-AF65-F5344CB8AC3E}">
-        <p14:creationId xmlns:p14="http://schemas.microsoft.com/office/powerpoint/2010/main" val="1321834617"/>
+        <p14:creationId xmlns:p14="http://schemas.microsoft.com/office/powerpoint/2010/main" val="497868237"/>
       </p:ext>
     </p:extLst>
   </p:cSld>
@@ -9794,29 +9882,19 @@
             <a:pPr lvl="1"/>
             <a:r>
               <a:rPr lang="en-US" dirty="0"/>
-              <a:t>In </a:t>
-            </a:r>
-            <a:r>
-              <a:rPr lang="en-US" dirty="0">
-                <a:solidFill>
-                  <a:schemeClr val="accent1">
-                    <a:lumMod val="40000"/>
-                    <a:lumOff val="60000"/>
-                  </a:schemeClr>
-                </a:solidFill>
-                <a:hlinkClick r:id="rId2" action="ppaction://hlinksldjump">
-                  <a:extLst>
-                    <a:ext uri="{A12FA001-AC4F-418D-AE19-62706E023703}">
-                      <ahyp:hlinkClr xmlns:ahyp="http://schemas.microsoft.com/office/drawing/2018/hyperlinkcolor" val="tx"/>
-                    </a:ext>
-                  </a:extLst>
-                </a:hlinkClick>
-              </a:rPr>
-              <a:t>[22] </a:t>
+              <a:t>Traditionally, </a:t>
+            </a:r>
+            <a:r>
+              <a:rPr lang="en-US" i="1" dirty="0" err="1"/>
+              <a:t>DistFlow</a:t>
+            </a:r>
+            <a:r>
+              <a:rPr lang="en-US" i="1" dirty="0"/>
+              <a:t> </a:t>
             </a:r>
             <a:r>
               <a:rPr lang="en-US" dirty="0"/>
-              <a:t>by the same authors, they have developed a three-phase convex SOCP relaxation of the multi-period OPF problem, and provided sufficient conditions which ensure the avoidance of simultaneous charging and discharging.</a:t>
+              <a:t>algorithms based on the Branch Flow Model (BFM), which are an exact non-linear formulation of the distribution power flow equations, only work on balanced single-phase equivalent networks.</a:t>
             </a:r>
           </a:p>
           <a:p>
@@ -9827,22 +9905,8 @@
             <a:pPr lvl="1"/>
             <a:r>
               <a:rPr lang="en-US" dirty="0"/>
-              <a:t>In this paper, they extend the work by developing a Multi-Period SOCP-NLP algorithm that provides a </a:t>
-            </a:r>
-            <a:r>
-              <a:rPr lang="en-US" i="1" dirty="0"/>
-              <a:t>near </a:t>
-            </a:r>
-            <a:r>
-              <a:rPr lang="en-US" dirty="0"/>
-              <a:t>optimal and guaranteed feasible solution.</a:t>
-            </a:r>
-          </a:p>
-          <a:p>
-            <a:pPr marL="182880" lvl="1" indent="0">
-              <a:buNone/>
-            </a:pPr>
-            <a:endParaRPr lang="en-US" dirty="0"/>
+              <a:t>But Distribution Networks are inherently unbalanced.</a:t>
+            </a:r>
           </a:p>
         </p:txBody>
       </p:sp>
@@ -9895,7 +9959,7 @@
     </p:spTree>
     <p:extLst>
       <p:ext uri="{BB962C8B-B14F-4D97-AF65-F5344CB8AC3E}">
-        <p14:creationId xmlns:p14="http://schemas.microsoft.com/office/powerpoint/2010/main" val="1097106583"/>
+        <p14:creationId xmlns:p14="http://schemas.microsoft.com/office/powerpoint/2010/main" val="1321834617"/>
       </p:ext>
     </p:extLst>
   </p:cSld>
@@ -9953,18 +10017,7 @@
             <a:pPr lvl="1"/>
             <a:r>
               <a:rPr lang="en-US" dirty="0"/>
-              <a:t>The optimized solutions from the relaxed SOCP model, are used to initialize a Non-Linear Program (NLP) of the actual AC Power Flow, to obtain a physically realizable solution.</a:t>
-            </a:r>
-          </a:p>
-          <a:p>
-            <a:pPr lvl="1"/>
-            <a:endParaRPr lang="en-US" dirty="0"/>
-          </a:p>
-          <a:p>
-            <a:pPr lvl="1"/>
-            <a:r>
-              <a:rPr lang="en-US" dirty="0"/>
-              <a:t>Real-Power Solutions that form the energy trajectory and are obtained from the SOCP, are fixed in the NLP, </a:t>
+              <a:t>In </a:t>
             </a:r>
             <a:r>
               <a:rPr lang="en-US" dirty="0">
@@ -9974,16 +10027,19 @@
                     <a:lumOff val="60000"/>
                   </a:schemeClr>
                 </a:solidFill>
+                <a:hlinkClick r:id="rId2" action="ppaction://hlinksldjump">
+                  <a:extLst>
+                    <a:ext uri="{A12FA001-AC4F-418D-AE19-62706E023703}">
+                      <ahyp:hlinkClr xmlns:ahyp="http://schemas.microsoft.com/office/drawing/2018/hyperlinkcolor" val="tx"/>
+                    </a:ext>
+                  </a:extLst>
+                </a:hlinkClick>
               </a:rPr>
-              <a:t>leading to a decoupling of the different time-steps</a:t>
+              <a:t>[22] </a:t>
             </a:r>
             <a:r>
               <a:rPr lang="en-US" dirty="0"/>
-              <a:t>. </a:t>
-            </a:r>
-            <a:r>
-              <a:rPr lang="en-US" b="1" i="1" dirty="0"/>
-              <a:t>(What? How?)</a:t>
+              <a:t>by the same authors, they have developed a three-phase convex SOCP relaxation of the multi-period OPF problem, and provided sufficient conditions which ensure the avoidance of simultaneous charging and discharging.</a:t>
             </a:r>
           </a:p>
           <a:p>
@@ -9993,38 +10049,16 @@
           <a:p>
             <a:pPr lvl="1"/>
             <a:r>
-              <a:rPr lang="en-US" dirty="0">
-                <a:solidFill>
-                  <a:schemeClr val="accent1">
-                    <a:lumMod val="40000"/>
-                    <a:lumOff val="60000"/>
-                  </a:schemeClr>
-                </a:solidFill>
-              </a:rPr>
-              <a:t>As a result, the NLP solves for each time-step separately (possibly in-parallel), leading to a scalable framework. </a:t>
-            </a:r>
-            <a:r>
-              <a:rPr lang="en-US" b="1" i="1" dirty="0"/>
-              <a:t>(What?)</a:t>
-            </a:r>
-          </a:p>
-          <a:p>
-            <a:pPr lvl="1"/>
-            <a:endParaRPr lang="en-US" b="1" i="1" dirty="0"/>
-          </a:p>
-          <a:p>
-            <a:pPr lvl="1"/>
-            <a:r>
               <a:rPr lang="en-US" dirty="0"/>
-              <a:t>Validation is performed using </a:t>
-            </a:r>
-            <a:r>
-              <a:rPr lang="en-US" dirty="0" err="1"/>
-              <a:t>GridLab</a:t>
+              <a:t>In this paper, they extend the work by developing a Multi-Period SOCP-NLP algorithm that provides a </a:t>
+            </a:r>
+            <a:r>
+              <a:rPr lang="en-US" i="1" dirty="0"/>
+              <a:t>near </a:t>
             </a:r>
             <a:r>
               <a:rPr lang="en-US" dirty="0"/>
-              <a:t>-D.</a:t>
+              <a:t>optimal and guaranteed feasible solution.</a:t>
             </a:r>
           </a:p>
           <a:p>
@@ -10084,6 +10118,195 @@
     </p:spTree>
     <p:extLst>
       <p:ext uri="{BB962C8B-B14F-4D97-AF65-F5344CB8AC3E}">
+        <p14:creationId xmlns:p14="http://schemas.microsoft.com/office/powerpoint/2010/main" val="1097106583"/>
+      </p:ext>
+    </p:extLst>
+  </p:cSld>
+  <p:clrMapOvr>
+    <a:masterClrMapping/>
+  </p:clrMapOvr>
+</p:sld>
+</file>
+
+<file path=ppt/slides/slide13.xml><?xml version="1.0" encoding="utf-8"?>
+<p:sld xmlns:a="http://schemas.openxmlformats.org/drawingml/2006/main" xmlns:r="http://schemas.openxmlformats.org/officeDocument/2006/relationships" xmlns:p="http://schemas.openxmlformats.org/presentationml/2006/main">
+  <p:cSld>
+    <p:spTree>
+      <p:nvGrpSpPr>
+        <p:cNvPr id="1" name=""/>
+        <p:cNvGrpSpPr/>
+        <p:nvPr/>
+      </p:nvGrpSpPr>
+      <p:grpSpPr>
+        <a:xfrm>
+          <a:off x="0" y="0"/>
+          <a:ext cx="0" cy="0"/>
+          <a:chOff x="0" y="0"/>
+          <a:chExt cx="0" cy="0"/>
+        </a:xfrm>
+      </p:grpSpPr>
+      <p:sp>
+        <p:nvSpPr>
+          <p:cNvPr id="3" name="Content Placeholder 2">
+            <a:extLst>
+              <a:ext uri="{FF2B5EF4-FFF2-40B4-BE49-F238E27FC236}">
+                <a16:creationId xmlns:a16="http://schemas.microsoft.com/office/drawing/2014/main" id="{64BE6767-30AA-41AB-8C0B-29F30741AF76}"/>
+              </a:ext>
+            </a:extLst>
+          </p:cNvPr>
+          <p:cNvSpPr>
+            <a:spLocks noGrp="1"/>
+          </p:cNvSpPr>
+          <p:nvPr>
+            <p:ph idx="1"/>
+          </p:nvPr>
+        </p:nvSpPr>
+        <p:spPr>
+          <a:xfrm>
+            <a:off x="1077686" y="2248664"/>
+            <a:ext cx="10063163" cy="4286531"/>
+          </a:xfrm>
+        </p:spPr>
+        <p:txBody>
+          <a:bodyPr>
+            <a:normAutofit/>
+          </a:bodyPr>
+          <a:lstStyle/>
+          <a:p>
+            <a:pPr lvl="1"/>
+            <a:r>
+              <a:rPr lang="en-US" dirty="0"/>
+              <a:t>The optimized solutions from the relaxed SOCP model, are used to initialize a Non-Linear Program (NLP) of the actual AC Power Flow, to obtain a physically realizable solution.</a:t>
+            </a:r>
+          </a:p>
+          <a:p>
+            <a:pPr lvl="1"/>
+            <a:endParaRPr lang="en-US" dirty="0"/>
+          </a:p>
+          <a:p>
+            <a:pPr lvl="1"/>
+            <a:r>
+              <a:rPr lang="en-US" dirty="0"/>
+              <a:t>Real-Power Solutions that form the energy trajectory and are obtained from the SOCP, are fixed in the NLP, </a:t>
+            </a:r>
+            <a:r>
+              <a:rPr lang="en-US" dirty="0">
+                <a:solidFill>
+                  <a:schemeClr val="accent1">
+                    <a:lumMod val="40000"/>
+                    <a:lumOff val="60000"/>
+                  </a:schemeClr>
+                </a:solidFill>
+              </a:rPr>
+              <a:t>leading to a decoupling of the different time-steps</a:t>
+            </a:r>
+            <a:r>
+              <a:rPr lang="en-US" dirty="0"/>
+              <a:t>. </a:t>
+            </a:r>
+            <a:r>
+              <a:rPr lang="en-US" b="1" i="1" dirty="0"/>
+              <a:t>(What? How?)</a:t>
+            </a:r>
+          </a:p>
+          <a:p>
+            <a:pPr lvl="1"/>
+            <a:endParaRPr lang="en-US" dirty="0"/>
+          </a:p>
+          <a:p>
+            <a:pPr lvl="1"/>
+            <a:r>
+              <a:rPr lang="en-US" dirty="0">
+                <a:solidFill>
+                  <a:schemeClr val="accent1">
+                    <a:lumMod val="40000"/>
+                    <a:lumOff val="60000"/>
+                  </a:schemeClr>
+                </a:solidFill>
+              </a:rPr>
+              <a:t>As a result, the NLP solves for each time-step separately (possibly in-parallel), leading to a scalable framework. </a:t>
+            </a:r>
+            <a:r>
+              <a:rPr lang="en-US" b="1" i="1" dirty="0"/>
+              <a:t>(What?)</a:t>
+            </a:r>
+          </a:p>
+          <a:p>
+            <a:pPr lvl="1"/>
+            <a:endParaRPr lang="en-US" b="1" i="1" dirty="0"/>
+          </a:p>
+          <a:p>
+            <a:pPr lvl="1"/>
+            <a:r>
+              <a:rPr lang="en-US" dirty="0"/>
+              <a:t>Validation is performed using </a:t>
+            </a:r>
+            <a:r>
+              <a:rPr lang="en-US" dirty="0" err="1"/>
+              <a:t>GridLab</a:t>
+            </a:r>
+            <a:r>
+              <a:rPr lang="en-US" dirty="0"/>
+              <a:t>-D.</a:t>
+            </a:r>
+          </a:p>
+          <a:p>
+            <a:pPr marL="182880" lvl="1" indent="0">
+              <a:buNone/>
+            </a:pPr>
+            <a:endParaRPr lang="en-US" dirty="0"/>
+          </a:p>
+        </p:txBody>
+      </p:sp>
+      <p:sp>
+        <p:nvSpPr>
+          <p:cNvPr id="2" name="Title 1">
+            <a:extLst>
+              <a:ext uri="{FF2B5EF4-FFF2-40B4-BE49-F238E27FC236}">
+                <a16:creationId xmlns:a16="http://schemas.microsoft.com/office/drawing/2014/main" id="{45DF1785-83CB-4F7A-820B-C600AC43B067}"/>
+              </a:ext>
+            </a:extLst>
+          </p:cNvPr>
+          <p:cNvSpPr>
+            <a:spLocks noGrp="1"/>
+          </p:cNvSpPr>
+          <p:nvPr>
+            <p:ph type="title"/>
+          </p:nvPr>
+        </p:nvSpPr>
+        <p:spPr>
+          <a:xfrm>
+            <a:off x="1064418" y="376654"/>
+            <a:ext cx="10063163" cy="1015584"/>
+          </a:xfrm>
+          <a:ln w="38100">
+            <a:solidFill>
+              <a:schemeClr val="bg2">
+                <a:lumMod val="40000"/>
+                <a:lumOff val="60000"/>
+              </a:schemeClr>
+            </a:solidFill>
+          </a:ln>
+        </p:spPr>
+        <p:txBody>
+          <a:bodyPr>
+            <a:normAutofit fontScale="90000"/>
+          </a:bodyPr>
+          <a:lstStyle/>
+          <a:p>
+            <a:r>
+              <a:rPr lang="en-US" b="0" dirty="0">
+                <a:latin typeface="Times New Roman" panose="02020603050405020304" pitchFamily="18" charset="0"/>
+                <a:cs typeface="Times New Roman" panose="02020603050405020304" pitchFamily="18" charset="0"/>
+              </a:rPr>
+              <a:t>Optimal Multi-Period Dispatch of Distributed Energy Resources in Unbalanced Distribution Feeders</a:t>
+            </a:r>
+          </a:p>
+        </p:txBody>
+      </p:sp>
+    </p:spTree>
+    <p:extLst>
+      <p:ext uri="{BB962C8B-B14F-4D97-AF65-F5344CB8AC3E}">
         <p14:creationId xmlns:p14="http://schemas.microsoft.com/office/powerpoint/2010/main" val="4063236158"/>
       </p:ext>
     </p:extLst>
@@ -10094,7 +10317,7 @@
 </p:sld>
 </file>
 
-<file path=ppt/slides/slide13.xml><?xml version="1.0" encoding="utf-8"?>
+<file path=ppt/slides/slide14.xml><?xml version="1.0" encoding="utf-8"?>
 <p:sld xmlns:a="http://schemas.openxmlformats.org/drawingml/2006/main" xmlns:r="http://schemas.openxmlformats.org/officeDocument/2006/relationships" xmlns:p="http://schemas.openxmlformats.org/presentationml/2006/main">
   <p:cSld>
     <p:spTree>
@@ -10798,7 +11021,7 @@
 </p:sld>
 </file>
 
-<file path=ppt/slides/slide14.xml><?xml version="1.0" encoding="utf-8"?>
+<file path=ppt/slides/slide15.xml><?xml version="1.0" encoding="utf-8"?>
 <p:sld xmlns:a="http://schemas.openxmlformats.org/drawingml/2006/main" xmlns:r="http://schemas.openxmlformats.org/officeDocument/2006/relationships" xmlns:p="http://schemas.openxmlformats.org/presentationml/2006/main">
   <p:cSld>
     <p:spTree>
@@ -10949,7 +11172,7 @@
 </p:sld>
 </file>
 
-<file path=ppt/slides/slide15.xml><?xml version="1.0" encoding="utf-8"?>
+<file path=ppt/slides/slide16.xml><?xml version="1.0" encoding="utf-8"?>
 <p:sld xmlns:a="http://schemas.openxmlformats.org/drawingml/2006/main" xmlns:r="http://schemas.openxmlformats.org/officeDocument/2006/relationships" xmlns:p="http://schemas.openxmlformats.org/presentationml/2006/main">
   <p:cSld>
     <p:spTree>
@@ -11255,7 +11478,7 @@
 </p:sld>
 </file>
 
-<file path=ppt/slides/slide16.xml><?xml version="1.0" encoding="utf-8"?>
+<file path=ppt/slides/slide17.xml><?xml version="1.0" encoding="utf-8"?>
 <p:sld xmlns:a="http://schemas.openxmlformats.org/drawingml/2006/main" xmlns:r="http://schemas.openxmlformats.org/officeDocument/2006/relationships" xmlns:p="http://schemas.openxmlformats.org/presentationml/2006/main">
   <p:cSld>
     <p:spTree>
@@ -11616,7 +11839,7 @@
 </p:sld>
 </file>
 
-<file path=ppt/slides/slide17.xml><?xml version="1.0" encoding="utf-8"?>
+<file path=ppt/slides/slide18.xml><?xml version="1.0" encoding="utf-8"?>
 <p:sld xmlns:a="http://schemas.openxmlformats.org/drawingml/2006/main" xmlns:r="http://schemas.openxmlformats.org/officeDocument/2006/relationships" xmlns:p="http://schemas.openxmlformats.org/presentationml/2006/main">
   <p:cSld>
     <p:spTree>
@@ -11958,7 +12181,7 @@
 </p:sld>
 </file>
 
-<file path=ppt/slides/slide18.xml><?xml version="1.0" encoding="utf-8"?>
+<file path=ppt/slides/slide19.xml><?xml version="1.0" encoding="utf-8"?>
 <p:sld xmlns:a="http://schemas.openxmlformats.org/drawingml/2006/main" xmlns:r="http://schemas.openxmlformats.org/officeDocument/2006/relationships" xmlns:p="http://schemas.openxmlformats.org/presentationml/2006/main">
   <p:cSld>
     <p:spTree>
@@ -12286,7 +12509,394 @@
 </p:sld>
 </file>
 
-<file path=ppt/slides/slide19.xml><?xml version="1.0" encoding="utf-8"?>
+<file path=ppt/slides/slide2.xml><?xml version="1.0" encoding="utf-8"?>
+<p:sld xmlns:a="http://schemas.openxmlformats.org/drawingml/2006/main" xmlns:r="http://schemas.openxmlformats.org/officeDocument/2006/relationships" xmlns:p="http://schemas.openxmlformats.org/presentationml/2006/main">
+  <p:cSld>
+    <p:spTree>
+      <p:nvGrpSpPr>
+        <p:cNvPr id="1" name=""/>
+        <p:cNvGrpSpPr/>
+        <p:nvPr/>
+      </p:nvGrpSpPr>
+      <p:grpSpPr>
+        <a:xfrm>
+          <a:off x="0" y="0"/>
+          <a:ext cx="0" cy="0"/>
+          <a:chOff x="0" y="0"/>
+          <a:chExt cx="0" cy="0"/>
+        </a:xfrm>
+      </p:grpSpPr>
+      <p:sp>
+        <p:nvSpPr>
+          <p:cNvPr id="2" name="Title 1">
+            <a:extLst>
+              <a:ext uri="{FF2B5EF4-FFF2-40B4-BE49-F238E27FC236}">
+                <a16:creationId xmlns:a16="http://schemas.microsoft.com/office/drawing/2014/main" id="{45DF1785-83CB-4F7A-820B-C600AC43B067}"/>
+              </a:ext>
+            </a:extLst>
+          </p:cNvPr>
+          <p:cNvSpPr>
+            <a:spLocks noGrp="1"/>
+          </p:cNvSpPr>
+          <p:nvPr>
+            <p:ph type="title"/>
+          </p:nvPr>
+        </p:nvSpPr>
+        <p:spPr>
+          <a:xfrm>
+            <a:off x="1064418" y="2628900"/>
+            <a:ext cx="10063163" cy="1198500"/>
+          </a:xfrm>
+          <a:ln w="38100">
+            <a:solidFill>
+              <a:schemeClr val="accent3"/>
+            </a:solidFill>
+          </a:ln>
+        </p:spPr>
+        <p:txBody>
+          <a:bodyPr>
+            <a:noAutofit/>
+          </a:bodyPr>
+          <a:lstStyle/>
+          <a:p>
+            <a:pPr algn="ctr"/>
+            <a:r>
+              <a:rPr lang="en-US" sz="2800" b="0" dirty="0">
+                <a:latin typeface="Times New Roman" panose="02020603050405020304" pitchFamily="18" charset="0"/>
+                <a:cs typeface="Times New Roman" panose="02020603050405020304" pitchFamily="18" charset="0"/>
+              </a:rPr>
+              <a:t>Receding-Horizon Optimization of Unbalanced Distribution Systems with Time-Scale Separation for Discrete and Continuous Control Devices</a:t>
+            </a:r>
+          </a:p>
+        </p:txBody>
+      </p:sp>
+      <p:sp>
+        <p:nvSpPr>
+          <p:cNvPr id="5" name="TextBox 4">
+            <a:extLst>
+              <a:ext uri="{FF2B5EF4-FFF2-40B4-BE49-F238E27FC236}">
+                <a16:creationId xmlns:a16="http://schemas.microsoft.com/office/drawing/2014/main" id="{CF0FD868-0A00-0958-9612-D576320029A2}"/>
+              </a:ext>
+            </a:extLst>
+          </p:cNvPr>
+          <p:cNvSpPr txBox="1"/>
+          <p:nvPr/>
+        </p:nvSpPr>
+        <p:spPr>
+          <a:xfrm>
+            <a:off x="1064418" y="3827400"/>
+            <a:ext cx="10063163" cy="369332"/>
+          </a:xfrm>
+          <a:prstGeom prst="rect">
+            <a:avLst/>
+          </a:prstGeom>
+          <a:noFill/>
+          <a:ln w="38100">
+            <a:solidFill>
+              <a:schemeClr val="accent3"/>
+            </a:solidFill>
+          </a:ln>
+        </p:spPr>
+        <p:txBody>
+          <a:bodyPr wrap="square" rtlCol="0">
+            <a:spAutoFit/>
+          </a:bodyPr>
+          <a:lstStyle/>
+          <a:p>
+            <a:pPr algn="ctr"/>
+            <a:r>
+              <a:rPr lang="en-IN" dirty="0">
+                <a:solidFill>
+                  <a:schemeClr val="bg1"/>
+                </a:solidFill>
+                <a:latin typeface="Times New Roman" panose="02020603050405020304" pitchFamily="18" charset="0"/>
+                <a:cs typeface="Times New Roman" panose="02020603050405020304" pitchFamily="18" charset="0"/>
+              </a:rPr>
+              <a:t>Nawaf Nazir and Mads </a:t>
+            </a:r>
+            <a:r>
+              <a:rPr lang="en-IN" dirty="0" err="1">
+                <a:solidFill>
+                  <a:schemeClr val="bg1"/>
+                </a:solidFill>
+                <a:latin typeface="Times New Roman" panose="02020603050405020304" pitchFamily="18" charset="0"/>
+                <a:cs typeface="Times New Roman" panose="02020603050405020304" pitchFamily="18" charset="0"/>
+              </a:rPr>
+              <a:t>Almassalkhi</a:t>
+            </a:r>
+            <a:r>
+              <a:rPr lang="en-IN" dirty="0">
+                <a:solidFill>
+                  <a:schemeClr val="bg1"/>
+                </a:solidFill>
+              </a:rPr>
+              <a:t> </a:t>
+            </a:r>
+          </a:p>
+        </p:txBody>
+      </p:sp>
+      <p:sp>
+        <p:nvSpPr>
+          <p:cNvPr id="6" name="TextBox 5">
+            <a:extLst>
+              <a:ext uri="{FF2B5EF4-FFF2-40B4-BE49-F238E27FC236}">
+                <a16:creationId xmlns:a16="http://schemas.microsoft.com/office/drawing/2014/main" id="{FB333CAB-5ADD-D86F-AF45-EAB2EED3D45B}"/>
+              </a:ext>
+            </a:extLst>
+          </p:cNvPr>
+          <p:cNvSpPr txBox="1"/>
+          <p:nvPr/>
+        </p:nvSpPr>
+        <p:spPr>
+          <a:xfrm>
+            <a:off x="1064418" y="1851097"/>
+            <a:ext cx="10063163" cy="369332"/>
+          </a:xfrm>
+          <a:prstGeom prst="rect">
+            <a:avLst/>
+          </a:prstGeom>
+          <a:noFill/>
+          <a:ln w="38100">
+            <a:solidFill>
+              <a:schemeClr val="accent3"/>
+            </a:solidFill>
+          </a:ln>
+        </p:spPr>
+        <p:txBody>
+          <a:bodyPr wrap="square" rtlCol="0">
+            <a:spAutoFit/>
+          </a:bodyPr>
+          <a:lstStyle/>
+          <a:p>
+            <a:r>
+              <a:rPr lang="en-IN" dirty="0">
+                <a:solidFill>
+                  <a:schemeClr val="bg1"/>
+                </a:solidFill>
+                <a:latin typeface="Times New Roman" panose="02020603050405020304" pitchFamily="18" charset="0"/>
+                <a:cs typeface="Times New Roman" panose="02020603050405020304" pitchFamily="18" charset="0"/>
+              </a:rPr>
+              <a:t>Power System Computation Conference (2018)</a:t>
+            </a:r>
+            <a:endParaRPr lang="en-IN" dirty="0">
+              <a:solidFill>
+                <a:schemeClr val="bg1"/>
+              </a:solidFill>
+            </a:endParaRPr>
+          </a:p>
+        </p:txBody>
+      </p:sp>
+      <p:sp>
+        <p:nvSpPr>
+          <p:cNvPr id="3" name="TextBox 2">
+            <a:extLst>
+              <a:ext uri="{FF2B5EF4-FFF2-40B4-BE49-F238E27FC236}">
+                <a16:creationId xmlns:a16="http://schemas.microsoft.com/office/drawing/2014/main" id="{54CE4A4E-4F0A-4A57-07B2-2D7E8CBED98A}"/>
+              </a:ext>
+            </a:extLst>
+          </p:cNvPr>
+          <p:cNvSpPr txBox="1"/>
+          <p:nvPr/>
+        </p:nvSpPr>
+        <p:spPr>
+          <a:xfrm>
+            <a:off x="1885950" y="5212316"/>
+            <a:ext cx="2371725" cy="1200329"/>
+          </a:xfrm>
+          <a:prstGeom prst="rect">
+            <a:avLst/>
+          </a:prstGeom>
+          <a:noFill/>
+          <a:ln>
+            <a:solidFill>
+              <a:schemeClr val="bg2">
+                <a:lumMod val="20000"/>
+                <a:lumOff val="80000"/>
+              </a:schemeClr>
+            </a:solidFill>
+          </a:ln>
+        </p:spPr>
+        <p:txBody>
+          <a:bodyPr wrap="square" rtlCol="0">
+            <a:spAutoFit/>
+          </a:bodyPr>
+          <a:lstStyle/>
+          <a:p>
+            <a:r>
+              <a:rPr lang="en-US" dirty="0">
+                <a:solidFill>
+                  <a:schemeClr val="bg1"/>
+                </a:solidFill>
+              </a:rPr>
+              <a:t>Currently at PNNL</a:t>
+            </a:r>
+            <a:br>
+              <a:rPr lang="en-US" dirty="0">
+                <a:solidFill>
+                  <a:schemeClr val="bg1"/>
+                </a:solidFill>
+              </a:rPr>
+            </a:br>
+            <a:r>
+              <a:rPr lang="en-US" dirty="0">
+                <a:solidFill>
+                  <a:schemeClr val="bg1"/>
+                </a:solidFill>
+              </a:rPr>
+              <a:t>Then: PhD at University of Vermont (UVM)</a:t>
+            </a:r>
+          </a:p>
+        </p:txBody>
+      </p:sp>
+      <p:sp>
+        <p:nvSpPr>
+          <p:cNvPr id="7" name="TextBox 6">
+            <a:extLst>
+              <a:ext uri="{FF2B5EF4-FFF2-40B4-BE49-F238E27FC236}">
+                <a16:creationId xmlns:a16="http://schemas.microsoft.com/office/drawing/2014/main" id="{A2DED524-45D5-DC85-C0DA-028FBD970E1F}"/>
+              </a:ext>
+            </a:extLst>
+          </p:cNvPr>
+          <p:cNvSpPr txBox="1"/>
+          <p:nvPr/>
+        </p:nvSpPr>
+        <p:spPr>
+          <a:xfrm>
+            <a:off x="8210550" y="5193265"/>
+            <a:ext cx="2371725" cy="646331"/>
+          </a:xfrm>
+          <a:prstGeom prst="rect">
+            <a:avLst/>
+          </a:prstGeom>
+          <a:noFill/>
+          <a:ln>
+            <a:solidFill>
+              <a:schemeClr val="bg2">
+                <a:lumMod val="20000"/>
+                <a:lumOff val="80000"/>
+              </a:schemeClr>
+            </a:solidFill>
+          </a:ln>
+        </p:spPr>
+        <p:txBody>
+          <a:bodyPr wrap="square" rtlCol="0">
+            <a:spAutoFit/>
+          </a:bodyPr>
+          <a:lstStyle/>
+          <a:p>
+            <a:r>
+              <a:rPr lang="en-US" dirty="0">
+                <a:solidFill>
+                  <a:schemeClr val="bg1"/>
+                </a:solidFill>
+              </a:rPr>
+              <a:t>Currently Assoc. Prof. at UVM</a:t>
+            </a:r>
+          </a:p>
+        </p:txBody>
+      </p:sp>
+      <p:cxnSp>
+        <p:nvCxnSpPr>
+          <p:cNvPr id="9" name="Straight Arrow Connector 8">
+            <a:extLst>
+              <a:ext uri="{FF2B5EF4-FFF2-40B4-BE49-F238E27FC236}">
+                <a16:creationId xmlns:a16="http://schemas.microsoft.com/office/drawing/2014/main" id="{09E2C2EA-CA0F-7418-6264-E0C918F10F77}"/>
+              </a:ext>
+            </a:extLst>
+          </p:cNvPr>
+          <p:cNvCxnSpPr/>
+          <p:nvPr/>
+        </p:nvCxnSpPr>
+        <p:spPr>
+          <a:xfrm flipH="1">
+            <a:off x="2743200" y="4105275"/>
+            <a:ext cx="1304925" cy="1107041"/>
+          </a:xfrm>
+          <a:prstGeom prst="straightConnector1">
+            <a:avLst/>
+          </a:prstGeom>
+          <a:ln w="3175">
+            <a:solidFill>
+              <a:schemeClr val="bg1">
+                <a:lumMod val="75000"/>
+              </a:schemeClr>
+            </a:solidFill>
+            <a:tailEnd type="triangle"/>
+          </a:ln>
+        </p:spPr>
+        <p:style>
+          <a:lnRef idx="1">
+            <a:schemeClr val="accent1"/>
+          </a:lnRef>
+          <a:fillRef idx="0">
+            <a:schemeClr val="accent1"/>
+          </a:fillRef>
+          <a:effectRef idx="0">
+            <a:schemeClr val="accent1"/>
+          </a:effectRef>
+          <a:fontRef idx="minor">
+            <a:schemeClr val="tx1"/>
+          </a:fontRef>
+        </p:style>
+      </p:cxnSp>
+      <p:cxnSp>
+        <p:nvCxnSpPr>
+          <p:cNvPr id="13" name="Straight Arrow Connector 12">
+            <a:extLst>
+              <a:ext uri="{FF2B5EF4-FFF2-40B4-BE49-F238E27FC236}">
+                <a16:creationId xmlns:a16="http://schemas.microsoft.com/office/drawing/2014/main" id="{DE6DC399-63BA-2B63-5D63-22924541F2D2}"/>
+              </a:ext>
+            </a:extLst>
+          </p:cNvPr>
+          <p:cNvCxnSpPr/>
+          <p:nvPr/>
+        </p:nvCxnSpPr>
+        <p:spPr>
+          <a:xfrm>
+            <a:off x="7696200" y="4105275"/>
+            <a:ext cx="1238250" cy="1087990"/>
+          </a:xfrm>
+          <a:prstGeom prst="straightConnector1">
+            <a:avLst/>
+          </a:prstGeom>
+          <a:ln w="3175">
+            <a:solidFill>
+              <a:schemeClr val="bg1">
+                <a:lumMod val="75000"/>
+              </a:schemeClr>
+            </a:solidFill>
+            <a:tailEnd type="triangle"/>
+          </a:ln>
+        </p:spPr>
+        <p:style>
+          <a:lnRef idx="1">
+            <a:schemeClr val="accent1"/>
+          </a:lnRef>
+          <a:fillRef idx="0">
+            <a:schemeClr val="accent1"/>
+          </a:fillRef>
+          <a:effectRef idx="0">
+            <a:schemeClr val="accent1"/>
+          </a:effectRef>
+          <a:fontRef idx="minor">
+            <a:schemeClr val="tx1"/>
+          </a:fontRef>
+        </p:style>
+      </p:cxnSp>
+    </p:spTree>
+    <p:extLst>
+      <p:ext uri="{BB962C8B-B14F-4D97-AF65-F5344CB8AC3E}">
+        <p14:creationId xmlns:p14="http://schemas.microsoft.com/office/powerpoint/2010/main" val="1593768973"/>
+      </p:ext>
+    </p:extLst>
+  </p:cSld>
+  <p:clrMapOvr>
+    <a:masterClrMapping/>
+  </p:clrMapOvr>
+</p:sld>
+</file>
+
+<file path=ppt/slides/slide20.xml><?xml version="1.0" encoding="utf-8"?>
 <p:sld xmlns:a="http://schemas.openxmlformats.org/drawingml/2006/main" xmlns:r="http://schemas.openxmlformats.org/officeDocument/2006/relationships" xmlns:p="http://schemas.openxmlformats.org/presentationml/2006/main">
   <p:cSld>
     <p:spTree>
@@ -12681,394 +13291,7 @@
 </p:sld>
 </file>
 
-<file path=ppt/slides/slide2.xml><?xml version="1.0" encoding="utf-8"?>
-<p:sld xmlns:a="http://schemas.openxmlformats.org/drawingml/2006/main" xmlns:r="http://schemas.openxmlformats.org/officeDocument/2006/relationships" xmlns:p="http://schemas.openxmlformats.org/presentationml/2006/main">
-  <p:cSld>
-    <p:spTree>
-      <p:nvGrpSpPr>
-        <p:cNvPr id="1" name=""/>
-        <p:cNvGrpSpPr/>
-        <p:nvPr/>
-      </p:nvGrpSpPr>
-      <p:grpSpPr>
-        <a:xfrm>
-          <a:off x="0" y="0"/>
-          <a:ext cx="0" cy="0"/>
-          <a:chOff x="0" y="0"/>
-          <a:chExt cx="0" cy="0"/>
-        </a:xfrm>
-      </p:grpSpPr>
-      <p:sp>
-        <p:nvSpPr>
-          <p:cNvPr id="2" name="Title 1">
-            <a:extLst>
-              <a:ext uri="{FF2B5EF4-FFF2-40B4-BE49-F238E27FC236}">
-                <a16:creationId xmlns:a16="http://schemas.microsoft.com/office/drawing/2014/main" id="{45DF1785-83CB-4F7A-820B-C600AC43B067}"/>
-              </a:ext>
-            </a:extLst>
-          </p:cNvPr>
-          <p:cNvSpPr>
-            <a:spLocks noGrp="1"/>
-          </p:cNvSpPr>
-          <p:nvPr>
-            <p:ph type="title"/>
-          </p:nvPr>
-        </p:nvSpPr>
-        <p:spPr>
-          <a:xfrm>
-            <a:off x="1064418" y="2628900"/>
-            <a:ext cx="10063163" cy="1198500"/>
-          </a:xfrm>
-          <a:ln w="38100">
-            <a:solidFill>
-              <a:schemeClr val="accent3"/>
-            </a:solidFill>
-          </a:ln>
-        </p:spPr>
-        <p:txBody>
-          <a:bodyPr>
-            <a:noAutofit/>
-          </a:bodyPr>
-          <a:lstStyle/>
-          <a:p>
-            <a:pPr algn="ctr"/>
-            <a:r>
-              <a:rPr lang="en-US" sz="2800" b="0" dirty="0">
-                <a:latin typeface="Times New Roman" panose="02020603050405020304" pitchFamily="18" charset="0"/>
-                <a:cs typeface="Times New Roman" panose="02020603050405020304" pitchFamily="18" charset="0"/>
-              </a:rPr>
-              <a:t>Receding-Horizon Optimization of Unbalanced Distribution Systems with Time-Scale Separation for Discrete and Continuous Control Devices</a:t>
-            </a:r>
-          </a:p>
-        </p:txBody>
-      </p:sp>
-      <p:sp>
-        <p:nvSpPr>
-          <p:cNvPr id="5" name="TextBox 4">
-            <a:extLst>
-              <a:ext uri="{FF2B5EF4-FFF2-40B4-BE49-F238E27FC236}">
-                <a16:creationId xmlns:a16="http://schemas.microsoft.com/office/drawing/2014/main" id="{CF0FD868-0A00-0958-9612-D576320029A2}"/>
-              </a:ext>
-            </a:extLst>
-          </p:cNvPr>
-          <p:cNvSpPr txBox="1"/>
-          <p:nvPr/>
-        </p:nvSpPr>
-        <p:spPr>
-          <a:xfrm>
-            <a:off x="1064418" y="3827400"/>
-            <a:ext cx="10063163" cy="369332"/>
-          </a:xfrm>
-          <a:prstGeom prst="rect">
-            <a:avLst/>
-          </a:prstGeom>
-          <a:noFill/>
-          <a:ln w="38100">
-            <a:solidFill>
-              <a:schemeClr val="accent3"/>
-            </a:solidFill>
-          </a:ln>
-        </p:spPr>
-        <p:txBody>
-          <a:bodyPr wrap="square" rtlCol="0">
-            <a:spAutoFit/>
-          </a:bodyPr>
-          <a:lstStyle/>
-          <a:p>
-            <a:pPr algn="ctr"/>
-            <a:r>
-              <a:rPr lang="en-IN" dirty="0">
-                <a:solidFill>
-                  <a:schemeClr val="bg1"/>
-                </a:solidFill>
-                <a:latin typeface="Times New Roman" panose="02020603050405020304" pitchFamily="18" charset="0"/>
-                <a:cs typeface="Times New Roman" panose="02020603050405020304" pitchFamily="18" charset="0"/>
-              </a:rPr>
-              <a:t>Nawaf Nazir and Mads </a:t>
-            </a:r>
-            <a:r>
-              <a:rPr lang="en-IN" dirty="0" err="1">
-                <a:solidFill>
-                  <a:schemeClr val="bg1"/>
-                </a:solidFill>
-                <a:latin typeface="Times New Roman" panose="02020603050405020304" pitchFamily="18" charset="0"/>
-                <a:cs typeface="Times New Roman" panose="02020603050405020304" pitchFamily="18" charset="0"/>
-              </a:rPr>
-              <a:t>Almassalkhi</a:t>
-            </a:r>
-            <a:r>
-              <a:rPr lang="en-IN" dirty="0">
-                <a:solidFill>
-                  <a:schemeClr val="bg1"/>
-                </a:solidFill>
-              </a:rPr>
-              <a:t> </a:t>
-            </a:r>
-          </a:p>
-        </p:txBody>
-      </p:sp>
-      <p:sp>
-        <p:nvSpPr>
-          <p:cNvPr id="6" name="TextBox 5">
-            <a:extLst>
-              <a:ext uri="{FF2B5EF4-FFF2-40B4-BE49-F238E27FC236}">
-                <a16:creationId xmlns:a16="http://schemas.microsoft.com/office/drawing/2014/main" id="{FB333CAB-5ADD-D86F-AF45-EAB2EED3D45B}"/>
-              </a:ext>
-            </a:extLst>
-          </p:cNvPr>
-          <p:cNvSpPr txBox="1"/>
-          <p:nvPr/>
-        </p:nvSpPr>
-        <p:spPr>
-          <a:xfrm>
-            <a:off x="1064418" y="1851097"/>
-            <a:ext cx="10063163" cy="369332"/>
-          </a:xfrm>
-          <a:prstGeom prst="rect">
-            <a:avLst/>
-          </a:prstGeom>
-          <a:noFill/>
-          <a:ln w="38100">
-            <a:solidFill>
-              <a:schemeClr val="accent3"/>
-            </a:solidFill>
-          </a:ln>
-        </p:spPr>
-        <p:txBody>
-          <a:bodyPr wrap="square" rtlCol="0">
-            <a:spAutoFit/>
-          </a:bodyPr>
-          <a:lstStyle/>
-          <a:p>
-            <a:r>
-              <a:rPr lang="en-IN" dirty="0">
-                <a:solidFill>
-                  <a:schemeClr val="bg1"/>
-                </a:solidFill>
-                <a:latin typeface="Times New Roman" panose="02020603050405020304" pitchFamily="18" charset="0"/>
-                <a:cs typeface="Times New Roman" panose="02020603050405020304" pitchFamily="18" charset="0"/>
-              </a:rPr>
-              <a:t>Power System Computation Conference (2018)</a:t>
-            </a:r>
-            <a:endParaRPr lang="en-IN" dirty="0">
-              <a:solidFill>
-                <a:schemeClr val="bg1"/>
-              </a:solidFill>
-            </a:endParaRPr>
-          </a:p>
-        </p:txBody>
-      </p:sp>
-      <p:sp>
-        <p:nvSpPr>
-          <p:cNvPr id="3" name="TextBox 2">
-            <a:extLst>
-              <a:ext uri="{FF2B5EF4-FFF2-40B4-BE49-F238E27FC236}">
-                <a16:creationId xmlns:a16="http://schemas.microsoft.com/office/drawing/2014/main" id="{54CE4A4E-4F0A-4A57-07B2-2D7E8CBED98A}"/>
-              </a:ext>
-            </a:extLst>
-          </p:cNvPr>
-          <p:cNvSpPr txBox="1"/>
-          <p:nvPr/>
-        </p:nvSpPr>
-        <p:spPr>
-          <a:xfrm>
-            <a:off x="1885950" y="5212316"/>
-            <a:ext cx="2371725" cy="1200329"/>
-          </a:xfrm>
-          <a:prstGeom prst="rect">
-            <a:avLst/>
-          </a:prstGeom>
-          <a:noFill/>
-          <a:ln>
-            <a:solidFill>
-              <a:schemeClr val="bg2">
-                <a:lumMod val="20000"/>
-                <a:lumOff val="80000"/>
-              </a:schemeClr>
-            </a:solidFill>
-          </a:ln>
-        </p:spPr>
-        <p:txBody>
-          <a:bodyPr wrap="square" rtlCol="0">
-            <a:spAutoFit/>
-          </a:bodyPr>
-          <a:lstStyle/>
-          <a:p>
-            <a:r>
-              <a:rPr lang="en-US" dirty="0">
-                <a:solidFill>
-                  <a:schemeClr val="bg1"/>
-                </a:solidFill>
-              </a:rPr>
-              <a:t>Currently at PNNL</a:t>
-            </a:r>
-            <a:br>
-              <a:rPr lang="en-US" dirty="0">
-                <a:solidFill>
-                  <a:schemeClr val="bg1"/>
-                </a:solidFill>
-              </a:rPr>
-            </a:br>
-            <a:r>
-              <a:rPr lang="en-US" dirty="0">
-                <a:solidFill>
-                  <a:schemeClr val="bg1"/>
-                </a:solidFill>
-              </a:rPr>
-              <a:t>Then: PhD at University of Vermont (UVM)</a:t>
-            </a:r>
-          </a:p>
-        </p:txBody>
-      </p:sp>
-      <p:sp>
-        <p:nvSpPr>
-          <p:cNvPr id="7" name="TextBox 6">
-            <a:extLst>
-              <a:ext uri="{FF2B5EF4-FFF2-40B4-BE49-F238E27FC236}">
-                <a16:creationId xmlns:a16="http://schemas.microsoft.com/office/drawing/2014/main" id="{A2DED524-45D5-DC85-C0DA-028FBD970E1F}"/>
-              </a:ext>
-            </a:extLst>
-          </p:cNvPr>
-          <p:cNvSpPr txBox="1"/>
-          <p:nvPr/>
-        </p:nvSpPr>
-        <p:spPr>
-          <a:xfrm>
-            <a:off x="8210550" y="5193265"/>
-            <a:ext cx="2371725" cy="646331"/>
-          </a:xfrm>
-          <a:prstGeom prst="rect">
-            <a:avLst/>
-          </a:prstGeom>
-          <a:noFill/>
-          <a:ln>
-            <a:solidFill>
-              <a:schemeClr val="bg2">
-                <a:lumMod val="20000"/>
-                <a:lumOff val="80000"/>
-              </a:schemeClr>
-            </a:solidFill>
-          </a:ln>
-        </p:spPr>
-        <p:txBody>
-          <a:bodyPr wrap="square" rtlCol="0">
-            <a:spAutoFit/>
-          </a:bodyPr>
-          <a:lstStyle/>
-          <a:p>
-            <a:r>
-              <a:rPr lang="en-US" dirty="0">
-                <a:solidFill>
-                  <a:schemeClr val="bg1"/>
-                </a:solidFill>
-              </a:rPr>
-              <a:t>Currently Assoc. Prof. at UVM</a:t>
-            </a:r>
-          </a:p>
-        </p:txBody>
-      </p:sp>
-      <p:cxnSp>
-        <p:nvCxnSpPr>
-          <p:cNvPr id="9" name="Straight Arrow Connector 8">
-            <a:extLst>
-              <a:ext uri="{FF2B5EF4-FFF2-40B4-BE49-F238E27FC236}">
-                <a16:creationId xmlns:a16="http://schemas.microsoft.com/office/drawing/2014/main" id="{09E2C2EA-CA0F-7418-6264-E0C918F10F77}"/>
-              </a:ext>
-            </a:extLst>
-          </p:cNvPr>
-          <p:cNvCxnSpPr/>
-          <p:nvPr/>
-        </p:nvCxnSpPr>
-        <p:spPr>
-          <a:xfrm flipH="1">
-            <a:off x="2743200" y="4105275"/>
-            <a:ext cx="1304925" cy="1107041"/>
-          </a:xfrm>
-          <a:prstGeom prst="straightConnector1">
-            <a:avLst/>
-          </a:prstGeom>
-          <a:ln w="3175">
-            <a:solidFill>
-              <a:schemeClr val="bg1">
-                <a:lumMod val="75000"/>
-              </a:schemeClr>
-            </a:solidFill>
-            <a:tailEnd type="triangle"/>
-          </a:ln>
-        </p:spPr>
-        <p:style>
-          <a:lnRef idx="1">
-            <a:schemeClr val="accent1"/>
-          </a:lnRef>
-          <a:fillRef idx="0">
-            <a:schemeClr val="accent1"/>
-          </a:fillRef>
-          <a:effectRef idx="0">
-            <a:schemeClr val="accent1"/>
-          </a:effectRef>
-          <a:fontRef idx="minor">
-            <a:schemeClr val="tx1"/>
-          </a:fontRef>
-        </p:style>
-      </p:cxnSp>
-      <p:cxnSp>
-        <p:nvCxnSpPr>
-          <p:cNvPr id="13" name="Straight Arrow Connector 12">
-            <a:extLst>
-              <a:ext uri="{FF2B5EF4-FFF2-40B4-BE49-F238E27FC236}">
-                <a16:creationId xmlns:a16="http://schemas.microsoft.com/office/drawing/2014/main" id="{DE6DC399-63BA-2B63-5D63-22924541F2D2}"/>
-              </a:ext>
-            </a:extLst>
-          </p:cNvPr>
-          <p:cNvCxnSpPr/>
-          <p:nvPr/>
-        </p:nvCxnSpPr>
-        <p:spPr>
-          <a:xfrm>
-            <a:off x="7696200" y="4105275"/>
-            <a:ext cx="1238250" cy="1087990"/>
-          </a:xfrm>
-          <a:prstGeom prst="straightConnector1">
-            <a:avLst/>
-          </a:prstGeom>
-          <a:ln w="3175">
-            <a:solidFill>
-              <a:schemeClr val="bg1">
-                <a:lumMod val="75000"/>
-              </a:schemeClr>
-            </a:solidFill>
-            <a:tailEnd type="triangle"/>
-          </a:ln>
-        </p:spPr>
-        <p:style>
-          <a:lnRef idx="1">
-            <a:schemeClr val="accent1"/>
-          </a:lnRef>
-          <a:fillRef idx="0">
-            <a:schemeClr val="accent1"/>
-          </a:fillRef>
-          <a:effectRef idx="0">
-            <a:schemeClr val="accent1"/>
-          </a:effectRef>
-          <a:fontRef idx="minor">
-            <a:schemeClr val="tx1"/>
-          </a:fontRef>
-        </p:style>
-      </p:cxnSp>
-    </p:spTree>
-    <p:extLst>
-      <p:ext uri="{BB962C8B-B14F-4D97-AF65-F5344CB8AC3E}">
-        <p14:creationId xmlns:p14="http://schemas.microsoft.com/office/powerpoint/2010/main" val="1593768973"/>
-      </p:ext>
-    </p:extLst>
-  </p:cSld>
-  <p:clrMapOvr>
-    <a:masterClrMapping/>
-  </p:clrMapOvr>
-</p:sld>
-</file>
-
-<file path=ppt/slides/slide20.xml><?xml version="1.0" encoding="utf-8"?>
+<file path=ppt/slides/slide21.xml><?xml version="1.0" encoding="utf-8"?>
 <p:sld xmlns:a="http://schemas.openxmlformats.org/drawingml/2006/main" xmlns:r="http://schemas.openxmlformats.org/officeDocument/2006/relationships" xmlns:p="http://schemas.openxmlformats.org/presentationml/2006/main">
   <p:cSld>
     <p:spTree>
@@ -13469,7 +13692,7 @@
 </p:sld>
 </file>
 
-<file path=ppt/slides/slide21.xml><?xml version="1.0" encoding="utf-8"?>
+<file path=ppt/slides/slide22.xml><?xml version="1.0" encoding="utf-8"?>
 <p:sld xmlns:a="http://schemas.openxmlformats.org/drawingml/2006/main" xmlns:r="http://schemas.openxmlformats.org/officeDocument/2006/relationships" xmlns:p="http://schemas.openxmlformats.org/presentationml/2006/main">
   <p:cSld>
     <p:spTree>
@@ -13669,7 +13892,7 @@
 </p:sld>
 </file>
 
-<file path=ppt/slides/slide22.xml><?xml version="1.0" encoding="utf-8"?>
+<file path=ppt/slides/slide23.xml><?xml version="1.0" encoding="utf-8"?>
 <p:sld xmlns:a="http://schemas.openxmlformats.org/drawingml/2006/main" xmlns:r="http://schemas.openxmlformats.org/officeDocument/2006/relationships" xmlns:p="http://schemas.openxmlformats.org/presentationml/2006/main">
   <p:cSld>
     <p:spTree>
@@ -14356,6 +14579,168 @@
 </file>
 
 <file path=ppt/slides/slide6.xml><?xml version="1.0" encoding="utf-8"?>
+<p:sld xmlns:a="http://schemas.openxmlformats.org/drawingml/2006/main" xmlns:r="http://schemas.openxmlformats.org/officeDocument/2006/relationships" xmlns:p="http://schemas.openxmlformats.org/presentationml/2006/main">
+  <p:cSld>
+    <p:spTree>
+      <p:nvGrpSpPr>
+        <p:cNvPr id="1" name=""/>
+        <p:cNvGrpSpPr/>
+        <p:nvPr/>
+      </p:nvGrpSpPr>
+      <p:grpSpPr>
+        <a:xfrm>
+          <a:off x="0" y="0"/>
+          <a:ext cx="0" cy="0"/>
+          <a:chOff x="0" y="0"/>
+          <a:chExt cx="0" cy="0"/>
+        </a:xfrm>
+      </p:grpSpPr>
+      <p:sp>
+        <p:nvSpPr>
+          <p:cNvPr id="2" name="Title 1">
+            <a:extLst>
+              <a:ext uri="{FF2B5EF4-FFF2-40B4-BE49-F238E27FC236}">
+                <a16:creationId xmlns:a16="http://schemas.microsoft.com/office/drawing/2014/main" id="{45DF1785-83CB-4F7A-820B-C600AC43B067}"/>
+              </a:ext>
+            </a:extLst>
+          </p:cNvPr>
+          <p:cNvSpPr>
+            <a:spLocks noGrp="1"/>
+          </p:cNvSpPr>
+          <p:nvPr>
+            <p:ph type="title"/>
+          </p:nvPr>
+        </p:nvSpPr>
+        <p:spPr>
+          <a:xfrm>
+            <a:off x="1064418" y="295275"/>
+            <a:ext cx="10063163" cy="1198500"/>
+          </a:xfrm>
+          <a:ln w="38100">
+            <a:solidFill>
+              <a:schemeClr val="accent3"/>
+            </a:solidFill>
+          </a:ln>
+        </p:spPr>
+        <p:txBody>
+          <a:bodyPr>
+            <a:noAutofit/>
+          </a:bodyPr>
+          <a:lstStyle/>
+          <a:p>
+            <a:pPr algn="ctr"/>
+            <a:r>
+              <a:rPr lang="en-US" sz="2800" b="0" dirty="0">
+                <a:latin typeface="Times New Roman" panose="02020603050405020304" pitchFamily="18" charset="0"/>
+                <a:cs typeface="Times New Roman" panose="02020603050405020304" pitchFamily="18" charset="0"/>
+              </a:rPr>
+              <a:t>Receding-Horizon Optimization of Unbalanced Distribution Systems with Time-Scale Separation for Discrete and Continuous Control Devices</a:t>
+            </a:r>
+          </a:p>
+        </p:txBody>
+      </p:sp>
+      <p:sp>
+        <p:nvSpPr>
+          <p:cNvPr id="4" name="Content Placeholder 2">
+            <a:extLst>
+              <a:ext uri="{FF2B5EF4-FFF2-40B4-BE49-F238E27FC236}">
+                <a16:creationId xmlns:a16="http://schemas.microsoft.com/office/drawing/2014/main" id="{D5B1AC77-B126-AD1C-0477-647E13017E62}"/>
+              </a:ext>
+            </a:extLst>
+          </p:cNvPr>
+          <p:cNvSpPr>
+            <a:spLocks noGrp="1"/>
+          </p:cNvSpPr>
+          <p:nvPr>
+            <p:ph idx="1"/>
+          </p:nvPr>
+        </p:nvSpPr>
+        <p:spPr>
+          <a:xfrm>
+            <a:off x="1077686" y="2248664"/>
+            <a:ext cx="10063163" cy="4286531"/>
+          </a:xfrm>
+          <a:ln>
+            <a:solidFill>
+              <a:schemeClr val="accent3"/>
+            </a:solidFill>
+          </a:ln>
+        </p:spPr>
+        <p:txBody>
+          <a:bodyPr>
+            <a:normAutofit/>
+          </a:bodyPr>
+          <a:lstStyle/>
+          <a:p>
+            <a:pPr lvl="1"/>
+            <a:r>
+              <a:rPr lang="en-US" dirty="0"/>
+              <a:t>Want to minimize number of changes in mechanical discrete control components to reduce wear and tear.</a:t>
+            </a:r>
+          </a:p>
+        </p:txBody>
+      </p:sp>
+      <p:sp>
+        <p:nvSpPr>
+          <p:cNvPr id="3" name="TextBox 2">
+            <a:extLst>
+              <a:ext uri="{FF2B5EF4-FFF2-40B4-BE49-F238E27FC236}">
+                <a16:creationId xmlns:a16="http://schemas.microsoft.com/office/drawing/2014/main" id="{2CAE984A-6DC9-662F-21EC-59C166EEFF9E}"/>
+              </a:ext>
+            </a:extLst>
+          </p:cNvPr>
+          <p:cNvSpPr txBox="1"/>
+          <p:nvPr/>
+        </p:nvSpPr>
+        <p:spPr>
+          <a:xfrm>
+            <a:off x="1064418" y="1493775"/>
+            <a:ext cx="10063163" cy="523220"/>
+          </a:xfrm>
+          <a:prstGeom prst="rect">
+            <a:avLst/>
+          </a:prstGeom>
+          <a:noFill/>
+          <a:ln>
+            <a:solidFill>
+              <a:schemeClr val="accent3"/>
+            </a:solidFill>
+          </a:ln>
+        </p:spPr>
+        <p:txBody>
+          <a:bodyPr wrap="square" rtlCol="0">
+            <a:spAutoFit/>
+          </a:bodyPr>
+          <a:lstStyle/>
+          <a:p>
+            <a:pPr algn="ctr"/>
+            <a:r>
+              <a:rPr lang="en-US" sz="2800" dirty="0">
+                <a:solidFill>
+                  <a:schemeClr val="bg1"/>
+                </a:solidFill>
+                <a:latin typeface="Copperplate Gothic Light" panose="020E0507020206020404" pitchFamily="34" charset="0"/>
+                <a:cs typeface="Aharoni" panose="02010803020104030203" pitchFamily="2" charset="-79"/>
+              </a:rPr>
+              <a:t>Outer Loop Formulation</a:t>
+            </a:r>
+          </a:p>
+        </p:txBody>
+      </p:sp>
+    </p:spTree>
+    <p:extLst>
+      <p:ext uri="{BB962C8B-B14F-4D97-AF65-F5344CB8AC3E}">
+        <p14:creationId xmlns:p14="http://schemas.microsoft.com/office/powerpoint/2010/main" val="1395619866"/>
+      </p:ext>
+    </p:extLst>
+  </p:cSld>
+  <p:clrMapOvr>
+    <a:masterClrMapping/>
+  </p:clrMapOvr>
+</p:sld>
+</file>
+
+<file path=ppt/slides/slide7.xml><?xml version="1.0" encoding="utf-8"?>
 <p:sld xmlns:a="http://schemas.openxmlformats.org/drawingml/2006/main" xmlns:r="http://schemas.openxmlformats.org/officeDocument/2006/relationships" xmlns:p="http://schemas.openxmlformats.org/presentationml/2006/main">
   <p:cSld>
     <p:spTree>
@@ -14862,194 +15247,6 @@
 </p:sld>
 </file>
 
-<file path=ppt/slides/slide7.xml><?xml version="1.0" encoding="utf-8"?>
-<p:sld xmlns:a="http://schemas.openxmlformats.org/drawingml/2006/main" xmlns:r="http://schemas.openxmlformats.org/officeDocument/2006/relationships" xmlns:p="http://schemas.openxmlformats.org/presentationml/2006/main">
-  <p:cSld>
-    <p:spTree>
-      <p:nvGrpSpPr>
-        <p:cNvPr id="1" name=""/>
-        <p:cNvGrpSpPr/>
-        <p:nvPr/>
-      </p:nvGrpSpPr>
-      <p:grpSpPr>
-        <a:xfrm>
-          <a:off x="0" y="0"/>
-          <a:ext cx="0" cy="0"/>
-          <a:chOff x="0" y="0"/>
-          <a:chExt cx="0" cy="0"/>
-        </a:xfrm>
-      </p:grpSpPr>
-      <p:sp>
-        <p:nvSpPr>
-          <p:cNvPr id="3" name="Content Placeholder 2">
-            <a:extLst>
-              <a:ext uri="{FF2B5EF4-FFF2-40B4-BE49-F238E27FC236}">
-                <a16:creationId xmlns:a16="http://schemas.microsoft.com/office/drawing/2014/main" id="{64BE6767-30AA-41AB-8C0B-29F30741AF76}"/>
-              </a:ext>
-            </a:extLst>
-          </p:cNvPr>
-          <p:cNvSpPr>
-            <a:spLocks noGrp="1"/>
-          </p:cNvSpPr>
-          <p:nvPr>
-            <p:ph idx="1"/>
-          </p:nvPr>
-        </p:nvSpPr>
-        <p:spPr>
-          <a:xfrm>
-            <a:off x="1077686" y="2248664"/>
-            <a:ext cx="10063163" cy="4286531"/>
-          </a:xfrm>
-        </p:spPr>
-        <p:txBody>
-          <a:bodyPr>
-            <a:normAutofit/>
-          </a:bodyPr>
-          <a:lstStyle/>
-          <a:p>
-            <a:r>
-              <a:rPr lang="en-US" dirty="0"/>
-              <a:t>Distribution System</a:t>
-            </a:r>
-          </a:p>
-          <a:p>
-            <a:pPr lvl="1">
-              <a:buFont typeface="Wingdings" panose="05000000000000000000" pitchFamily="2" charset="2"/>
-              <a:buChar char="Ø"/>
-            </a:pPr>
-            <a:r>
-              <a:rPr lang="en-US" dirty="0"/>
-              <a:t>Unbalanced</a:t>
-            </a:r>
-          </a:p>
-          <a:p>
-            <a:pPr lvl="1">
-              <a:buFont typeface="Wingdings" panose="05000000000000000000" pitchFamily="2" charset="2"/>
-              <a:buChar char="Ø"/>
-            </a:pPr>
-            <a:r>
-              <a:rPr lang="en-US" dirty="0"/>
-              <a:t>Inverter-Interfaced</a:t>
-            </a:r>
-          </a:p>
-          <a:p>
-            <a:pPr lvl="1">
-              <a:buFont typeface="Wingdings" panose="05000000000000000000" pitchFamily="2" charset="2"/>
-              <a:buChar char="Ø"/>
-            </a:pPr>
-            <a:r>
-              <a:rPr lang="en-US" dirty="0"/>
-              <a:t>Significant Solar Penetration</a:t>
-            </a:r>
-          </a:p>
-          <a:p>
-            <a:pPr lvl="1">
-              <a:buFont typeface="Wingdings" panose="05000000000000000000" pitchFamily="2" charset="2"/>
-              <a:buChar char="Ø"/>
-            </a:pPr>
-            <a:endParaRPr lang="en-US" dirty="0"/>
-          </a:p>
-          <a:p>
-            <a:r>
-              <a:rPr lang="en-US" dirty="0"/>
-              <a:t>Three-Phase Unbalanced</a:t>
-            </a:r>
-          </a:p>
-          <a:p>
-            <a:pPr lvl="1">
-              <a:buFont typeface="Wingdings" panose="05000000000000000000" pitchFamily="2" charset="2"/>
-              <a:buChar char="Ø"/>
-            </a:pPr>
-            <a:r>
-              <a:rPr lang="en-US" dirty="0"/>
-              <a:t>Non-Convex Loss-minimization problem</a:t>
-            </a:r>
-          </a:p>
-          <a:p>
-            <a:pPr lvl="1">
-              <a:buFont typeface="Wingdings" panose="05000000000000000000" pitchFamily="2" charset="2"/>
-              <a:buChar char="Ø"/>
-            </a:pPr>
-            <a:r>
-              <a:rPr lang="en-US" dirty="0"/>
-              <a:t>Formulated as a Convex Second Order Conic Program  (SOCP) for arriving at an initial solution for Non-Linear Program (NLP)</a:t>
-            </a:r>
-          </a:p>
-          <a:p>
-            <a:pPr lvl="1">
-              <a:buFont typeface="Wingdings" panose="05000000000000000000" pitchFamily="2" charset="2"/>
-              <a:buChar char="Ø"/>
-            </a:pPr>
-            <a:r>
-              <a:rPr lang="en-US" dirty="0"/>
-              <a:t>NLP run to ensure physically realizable solution</a:t>
-            </a:r>
-          </a:p>
-          <a:p>
-            <a:pPr lvl="1"/>
-            <a:endParaRPr lang="en-US" dirty="0"/>
-          </a:p>
-        </p:txBody>
-      </p:sp>
-      <p:sp>
-        <p:nvSpPr>
-          <p:cNvPr id="2" name="Title 1">
-            <a:extLst>
-              <a:ext uri="{FF2B5EF4-FFF2-40B4-BE49-F238E27FC236}">
-                <a16:creationId xmlns:a16="http://schemas.microsoft.com/office/drawing/2014/main" id="{45DF1785-83CB-4F7A-820B-C600AC43B067}"/>
-              </a:ext>
-            </a:extLst>
-          </p:cNvPr>
-          <p:cNvSpPr>
-            <a:spLocks noGrp="1"/>
-          </p:cNvSpPr>
-          <p:nvPr>
-            <p:ph type="title"/>
-          </p:nvPr>
-        </p:nvSpPr>
-        <p:spPr>
-          <a:xfrm>
-            <a:off x="1064418" y="376654"/>
-            <a:ext cx="10063163" cy="1015584"/>
-          </a:xfrm>
-          <a:ln w="38100">
-            <a:solidFill>
-              <a:schemeClr val="bg2">
-                <a:lumMod val="40000"/>
-                <a:lumOff val="60000"/>
-              </a:schemeClr>
-            </a:solidFill>
-          </a:ln>
-        </p:spPr>
-        <p:txBody>
-          <a:bodyPr>
-            <a:normAutofit fontScale="90000"/>
-          </a:bodyPr>
-          <a:lstStyle/>
-          <a:p>
-            <a:r>
-              <a:rPr lang="en-US" b="0" dirty="0">
-                <a:latin typeface="Times New Roman" panose="02020603050405020304" pitchFamily="18" charset="0"/>
-                <a:cs typeface="Times New Roman" panose="02020603050405020304" pitchFamily="18" charset="0"/>
-              </a:rPr>
-              <a:t>Optimal Multi-Period Dispatch of Distributed Energy Resources in Unbalanced Distribution Feeders</a:t>
-            </a:r>
-          </a:p>
-        </p:txBody>
-      </p:sp>
-    </p:spTree>
-    <p:extLst>
-      <p:ext uri="{BB962C8B-B14F-4D97-AF65-F5344CB8AC3E}">
-        <p14:creationId xmlns:p14="http://schemas.microsoft.com/office/powerpoint/2010/main" val="1311344680"/>
-      </p:ext>
-    </p:extLst>
-  </p:cSld>
-  <p:clrMapOvr>
-    <a:masterClrMapping/>
-  </p:clrMapOvr>
-</p:sld>
-</file>
-
 <file path=ppt/slides/slide8.xml><?xml version="1.0" encoding="utf-8"?>
 <p:sld xmlns:a="http://schemas.openxmlformats.org/drawingml/2006/main" xmlns:r="http://schemas.openxmlformats.org/officeDocument/2006/relationships" xmlns:p="http://schemas.openxmlformats.org/presentationml/2006/main">
   <p:cSld>
@@ -15097,35 +15294,7 @@
           <a:p>
             <a:r>
               <a:rPr lang="en-US" dirty="0"/>
-              <a:t>Conditions derived to ensure that batteries do NOT simultaneously charge and discharge. </a:t>
-            </a:r>
-            <a:r>
-              <a:rPr lang="en-US" b="1" i="1" dirty="0">
-                <a:solidFill>
-                  <a:schemeClr val="accent1">
-                    <a:lumMod val="40000"/>
-                    <a:lumOff val="60000"/>
-                  </a:schemeClr>
-                </a:solidFill>
-              </a:rPr>
-              <a:t>(Is that a big problem?)</a:t>
-            </a:r>
-          </a:p>
-          <a:p>
-            <a:endParaRPr lang="en-US" dirty="0"/>
-          </a:p>
-          <a:p>
-            <a:r>
-              <a:rPr lang="en-US" dirty="0"/>
-              <a:t>Tested with </a:t>
-            </a:r>
-            <a:r>
-              <a:rPr lang="en-US" dirty="0" err="1"/>
-              <a:t>GridLab</a:t>
-            </a:r>
-            <a:r>
-              <a:rPr lang="en-US" dirty="0"/>
-              <a:t>-D for IEEE 13 and IEEE 123.</a:t>
+              <a:t>Distribution System</a:t>
             </a:r>
           </a:p>
           <a:p>
@@ -15135,7 +15304,7 @@
             </a:pPr>
             <a:r>
               <a:rPr lang="en-US" dirty="0"/>
-              <a:t>AC feasibility of the solutions ensured</a:t>
+              <a:t>Unbalanced</a:t>
             </a:r>
           </a:p>
           <a:p>
@@ -15145,7 +15314,7 @@
             </a:pPr>
             <a:r>
               <a:rPr lang="en-US" dirty="0"/>
-              <a:t>Near-optimal performance</a:t>
+              <a:t>Inverter-Interfaced</a:t>
             </a:r>
           </a:p>
           <a:p>
@@ -15155,7 +15324,50 @@
             </a:pPr>
             <a:r>
               <a:rPr lang="en-US" dirty="0"/>
-              <a:t>Solution time &lt; 1 min.</a:t>
+              <a:t>Significant Solar Penetration</a:t>
+            </a:r>
+          </a:p>
+          <a:p>
+            <a:pPr lvl="1">
+              <a:buFont typeface="Wingdings" panose="05000000000000000000" pitchFamily="2" charset="2"/>
+              <a:buChar char="Ø"/>
+            </a:pPr>
+            <a:endParaRPr lang="en-US" dirty="0"/>
+          </a:p>
+          <a:p>
+            <a:r>
+              <a:rPr lang="en-US" dirty="0"/>
+              <a:t>Three-Phase Unbalanced</a:t>
+            </a:r>
+          </a:p>
+          <a:p>
+            <a:pPr lvl="1">
+              <a:buFont typeface="Wingdings" panose="05000000000000000000" pitchFamily="2" charset="2"/>
+              <a:buChar char="Ø"/>
+            </a:pPr>
+            <a:r>
+              <a:rPr lang="en-US" dirty="0"/>
+              <a:t>Non-Convex Loss-minimization problem</a:t>
+            </a:r>
+          </a:p>
+          <a:p>
+            <a:pPr lvl="1">
+              <a:buFont typeface="Wingdings" panose="05000000000000000000" pitchFamily="2" charset="2"/>
+              <a:buChar char="Ø"/>
+            </a:pPr>
+            <a:r>
+              <a:rPr lang="en-US" dirty="0"/>
+              <a:t>Formulated as a Convex Second Order Conic Program  (SOCP) for arriving at an initial solution for Non-Linear Program (NLP)</a:t>
+            </a:r>
+          </a:p>
+          <a:p>
+            <a:pPr lvl="1">
+              <a:buFont typeface="Wingdings" panose="05000000000000000000" pitchFamily="2" charset="2"/>
+              <a:buChar char="Ø"/>
+            </a:pPr>
+            <a:r>
+              <a:rPr lang="en-US" dirty="0"/>
+              <a:t>NLP run to ensure physically realizable solution</a:t>
             </a:r>
           </a:p>
           <a:p>
@@ -15213,7 +15425,7 @@
     </p:spTree>
     <p:extLst>
       <p:ext uri="{BB962C8B-B14F-4D97-AF65-F5344CB8AC3E}">
-        <p14:creationId xmlns:p14="http://schemas.microsoft.com/office/powerpoint/2010/main" val="364621248"/>
+        <p14:creationId xmlns:p14="http://schemas.microsoft.com/office/powerpoint/2010/main" val="1311344680"/>
       </p:ext>
     </p:extLst>
   </p:cSld>
@@ -15258,8 +15470,8 @@
         </p:nvSpPr>
         <p:spPr>
           <a:xfrm>
-            <a:off x="1077686" y="2248665"/>
-            <a:ext cx="10063163" cy="3256786"/>
+            <a:off x="1077686" y="2248664"/>
+            <a:ext cx="10063163" cy="4286531"/>
           </a:xfrm>
         </p:spPr>
         <p:txBody>
@@ -15269,34 +15481,36 @@
           <a:lstStyle/>
           <a:p>
             <a:r>
+              <a:rPr lang="en-US" dirty="0"/>
+              <a:t>Conditions derived to ensure that batteries do NOT simultaneously charge and discharge. </a:t>
+            </a:r>
+            <a:r>
+              <a:rPr lang="en-US" b="1" i="1" dirty="0">
+                <a:solidFill>
+                  <a:schemeClr val="accent1">
+                    <a:lumMod val="40000"/>
+                    <a:lumOff val="60000"/>
+                  </a:schemeClr>
+                </a:solidFill>
+              </a:rPr>
+              <a:t>(Is that a big problem?)</a:t>
+            </a:r>
+          </a:p>
+          <a:p>
+            <a:endParaRPr lang="en-US" dirty="0"/>
+          </a:p>
+          <a:p>
+            <a:r>
+              <a:rPr lang="en-US" dirty="0"/>
+              <a:t>Tested with </a:t>
+            </a:r>
+            <a:r>
               <a:rPr lang="en-US" dirty="0" err="1"/>
-              <a:t>ConEd</a:t>
-            </a:r>
-            <a:r>
-              <a:rPr lang="en-US" baseline="30000" dirty="0"/>
-              <a:t>*</a:t>
+              <a:t>GridLab</a:t>
             </a:r>
             <a:r>
               <a:rPr lang="en-US" dirty="0"/>
-              <a:t> of NY moving towards Distributed System Platforms (DSPs)</a:t>
-            </a:r>
-          </a:p>
-          <a:p>
-            <a:endParaRPr lang="en-US" dirty="0"/>
-          </a:p>
-          <a:p>
-            <a:r>
-              <a:rPr lang="en-US" dirty="0"/>
-              <a:t>These DSPs allow for DERs to be factored into Optimization schemes for Power Generation</a:t>
-            </a:r>
-          </a:p>
-          <a:p>
-            <a:endParaRPr lang="en-US" dirty="0"/>
-          </a:p>
-          <a:p>
-            <a:r>
-              <a:rPr lang="en-US" dirty="0"/>
-              <a:t>DERs can be Optimized to function as Virtual Batteries (VBs)</a:t>
+              <a:t>-D for IEEE 13 and IEEE 123.</a:t>
             </a:r>
           </a:p>
           <a:p>
@@ -15306,15 +15520,27 @@
             </a:pPr>
             <a:r>
               <a:rPr lang="en-US" dirty="0"/>
-              <a:t>provide energy services at different </a:t>
-            </a:r>
-            <a:r>
-              <a:rPr lang="en-US" dirty="0" err="1"/>
-              <a:t>spatio</a:t>
-            </a:r>
+              <a:t>AC feasibility of the solutions ensured</a:t>
+            </a:r>
+          </a:p>
+          <a:p>
+            <a:pPr lvl="1">
+              <a:buFont typeface="Wingdings" panose="05000000000000000000" pitchFamily="2" charset="2"/>
+              <a:buChar char="Ø"/>
+            </a:pPr>
             <a:r>
               <a:rPr lang="en-US" dirty="0"/>
-              <a:t>-temporal scales.</a:t>
+              <a:t>Near-optimal performance</a:t>
+            </a:r>
+          </a:p>
+          <a:p>
+            <a:pPr lvl="1">
+              <a:buFont typeface="Wingdings" panose="05000000000000000000" pitchFamily="2" charset="2"/>
+              <a:buChar char="Ø"/>
+            </a:pPr>
+            <a:r>
+              <a:rPr lang="en-US" dirty="0"/>
+              <a:t>Solution time &lt; 1 min.</a:t>
             </a:r>
           </a:p>
           <a:p>
@@ -15369,73 +15595,10 @@
           </a:p>
         </p:txBody>
       </p:sp>
-      <p:sp>
-        <p:nvSpPr>
-          <p:cNvPr id="4" name="TextBox 3">
-            <a:extLst>
-              <a:ext uri="{FF2B5EF4-FFF2-40B4-BE49-F238E27FC236}">
-                <a16:creationId xmlns:a16="http://schemas.microsoft.com/office/drawing/2014/main" id="{8EFEBC6E-AF86-6BC5-4CB0-6803F1624DA1}"/>
-              </a:ext>
-            </a:extLst>
-          </p:cNvPr>
-          <p:cNvSpPr txBox="1"/>
-          <p:nvPr/>
-        </p:nvSpPr>
-        <p:spPr>
-          <a:xfrm>
-            <a:off x="1238250" y="5505451"/>
-            <a:ext cx="3838575" cy="1200329"/>
-          </a:xfrm>
-          <a:prstGeom prst="rect">
-            <a:avLst/>
-          </a:prstGeom>
-          <a:noFill/>
-          <a:ln>
-            <a:solidFill>
-              <a:schemeClr val="bg2">
-                <a:lumMod val="40000"/>
-                <a:lumOff val="60000"/>
-              </a:schemeClr>
-            </a:solidFill>
-          </a:ln>
-        </p:spPr>
-        <p:txBody>
-          <a:bodyPr wrap="square" rtlCol="0">
-            <a:spAutoFit/>
-          </a:bodyPr>
-          <a:lstStyle/>
-          <a:p>
-            <a:r>
-              <a:rPr lang="en-US" dirty="0">
-                <a:solidFill>
-                  <a:schemeClr val="bg1"/>
-                </a:solidFill>
-              </a:rPr>
-              <a:t>* Consolidated Edison, electric utility in NY and NOT </a:t>
-            </a:r>
-            <a:r>
-              <a:rPr lang="en-US" dirty="0" err="1">
-                <a:solidFill>
-                  <a:schemeClr val="bg1"/>
-                </a:solidFill>
-              </a:rPr>
-              <a:t>ComEd</a:t>
-            </a:r>
-            <a:r>
-              <a:rPr lang="en-US" dirty="0">
-                <a:solidFill>
-                  <a:schemeClr val="bg1"/>
-                </a:solidFill>
-              </a:rPr>
-              <a:t>, Commonwealth Edison, electric utility in IL</a:t>
-            </a:r>
-          </a:p>
-        </p:txBody>
-      </p:sp>
     </p:spTree>
     <p:extLst>
       <p:ext uri="{BB962C8B-B14F-4D97-AF65-F5344CB8AC3E}">
-        <p14:creationId xmlns:p14="http://schemas.microsoft.com/office/powerpoint/2010/main" val="497868237"/>
+        <p14:creationId xmlns:p14="http://schemas.microsoft.com/office/powerpoint/2010/main" val="364621248"/>
       </p:ext>
     </p:extLst>
   </p:cSld>
@@ -16237,20 +16400,20 @@
 </file>
 
 <file path=customXml/item1.xml><?xml version="1.0" encoding="utf-8"?>
+<p:properties xmlns:p="http://schemas.microsoft.com/office/2006/metadata/properties" xmlns:xsi="http://www.w3.org/2001/XMLSchema-instance" xmlns:pc="http://schemas.microsoft.com/office/infopath/2007/PartnerControls">
+  <documentManagement>
+    <_activity xmlns="07b86a79-a0e0-4fae-97d8-d960552457a2" xsi:nil="true"/>
+  </documentManagement>
+</p:properties>
+</file>
+
+<file path=customXml/item2.xml><?xml version="1.0" encoding="utf-8"?>
 <?mso-contentType ?>
 <FormTemplates xmlns="http://schemas.microsoft.com/sharepoint/v3/contenttype/forms">
   <Display>DocumentLibraryForm</Display>
   <Edit>DocumentLibraryForm</Edit>
   <New>DocumentLibraryForm</New>
 </FormTemplates>
-</file>
-
-<file path=customXml/item2.xml><?xml version="1.0" encoding="utf-8"?>
-<p:properties xmlns:p="http://schemas.microsoft.com/office/2006/metadata/properties" xmlns:xsi="http://www.w3.org/2001/XMLSchema-instance" xmlns:pc="http://schemas.microsoft.com/office/infopath/2007/PartnerControls">
-  <documentManagement>
-    <_activity xmlns="07b86a79-a0e0-4fae-97d8-d960552457a2" xsi:nil="true"/>
-  </documentManagement>
-</p:properties>
 </file>
 
 <file path=customXml/item3.xml><?xml version="1.0" encoding="utf-8"?>
@@ -16443,14 +16606,6 @@
 </file>
 
 <file path=customXml/itemProps1.xml><?xml version="1.0" encoding="utf-8"?>
-<ds:datastoreItem xmlns:ds="http://schemas.openxmlformats.org/officeDocument/2006/customXml" ds:itemID="{7EFD9054-912F-4B88-91C1-59322474C238}">
-  <ds:schemaRefs>
-    <ds:schemaRef ds:uri="http://schemas.microsoft.com/sharepoint/v3/contenttype/forms"/>
-  </ds:schemaRefs>
-</ds:datastoreItem>
-</file>
-
-<file path=customXml/itemProps2.xml><?xml version="1.0" encoding="utf-8"?>
 <ds:datastoreItem xmlns:ds="http://schemas.openxmlformats.org/officeDocument/2006/customXml" ds:itemID="{5F4FE37C-59E4-4EF4-8795-42EF570B5A85}">
   <ds:schemaRefs>
     <ds:schemaRef ds:uri="http://schemas.microsoft.com/office/2006/documentManagement/types"/>
@@ -16463,6 +16618,14 @@
     <ds:schemaRef ds:uri="40f16175-07f6-4179-a7d3-44240c48c007"/>
     <ds:schemaRef ds:uri="http://www.w3.org/XML/1998/namespace"/>
     <ds:schemaRef ds:uri="http://purl.org/dc/terms/"/>
+  </ds:schemaRefs>
+</ds:datastoreItem>
+</file>
+
+<file path=customXml/itemProps2.xml><?xml version="1.0" encoding="utf-8"?>
+<ds:datastoreItem xmlns:ds="http://schemas.openxmlformats.org/officeDocument/2006/customXml" ds:itemID="{7EFD9054-912F-4B88-91C1-59322474C238}">
+  <ds:schemaRefs>
+    <ds:schemaRef ds:uri="http://schemas.microsoft.com/sharepoint/v3/contenttype/forms"/>
   </ds:schemaRefs>
 </ds:datastoreItem>
 </file>
